--- a/ch06_EclipseGitHub.pptx
+++ b/ch06_EclipseGitHub.pptx
@@ -5,12 +5,26 @@
     <p:sldMasterId id="2147483648" r:id="rId1"/>
   </p:sldMasterIdLst>
   <p:notesMasterIdLst>
-    <p:notesMasterId r:id="rId5"/>
+    <p:notesMasterId r:id="rId19"/>
   </p:notesMasterIdLst>
   <p:sldIdLst>
     <p:sldId id="256" r:id="rId2"/>
     <p:sldId id="263" r:id="rId3"/>
-    <p:sldId id="259" r:id="rId4"/>
+    <p:sldId id="264" r:id="rId4"/>
+    <p:sldId id="265" r:id="rId5"/>
+    <p:sldId id="271" r:id="rId6"/>
+    <p:sldId id="267" r:id="rId7"/>
+    <p:sldId id="266" r:id="rId8"/>
+    <p:sldId id="268" r:id="rId9"/>
+    <p:sldId id="269" r:id="rId10"/>
+    <p:sldId id="272" r:id="rId11"/>
+    <p:sldId id="270" r:id="rId12"/>
+    <p:sldId id="274" r:id="rId13"/>
+    <p:sldId id="273" r:id="rId14"/>
+    <p:sldId id="275" r:id="rId15"/>
+    <p:sldId id="277" r:id="rId16"/>
+    <p:sldId id="276" r:id="rId17"/>
+    <p:sldId id="259" r:id="rId18"/>
   </p:sldIdLst>
   <p:sldSz cx="9144000" cy="6858000" type="screen4x3"/>
   <p:notesSz cx="6858000" cy="9144000"/>
@@ -3581,7 +3595,156 @@
 </p:sld>
 </file>
 
-<file path=ppt/slides/slide2.xml><?xml version="1.0" encoding="utf-8"?>
+<file path=ppt/slides/slide10.xml><?xml version="1.0" encoding="utf-8"?>
+<p:sld xmlns:a="http://schemas.openxmlformats.org/drawingml/2006/main" xmlns:r="http://schemas.openxmlformats.org/officeDocument/2006/relationships" xmlns:p="http://schemas.openxmlformats.org/presentationml/2006/main">
+  <p:cSld>
+    <p:spTree>
+      <p:nvGrpSpPr>
+        <p:cNvPr id="1" name=""/>
+        <p:cNvGrpSpPr/>
+        <p:nvPr/>
+      </p:nvGrpSpPr>
+      <p:grpSpPr>
+        <a:xfrm>
+          <a:off x="0" y="0"/>
+          <a:ext cx="0" cy="0"/>
+          <a:chOff x="0" y="0"/>
+          <a:chExt cx="0" cy="0"/>
+        </a:xfrm>
+      </p:grpSpPr>
+      <p:sp>
+        <p:nvSpPr>
+          <p:cNvPr id="2" name="標題 1"/>
+          <p:cNvSpPr>
+            <a:spLocks noGrp="1"/>
+          </p:cNvSpPr>
+          <p:nvPr>
+            <p:ph type="ctrTitle"/>
+          </p:nvPr>
+        </p:nvSpPr>
+        <p:spPr>
+          <a:xfrm>
+            <a:off x="-14908" y="2132856"/>
+            <a:ext cx="9144000" cy="1470025"/>
+          </a:xfrm>
+          <a:solidFill>
+            <a:srgbClr val="00B0F0"/>
+          </a:solidFill>
+        </p:spPr>
+        <p:txBody>
+          <a:bodyPr>
+            <a:normAutofit fontScale="90000"/>
+          </a:bodyPr>
+          <a:lstStyle/>
+          <a:p>
+            <a:r>
+              <a:rPr lang="en-US" altLang="zh-TW" sz="4800" b="1" dirty="0">
+                <a:solidFill>
+                  <a:srgbClr val="FFFF00"/>
+                </a:solidFill>
+              </a:rPr>
+              <a:t>6.2 Commit Project to Local Repository</a:t>
+            </a:r>
+            <a:endParaRPr lang="zh-TW" altLang="en-US" sz="4800" b="1" dirty="0">
+              <a:solidFill>
+                <a:srgbClr val="FFFF00"/>
+              </a:solidFill>
+            </a:endParaRPr>
+          </a:p>
+        </p:txBody>
+      </p:sp>
+      <p:sp>
+        <p:nvSpPr>
+          <p:cNvPr id="5" name="日期版面配置區 4"/>
+          <p:cNvSpPr>
+            <a:spLocks noGrp="1"/>
+          </p:cNvSpPr>
+          <p:nvPr>
+            <p:ph type="dt" sz="half" idx="10"/>
+          </p:nvPr>
+        </p:nvSpPr>
+        <p:spPr/>
+        <p:txBody>
+          <a:bodyPr/>
+          <a:lstStyle/>
+          <a:p>
+            <a:fld id="{C389EDC9-19E3-47AC-9C57-C6A24DEA81AD}" type="datetime1">
+              <a:rPr lang="zh-TW" altLang="en-US" smtClean="0"/>
+              <a:pPr/>
+              <a:t>2019/5/10</a:t>
+            </a:fld>
+            <a:endParaRPr lang="zh-TW" altLang="en-US"/>
+          </a:p>
+        </p:txBody>
+      </p:sp>
+      <p:sp>
+        <p:nvSpPr>
+          <p:cNvPr id="6" name="投影片編號版面配置區 5"/>
+          <p:cNvSpPr>
+            <a:spLocks noGrp="1"/>
+          </p:cNvSpPr>
+          <p:nvPr>
+            <p:ph type="sldNum" sz="quarter" idx="12"/>
+          </p:nvPr>
+        </p:nvSpPr>
+        <p:spPr/>
+        <p:txBody>
+          <a:bodyPr/>
+          <a:lstStyle/>
+          <a:p>
+            <a:fld id="{E4D7E63D-91F2-4366-A2C4-1B00C9E2590E}" type="slidenum">
+              <a:rPr lang="zh-TW" altLang="en-US" smtClean="0"/>
+              <a:pPr/>
+              <a:t>10</a:t>
+            </a:fld>
+            <a:endParaRPr lang="zh-TW" altLang="en-US"/>
+          </a:p>
+        </p:txBody>
+      </p:sp>
+      <p:pic>
+        <p:nvPicPr>
+          <p:cNvPr id="7" name="Picture 6">
+            <a:extLst>
+              <a:ext uri="{FF2B5EF4-FFF2-40B4-BE49-F238E27FC236}">
+                <a16:creationId xmlns:a16="http://schemas.microsoft.com/office/drawing/2014/main" id="{13E1E6C3-8D61-43FD-9739-EC3CD35FD08C}"/>
+              </a:ext>
+            </a:extLst>
+          </p:cNvPr>
+          <p:cNvPicPr>
+            <a:picLocks noChangeAspect="1"/>
+          </p:cNvPicPr>
+          <p:nvPr/>
+        </p:nvPicPr>
+        <p:blipFill>
+          <a:blip r:embed="rId2"/>
+          <a:stretch>
+            <a:fillRect/>
+          </a:stretch>
+        </p:blipFill>
+        <p:spPr>
+          <a:xfrm>
+            <a:off x="4042507" y="3668596"/>
+            <a:ext cx="1058986" cy="957275"/>
+          </a:xfrm>
+          <a:prstGeom prst="rect">
+            <a:avLst/>
+          </a:prstGeom>
+        </p:spPr>
+      </p:pic>
+    </p:spTree>
+    <p:extLst>
+      <p:ext uri="{BB962C8B-B14F-4D97-AF65-F5344CB8AC3E}">
+        <p14:creationId xmlns:p14="http://schemas.microsoft.com/office/powerpoint/2010/main" val="1940103972"/>
+      </p:ext>
+    </p:extLst>
+  </p:cSld>
+  <p:clrMapOvr>
+    <a:masterClrMapping/>
+  </p:clrMapOvr>
+</p:sld>
+</file>
+
+<file path=ppt/slides/slide11.xml><?xml version="1.0" encoding="utf-8"?>
 <p:sld xmlns:a="http://schemas.openxmlformats.org/drawingml/2006/main" xmlns:r="http://schemas.openxmlformats.org/officeDocument/2006/relationships" xmlns:p="http://schemas.openxmlformats.org/presentationml/2006/main">
   <p:cSld>
     <p:spTree>
@@ -3641,7 +3804,9 @@
           </a:gradFill>
         </p:spPr>
         <p:txBody>
-          <a:bodyPr/>
+          <a:bodyPr>
+            <a:normAutofit fontScale="90000"/>
+          </a:bodyPr>
           <a:lstStyle/>
           <a:p>
             <a:pPr algn="l"/>
@@ -3651,7 +3816,7 @@
                   <a:srgbClr val="FFFF00"/>
                 </a:solidFill>
               </a:rPr>
-              <a:t>6 Upload File to GitHub by Eclipse</a:t>
+              <a:t>6.2 Commit Project to Local Repository</a:t>
             </a:r>
             <a:endParaRPr lang="zh-TW" altLang="en-US" b="1" dirty="0">
               <a:solidFill>
@@ -3674,7 +3839,7 @@
         <p:spPr>
           <a:xfrm>
             <a:off x="539552" y="1340768"/>
-            <a:ext cx="8064896" cy="894020"/>
+            <a:ext cx="8064896" cy="398616"/>
           </a:xfrm>
           <a:ln>
             <a:solidFill>
@@ -3702,25 +3867,23 @@
                   <a:schemeClr val="tx1"/>
                 </a:solidFill>
               </a:rPr>
-              <a:t>We have test.txt file here. It is a text file with several lines inside.</a:t>
-            </a:r>
-          </a:p>
-          <a:p>
-            <a:pPr marL="342900" indent="-342900" algn="l">
-              <a:buClr>
-                <a:srgbClr val="0070C0"/>
-              </a:buClr>
-              <a:buSzPct val="80000"/>
-              <a:buFont typeface="Wingdings" pitchFamily="2" charset="2"/>
-              <a:buChar char="u"/>
-            </a:pPr>
+              <a:t>Select Project: </a:t>
+            </a:r>
+            <a:r>
+              <a:rPr lang="en-US" altLang="zh-TW" sz="1800" dirty="0" err="1">
+                <a:solidFill>
+                  <a:schemeClr val="tx1"/>
+                </a:solidFill>
+              </a:rPr>
+              <a:t>GitHubTest</a:t>
+            </a:r>
             <a:r>
               <a:rPr lang="en-US" altLang="zh-TW" sz="1800" dirty="0">
                 <a:solidFill>
                   <a:schemeClr val="tx1"/>
                 </a:solidFill>
               </a:rPr>
-              <a:t>Double click “test.txt” to check the file content. We would like to add some more descriptions.</a:t>
+              <a:t> &gt; Team &gt; Commit …</a:t>
             </a:r>
           </a:p>
         </p:txBody>
@@ -3854,13 +4017,53 @@
             <a:fld id="{E4D7E63D-91F2-4366-A2C4-1B00C9E2590E}" type="slidenum">
               <a:rPr lang="zh-TW" altLang="en-US" smtClean="0"/>
               <a:pPr/>
-              <a:t>2</a:t>
+              <a:t>11</a:t>
             </a:fld>
             <a:endParaRPr lang="zh-TW" altLang="en-US"/>
           </a:p>
         </p:txBody>
       </p:sp>
+      <p:pic>
+        <p:nvPicPr>
+          <p:cNvPr id="9" name="Picture 8">
+            <a:extLst>
+              <a:ext uri="{FF2B5EF4-FFF2-40B4-BE49-F238E27FC236}">
+                <a16:creationId xmlns:a16="http://schemas.microsoft.com/office/drawing/2014/main" id="{D901B8B1-4B12-44FA-8A23-13036C8269AD}"/>
+              </a:ext>
+            </a:extLst>
+          </p:cNvPr>
+          <p:cNvPicPr>
+            <a:picLocks noChangeAspect="1"/>
+          </p:cNvPicPr>
+          <p:nvPr/>
+        </p:nvPicPr>
+        <p:blipFill>
+          <a:blip r:embed="rId3"/>
+          <a:stretch>
+            <a:fillRect/>
+          </a:stretch>
+        </p:blipFill>
+        <p:spPr>
+          <a:xfrm>
+            <a:off x="1655988" y="1931125"/>
+            <a:ext cx="5896225" cy="4099947"/>
+          </a:xfrm>
+          <a:prstGeom prst="rect">
+            <a:avLst/>
+          </a:prstGeom>
+          <a:ln>
+            <a:solidFill>
+              <a:srgbClr val="C00000"/>
+            </a:solidFill>
+          </a:ln>
+        </p:spPr>
+      </p:pic>
     </p:spTree>
+    <p:extLst>
+      <p:ext uri="{BB962C8B-B14F-4D97-AF65-F5344CB8AC3E}">
+        <p14:creationId xmlns:p14="http://schemas.microsoft.com/office/powerpoint/2010/main" val="2341342771"/>
+      </p:ext>
+    </p:extLst>
   </p:cSld>
   <p:clrMapOvr>
     <a:masterClrMapping/>
@@ -3868,7 +4071,7 @@
 </p:sld>
 </file>
 
-<file path=ppt/slides/slide3.xml><?xml version="1.0" encoding="utf-8"?>
+<file path=ppt/slides/slide12.xml><?xml version="1.0" encoding="utf-8"?>
 <p:sld xmlns:a="http://schemas.openxmlformats.org/drawingml/2006/main" xmlns:r="http://schemas.openxmlformats.org/officeDocument/2006/relationships" xmlns:p="http://schemas.openxmlformats.org/presentationml/2006/main">
   <p:cSld>
     <p:spTree>
@@ -3897,9 +4100,137 @@
         </p:nvSpPr>
         <p:spPr>
           <a:xfrm>
-            <a:off x="0" y="2130425"/>
-            <a:ext cx="9144000" cy="1470025"/>
-          </a:xfrm>
+            <a:off x="0" y="1"/>
+            <a:ext cx="9144000" cy="764704"/>
+          </a:xfrm>
+          <a:gradFill flip="none" rotWithShape="1">
+            <a:gsLst>
+              <a:gs pos="0">
+                <a:srgbClr val="C00000">
+                  <a:shade val="30000"/>
+                  <a:satMod val="115000"/>
+                </a:srgbClr>
+              </a:gs>
+              <a:gs pos="50000">
+                <a:srgbClr val="C00000">
+                  <a:shade val="67500"/>
+                  <a:satMod val="115000"/>
+                </a:srgbClr>
+              </a:gs>
+              <a:gs pos="100000">
+                <a:srgbClr val="C00000">
+                  <a:shade val="100000"/>
+                  <a:satMod val="115000"/>
+                </a:srgbClr>
+              </a:gs>
+            </a:gsLst>
+            <a:path path="circle">
+              <a:fillToRect t="100000" r="100000"/>
+            </a:path>
+            <a:tileRect l="-100000" b="-100000"/>
+          </a:gradFill>
+        </p:spPr>
+        <p:txBody>
+          <a:bodyPr>
+            <a:normAutofit fontScale="90000"/>
+          </a:bodyPr>
+          <a:lstStyle/>
+          <a:p>
+            <a:pPr algn="l"/>
+            <a:r>
+              <a:rPr lang="en-US" altLang="zh-TW" b="1" dirty="0">
+                <a:solidFill>
+                  <a:srgbClr val="FFFF00"/>
+                </a:solidFill>
+              </a:rPr>
+              <a:t>6.2 Commit Project to Local Repository</a:t>
+            </a:r>
+            <a:endParaRPr lang="zh-TW" altLang="en-US" b="1" dirty="0">
+              <a:solidFill>
+                <a:srgbClr val="FFFF00"/>
+              </a:solidFill>
+            </a:endParaRPr>
+          </a:p>
+        </p:txBody>
+      </p:sp>
+      <p:sp>
+        <p:nvSpPr>
+          <p:cNvPr id="3" name="副標題 2"/>
+          <p:cNvSpPr>
+            <a:spLocks noGrp="1"/>
+          </p:cNvSpPr>
+          <p:nvPr>
+            <p:ph type="subTitle" idx="1"/>
+          </p:nvPr>
+        </p:nvSpPr>
+        <p:spPr>
+          <a:xfrm>
+            <a:off x="539552" y="1340768"/>
+            <a:ext cx="8064896" cy="398616"/>
+          </a:xfrm>
+          <a:ln>
+            <a:solidFill>
+              <a:srgbClr val="C00000"/>
+            </a:solidFill>
+          </a:ln>
+        </p:spPr>
+        <p:txBody>
+          <a:bodyPr>
+            <a:noAutofit/>
+          </a:bodyPr>
+          <a:lstStyle/>
+          <a:p>
+            <a:pPr marL="342900" indent="-342900" algn="l">
+              <a:buClr>
+                <a:srgbClr val="0070C0"/>
+              </a:buClr>
+              <a:buSzPct val="80000"/>
+              <a:buFont typeface="Wingdings" pitchFamily="2" charset="2"/>
+              <a:buChar char="u"/>
+            </a:pPr>
+            <a:r>
+              <a:rPr lang="en-US" altLang="zh-TW" sz="1800" dirty="0">
+                <a:solidFill>
+                  <a:schemeClr val="tx1"/>
+                </a:solidFill>
+              </a:rPr>
+              <a:t>Select Project: </a:t>
+            </a:r>
+            <a:r>
+              <a:rPr lang="en-US" altLang="zh-TW" sz="1800" dirty="0" err="1">
+                <a:solidFill>
+                  <a:schemeClr val="tx1"/>
+                </a:solidFill>
+              </a:rPr>
+              <a:t>GitHubTest</a:t>
+            </a:r>
+            <a:r>
+              <a:rPr lang="en-US" altLang="zh-TW" sz="1800" dirty="0">
+                <a:solidFill>
+                  <a:schemeClr val="tx1"/>
+                </a:solidFill>
+              </a:rPr>
+              <a:t> &gt; Team &gt; Commit …</a:t>
+            </a:r>
+          </a:p>
+        </p:txBody>
+      </p:sp>
+      <p:sp>
+        <p:nvSpPr>
+          <p:cNvPr id="4" name="標題 1"/>
+          <p:cNvSpPr txBox="1">
+            <a:spLocks/>
+          </p:cNvSpPr>
+          <p:nvPr/>
+        </p:nvSpPr>
+        <p:spPr>
+          <a:xfrm>
+            <a:off x="0" y="764704"/>
+            <a:ext cx="9144000" cy="398616"/>
+          </a:xfrm>
+          <a:prstGeom prst="rect">
+            <a:avLst/>
+          </a:prstGeom>
           <a:gradFill flip="none" rotWithShape="1">
             <a:gsLst>
               <a:gs pos="0">
@@ -3928,6 +4259,2140 @@
           </a:gradFill>
         </p:spPr>
         <p:txBody>
+          <a:bodyPr vert="horz" lIns="91440" tIns="45720" rIns="91440" bIns="45720" rtlCol="0" anchor="ctr">
+            <a:normAutofit/>
+          </a:bodyPr>
+          <a:lstStyle/>
+          <a:p>
+            <a:pPr lvl="0">
+              <a:spcBef>
+                <a:spcPct val="0"/>
+              </a:spcBef>
+            </a:pPr>
+            <a:r>
+              <a:rPr lang="en-US" sz="1600" dirty="0">
+                <a:hlinkClick r:id="rId2"/>
+              </a:rPr>
+              <a:t>https://www.youtube.com/watch?v=Huwf0TgWrOw&amp;list=PLsyeobzWxl7q2eaUkorLZExfd7qko9sZC&amp;index=7</a:t>
+            </a:r>
+            <a:endParaRPr kumimoji="0" lang="zh-TW" altLang="en-US" sz="1600" b="0" i="0" u="none" strike="noStrike" kern="1200" cap="none" spc="0" normalizeH="0" baseline="0" noProof="0" dirty="0">
+              <a:ln>
+                <a:noFill/>
+              </a:ln>
+              <a:solidFill>
+                <a:schemeClr val="tx1"/>
+              </a:solidFill>
+              <a:effectLst/>
+              <a:uLnTx/>
+              <a:uFillTx/>
+              <a:latin typeface="+mj-lt"/>
+              <a:ea typeface="+mj-ea"/>
+              <a:cs typeface="+mj-cs"/>
+            </a:endParaRPr>
+          </a:p>
+        </p:txBody>
+      </p:sp>
+      <p:sp>
+        <p:nvSpPr>
+          <p:cNvPr id="5" name="日期版面配置區 4"/>
+          <p:cNvSpPr>
+            <a:spLocks noGrp="1"/>
+          </p:cNvSpPr>
+          <p:nvPr>
+            <p:ph type="dt" sz="half" idx="10"/>
+          </p:nvPr>
+        </p:nvSpPr>
+        <p:spPr>
+          <a:xfrm>
+            <a:off x="457200" y="6356350"/>
+            <a:ext cx="2133600" cy="404246"/>
+          </a:xfrm>
+        </p:spPr>
+        <p:txBody>
+          <a:bodyPr/>
+          <a:lstStyle/>
+          <a:p>
+            <a:fld id="{A4F910E6-8D00-4BAF-8C48-9688E0B449D3}" type="datetime1">
+              <a:rPr lang="zh-TW" altLang="en-US" smtClean="0"/>
+              <a:pPr/>
+              <a:t>2019/5/10</a:t>
+            </a:fld>
+            <a:endParaRPr lang="zh-TW" altLang="en-US"/>
+          </a:p>
+        </p:txBody>
+      </p:sp>
+      <p:sp>
+        <p:nvSpPr>
+          <p:cNvPr id="6" name="投影片編號版面配置區 5"/>
+          <p:cNvSpPr>
+            <a:spLocks noGrp="1"/>
+          </p:cNvSpPr>
+          <p:nvPr>
+            <p:ph type="sldNum" sz="quarter" idx="12"/>
+          </p:nvPr>
+        </p:nvSpPr>
+        <p:spPr>
+          <a:xfrm>
+            <a:off x="6485413" y="6340007"/>
+            <a:ext cx="2133600" cy="404246"/>
+          </a:xfrm>
+        </p:spPr>
+        <p:txBody>
+          <a:bodyPr/>
+          <a:lstStyle/>
+          <a:p>
+            <a:fld id="{E4D7E63D-91F2-4366-A2C4-1B00C9E2590E}" type="slidenum">
+              <a:rPr lang="zh-TW" altLang="en-US" smtClean="0"/>
+              <a:pPr/>
+              <a:t>12</a:t>
+            </a:fld>
+            <a:endParaRPr lang="zh-TW" altLang="en-US"/>
+          </a:p>
+        </p:txBody>
+      </p:sp>
+      <p:pic>
+        <p:nvPicPr>
+          <p:cNvPr id="8" name="Picture 7">
+            <a:extLst>
+              <a:ext uri="{FF2B5EF4-FFF2-40B4-BE49-F238E27FC236}">
+                <a16:creationId xmlns:a16="http://schemas.microsoft.com/office/drawing/2014/main" id="{5EAC912E-F12C-4BCE-AD7D-1F8E8A10F03F}"/>
+              </a:ext>
+            </a:extLst>
+          </p:cNvPr>
+          <p:cNvPicPr>
+            <a:picLocks noChangeAspect="1"/>
+          </p:cNvPicPr>
+          <p:nvPr/>
+        </p:nvPicPr>
+        <p:blipFill>
+          <a:blip r:embed="rId3"/>
+          <a:stretch>
+            <a:fillRect/>
+          </a:stretch>
+        </p:blipFill>
+        <p:spPr>
+          <a:xfrm>
+            <a:off x="1763688" y="1799357"/>
+            <a:ext cx="5155480" cy="4589388"/>
+          </a:xfrm>
+          <a:prstGeom prst="rect">
+            <a:avLst/>
+          </a:prstGeom>
+          <a:ln>
+            <a:solidFill>
+              <a:srgbClr val="C00000"/>
+            </a:solidFill>
+          </a:ln>
+        </p:spPr>
+      </p:pic>
+    </p:spTree>
+    <p:extLst>
+      <p:ext uri="{BB962C8B-B14F-4D97-AF65-F5344CB8AC3E}">
+        <p14:creationId xmlns:p14="http://schemas.microsoft.com/office/powerpoint/2010/main" val="501778863"/>
+      </p:ext>
+    </p:extLst>
+  </p:cSld>
+  <p:clrMapOvr>
+    <a:masterClrMapping/>
+  </p:clrMapOvr>
+</p:sld>
+</file>
+
+<file path=ppt/slides/slide13.xml><?xml version="1.0" encoding="utf-8"?>
+<p:sld xmlns:a="http://schemas.openxmlformats.org/drawingml/2006/main" xmlns:r="http://schemas.openxmlformats.org/officeDocument/2006/relationships" xmlns:p="http://schemas.openxmlformats.org/presentationml/2006/main">
+  <p:cSld>
+    <p:spTree>
+      <p:nvGrpSpPr>
+        <p:cNvPr id="1" name=""/>
+        <p:cNvGrpSpPr/>
+        <p:nvPr/>
+      </p:nvGrpSpPr>
+      <p:grpSpPr>
+        <a:xfrm>
+          <a:off x="0" y="0"/>
+          <a:ext cx="0" cy="0"/>
+          <a:chOff x="0" y="0"/>
+          <a:chExt cx="0" cy="0"/>
+        </a:xfrm>
+      </p:grpSpPr>
+      <p:sp>
+        <p:nvSpPr>
+          <p:cNvPr id="2" name="標題 1"/>
+          <p:cNvSpPr>
+            <a:spLocks noGrp="1"/>
+          </p:cNvSpPr>
+          <p:nvPr>
+            <p:ph type="ctrTitle"/>
+          </p:nvPr>
+        </p:nvSpPr>
+        <p:spPr>
+          <a:xfrm>
+            <a:off x="0" y="1"/>
+            <a:ext cx="9144000" cy="764704"/>
+          </a:xfrm>
+          <a:gradFill flip="none" rotWithShape="1">
+            <a:gsLst>
+              <a:gs pos="0">
+                <a:srgbClr val="C00000">
+                  <a:shade val="30000"/>
+                  <a:satMod val="115000"/>
+                </a:srgbClr>
+              </a:gs>
+              <a:gs pos="50000">
+                <a:srgbClr val="C00000">
+                  <a:shade val="67500"/>
+                  <a:satMod val="115000"/>
+                </a:srgbClr>
+              </a:gs>
+              <a:gs pos="100000">
+                <a:srgbClr val="C00000">
+                  <a:shade val="100000"/>
+                  <a:satMod val="115000"/>
+                </a:srgbClr>
+              </a:gs>
+            </a:gsLst>
+            <a:path path="circle">
+              <a:fillToRect t="100000" r="100000"/>
+            </a:path>
+            <a:tileRect l="-100000" b="-100000"/>
+          </a:gradFill>
+        </p:spPr>
+        <p:txBody>
+          <a:bodyPr>
+            <a:normAutofit fontScale="90000"/>
+          </a:bodyPr>
+          <a:lstStyle/>
+          <a:p>
+            <a:pPr algn="l"/>
+            <a:r>
+              <a:rPr lang="en-US" altLang="zh-TW" b="1" dirty="0">
+                <a:solidFill>
+                  <a:srgbClr val="FFFF00"/>
+                </a:solidFill>
+              </a:rPr>
+              <a:t>6.2 Commit Project to Local Repository</a:t>
+            </a:r>
+            <a:endParaRPr lang="zh-TW" altLang="en-US" b="1" dirty="0">
+              <a:solidFill>
+                <a:srgbClr val="FFFF00"/>
+              </a:solidFill>
+            </a:endParaRPr>
+          </a:p>
+        </p:txBody>
+      </p:sp>
+      <p:sp>
+        <p:nvSpPr>
+          <p:cNvPr id="3" name="副標題 2"/>
+          <p:cNvSpPr>
+            <a:spLocks noGrp="1"/>
+          </p:cNvSpPr>
+          <p:nvPr>
+            <p:ph type="subTitle" idx="1"/>
+          </p:nvPr>
+        </p:nvSpPr>
+        <p:spPr>
+          <a:xfrm>
+            <a:off x="539552" y="1340768"/>
+            <a:ext cx="8064896" cy="659674"/>
+          </a:xfrm>
+          <a:ln>
+            <a:solidFill>
+              <a:srgbClr val="C00000"/>
+            </a:solidFill>
+          </a:ln>
+        </p:spPr>
+        <p:txBody>
+          <a:bodyPr>
+            <a:noAutofit/>
+          </a:bodyPr>
+          <a:lstStyle/>
+          <a:p>
+            <a:pPr marL="342900" indent="-342900" algn="l">
+              <a:buClr>
+                <a:srgbClr val="0070C0"/>
+              </a:buClr>
+              <a:buSzPct val="80000"/>
+              <a:buFont typeface="Wingdings" pitchFamily="2" charset="2"/>
+              <a:buChar char="u"/>
+            </a:pPr>
+            <a:r>
+              <a:rPr lang="en-US" altLang="zh-TW" sz="1800" dirty="0">
+                <a:solidFill>
+                  <a:schemeClr val="tx1"/>
+                </a:solidFill>
+              </a:rPr>
+              <a:t>Select all the files to commit.</a:t>
+            </a:r>
+          </a:p>
+          <a:p>
+            <a:pPr marL="342900" indent="-342900" algn="l">
+              <a:buClr>
+                <a:srgbClr val="0070C0"/>
+              </a:buClr>
+              <a:buSzPct val="80000"/>
+              <a:buFont typeface="Wingdings" pitchFamily="2" charset="2"/>
+              <a:buChar char="u"/>
+            </a:pPr>
+            <a:r>
+              <a:rPr lang="en-US" altLang="zh-TW" sz="1800" dirty="0">
+                <a:solidFill>
+                  <a:schemeClr val="tx1"/>
+                </a:solidFill>
+              </a:rPr>
+              <a:t>Drag-and-drop from “</a:t>
+            </a:r>
+            <a:r>
+              <a:rPr lang="en-US" altLang="zh-TW" sz="1800" dirty="0" err="1">
+                <a:solidFill>
+                  <a:schemeClr val="tx1"/>
+                </a:solidFill>
+              </a:rPr>
+              <a:t>Unstaged</a:t>
+            </a:r>
+            <a:r>
+              <a:rPr lang="en-US" altLang="zh-TW" sz="1800" dirty="0">
+                <a:solidFill>
+                  <a:schemeClr val="tx1"/>
+                </a:solidFill>
+              </a:rPr>
+              <a:t> Changes” into “Staged Changes” area.</a:t>
+            </a:r>
+          </a:p>
+        </p:txBody>
+      </p:sp>
+      <p:sp>
+        <p:nvSpPr>
+          <p:cNvPr id="4" name="標題 1"/>
+          <p:cNvSpPr txBox="1">
+            <a:spLocks/>
+          </p:cNvSpPr>
+          <p:nvPr/>
+        </p:nvSpPr>
+        <p:spPr>
+          <a:xfrm>
+            <a:off x="0" y="764704"/>
+            <a:ext cx="9144000" cy="398616"/>
+          </a:xfrm>
+          <a:prstGeom prst="rect">
+            <a:avLst/>
+          </a:prstGeom>
+          <a:gradFill flip="none" rotWithShape="1">
+            <a:gsLst>
+              <a:gs pos="0">
+                <a:srgbClr val="00B0F0">
+                  <a:shade val="30000"/>
+                  <a:satMod val="115000"/>
+                </a:srgbClr>
+              </a:gs>
+              <a:gs pos="50000">
+                <a:srgbClr val="00B0F0">
+                  <a:shade val="67500"/>
+                  <a:satMod val="115000"/>
+                </a:srgbClr>
+              </a:gs>
+              <a:gs pos="100000">
+                <a:srgbClr val="00B0F0">
+                  <a:shade val="100000"/>
+                  <a:satMod val="115000"/>
+                </a:srgbClr>
+              </a:gs>
+            </a:gsLst>
+            <a:path path="circle">
+              <a:fillToRect t="100000" r="100000"/>
+            </a:path>
+            <a:tileRect l="-100000" b="-100000"/>
+          </a:gradFill>
+        </p:spPr>
+        <p:txBody>
+          <a:bodyPr vert="horz" lIns="91440" tIns="45720" rIns="91440" bIns="45720" rtlCol="0" anchor="ctr">
+            <a:normAutofit/>
+          </a:bodyPr>
+          <a:lstStyle/>
+          <a:p>
+            <a:pPr lvl="0">
+              <a:spcBef>
+                <a:spcPct val="0"/>
+              </a:spcBef>
+            </a:pPr>
+            <a:r>
+              <a:rPr lang="en-US" sz="1600" dirty="0">
+                <a:hlinkClick r:id="rId2"/>
+              </a:rPr>
+              <a:t>https://www.youtube.com/watch?v=Huwf0TgWrOw&amp;list=PLsyeobzWxl7q2eaUkorLZExfd7qko9sZC&amp;index=7</a:t>
+            </a:r>
+            <a:endParaRPr kumimoji="0" lang="zh-TW" altLang="en-US" sz="1600" b="0" i="0" u="none" strike="noStrike" kern="1200" cap="none" spc="0" normalizeH="0" baseline="0" noProof="0" dirty="0">
+              <a:ln>
+                <a:noFill/>
+              </a:ln>
+              <a:solidFill>
+                <a:schemeClr val="tx1"/>
+              </a:solidFill>
+              <a:effectLst/>
+              <a:uLnTx/>
+              <a:uFillTx/>
+              <a:latin typeface="+mj-lt"/>
+              <a:ea typeface="+mj-ea"/>
+              <a:cs typeface="+mj-cs"/>
+            </a:endParaRPr>
+          </a:p>
+        </p:txBody>
+      </p:sp>
+      <p:sp>
+        <p:nvSpPr>
+          <p:cNvPr id="5" name="日期版面配置區 4"/>
+          <p:cNvSpPr>
+            <a:spLocks noGrp="1"/>
+          </p:cNvSpPr>
+          <p:nvPr>
+            <p:ph type="dt" sz="half" idx="10"/>
+          </p:nvPr>
+        </p:nvSpPr>
+        <p:spPr>
+          <a:xfrm>
+            <a:off x="457200" y="6356350"/>
+            <a:ext cx="2133600" cy="404246"/>
+          </a:xfrm>
+        </p:spPr>
+        <p:txBody>
+          <a:bodyPr/>
+          <a:lstStyle/>
+          <a:p>
+            <a:fld id="{A4F910E6-8D00-4BAF-8C48-9688E0B449D3}" type="datetime1">
+              <a:rPr lang="zh-TW" altLang="en-US" smtClean="0"/>
+              <a:pPr/>
+              <a:t>2019/5/10</a:t>
+            </a:fld>
+            <a:endParaRPr lang="zh-TW" altLang="en-US"/>
+          </a:p>
+        </p:txBody>
+      </p:sp>
+      <p:sp>
+        <p:nvSpPr>
+          <p:cNvPr id="6" name="投影片編號版面配置區 5"/>
+          <p:cNvSpPr>
+            <a:spLocks noGrp="1"/>
+          </p:cNvSpPr>
+          <p:nvPr>
+            <p:ph type="sldNum" sz="quarter" idx="12"/>
+          </p:nvPr>
+        </p:nvSpPr>
+        <p:spPr>
+          <a:xfrm>
+            <a:off x="6485413" y="6340007"/>
+            <a:ext cx="2133600" cy="404246"/>
+          </a:xfrm>
+        </p:spPr>
+        <p:txBody>
+          <a:bodyPr/>
+          <a:lstStyle/>
+          <a:p>
+            <a:fld id="{E4D7E63D-91F2-4366-A2C4-1B00C9E2590E}" type="slidenum">
+              <a:rPr lang="zh-TW" altLang="en-US" smtClean="0"/>
+              <a:pPr/>
+              <a:t>13</a:t>
+            </a:fld>
+            <a:endParaRPr lang="zh-TW" altLang="en-US"/>
+          </a:p>
+        </p:txBody>
+      </p:sp>
+      <p:pic>
+        <p:nvPicPr>
+          <p:cNvPr id="7" name="Picture 6">
+            <a:extLst>
+              <a:ext uri="{FF2B5EF4-FFF2-40B4-BE49-F238E27FC236}">
+                <a16:creationId xmlns:a16="http://schemas.microsoft.com/office/drawing/2014/main" id="{7AB6B051-9FE5-4C36-BF94-7FD1F7D91706}"/>
+              </a:ext>
+            </a:extLst>
+          </p:cNvPr>
+          <p:cNvPicPr>
+            <a:picLocks noChangeAspect="1"/>
+          </p:cNvPicPr>
+          <p:nvPr/>
+        </p:nvPicPr>
+        <p:blipFill>
+          <a:blip r:embed="rId3"/>
+          <a:stretch>
+            <a:fillRect/>
+          </a:stretch>
+        </p:blipFill>
+        <p:spPr>
+          <a:xfrm>
+            <a:off x="457200" y="2651554"/>
+            <a:ext cx="3609553" cy="2467063"/>
+          </a:xfrm>
+          <a:prstGeom prst="rect">
+            <a:avLst/>
+          </a:prstGeom>
+          <a:ln>
+            <a:solidFill>
+              <a:srgbClr val="C00000"/>
+            </a:solidFill>
+          </a:ln>
+        </p:spPr>
+      </p:pic>
+      <p:pic>
+        <p:nvPicPr>
+          <p:cNvPr id="9" name="Picture 8">
+            <a:extLst>
+              <a:ext uri="{FF2B5EF4-FFF2-40B4-BE49-F238E27FC236}">
+                <a16:creationId xmlns:a16="http://schemas.microsoft.com/office/drawing/2014/main" id="{0F8A30FE-DEA3-479D-99A6-324E73ADF44D}"/>
+              </a:ext>
+            </a:extLst>
+          </p:cNvPr>
+          <p:cNvPicPr>
+            <a:picLocks noChangeAspect="1"/>
+          </p:cNvPicPr>
+          <p:nvPr/>
+        </p:nvPicPr>
+        <p:blipFill>
+          <a:blip r:embed="rId4"/>
+          <a:stretch>
+            <a:fillRect/>
+          </a:stretch>
+        </p:blipFill>
+        <p:spPr>
+          <a:xfrm>
+            <a:off x="3851920" y="3041386"/>
+            <a:ext cx="4644008" cy="3205150"/>
+          </a:xfrm>
+          <a:prstGeom prst="rect">
+            <a:avLst/>
+          </a:prstGeom>
+          <a:ln>
+            <a:solidFill>
+              <a:srgbClr val="C00000"/>
+            </a:solidFill>
+          </a:ln>
+        </p:spPr>
+      </p:pic>
+      <p:sp>
+        <p:nvSpPr>
+          <p:cNvPr id="10" name="Rectangle 9">
+            <a:extLst>
+              <a:ext uri="{FF2B5EF4-FFF2-40B4-BE49-F238E27FC236}">
+                <a16:creationId xmlns:a16="http://schemas.microsoft.com/office/drawing/2014/main" id="{285E534B-D7CC-4E05-97FD-DE8F92D43CCC}"/>
+              </a:ext>
+            </a:extLst>
+          </p:cNvPr>
+          <p:cNvSpPr/>
+          <p:nvPr/>
+        </p:nvSpPr>
+        <p:spPr>
+          <a:xfrm>
+            <a:off x="1537320" y="3890047"/>
+            <a:ext cx="864096" cy="598677"/>
+          </a:xfrm>
+          <a:prstGeom prst="rect">
+            <a:avLst/>
+          </a:prstGeom>
+          <a:noFill/>
+          <a:ln>
+            <a:solidFill>
+              <a:srgbClr val="C00000"/>
+            </a:solidFill>
+          </a:ln>
+        </p:spPr>
+        <p:style>
+          <a:lnRef idx="2">
+            <a:schemeClr val="accent1">
+              <a:shade val="50000"/>
+            </a:schemeClr>
+          </a:lnRef>
+          <a:fillRef idx="1">
+            <a:schemeClr val="accent1"/>
+          </a:fillRef>
+          <a:effectRef idx="0">
+            <a:schemeClr val="accent1"/>
+          </a:effectRef>
+          <a:fontRef idx="minor">
+            <a:schemeClr val="lt1"/>
+          </a:fontRef>
+        </p:style>
+        <p:txBody>
+          <a:bodyPr rtlCol="0" anchor="ctr"/>
+          <a:lstStyle/>
+          <a:p>
+            <a:pPr algn="ctr"/>
+            <a:endParaRPr lang="en-US"/>
+          </a:p>
+        </p:txBody>
+      </p:sp>
+      <p:sp>
+        <p:nvSpPr>
+          <p:cNvPr id="11" name="Rectangle 10">
+            <a:extLst>
+              <a:ext uri="{FF2B5EF4-FFF2-40B4-BE49-F238E27FC236}">
+                <a16:creationId xmlns:a16="http://schemas.microsoft.com/office/drawing/2014/main" id="{9BC88995-87BF-437D-81DC-AA55ADC14E72}"/>
+              </a:ext>
+            </a:extLst>
+          </p:cNvPr>
+          <p:cNvSpPr/>
+          <p:nvPr/>
+        </p:nvSpPr>
+        <p:spPr>
+          <a:xfrm>
+            <a:off x="5368156" y="5425123"/>
+            <a:ext cx="864096" cy="598677"/>
+          </a:xfrm>
+          <a:prstGeom prst="rect">
+            <a:avLst/>
+          </a:prstGeom>
+          <a:noFill/>
+          <a:ln>
+            <a:solidFill>
+              <a:srgbClr val="C00000"/>
+            </a:solidFill>
+          </a:ln>
+        </p:spPr>
+        <p:style>
+          <a:lnRef idx="2">
+            <a:schemeClr val="accent1">
+              <a:shade val="50000"/>
+            </a:schemeClr>
+          </a:lnRef>
+          <a:fillRef idx="1">
+            <a:schemeClr val="accent1"/>
+          </a:fillRef>
+          <a:effectRef idx="0">
+            <a:schemeClr val="accent1"/>
+          </a:effectRef>
+          <a:fontRef idx="minor">
+            <a:schemeClr val="lt1"/>
+          </a:fontRef>
+        </p:style>
+        <p:txBody>
+          <a:bodyPr rtlCol="0" anchor="ctr"/>
+          <a:lstStyle/>
+          <a:p>
+            <a:pPr algn="ctr"/>
+            <a:endParaRPr lang="en-US"/>
+          </a:p>
+        </p:txBody>
+      </p:sp>
+      <p:cxnSp>
+        <p:nvCxnSpPr>
+          <p:cNvPr id="13" name="Straight Arrow Connector 12">
+            <a:extLst>
+              <a:ext uri="{FF2B5EF4-FFF2-40B4-BE49-F238E27FC236}">
+                <a16:creationId xmlns:a16="http://schemas.microsoft.com/office/drawing/2014/main" id="{417A870D-2A20-44F5-BC54-EB49294F12DD}"/>
+              </a:ext>
+            </a:extLst>
+          </p:cNvPr>
+          <p:cNvCxnSpPr>
+            <a:cxnSpLocks/>
+            <a:stCxn id="10" idx="3"/>
+          </p:cNvCxnSpPr>
+          <p:nvPr/>
+        </p:nvCxnSpPr>
+        <p:spPr>
+          <a:xfrm>
+            <a:off x="2401416" y="4189386"/>
+            <a:ext cx="2966740" cy="1537071"/>
+          </a:xfrm>
+          <a:prstGeom prst="straightConnector1">
+            <a:avLst/>
+          </a:prstGeom>
+          <a:ln>
+            <a:solidFill>
+              <a:srgbClr val="C00000"/>
+            </a:solidFill>
+            <a:tailEnd type="triangle"/>
+          </a:ln>
+        </p:spPr>
+        <p:style>
+          <a:lnRef idx="1">
+            <a:schemeClr val="accent1"/>
+          </a:lnRef>
+          <a:fillRef idx="0">
+            <a:schemeClr val="accent1"/>
+          </a:fillRef>
+          <a:effectRef idx="0">
+            <a:schemeClr val="accent1"/>
+          </a:effectRef>
+          <a:fontRef idx="minor">
+            <a:schemeClr val="tx1"/>
+          </a:fontRef>
+        </p:style>
+      </p:cxnSp>
+    </p:spTree>
+    <p:extLst>
+      <p:ext uri="{BB962C8B-B14F-4D97-AF65-F5344CB8AC3E}">
+        <p14:creationId xmlns:p14="http://schemas.microsoft.com/office/powerpoint/2010/main" val="2439369239"/>
+      </p:ext>
+    </p:extLst>
+  </p:cSld>
+  <p:clrMapOvr>
+    <a:masterClrMapping/>
+  </p:clrMapOvr>
+</p:sld>
+</file>
+
+<file path=ppt/slides/slide14.xml><?xml version="1.0" encoding="utf-8"?>
+<p:sld xmlns:a="http://schemas.openxmlformats.org/drawingml/2006/main" xmlns:r="http://schemas.openxmlformats.org/officeDocument/2006/relationships" xmlns:p="http://schemas.openxmlformats.org/presentationml/2006/main">
+  <p:cSld>
+    <p:spTree>
+      <p:nvGrpSpPr>
+        <p:cNvPr id="1" name=""/>
+        <p:cNvGrpSpPr/>
+        <p:nvPr/>
+      </p:nvGrpSpPr>
+      <p:grpSpPr>
+        <a:xfrm>
+          <a:off x="0" y="0"/>
+          <a:ext cx="0" cy="0"/>
+          <a:chOff x="0" y="0"/>
+          <a:chExt cx="0" cy="0"/>
+        </a:xfrm>
+      </p:grpSpPr>
+      <p:pic>
+        <p:nvPicPr>
+          <p:cNvPr id="8" name="Picture 7">
+            <a:extLst>
+              <a:ext uri="{FF2B5EF4-FFF2-40B4-BE49-F238E27FC236}">
+                <a16:creationId xmlns:a16="http://schemas.microsoft.com/office/drawing/2014/main" id="{09EF9E81-1B76-406F-9F84-1FD0611FBA20}"/>
+              </a:ext>
+            </a:extLst>
+          </p:cNvPr>
+          <p:cNvPicPr>
+            <a:picLocks noChangeAspect="1"/>
+          </p:cNvPicPr>
+          <p:nvPr/>
+        </p:nvPicPr>
+        <p:blipFill>
+          <a:blip r:embed="rId2"/>
+          <a:stretch>
+            <a:fillRect/>
+          </a:stretch>
+        </p:blipFill>
+        <p:spPr>
+          <a:xfrm>
+            <a:off x="1524000" y="2177890"/>
+            <a:ext cx="5868144" cy="3355312"/>
+          </a:xfrm>
+          <a:prstGeom prst="rect">
+            <a:avLst/>
+          </a:prstGeom>
+          <a:ln>
+            <a:solidFill>
+              <a:srgbClr val="C00000"/>
+            </a:solidFill>
+          </a:ln>
+        </p:spPr>
+      </p:pic>
+      <p:sp>
+        <p:nvSpPr>
+          <p:cNvPr id="2" name="標題 1"/>
+          <p:cNvSpPr>
+            <a:spLocks noGrp="1"/>
+          </p:cNvSpPr>
+          <p:nvPr>
+            <p:ph type="ctrTitle"/>
+          </p:nvPr>
+        </p:nvSpPr>
+        <p:spPr>
+          <a:xfrm>
+            <a:off x="0" y="1"/>
+            <a:ext cx="9144000" cy="764704"/>
+          </a:xfrm>
+          <a:gradFill flip="none" rotWithShape="1">
+            <a:gsLst>
+              <a:gs pos="0">
+                <a:srgbClr val="C00000">
+                  <a:shade val="30000"/>
+                  <a:satMod val="115000"/>
+                </a:srgbClr>
+              </a:gs>
+              <a:gs pos="50000">
+                <a:srgbClr val="C00000">
+                  <a:shade val="67500"/>
+                  <a:satMod val="115000"/>
+                </a:srgbClr>
+              </a:gs>
+              <a:gs pos="100000">
+                <a:srgbClr val="C00000">
+                  <a:shade val="100000"/>
+                  <a:satMod val="115000"/>
+                </a:srgbClr>
+              </a:gs>
+            </a:gsLst>
+            <a:path path="circle">
+              <a:fillToRect t="100000" r="100000"/>
+            </a:path>
+            <a:tileRect l="-100000" b="-100000"/>
+          </a:gradFill>
+        </p:spPr>
+        <p:txBody>
+          <a:bodyPr>
+            <a:normAutofit fontScale="90000"/>
+          </a:bodyPr>
+          <a:lstStyle/>
+          <a:p>
+            <a:pPr algn="l"/>
+            <a:r>
+              <a:rPr lang="en-US" altLang="zh-TW" b="1" dirty="0">
+                <a:solidFill>
+                  <a:srgbClr val="FFFF00"/>
+                </a:solidFill>
+              </a:rPr>
+              <a:t>6.2 Commit Project to Local Repository</a:t>
+            </a:r>
+            <a:endParaRPr lang="zh-TW" altLang="en-US" b="1" dirty="0">
+              <a:solidFill>
+                <a:srgbClr val="FFFF00"/>
+              </a:solidFill>
+            </a:endParaRPr>
+          </a:p>
+        </p:txBody>
+      </p:sp>
+      <p:sp>
+        <p:nvSpPr>
+          <p:cNvPr id="3" name="副標題 2"/>
+          <p:cNvSpPr>
+            <a:spLocks noGrp="1"/>
+          </p:cNvSpPr>
+          <p:nvPr>
+            <p:ph type="subTitle" idx="1"/>
+          </p:nvPr>
+        </p:nvSpPr>
+        <p:spPr>
+          <a:xfrm>
+            <a:off x="539552" y="1340768"/>
+            <a:ext cx="8064896" cy="659674"/>
+          </a:xfrm>
+          <a:ln>
+            <a:solidFill>
+              <a:srgbClr val="C00000"/>
+            </a:solidFill>
+          </a:ln>
+        </p:spPr>
+        <p:txBody>
+          <a:bodyPr>
+            <a:noAutofit/>
+          </a:bodyPr>
+          <a:lstStyle/>
+          <a:p>
+            <a:pPr marL="342900" indent="-342900" algn="l">
+              <a:buClr>
+                <a:srgbClr val="0070C0"/>
+              </a:buClr>
+              <a:buSzPct val="80000"/>
+              <a:buFont typeface="Wingdings" pitchFamily="2" charset="2"/>
+              <a:buChar char="u"/>
+            </a:pPr>
+            <a:r>
+              <a:rPr lang="en-US" altLang="zh-TW" sz="1800" dirty="0">
+                <a:solidFill>
+                  <a:schemeClr val="tx1"/>
+                </a:solidFill>
+              </a:rPr>
+              <a:t>Type in log “Initial Uploaded”</a:t>
+            </a:r>
+          </a:p>
+          <a:p>
+            <a:pPr marL="342900" indent="-342900" algn="l">
+              <a:buClr>
+                <a:srgbClr val="0070C0"/>
+              </a:buClr>
+              <a:buSzPct val="80000"/>
+              <a:buFont typeface="Wingdings" pitchFamily="2" charset="2"/>
+              <a:buChar char="u"/>
+            </a:pPr>
+            <a:r>
+              <a:rPr lang="en-US" altLang="zh-TW" sz="1800" dirty="0">
+                <a:solidFill>
+                  <a:schemeClr val="tx1"/>
+                </a:solidFill>
+              </a:rPr>
+              <a:t>Click “Commit and Push” button.</a:t>
+            </a:r>
+          </a:p>
+        </p:txBody>
+      </p:sp>
+      <p:sp>
+        <p:nvSpPr>
+          <p:cNvPr id="4" name="標題 1"/>
+          <p:cNvSpPr txBox="1">
+            <a:spLocks/>
+          </p:cNvSpPr>
+          <p:nvPr/>
+        </p:nvSpPr>
+        <p:spPr>
+          <a:xfrm>
+            <a:off x="0" y="764704"/>
+            <a:ext cx="9144000" cy="398616"/>
+          </a:xfrm>
+          <a:prstGeom prst="rect">
+            <a:avLst/>
+          </a:prstGeom>
+          <a:gradFill flip="none" rotWithShape="1">
+            <a:gsLst>
+              <a:gs pos="0">
+                <a:srgbClr val="00B0F0">
+                  <a:shade val="30000"/>
+                  <a:satMod val="115000"/>
+                </a:srgbClr>
+              </a:gs>
+              <a:gs pos="50000">
+                <a:srgbClr val="00B0F0">
+                  <a:shade val="67500"/>
+                  <a:satMod val="115000"/>
+                </a:srgbClr>
+              </a:gs>
+              <a:gs pos="100000">
+                <a:srgbClr val="00B0F0">
+                  <a:shade val="100000"/>
+                  <a:satMod val="115000"/>
+                </a:srgbClr>
+              </a:gs>
+            </a:gsLst>
+            <a:path path="circle">
+              <a:fillToRect t="100000" r="100000"/>
+            </a:path>
+            <a:tileRect l="-100000" b="-100000"/>
+          </a:gradFill>
+        </p:spPr>
+        <p:txBody>
+          <a:bodyPr vert="horz" lIns="91440" tIns="45720" rIns="91440" bIns="45720" rtlCol="0" anchor="ctr">
+            <a:normAutofit/>
+          </a:bodyPr>
+          <a:lstStyle/>
+          <a:p>
+            <a:pPr lvl="0">
+              <a:spcBef>
+                <a:spcPct val="0"/>
+              </a:spcBef>
+            </a:pPr>
+            <a:r>
+              <a:rPr lang="en-US" sz="1600" dirty="0">
+                <a:hlinkClick r:id="rId3"/>
+              </a:rPr>
+              <a:t>https://www.youtube.com/watch?v=Huwf0TgWrOw&amp;list=PLsyeobzWxl7q2eaUkorLZExfd7qko9sZC&amp;index=7</a:t>
+            </a:r>
+            <a:endParaRPr kumimoji="0" lang="zh-TW" altLang="en-US" sz="1600" b="0" i="0" u="none" strike="noStrike" kern="1200" cap="none" spc="0" normalizeH="0" baseline="0" noProof="0" dirty="0">
+              <a:ln>
+                <a:noFill/>
+              </a:ln>
+              <a:solidFill>
+                <a:schemeClr val="tx1"/>
+              </a:solidFill>
+              <a:effectLst/>
+              <a:uLnTx/>
+              <a:uFillTx/>
+              <a:latin typeface="+mj-lt"/>
+              <a:ea typeface="+mj-ea"/>
+              <a:cs typeface="+mj-cs"/>
+            </a:endParaRPr>
+          </a:p>
+        </p:txBody>
+      </p:sp>
+      <p:sp>
+        <p:nvSpPr>
+          <p:cNvPr id="5" name="日期版面配置區 4"/>
+          <p:cNvSpPr>
+            <a:spLocks noGrp="1"/>
+          </p:cNvSpPr>
+          <p:nvPr>
+            <p:ph type="dt" sz="half" idx="10"/>
+          </p:nvPr>
+        </p:nvSpPr>
+        <p:spPr>
+          <a:xfrm>
+            <a:off x="457200" y="6356350"/>
+            <a:ext cx="2133600" cy="404246"/>
+          </a:xfrm>
+        </p:spPr>
+        <p:txBody>
+          <a:bodyPr/>
+          <a:lstStyle/>
+          <a:p>
+            <a:fld id="{A4F910E6-8D00-4BAF-8C48-9688E0B449D3}" type="datetime1">
+              <a:rPr lang="zh-TW" altLang="en-US" smtClean="0"/>
+              <a:pPr/>
+              <a:t>2019/5/10</a:t>
+            </a:fld>
+            <a:endParaRPr lang="zh-TW" altLang="en-US"/>
+          </a:p>
+        </p:txBody>
+      </p:sp>
+      <p:sp>
+        <p:nvSpPr>
+          <p:cNvPr id="6" name="投影片編號版面配置區 5"/>
+          <p:cNvSpPr>
+            <a:spLocks noGrp="1"/>
+          </p:cNvSpPr>
+          <p:nvPr>
+            <p:ph type="sldNum" sz="quarter" idx="12"/>
+          </p:nvPr>
+        </p:nvSpPr>
+        <p:spPr>
+          <a:xfrm>
+            <a:off x="6485413" y="6340007"/>
+            <a:ext cx="2133600" cy="404246"/>
+          </a:xfrm>
+        </p:spPr>
+        <p:txBody>
+          <a:bodyPr/>
+          <a:lstStyle/>
+          <a:p>
+            <a:fld id="{E4D7E63D-91F2-4366-A2C4-1B00C9E2590E}" type="slidenum">
+              <a:rPr lang="zh-TW" altLang="en-US" smtClean="0"/>
+              <a:pPr/>
+              <a:t>14</a:t>
+            </a:fld>
+            <a:endParaRPr lang="zh-TW" altLang="en-US"/>
+          </a:p>
+        </p:txBody>
+      </p:sp>
+      <p:sp>
+        <p:nvSpPr>
+          <p:cNvPr id="11" name="Rectangle 10">
+            <a:extLst>
+              <a:ext uri="{FF2B5EF4-FFF2-40B4-BE49-F238E27FC236}">
+                <a16:creationId xmlns:a16="http://schemas.microsoft.com/office/drawing/2014/main" id="{9BC88995-87BF-437D-81DC-AA55ADC14E72}"/>
+              </a:ext>
+            </a:extLst>
+          </p:cNvPr>
+          <p:cNvSpPr/>
+          <p:nvPr/>
+        </p:nvSpPr>
+        <p:spPr>
+          <a:xfrm>
+            <a:off x="4587602" y="4221088"/>
+            <a:ext cx="864096" cy="1224136"/>
+          </a:xfrm>
+          <a:prstGeom prst="rect">
+            <a:avLst/>
+          </a:prstGeom>
+          <a:noFill/>
+          <a:ln>
+            <a:solidFill>
+              <a:srgbClr val="C00000"/>
+            </a:solidFill>
+          </a:ln>
+        </p:spPr>
+        <p:style>
+          <a:lnRef idx="2">
+            <a:schemeClr val="accent1">
+              <a:shade val="50000"/>
+            </a:schemeClr>
+          </a:lnRef>
+          <a:fillRef idx="1">
+            <a:schemeClr val="accent1"/>
+          </a:fillRef>
+          <a:effectRef idx="0">
+            <a:schemeClr val="accent1"/>
+          </a:effectRef>
+          <a:fontRef idx="minor">
+            <a:schemeClr val="lt1"/>
+          </a:fontRef>
+        </p:style>
+        <p:txBody>
+          <a:bodyPr rtlCol="0" anchor="ctr"/>
+          <a:lstStyle/>
+          <a:p>
+            <a:pPr algn="ctr"/>
+            <a:endParaRPr lang="en-US"/>
+          </a:p>
+        </p:txBody>
+      </p:sp>
+    </p:spTree>
+    <p:extLst>
+      <p:ext uri="{BB962C8B-B14F-4D97-AF65-F5344CB8AC3E}">
+        <p14:creationId xmlns:p14="http://schemas.microsoft.com/office/powerpoint/2010/main" val="3561904048"/>
+      </p:ext>
+    </p:extLst>
+  </p:cSld>
+  <p:clrMapOvr>
+    <a:masterClrMapping/>
+  </p:clrMapOvr>
+</p:sld>
+</file>
+
+<file path=ppt/slides/slide15.xml><?xml version="1.0" encoding="utf-8"?>
+<p:sld xmlns:a="http://schemas.openxmlformats.org/drawingml/2006/main" xmlns:r="http://schemas.openxmlformats.org/officeDocument/2006/relationships" xmlns:p="http://schemas.openxmlformats.org/presentationml/2006/main">
+  <p:cSld>
+    <p:spTree>
+      <p:nvGrpSpPr>
+        <p:cNvPr id="1" name=""/>
+        <p:cNvGrpSpPr/>
+        <p:nvPr/>
+      </p:nvGrpSpPr>
+      <p:grpSpPr>
+        <a:xfrm>
+          <a:off x="0" y="0"/>
+          <a:ext cx="0" cy="0"/>
+          <a:chOff x="0" y="0"/>
+          <a:chExt cx="0" cy="0"/>
+        </a:xfrm>
+      </p:grpSpPr>
+      <p:pic>
+        <p:nvPicPr>
+          <p:cNvPr id="7" name="Picture 6">
+            <a:extLst>
+              <a:ext uri="{FF2B5EF4-FFF2-40B4-BE49-F238E27FC236}">
+                <a16:creationId xmlns:a16="http://schemas.microsoft.com/office/drawing/2014/main" id="{35F833CA-0FD0-47EE-BA84-68708EA7F905}"/>
+              </a:ext>
+            </a:extLst>
+          </p:cNvPr>
+          <p:cNvPicPr>
+            <a:picLocks noChangeAspect="1"/>
+          </p:cNvPicPr>
+          <p:nvPr/>
+        </p:nvPicPr>
+        <p:blipFill>
+          <a:blip r:embed="rId2"/>
+          <a:stretch>
+            <a:fillRect/>
+          </a:stretch>
+        </p:blipFill>
+        <p:spPr>
+          <a:xfrm>
+            <a:off x="4739779" y="2348880"/>
+            <a:ext cx="3845222" cy="4165023"/>
+          </a:xfrm>
+          <a:prstGeom prst="rect">
+            <a:avLst/>
+          </a:prstGeom>
+          <a:ln>
+            <a:solidFill>
+              <a:srgbClr val="C00000"/>
+            </a:solidFill>
+          </a:ln>
+        </p:spPr>
+      </p:pic>
+      <p:sp>
+        <p:nvSpPr>
+          <p:cNvPr id="2" name="標題 1"/>
+          <p:cNvSpPr>
+            <a:spLocks noGrp="1"/>
+          </p:cNvSpPr>
+          <p:nvPr>
+            <p:ph type="ctrTitle"/>
+          </p:nvPr>
+        </p:nvSpPr>
+        <p:spPr>
+          <a:xfrm>
+            <a:off x="0" y="1"/>
+            <a:ext cx="9144000" cy="764704"/>
+          </a:xfrm>
+          <a:gradFill flip="none" rotWithShape="1">
+            <a:gsLst>
+              <a:gs pos="0">
+                <a:srgbClr val="C00000">
+                  <a:shade val="30000"/>
+                  <a:satMod val="115000"/>
+                </a:srgbClr>
+              </a:gs>
+              <a:gs pos="50000">
+                <a:srgbClr val="C00000">
+                  <a:shade val="67500"/>
+                  <a:satMod val="115000"/>
+                </a:srgbClr>
+              </a:gs>
+              <a:gs pos="100000">
+                <a:srgbClr val="C00000">
+                  <a:shade val="100000"/>
+                  <a:satMod val="115000"/>
+                </a:srgbClr>
+              </a:gs>
+            </a:gsLst>
+            <a:path path="circle">
+              <a:fillToRect t="100000" r="100000"/>
+            </a:path>
+            <a:tileRect l="-100000" b="-100000"/>
+          </a:gradFill>
+        </p:spPr>
+        <p:txBody>
+          <a:bodyPr>
+            <a:normAutofit fontScale="90000"/>
+          </a:bodyPr>
+          <a:lstStyle/>
+          <a:p>
+            <a:pPr algn="l"/>
+            <a:r>
+              <a:rPr lang="en-US" altLang="zh-TW" b="1" dirty="0">
+                <a:solidFill>
+                  <a:srgbClr val="FFFF00"/>
+                </a:solidFill>
+              </a:rPr>
+              <a:t>6.2 Commit Project to Local Repository</a:t>
+            </a:r>
+            <a:endParaRPr lang="zh-TW" altLang="en-US" b="1" dirty="0">
+              <a:solidFill>
+                <a:srgbClr val="FFFF00"/>
+              </a:solidFill>
+            </a:endParaRPr>
+          </a:p>
+        </p:txBody>
+      </p:sp>
+      <p:sp>
+        <p:nvSpPr>
+          <p:cNvPr id="3" name="副標題 2"/>
+          <p:cNvSpPr>
+            <a:spLocks noGrp="1"/>
+          </p:cNvSpPr>
+          <p:nvPr>
+            <p:ph type="subTitle" idx="1"/>
+          </p:nvPr>
+        </p:nvSpPr>
+        <p:spPr>
+          <a:xfrm>
+            <a:off x="539552" y="1340768"/>
+            <a:ext cx="8064896" cy="659674"/>
+          </a:xfrm>
+          <a:ln>
+            <a:solidFill>
+              <a:srgbClr val="C00000"/>
+            </a:solidFill>
+          </a:ln>
+        </p:spPr>
+        <p:txBody>
+          <a:bodyPr>
+            <a:noAutofit/>
+          </a:bodyPr>
+          <a:lstStyle/>
+          <a:p>
+            <a:pPr marL="342900" indent="-342900" algn="l">
+              <a:buClr>
+                <a:srgbClr val="0070C0"/>
+              </a:buClr>
+              <a:buSzPct val="80000"/>
+              <a:buFont typeface="Wingdings" pitchFamily="2" charset="2"/>
+              <a:buChar char="u"/>
+            </a:pPr>
+            <a:r>
+              <a:rPr lang="en-US" altLang="zh-TW" sz="1800" dirty="0">
+                <a:solidFill>
+                  <a:schemeClr val="tx1"/>
+                </a:solidFill>
+              </a:rPr>
+              <a:t>Copy the GitHub URI: </a:t>
+            </a:r>
+            <a:r>
+              <a:rPr lang="en-US" altLang="zh-TW" sz="1800" dirty="0">
+                <a:solidFill>
+                  <a:schemeClr val="tx1"/>
+                </a:solidFill>
+                <a:hlinkClick r:id="rId3"/>
+              </a:rPr>
+              <a:t>https://github.com/peterhchen/300-Eclipse-GitHubTest.git</a:t>
+            </a:r>
+            <a:endParaRPr lang="en-US" altLang="zh-TW" sz="1800" dirty="0">
+              <a:solidFill>
+                <a:schemeClr val="tx1"/>
+              </a:solidFill>
+            </a:endParaRPr>
+          </a:p>
+          <a:p>
+            <a:pPr marL="342900" indent="-342900" algn="l">
+              <a:buClr>
+                <a:srgbClr val="0070C0"/>
+              </a:buClr>
+              <a:buSzPct val="80000"/>
+              <a:buFont typeface="Wingdings" pitchFamily="2" charset="2"/>
+              <a:buChar char="u"/>
+            </a:pPr>
+            <a:r>
+              <a:rPr lang="en-US" altLang="zh-TW" sz="1800" dirty="0">
+                <a:solidFill>
+                  <a:schemeClr val="tx1"/>
+                </a:solidFill>
+              </a:rPr>
+              <a:t>User name: </a:t>
+            </a:r>
+            <a:r>
+              <a:rPr lang="en-US" altLang="zh-TW" sz="1800" dirty="0">
+                <a:solidFill>
+                  <a:schemeClr val="tx1"/>
+                </a:solidFill>
+                <a:hlinkClick r:id="rId4"/>
+              </a:rPr>
+              <a:t>peter.hp.chen@gamil.com</a:t>
+            </a:r>
+            <a:r>
+              <a:rPr lang="en-US" altLang="zh-TW" sz="1800" dirty="0">
+                <a:solidFill>
+                  <a:schemeClr val="tx1"/>
+                </a:solidFill>
+              </a:rPr>
+              <a:t>, password: </a:t>
+            </a:r>
+            <a:r>
+              <a:rPr lang="en-US" altLang="zh-TW" sz="1800" dirty="0" err="1">
+                <a:solidFill>
+                  <a:schemeClr val="tx1"/>
+                </a:solidFill>
+              </a:rPr>
+              <a:t>PCxxxx</a:t>
+            </a:r>
+            <a:r>
+              <a:rPr lang="en-US" altLang="zh-TW" sz="1800" dirty="0">
+                <a:solidFill>
+                  <a:schemeClr val="tx1"/>
+                </a:solidFill>
+              </a:rPr>
+              <a:t>=xx</a:t>
+            </a:r>
+          </a:p>
+        </p:txBody>
+      </p:sp>
+      <p:sp>
+        <p:nvSpPr>
+          <p:cNvPr id="4" name="標題 1"/>
+          <p:cNvSpPr txBox="1">
+            <a:spLocks/>
+          </p:cNvSpPr>
+          <p:nvPr/>
+        </p:nvSpPr>
+        <p:spPr>
+          <a:xfrm>
+            <a:off x="0" y="764704"/>
+            <a:ext cx="9144000" cy="398616"/>
+          </a:xfrm>
+          <a:prstGeom prst="rect">
+            <a:avLst/>
+          </a:prstGeom>
+          <a:gradFill flip="none" rotWithShape="1">
+            <a:gsLst>
+              <a:gs pos="0">
+                <a:srgbClr val="00B0F0">
+                  <a:shade val="30000"/>
+                  <a:satMod val="115000"/>
+                </a:srgbClr>
+              </a:gs>
+              <a:gs pos="50000">
+                <a:srgbClr val="00B0F0">
+                  <a:shade val="67500"/>
+                  <a:satMod val="115000"/>
+                </a:srgbClr>
+              </a:gs>
+              <a:gs pos="100000">
+                <a:srgbClr val="00B0F0">
+                  <a:shade val="100000"/>
+                  <a:satMod val="115000"/>
+                </a:srgbClr>
+              </a:gs>
+            </a:gsLst>
+            <a:path path="circle">
+              <a:fillToRect t="100000" r="100000"/>
+            </a:path>
+            <a:tileRect l="-100000" b="-100000"/>
+          </a:gradFill>
+        </p:spPr>
+        <p:txBody>
+          <a:bodyPr vert="horz" lIns="91440" tIns="45720" rIns="91440" bIns="45720" rtlCol="0" anchor="ctr">
+            <a:normAutofit/>
+          </a:bodyPr>
+          <a:lstStyle/>
+          <a:p>
+            <a:pPr lvl="0">
+              <a:spcBef>
+                <a:spcPct val="0"/>
+              </a:spcBef>
+            </a:pPr>
+            <a:r>
+              <a:rPr lang="en-US" sz="1600" dirty="0">
+                <a:hlinkClick r:id="rId5"/>
+              </a:rPr>
+              <a:t>https://www.youtube.com/watch?v=Huwf0TgWrOw&amp;list=PLsyeobzWxl7q2eaUkorLZExfd7qko9sZC&amp;index=7</a:t>
+            </a:r>
+            <a:endParaRPr kumimoji="0" lang="zh-TW" altLang="en-US" sz="1600" b="0" i="0" u="none" strike="noStrike" kern="1200" cap="none" spc="0" normalizeH="0" baseline="0" noProof="0" dirty="0">
+              <a:ln>
+                <a:noFill/>
+              </a:ln>
+              <a:solidFill>
+                <a:schemeClr val="tx1"/>
+              </a:solidFill>
+              <a:effectLst/>
+              <a:uLnTx/>
+              <a:uFillTx/>
+              <a:latin typeface="+mj-lt"/>
+              <a:ea typeface="+mj-ea"/>
+              <a:cs typeface="+mj-cs"/>
+            </a:endParaRPr>
+          </a:p>
+        </p:txBody>
+      </p:sp>
+      <p:sp>
+        <p:nvSpPr>
+          <p:cNvPr id="5" name="日期版面配置區 4"/>
+          <p:cNvSpPr>
+            <a:spLocks noGrp="1"/>
+          </p:cNvSpPr>
+          <p:nvPr>
+            <p:ph type="dt" sz="half" idx="10"/>
+          </p:nvPr>
+        </p:nvSpPr>
+        <p:spPr>
+          <a:xfrm>
+            <a:off x="457200" y="6356350"/>
+            <a:ext cx="2133600" cy="404246"/>
+          </a:xfrm>
+        </p:spPr>
+        <p:txBody>
+          <a:bodyPr/>
+          <a:lstStyle/>
+          <a:p>
+            <a:fld id="{A4F910E6-8D00-4BAF-8C48-9688E0B449D3}" type="datetime1">
+              <a:rPr lang="zh-TW" altLang="en-US" smtClean="0"/>
+              <a:pPr/>
+              <a:t>2019/5/10</a:t>
+            </a:fld>
+            <a:endParaRPr lang="zh-TW" altLang="en-US"/>
+          </a:p>
+        </p:txBody>
+      </p:sp>
+      <p:sp>
+        <p:nvSpPr>
+          <p:cNvPr id="6" name="投影片編號版面配置區 5"/>
+          <p:cNvSpPr>
+            <a:spLocks noGrp="1"/>
+          </p:cNvSpPr>
+          <p:nvPr>
+            <p:ph type="sldNum" sz="quarter" idx="12"/>
+          </p:nvPr>
+        </p:nvSpPr>
+        <p:spPr>
+          <a:xfrm>
+            <a:off x="6485413" y="6340007"/>
+            <a:ext cx="2133600" cy="404246"/>
+          </a:xfrm>
+        </p:spPr>
+        <p:txBody>
+          <a:bodyPr/>
+          <a:lstStyle/>
+          <a:p>
+            <a:fld id="{E4D7E63D-91F2-4366-A2C4-1B00C9E2590E}" type="slidenum">
+              <a:rPr lang="zh-TW" altLang="en-US" smtClean="0"/>
+              <a:pPr/>
+              <a:t>15</a:t>
+            </a:fld>
+            <a:endParaRPr lang="zh-TW" altLang="en-US"/>
+          </a:p>
+        </p:txBody>
+      </p:sp>
+      <p:sp>
+        <p:nvSpPr>
+          <p:cNvPr id="11" name="Rectangle 10">
+            <a:extLst>
+              <a:ext uri="{FF2B5EF4-FFF2-40B4-BE49-F238E27FC236}">
+                <a16:creationId xmlns:a16="http://schemas.microsoft.com/office/drawing/2014/main" id="{9BC88995-87BF-437D-81DC-AA55ADC14E72}"/>
+              </a:ext>
+            </a:extLst>
+          </p:cNvPr>
+          <p:cNvSpPr/>
+          <p:nvPr/>
+        </p:nvSpPr>
+        <p:spPr>
+          <a:xfrm>
+            <a:off x="5459859" y="3407091"/>
+            <a:ext cx="2304256" cy="432048"/>
+          </a:xfrm>
+          <a:prstGeom prst="rect">
+            <a:avLst/>
+          </a:prstGeom>
+          <a:noFill/>
+          <a:ln>
+            <a:solidFill>
+              <a:srgbClr val="C00000"/>
+            </a:solidFill>
+          </a:ln>
+        </p:spPr>
+        <p:style>
+          <a:lnRef idx="2">
+            <a:schemeClr val="accent1">
+              <a:shade val="50000"/>
+            </a:schemeClr>
+          </a:lnRef>
+          <a:fillRef idx="1">
+            <a:schemeClr val="accent1"/>
+          </a:fillRef>
+          <a:effectRef idx="0">
+            <a:schemeClr val="accent1"/>
+          </a:effectRef>
+          <a:fontRef idx="minor">
+            <a:schemeClr val="lt1"/>
+          </a:fontRef>
+        </p:style>
+        <p:txBody>
+          <a:bodyPr rtlCol="0" anchor="ctr"/>
+          <a:lstStyle/>
+          <a:p>
+            <a:pPr algn="ctr"/>
+            <a:endParaRPr lang="en-US"/>
+          </a:p>
+        </p:txBody>
+      </p:sp>
+      <p:sp>
+        <p:nvSpPr>
+          <p:cNvPr id="10" name="Rectangle 9">
+            <a:extLst>
+              <a:ext uri="{FF2B5EF4-FFF2-40B4-BE49-F238E27FC236}">
+                <a16:creationId xmlns:a16="http://schemas.microsoft.com/office/drawing/2014/main" id="{B91879F9-B378-4D57-AC5B-28E75408EDB5}"/>
+              </a:ext>
+            </a:extLst>
+          </p:cNvPr>
+          <p:cNvSpPr/>
+          <p:nvPr/>
+        </p:nvSpPr>
+        <p:spPr>
+          <a:xfrm>
+            <a:off x="5891907" y="5063275"/>
+            <a:ext cx="2304256" cy="432048"/>
+          </a:xfrm>
+          <a:prstGeom prst="rect">
+            <a:avLst/>
+          </a:prstGeom>
+          <a:noFill/>
+          <a:ln>
+            <a:solidFill>
+              <a:srgbClr val="C00000"/>
+            </a:solidFill>
+          </a:ln>
+        </p:spPr>
+        <p:style>
+          <a:lnRef idx="2">
+            <a:schemeClr val="accent1">
+              <a:shade val="50000"/>
+            </a:schemeClr>
+          </a:lnRef>
+          <a:fillRef idx="1">
+            <a:schemeClr val="accent1"/>
+          </a:fillRef>
+          <a:effectRef idx="0">
+            <a:schemeClr val="accent1"/>
+          </a:effectRef>
+          <a:fontRef idx="minor">
+            <a:schemeClr val="lt1"/>
+          </a:fontRef>
+        </p:style>
+        <p:txBody>
+          <a:bodyPr rtlCol="0" anchor="ctr"/>
+          <a:lstStyle/>
+          <a:p>
+            <a:pPr algn="ctr"/>
+            <a:endParaRPr lang="en-US"/>
+          </a:p>
+        </p:txBody>
+      </p:sp>
+      <p:pic>
+        <p:nvPicPr>
+          <p:cNvPr id="12" name="Picture 11">
+            <a:extLst>
+              <a:ext uri="{FF2B5EF4-FFF2-40B4-BE49-F238E27FC236}">
+                <a16:creationId xmlns:a16="http://schemas.microsoft.com/office/drawing/2014/main" id="{7F235AA1-A201-4BB9-8472-1AA38FBB7EB5}"/>
+              </a:ext>
+            </a:extLst>
+          </p:cNvPr>
+          <p:cNvPicPr>
+            <a:picLocks noChangeAspect="1"/>
+          </p:cNvPicPr>
+          <p:nvPr/>
+        </p:nvPicPr>
+        <p:blipFill>
+          <a:blip r:embed="rId6"/>
+          <a:stretch>
+            <a:fillRect/>
+          </a:stretch>
+        </p:blipFill>
+        <p:spPr>
+          <a:xfrm>
+            <a:off x="539552" y="2374404"/>
+            <a:ext cx="3995936" cy="2308570"/>
+          </a:xfrm>
+          <a:prstGeom prst="rect">
+            <a:avLst/>
+          </a:prstGeom>
+          <a:ln>
+            <a:solidFill>
+              <a:srgbClr val="C00000"/>
+            </a:solidFill>
+          </a:ln>
+        </p:spPr>
+      </p:pic>
+      <p:sp>
+        <p:nvSpPr>
+          <p:cNvPr id="13" name="Rectangle 12">
+            <a:extLst>
+              <a:ext uri="{FF2B5EF4-FFF2-40B4-BE49-F238E27FC236}">
+                <a16:creationId xmlns:a16="http://schemas.microsoft.com/office/drawing/2014/main" id="{ECD6194C-2D2E-4231-B599-258E2B4F75E7}"/>
+              </a:ext>
+            </a:extLst>
+          </p:cNvPr>
+          <p:cNvSpPr/>
+          <p:nvPr/>
+        </p:nvSpPr>
+        <p:spPr>
+          <a:xfrm>
+            <a:off x="2699792" y="3954200"/>
+            <a:ext cx="1224136" cy="432048"/>
+          </a:xfrm>
+          <a:prstGeom prst="rect">
+            <a:avLst/>
+          </a:prstGeom>
+          <a:noFill/>
+          <a:ln>
+            <a:solidFill>
+              <a:srgbClr val="C00000"/>
+            </a:solidFill>
+          </a:ln>
+        </p:spPr>
+        <p:style>
+          <a:lnRef idx="2">
+            <a:schemeClr val="accent1">
+              <a:shade val="50000"/>
+            </a:schemeClr>
+          </a:lnRef>
+          <a:fillRef idx="1">
+            <a:schemeClr val="accent1"/>
+          </a:fillRef>
+          <a:effectRef idx="0">
+            <a:schemeClr val="accent1"/>
+          </a:effectRef>
+          <a:fontRef idx="minor">
+            <a:schemeClr val="lt1"/>
+          </a:fontRef>
+        </p:style>
+        <p:txBody>
+          <a:bodyPr rtlCol="0" anchor="ctr"/>
+          <a:lstStyle/>
+          <a:p>
+            <a:pPr algn="ctr"/>
+            <a:endParaRPr lang="en-US"/>
+          </a:p>
+        </p:txBody>
+      </p:sp>
+      <p:cxnSp>
+        <p:nvCxnSpPr>
+          <p:cNvPr id="14" name="Straight Arrow Connector 13">
+            <a:extLst>
+              <a:ext uri="{FF2B5EF4-FFF2-40B4-BE49-F238E27FC236}">
+                <a16:creationId xmlns:a16="http://schemas.microsoft.com/office/drawing/2014/main" id="{3E5A6F39-FFE3-40DC-942D-EBA401D3D23C}"/>
+              </a:ext>
+            </a:extLst>
+          </p:cNvPr>
+          <p:cNvCxnSpPr>
+            <a:cxnSpLocks/>
+            <a:endCxn id="11" idx="1"/>
+          </p:cNvCxnSpPr>
+          <p:nvPr/>
+        </p:nvCxnSpPr>
+        <p:spPr>
+          <a:xfrm flipV="1">
+            <a:off x="3923928" y="3623115"/>
+            <a:ext cx="1535931" cy="525965"/>
+          </a:xfrm>
+          <a:prstGeom prst="straightConnector1">
+            <a:avLst/>
+          </a:prstGeom>
+          <a:ln>
+            <a:tailEnd type="triangle"/>
+          </a:ln>
+        </p:spPr>
+        <p:style>
+          <a:lnRef idx="1">
+            <a:schemeClr val="accent1"/>
+          </a:lnRef>
+          <a:fillRef idx="0">
+            <a:schemeClr val="accent1"/>
+          </a:fillRef>
+          <a:effectRef idx="0">
+            <a:schemeClr val="accent1"/>
+          </a:effectRef>
+          <a:fontRef idx="minor">
+            <a:schemeClr val="tx1"/>
+          </a:fontRef>
+        </p:style>
+      </p:cxnSp>
+    </p:spTree>
+    <p:extLst>
+      <p:ext uri="{BB962C8B-B14F-4D97-AF65-F5344CB8AC3E}">
+        <p14:creationId xmlns:p14="http://schemas.microsoft.com/office/powerpoint/2010/main" val="2530172926"/>
+      </p:ext>
+    </p:extLst>
+  </p:cSld>
+  <p:clrMapOvr>
+    <a:masterClrMapping/>
+  </p:clrMapOvr>
+</p:sld>
+</file>
+
+<file path=ppt/slides/slide16.xml><?xml version="1.0" encoding="utf-8"?>
+<p:sld xmlns:a="http://schemas.openxmlformats.org/drawingml/2006/main" xmlns:r="http://schemas.openxmlformats.org/officeDocument/2006/relationships" xmlns:p="http://schemas.openxmlformats.org/presentationml/2006/main">
+  <p:cSld>
+    <p:spTree>
+      <p:nvGrpSpPr>
+        <p:cNvPr id="1" name=""/>
+        <p:cNvGrpSpPr/>
+        <p:nvPr/>
+      </p:nvGrpSpPr>
+      <p:grpSpPr>
+        <a:xfrm>
+          <a:off x="0" y="0"/>
+          <a:ext cx="0" cy="0"/>
+          <a:chOff x="0" y="0"/>
+          <a:chExt cx="0" cy="0"/>
+        </a:xfrm>
+      </p:grpSpPr>
+      <p:pic>
+        <p:nvPicPr>
+          <p:cNvPr id="17" name="Picture 16">
+            <a:extLst>
+              <a:ext uri="{FF2B5EF4-FFF2-40B4-BE49-F238E27FC236}">
+                <a16:creationId xmlns:a16="http://schemas.microsoft.com/office/drawing/2014/main" id="{1E8A4DC0-AD65-4B1C-94B3-4FE545A3D7AD}"/>
+              </a:ext>
+            </a:extLst>
+          </p:cNvPr>
+          <p:cNvPicPr>
+            <a:picLocks noChangeAspect="1"/>
+          </p:cNvPicPr>
+          <p:nvPr/>
+        </p:nvPicPr>
+        <p:blipFill>
+          <a:blip r:embed="rId2"/>
+          <a:stretch>
+            <a:fillRect/>
+          </a:stretch>
+        </p:blipFill>
+        <p:spPr>
+          <a:xfrm>
+            <a:off x="755576" y="2065471"/>
+            <a:ext cx="3456607" cy="3830669"/>
+          </a:xfrm>
+          <a:prstGeom prst="rect">
+            <a:avLst/>
+          </a:prstGeom>
+          <a:ln>
+            <a:solidFill>
+              <a:srgbClr val="C00000"/>
+            </a:solidFill>
+          </a:ln>
+        </p:spPr>
+      </p:pic>
+      <p:sp>
+        <p:nvSpPr>
+          <p:cNvPr id="2" name="標題 1"/>
+          <p:cNvSpPr>
+            <a:spLocks noGrp="1"/>
+          </p:cNvSpPr>
+          <p:nvPr>
+            <p:ph type="ctrTitle"/>
+          </p:nvPr>
+        </p:nvSpPr>
+        <p:spPr>
+          <a:xfrm>
+            <a:off x="0" y="1"/>
+            <a:ext cx="9144000" cy="764704"/>
+          </a:xfrm>
+          <a:gradFill flip="none" rotWithShape="1">
+            <a:gsLst>
+              <a:gs pos="0">
+                <a:srgbClr val="C00000">
+                  <a:shade val="30000"/>
+                  <a:satMod val="115000"/>
+                </a:srgbClr>
+              </a:gs>
+              <a:gs pos="50000">
+                <a:srgbClr val="C00000">
+                  <a:shade val="67500"/>
+                  <a:satMod val="115000"/>
+                </a:srgbClr>
+              </a:gs>
+              <a:gs pos="100000">
+                <a:srgbClr val="C00000">
+                  <a:shade val="100000"/>
+                  <a:satMod val="115000"/>
+                </a:srgbClr>
+              </a:gs>
+            </a:gsLst>
+            <a:path path="circle">
+              <a:fillToRect t="100000" r="100000"/>
+            </a:path>
+            <a:tileRect l="-100000" b="-100000"/>
+          </a:gradFill>
+        </p:spPr>
+        <p:txBody>
+          <a:bodyPr>
+            <a:normAutofit fontScale="90000"/>
+          </a:bodyPr>
+          <a:lstStyle/>
+          <a:p>
+            <a:pPr algn="l"/>
+            <a:r>
+              <a:rPr lang="en-US" altLang="zh-TW" b="1" dirty="0">
+                <a:solidFill>
+                  <a:srgbClr val="FFFF00"/>
+                </a:solidFill>
+              </a:rPr>
+              <a:t>6.2 Commit Project to Local Repository</a:t>
+            </a:r>
+            <a:endParaRPr lang="zh-TW" altLang="en-US" b="1" dirty="0">
+              <a:solidFill>
+                <a:srgbClr val="FFFF00"/>
+              </a:solidFill>
+            </a:endParaRPr>
+          </a:p>
+        </p:txBody>
+      </p:sp>
+      <p:sp>
+        <p:nvSpPr>
+          <p:cNvPr id="3" name="副標題 2"/>
+          <p:cNvSpPr>
+            <a:spLocks noGrp="1"/>
+          </p:cNvSpPr>
+          <p:nvPr>
+            <p:ph type="subTitle" idx="1"/>
+          </p:nvPr>
+        </p:nvSpPr>
+        <p:spPr>
+          <a:xfrm>
+            <a:off x="539552" y="1340767"/>
+            <a:ext cx="8064896" cy="610017"/>
+          </a:xfrm>
+          <a:ln>
+            <a:solidFill>
+              <a:srgbClr val="C00000"/>
+            </a:solidFill>
+          </a:ln>
+        </p:spPr>
+        <p:txBody>
+          <a:bodyPr>
+            <a:noAutofit/>
+          </a:bodyPr>
+          <a:lstStyle/>
+          <a:p>
+            <a:pPr marL="342900" indent="-342900" algn="l">
+              <a:buClr>
+                <a:srgbClr val="0070C0"/>
+              </a:buClr>
+              <a:buSzPct val="80000"/>
+              <a:buFont typeface="Wingdings" pitchFamily="2" charset="2"/>
+              <a:buChar char="u"/>
+            </a:pPr>
+            <a:r>
+              <a:rPr lang="en-US" altLang="zh-TW" sz="1800" dirty="0">
+                <a:solidFill>
+                  <a:schemeClr val="tx1"/>
+                </a:solidFill>
+              </a:rPr>
+              <a:t>Branch: Master</a:t>
+            </a:r>
+          </a:p>
+          <a:p>
+            <a:pPr marL="342900" indent="-342900" algn="l">
+              <a:buClr>
+                <a:srgbClr val="0070C0"/>
+              </a:buClr>
+              <a:buSzPct val="80000"/>
+              <a:buFont typeface="Wingdings" pitchFamily="2" charset="2"/>
+              <a:buChar char="u"/>
+            </a:pPr>
+            <a:r>
+              <a:rPr lang="en-US" altLang="zh-TW" sz="1800" dirty="0">
+                <a:solidFill>
+                  <a:schemeClr val="tx1"/>
+                </a:solidFill>
+              </a:rPr>
+              <a:t>There is an error message that does not allowed.</a:t>
+            </a:r>
+          </a:p>
+        </p:txBody>
+      </p:sp>
+      <p:sp>
+        <p:nvSpPr>
+          <p:cNvPr id="4" name="標題 1"/>
+          <p:cNvSpPr txBox="1">
+            <a:spLocks/>
+          </p:cNvSpPr>
+          <p:nvPr/>
+        </p:nvSpPr>
+        <p:spPr>
+          <a:xfrm>
+            <a:off x="0" y="764704"/>
+            <a:ext cx="9144000" cy="398616"/>
+          </a:xfrm>
+          <a:prstGeom prst="rect">
+            <a:avLst/>
+          </a:prstGeom>
+          <a:gradFill flip="none" rotWithShape="1">
+            <a:gsLst>
+              <a:gs pos="0">
+                <a:srgbClr val="00B0F0">
+                  <a:shade val="30000"/>
+                  <a:satMod val="115000"/>
+                </a:srgbClr>
+              </a:gs>
+              <a:gs pos="50000">
+                <a:srgbClr val="00B0F0">
+                  <a:shade val="67500"/>
+                  <a:satMod val="115000"/>
+                </a:srgbClr>
+              </a:gs>
+              <a:gs pos="100000">
+                <a:srgbClr val="00B0F0">
+                  <a:shade val="100000"/>
+                  <a:satMod val="115000"/>
+                </a:srgbClr>
+              </a:gs>
+            </a:gsLst>
+            <a:path path="circle">
+              <a:fillToRect t="100000" r="100000"/>
+            </a:path>
+            <a:tileRect l="-100000" b="-100000"/>
+          </a:gradFill>
+        </p:spPr>
+        <p:txBody>
+          <a:bodyPr vert="horz" lIns="91440" tIns="45720" rIns="91440" bIns="45720" rtlCol="0" anchor="ctr">
+            <a:normAutofit/>
+          </a:bodyPr>
+          <a:lstStyle/>
+          <a:p>
+            <a:pPr lvl="0">
+              <a:spcBef>
+                <a:spcPct val="0"/>
+              </a:spcBef>
+            </a:pPr>
+            <a:r>
+              <a:rPr lang="en-US" sz="1600" dirty="0">
+                <a:hlinkClick r:id="rId3"/>
+              </a:rPr>
+              <a:t>https://www.youtube.com/watch?v=Huwf0TgWrOw&amp;list=PLsyeobzWxl7q2eaUkorLZExfd7qko9sZC&amp;index=7</a:t>
+            </a:r>
+            <a:endParaRPr kumimoji="0" lang="zh-TW" altLang="en-US" sz="1600" b="0" i="0" u="none" strike="noStrike" kern="1200" cap="none" spc="0" normalizeH="0" baseline="0" noProof="0" dirty="0">
+              <a:ln>
+                <a:noFill/>
+              </a:ln>
+              <a:solidFill>
+                <a:schemeClr val="tx1"/>
+              </a:solidFill>
+              <a:effectLst/>
+              <a:uLnTx/>
+              <a:uFillTx/>
+              <a:latin typeface="+mj-lt"/>
+              <a:ea typeface="+mj-ea"/>
+              <a:cs typeface="+mj-cs"/>
+            </a:endParaRPr>
+          </a:p>
+        </p:txBody>
+      </p:sp>
+      <p:sp>
+        <p:nvSpPr>
+          <p:cNvPr id="5" name="日期版面配置區 4"/>
+          <p:cNvSpPr>
+            <a:spLocks noGrp="1"/>
+          </p:cNvSpPr>
+          <p:nvPr>
+            <p:ph type="dt" sz="half" idx="10"/>
+          </p:nvPr>
+        </p:nvSpPr>
+        <p:spPr>
+          <a:xfrm>
+            <a:off x="457200" y="6356350"/>
+            <a:ext cx="2133600" cy="404246"/>
+          </a:xfrm>
+        </p:spPr>
+        <p:txBody>
+          <a:bodyPr/>
+          <a:lstStyle/>
+          <a:p>
+            <a:fld id="{A4F910E6-8D00-4BAF-8C48-9688E0B449D3}" type="datetime1">
+              <a:rPr lang="zh-TW" altLang="en-US" smtClean="0"/>
+              <a:pPr/>
+              <a:t>2019/5/10</a:t>
+            </a:fld>
+            <a:endParaRPr lang="zh-TW" altLang="en-US"/>
+          </a:p>
+        </p:txBody>
+      </p:sp>
+      <p:sp>
+        <p:nvSpPr>
+          <p:cNvPr id="6" name="投影片編號版面配置區 5"/>
+          <p:cNvSpPr>
+            <a:spLocks noGrp="1"/>
+          </p:cNvSpPr>
+          <p:nvPr>
+            <p:ph type="sldNum" sz="quarter" idx="12"/>
+          </p:nvPr>
+        </p:nvSpPr>
+        <p:spPr>
+          <a:xfrm>
+            <a:off x="6485413" y="6340007"/>
+            <a:ext cx="2133600" cy="404246"/>
+          </a:xfrm>
+        </p:spPr>
+        <p:txBody>
+          <a:bodyPr/>
+          <a:lstStyle/>
+          <a:p>
+            <a:fld id="{E4D7E63D-91F2-4366-A2C4-1B00C9E2590E}" type="slidenum">
+              <a:rPr lang="zh-TW" altLang="en-US" smtClean="0"/>
+              <a:pPr/>
+              <a:t>16</a:t>
+            </a:fld>
+            <a:endParaRPr lang="zh-TW" altLang="en-US"/>
+          </a:p>
+        </p:txBody>
+      </p:sp>
+      <p:pic>
+        <p:nvPicPr>
+          <p:cNvPr id="18" name="Picture 17">
+            <a:extLst>
+              <a:ext uri="{FF2B5EF4-FFF2-40B4-BE49-F238E27FC236}">
+                <a16:creationId xmlns:a16="http://schemas.microsoft.com/office/drawing/2014/main" id="{71BC8BAA-320C-47E9-AEEC-94C3336178EF}"/>
+              </a:ext>
+            </a:extLst>
+          </p:cNvPr>
+          <p:cNvPicPr>
+            <a:picLocks noChangeAspect="1"/>
+          </p:cNvPicPr>
+          <p:nvPr/>
+        </p:nvPicPr>
+        <p:blipFill>
+          <a:blip r:embed="rId4"/>
+          <a:stretch>
+            <a:fillRect/>
+          </a:stretch>
+        </p:blipFill>
+        <p:spPr>
+          <a:xfrm>
+            <a:off x="4499992" y="2065471"/>
+            <a:ext cx="3528392" cy="3832207"/>
+          </a:xfrm>
+          <a:prstGeom prst="rect">
+            <a:avLst/>
+          </a:prstGeom>
+          <a:ln>
+            <a:solidFill>
+              <a:srgbClr val="C00000"/>
+            </a:solidFill>
+          </a:ln>
+        </p:spPr>
+      </p:pic>
+      <p:sp>
+        <p:nvSpPr>
+          <p:cNvPr id="19" name="Rectangle 18">
+            <a:extLst>
+              <a:ext uri="{FF2B5EF4-FFF2-40B4-BE49-F238E27FC236}">
+                <a16:creationId xmlns:a16="http://schemas.microsoft.com/office/drawing/2014/main" id="{198FEE9A-0CC9-405C-AD32-B42903074667}"/>
+              </a:ext>
+            </a:extLst>
+          </p:cNvPr>
+          <p:cNvSpPr/>
+          <p:nvPr/>
+        </p:nvSpPr>
+        <p:spPr>
+          <a:xfrm>
+            <a:off x="4716016" y="2852936"/>
+            <a:ext cx="1944216" cy="288032"/>
+          </a:xfrm>
+          <a:prstGeom prst="rect">
+            <a:avLst/>
+          </a:prstGeom>
+          <a:noFill/>
+          <a:ln>
+            <a:solidFill>
+              <a:srgbClr val="C00000"/>
+            </a:solidFill>
+          </a:ln>
+        </p:spPr>
+        <p:style>
+          <a:lnRef idx="2">
+            <a:schemeClr val="accent1">
+              <a:shade val="50000"/>
+            </a:schemeClr>
+          </a:lnRef>
+          <a:fillRef idx="1">
+            <a:schemeClr val="accent1"/>
+          </a:fillRef>
+          <a:effectRef idx="0">
+            <a:schemeClr val="accent1"/>
+          </a:effectRef>
+          <a:fontRef idx="minor">
+            <a:schemeClr val="lt1"/>
+          </a:fontRef>
+        </p:style>
+        <p:txBody>
+          <a:bodyPr rtlCol="0" anchor="ctr"/>
+          <a:lstStyle/>
+          <a:p>
+            <a:pPr algn="ctr"/>
+            <a:endParaRPr lang="en-US"/>
+          </a:p>
+        </p:txBody>
+      </p:sp>
+    </p:spTree>
+    <p:extLst>
+      <p:ext uri="{BB962C8B-B14F-4D97-AF65-F5344CB8AC3E}">
+        <p14:creationId xmlns:p14="http://schemas.microsoft.com/office/powerpoint/2010/main" val="2078940203"/>
+      </p:ext>
+    </p:extLst>
+  </p:cSld>
+  <p:clrMapOvr>
+    <a:masterClrMapping/>
+  </p:clrMapOvr>
+</p:sld>
+</file>
+
+<file path=ppt/slides/slide17.xml><?xml version="1.0" encoding="utf-8"?>
+<p:sld xmlns:a="http://schemas.openxmlformats.org/drawingml/2006/main" xmlns:r="http://schemas.openxmlformats.org/officeDocument/2006/relationships" xmlns:p="http://schemas.openxmlformats.org/presentationml/2006/main">
+  <p:cSld>
+    <p:spTree>
+      <p:nvGrpSpPr>
+        <p:cNvPr id="1" name=""/>
+        <p:cNvGrpSpPr/>
+        <p:nvPr/>
+      </p:nvGrpSpPr>
+      <p:grpSpPr>
+        <a:xfrm>
+          <a:off x="0" y="0"/>
+          <a:ext cx="0" cy="0"/>
+          <a:chOff x="0" y="0"/>
+          <a:chExt cx="0" cy="0"/>
+        </a:xfrm>
+      </p:grpSpPr>
+      <p:sp>
+        <p:nvSpPr>
+          <p:cNvPr id="2" name="標題 1"/>
+          <p:cNvSpPr>
+            <a:spLocks noGrp="1"/>
+          </p:cNvSpPr>
+          <p:nvPr>
+            <p:ph type="ctrTitle"/>
+          </p:nvPr>
+        </p:nvSpPr>
+        <p:spPr>
+          <a:xfrm>
+            <a:off x="0" y="2130425"/>
+            <a:ext cx="9144000" cy="1470025"/>
+          </a:xfrm>
+          <a:gradFill flip="none" rotWithShape="1">
+            <a:gsLst>
+              <a:gs pos="0">
+                <a:srgbClr val="00B0F0">
+                  <a:shade val="30000"/>
+                  <a:satMod val="115000"/>
+                </a:srgbClr>
+              </a:gs>
+              <a:gs pos="50000">
+                <a:srgbClr val="00B0F0">
+                  <a:shade val="67500"/>
+                  <a:satMod val="115000"/>
+                </a:srgbClr>
+              </a:gs>
+              <a:gs pos="100000">
+                <a:srgbClr val="00B0F0">
+                  <a:shade val="100000"/>
+                  <a:satMod val="115000"/>
+                </a:srgbClr>
+              </a:gs>
+            </a:gsLst>
+            <a:path path="circle">
+              <a:fillToRect t="100000" r="100000"/>
+            </a:path>
+            <a:tileRect l="-100000" b="-100000"/>
+          </a:gradFill>
+        </p:spPr>
+        <p:txBody>
           <a:bodyPr>
             <a:normAutofit/>
           </a:bodyPr>
@@ -3991,6 +6456,681 @@
             <a:fld id="{E4D7E63D-91F2-4366-A2C4-1B00C9E2590E}" type="slidenum">
               <a:rPr lang="zh-TW" altLang="en-US" smtClean="0"/>
               <a:pPr/>
+              <a:t>17</a:t>
+            </a:fld>
+            <a:endParaRPr lang="zh-TW" altLang="en-US"/>
+          </a:p>
+        </p:txBody>
+      </p:sp>
+    </p:spTree>
+  </p:cSld>
+  <p:clrMapOvr>
+    <a:masterClrMapping/>
+  </p:clrMapOvr>
+</p:sld>
+</file>
+
+<file path=ppt/slides/slide2.xml><?xml version="1.0" encoding="utf-8"?>
+<p:sld xmlns:a="http://schemas.openxmlformats.org/drawingml/2006/main" xmlns:r="http://schemas.openxmlformats.org/officeDocument/2006/relationships" xmlns:p="http://schemas.openxmlformats.org/presentationml/2006/main">
+  <p:cSld>
+    <p:spTree>
+      <p:nvGrpSpPr>
+        <p:cNvPr id="1" name=""/>
+        <p:cNvGrpSpPr/>
+        <p:nvPr/>
+      </p:nvGrpSpPr>
+      <p:grpSpPr>
+        <a:xfrm>
+          <a:off x="0" y="0"/>
+          <a:ext cx="0" cy="0"/>
+          <a:chOff x="0" y="0"/>
+          <a:chExt cx="0" cy="0"/>
+        </a:xfrm>
+      </p:grpSpPr>
+      <p:sp>
+        <p:nvSpPr>
+          <p:cNvPr id="2" name="標題 1"/>
+          <p:cNvSpPr>
+            <a:spLocks noGrp="1"/>
+          </p:cNvSpPr>
+          <p:nvPr>
+            <p:ph type="ctrTitle"/>
+          </p:nvPr>
+        </p:nvSpPr>
+        <p:spPr>
+          <a:xfrm>
+            <a:off x="0" y="1"/>
+            <a:ext cx="9144000" cy="764704"/>
+          </a:xfrm>
+          <a:gradFill flip="none" rotWithShape="1">
+            <a:gsLst>
+              <a:gs pos="0">
+                <a:srgbClr val="C00000">
+                  <a:shade val="30000"/>
+                  <a:satMod val="115000"/>
+                </a:srgbClr>
+              </a:gs>
+              <a:gs pos="50000">
+                <a:srgbClr val="C00000">
+                  <a:shade val="67500"/>
+                  <a:satMod val="115000"/>
+                </a:srgbClr>
+              </a:gs>
+              <a:gs pos="100000">
+                <a:srgbClr val="C00000">
+                  <a:shade val="100000"/>
+                  <a:satMod val="115000"/>
+                </a:srgbClr>
+              </a:gs>
+            </a:gsLst>
+            <a:path path="circle">
+              <a:fillToRect t="100000" r="100000"/>
+            </a:path>
+            <a:tileRect l="-100000" b="-100000"/>
+          </a:gradFill>
+        </p:spPr>
+        <p:txBody>
+          <a:bodyPr/>
+          <a:lstStyle/>
+          <a:p>
+            <a:pPr algn="l"/>
+            <a:r>
+              <a:rPr lang="en-US" altLang="zh-TW" b="1" dirty="0">
+                <a:solidFill>
+                  <a:srgbClr val="FFFF00"/>
+                </a:solidFill>
+              </a:rPr>
+              <a:t>6 Upload File to GitHub by Eclipse</a:t>
+            </a:r>
+            <a:endParaRPr lang="zh-TW" altLang="en-US" b="1" dirty="0">
+              <a:solidFill>
+                <a:srgbClr val="FFFF00"/>
+              </a:solidFill>
+            </a:endParaRPr>
+          </a:p>
+        </p:txBody>
+      </p:sp>
+      <p:sp>
+        <p:nvSpPr>
+          <p:cNvPr id="3" name="副標題 2"/>
+          <p:cNvSpPr>
+            <a:spLocks noGrp="1"/>
+          </p:cNvSpPr>
+          <p:nvPr>
+            <p:ph type="subTitle" idx="1"/>
+          </p:nvPr>
+        </p:nvSpPr>
+        <p:spPr>
+          <a:xfrm>
+            <a:off x="539552" y="1340768"/>
+            <a:ext cx="8064896" cy="1019224"/>
+          </a:xfrm>
+          <a:ln>
+            <a:solidFill>
+              <a:srgbClr val="C00000"/>
+            </a:solidFill>
+          </a:ln>
+        </p:spPr>
+        <p:txBody>
+          <a:bodyPr>
+            <a:noAutofit/>
+          </a:bodyPr>
+          <a:lstStyle/>
+          <a:p>
+            <a:pPr marL="342900" indent="-342900" algn="l">
+              <a:buClr>
+                <a:srgbClr val="0070C0"/>
+              </a:buClr>
+              <a:buSzPct val="80000"/>
+              <a:buFont typeface="Wingdings" pitchFamily="2" charset="2"/>
+              <a:buChar char="u"/>
+            </a:pPr>
+            <a:r>
+              <a:rPr lang="en-US" altLang="zh-TW" sz="1800" dirty="0">
+                <a:solidFill>
+                  <a:schemeClr val="tx1"/>
+                </a:solidFill>
+              </a:rPr>
+              <a:t>In this section, we discuss how to upload files into GitHub by Eclipse.</a:t>
+            </a:r>
+          </a:p>
+          <a:p>
+            <a:pPr marL="342900" indent="-342900" algn="l">
+              <a:buClr>
+                <a:srgbClr val="0070C0"/>
+              </a:buClr>
+              <a:buSzPct val="80000"/>
+              <a:buFont typeface="Wingdings" pitchFamily="2" charset="2"/>
+              <a:buChar char="u"/>
+            </a:pPr>
+            <a:r>
+              <a:rPr lang="en-US" altLang="zh-TW" sz="1800" dirty="0">
+                <a:solidFill>
+                  <a:schemeClr val="tx1"/>
+                </a:solidFill>
+              </a:rPr>
+              <a:t>Create Java Project: </a:t>
+            </a:r>
+            <a:r>
+              <a:rPr lang="en-US" altLang="zh-TW" sz="1800" dirty="0" err="1">
+                <a:solidFill>
+                  <a:schemeClr val="tx1"/>
+                </a:solidFill>
+              </a:rPr>
+              <a:t>GitHubTest</a:t>
+            </a:r>
+            <a:r>
+              <a:rPr lang="en-US" altLang="zh-TW" sz="1800" dirty="0">
+                <a:solidFill>
+                  <a:schemeClr val="tx1"/>
+                </a:solidFill>
+              </a:rPr>
+              <a:t>, Class Name: </a:t>
+            </a:r>
+            <a:r>
+              <a:rPr lang="en-US" altLang="zh-TW" sz="1800" dirty="0" err="1">
+                <a:solidFill>
+                  <a:schemeClr val="tx1"/>
+                </a:solidFill>
+              </a:rPr>
+              <a:t>GitHubTestMain</a:t>
+            </a:r>
+            <a:r>
+              <a:rPr lang="en-US" altLang="zh-TW" sz="1800" dirty="0">
+                <a:solidFill>
+                  <a:schemeClr val="tx1"/>
+                </a:solidFill>
+              </a:rPr>
+              <a:t>.</a:t>
+            </a:r>
+          </a:p>
+          <a:p>
+            <a:pPr marL="342900" indent="-342900" algn="l">
+              <a:buClr>
+                <a:srgbClr val="0070C0"/>
+              </a:buClr>
+              <a:buSzPct val="80000"/>
+              <a:buFont typeface="Wingdings" pitchFamily="2" charset="2"/>
+              <a:buChar char="u"/>
+            </a:pPr>
+            <a:r>
+              <a:rPr lang="en-US" altLang="zh-TW" sz="1800" dirty="0">
+                <a:solidFill>
+                  <a:schemeClr val="tx1"/>
+                </a:solidFill>
+              </a:rPr>
+              <a:t>We also can use command line to check into the GitHub Server.</a:t>
+            </a:r>
+          </a:p>
+        </p:txBody>
+      </p:sp>
+      <p:sp>
+        <p:nvSpPr>
+          <p:cNvPr id="4" name="標題 1"/>
+          <p:cNvSpPr txBox="1">
+            <a:spLocks/>
+          </p:cNvSpPr>
+          <p:nvPr/>
+        </p:nvSpPr>
+        <p:spPr>
+          <a:xfrm>
+            <a:off x="0" y="764704"/>
+            <a:ext cx="9144000" cy="398616"/>
+          </a:xfrm>
+          <a:prstGeom prst="rect">
+            <a:avLst/>
+          </a:prstGeom>
+          <a:gradFill flip="none" rotWithShape="1">
+            <a:gsLst>
+              <a:gs pos="0">
+                <a:srgbClr val="00B0F0">
+                  <a:shade val="30000"/>
+                  <a:satMod val="115000"/>
+                </a:srgbClr>
+              </a:gs>
+              <a:gs pos="50000">
+                <a:srgbClr val="00B0F0">
+                  <a:shade val="67500"/>
+                  <a:satMod val="115000"/>
+                </a:srgbClr>
+              </a:gs>
+              <a:gs pos="100000">
+                <a:srgbClr val="00B0F0">
+                  <a:shade val="100000"/>
+                  <a:satMod val="115000"/>
+                </a:srgbClr>
+              </a:gs>
+            </a:gsLst>
+            <a:path path="circle">
+              <a:fillToRect t="100000" r="100000"/>
+            </a:path>
+            <a:tileRect l="-100000" b="-100000"/>
+          </a:gradFill>
+        </p:spPr>
+        <p:txBody>
+          <a:bodyPr vert="horz" lIns="91440" tIns="45720" rIns="91440" bIns="45720" rtlCol="0" anchor="ctr">
+            <a:normAutofit/>
+          </a:bodyPr>
+          <a:lstStyle/>
+          <a:p>
+            <a:pPr lvl="0">
+              <a:spcBef>
+                <a:spcPct val="0"/>
+              </a:spcBef>
+            </a:pPr>
+            <a:r>
+              <a:rPr lang="en-US" sz="1600" dirty="0">
+                <a:hlinkClick r:id="rId2"/>
+              </a:rPr>
+              <a:t>https://www.youtube.com/watch?v=Huwf0TgWrOw&amp;list=PLsyeobzWxl7q2eaUkorLZExfd7qko9sZC&amp;index=7</a:t>
+            </a:r>
+            <a:endParaRPr kumimoji="0" lang="zh-TW" altLang="en-US" sz="1600" b="0" i="0" u="none" strike="noStrike" kern="1200" cap="none" spc="0" normalizeH="0" baseline="0" noProof="0" dirty="0">
+              <a:ln>
+                <a:noFill/>
+              </a:ln>
+              <a:solidFill>
+                <a:schemeClr val="tx1"/>
+              </a:solidFill>
+              <a:effectLst/>
+              <a:uLnTx/>
+              <a:uFillTx/>
+              <a:latin typeface="+mj-lt"/>
+              <a:ea typeface="+mj-ea"/>
+              <a:cs typeface="+mj-cs"/>
+            </a:endParaRPr>
+          </a:p>
+        </p:txBody>
+      </p:sp>
+      <p:sp>
+        <p:nvSpPr>
+          <p:cNvPr id="5" name="日期版面配置區 4"/>
+          <p:cNvSpPr>
+            <a:spLocks noGrp="1"/>
+          </p:cNvSpPr>
+          <p:nvPr>
+            <p:ph type="dt" sz="half" idx="10"/>
+          </p:nvPr>
+        </p:nvSpPr>
+        <p:spPr>
+          <a:xfrm>
+            <a:off x="457200" y="6356350"/>
+            <a:ext cx="2133600" cy="404246"/>
+          </a:xfrm>
+        </p:spPr>
+        <p:txBody>
+          <a:bodyPr/>
+          <a:lstStyle/>
+          <a:p>
+            <a:fld id="{A4F910E6-8D00-4BAF-8C48-9688E0B449D3}" type="datetime1">
+              <a:rPr lang="zh-TW" altLang="en-US" smtClean="0"/>
+              <a:pPr/>
+              <a:t>2019/5/10</a:t>
+            </a:fld>
+            <a:endParaRPr lang="zh-TW" altLang="en-US"/>
+          </a:p>
+        </p:txBody>
+      </p:sp>
+      <p:sp>
+        <p:nvSpPr>
+          <p:cNvPr id="6" name="投影片編號版面配置區 5"/>
+          <p:cNvSpPr>
+            <a:spLocks noGrp="1"/>
+          </p:cNvSpPr>
+          <p:nvPr>
+            <p:ph type="sldNum" sz="quarter" idx="12"/>
+          </p:nvPr>
+        </p:nvSpPr>
+        <p:spPr>
+          <a:xfrm>
+            <a:off x="6485413" y="6340007"/>
+            <a:ext cx="2133600" cy="404246"/>
+          </a:xfrm>
+        </p:spPr>
+        <p:txBody>
+          <a:bodyPr/>
+          <a:lstStyle/>
+          <a:p>
+            <a:fld id="{E4D7E63D-91F2-4366-A2C4-1B00C9E2590E}" type="slidenum">
+              <a:rPr lang="zh-TW" altLang="en-US" smtClean="0"/>
+              <a:pPr/>
+              <a:t>2</a:t>
+            </a:fld>
+            <a:endParaRPr lang="zh-TW" altLang="en-US"/>
+          </a:p>
+        </p:txBody>
+      </p:sp>
+      <p:pic>
+        <p:nvPicPr>
+          <p:cNvPr id="11" name="Picture 10">
+            <a:extLst>
+              <a:ext uri="{FF2B5EF4-FFF2-40B4-BE49-F238E27FC236}">
+                <a16:creationId xmlns:a16="http://schemas.microsoft.com/office/drawing/2014/main" id="{01122F6A-FED1-4010-A0A1-8E0E33868DBD}"/>
+              </a:ext>
+            </a:extLst>
+          </p:cNvPr>
+          <p:cNvPicPr>
+            <a:picLocks noChangeAspect="1"/>
+          </p:cNvPicPr>
+          <p:nvPr/>
+        </p:nvPicPr>
+        <p:blipFill>
+          <a:blip r:embed="rId3"/>
+          <a:stretch>
+            <a:fillRect/>
+          </a:stretch>
+        </p:blipFill>
+        <p:spPr>
+          <a:xfrm>
+            <a:off x="1331640" y="2509737"/>
+            <a:ext cx="6029325" cy="3581400"/>
+          </a:xfrm>
+          <a:prstGeom prst="rect">
+            <a:avLst/>
+          </a:prstGeom>
+          <a:ln>
+            <a:solidFill>
+              <a:srgbClr val="C00000"/>
+            </a:solidFill>
+          </a:ln>
+        </p:spPr>
+      </p:pic>
+    </p:spTree>
+  </p:cSld>
+  <p:clrMapOvr>
+    <a:masterClrMapping/>
+  </p:clrMapOvr>
+</p:sld>
+</file>
+
+<file path=ppt/slides/slide3.xml><?xml version="1.0" encoding="utf-8"?>
+<p:sld xmlns:a="http://schemas.openxmlformats.org/drawingml/2006/main" xmlns:r="http://schemas.openxmlformats.org/officeDocument/2006/relationships" xmlns:p="http://schemas.openxmlformats.org/presentationml/2006/main">
+  <p:cSld>
+    <p:spTree>
+      <p:nvGrpSpPr>
+        <p:cNvPr id="1" name=""/>
+        <p:cNvGrpSpPr/>
+        <p:nvPr/>
+      </p:nvGrpSpPr>
+      <p:grpSpPr>
+        <a:xfrm>
+          <a:off x="0" y="0"/>
+          <a:ext cx="0" cy="0"/>
+          <a:chOff x="0" y="0"/>
+          <a:chExt cx="0" cy="0"/>
+        </a:xfrm>
+      </p:grpSpPr>
+      <p:sp>
+        <p:nvSpPr>
+          <p:cNvPr id="2" name="標題 1"/>
+          <p:cNvSpPr>
+            <a:spLocks noGrp="1"/>
+          </p:cNvSpPr>
+          <p:nvPr>
+            <p:ph type="ctrTitle"/>
+          </p:nvPr>
+        </p:nvSpPr>
+        <p:spPr>
+          <a:xfrm>
+            <a:off x="0" y="1"/>
+            <a:ext cx="9144000" cy="764704"/>
+          </a:xfrm>
+          <a:gradFill flip="none" rotWithShape="1">
+            <a:gsLst>
+              <a:gs pos="0">
+                <a:srgbClr val="C00000">
+                  <a:shade val="30000"/>
+                  <a:satMod val="115000"/>
+                </a:srgbClr>
+              </a:gs>
+              <a:gs pos="50000">
+                <a:srgbClr val="C00000">
+                  <a:shade val="67500"/>
+                  <a:satMod val="115000"/>
+                </a:srgbClr>
+              </a:gs>
+              <a:gs pos="100000">
+                <a:srgbClr val="C00000">
+                  <a:shade val="100000"/>
+                  <a:satMod val="115000"/>
+                </a:srgbClr>
+              </a:gs>
+            </a:gsLst>
+            <a:path path="circle">
+              <a:fillToRect t="100000" r="100000"/>
+            </a:path>
+            <a:tileRect l="-100000" b="-100000"/>
+          </a:gradFill>
+        </p:spPr>
+        <p:txBody>
+          <a:bodyPr/>
+          <a:lstStyle/>
+          <a:p>
+            <a:pPr algn="l"/>
+            <a:r>
+              <a:rPr lang="en-US" altLang="zh-TW" b="1" dirty="0">
+                <a:solidFill>
+                  <a:srgbClr val="FFFF00"/>
+                </a:solidFill>
+              </a:rPr>
+              <a:t>6 Upload File to GitHub by Eclipse</a:t>
+            </a:r>
+            <a:endParaRPr lang="zh-TW" altLang="en-US" b="1" dirty="0">
+              <a:solidFill>
+                <a:srgbClr val="FFFF00"/>
+              </a:solidFill>
+            </a:endParaRPr>
+          </a:p>
+        </p:txBody>
+      </p:sp>
+      <p:sp>
+        <p:nvSpPr>
+          <p:cNvPr id="3" name="副標題 2"/>
+          <p:cNvSpPr>
+            <a:spLocks noGrp="1"/>
+          </p:cNvSpPr>
+          <p:nvPr>
+            <p:ph type="subTitle" idx="1"/>
+          </p:nvPr>
+        </p:nvSpPr>
+        <p:spPr>
+          <a:xfrm>
+            <a:off x="539552" y="1340768"/>
+            <a:ext cx="8064896" cy="1368152"/>
+          </a:xfrm>
+          <a:ln>
+            <a:solidFill>
+              <a:srgbClr val="C00000"/>
+            </a:solidFill>
+          </a:ln>
+        </p:spPr>
+        <p:txBody>
+          <a:bodyPr>
+            <a:noAutofit/>
+          </a:bodyPr>
+          <a:lstStyle/>
+          <a:p>
+            <a:pPr marL="342900" indent="-342900" algn="l">
+              <a:buClr>
+                <a:srgbClr val="0070C0"/>
+              </a:buClr>
+              <a:buSzPct val="80000"/>
+              <a:buFont typeface="Wingdings" pitchFamily="2" charset="2"/>
+              <a:buChar char="u"/>
+            </a:pPr>
+            <a:r>
+              <a:rPr lang="en-US" altLang="zh-TW" sz="1800" dirty="0">
+                <a:solidFill>
+                  <a:schemeClr val="tx1"/>
+                </a:solidFill>
+              </a:rPr>
+              <a:t>We can use Eclipse, the easy way. We can use Eclipse to push our project to the GitHub.</a:t>
+            </a:r>
+          </a:p>
+          <a:p>
+            <a:pPr marL="342900" indent="-342900" algn="l">
+              <a:buClr>
+                <a:srgbClr val="0070C0"/>
+              </a:buClr>
+              <a:buSzPct val="80000"/>
+              <a:buFont typeface="Wingdings" pitchFamily="2" charset="2"/>
+              <a:buChar char="u"/>
+            </a:pPr>
+            <a:r>
+              <a:rPr lang="en-US" altLang="zh-TW" sz="1800" dirty="0">
+                <a:solidFill>
+                  <a:schemeClr val="tx1"/>
+                </a:solidFill>
+              </a:rPr>
+              <a:t>We will push the Java project “</a:t>
+            </a:r>
+            <a:r>
+              <a:rPr lang="en-US" altLang="zh-TW" sz="1800" dirty="0" err="1">
+                <a:solidFill>
+                  <a:schemeClr val="tx1"/>
+                </a:solidFill>
+              </a:rPr>
+              <a:t>GitHubTest</a:t>
+            </a:r>
+            <a:r>
+              <a:rPr lang="en-US" altLang="zh-TW" sz="1800" dirty="0">
+                <a:solidFill>
+                  <a:schemeClr val="tx1"/>
+                </a:solidFill>
+              </a:rPr>
+              <a:t>” into the GitHub. The project contains one file GitHubTestMain.java. It does not matter how much codes you have.</a:t>
+            </a:r>
+          </a:p>
+        </p:txBody>
+      </p:sp>
+      <p:sp>
+        <p:nvSpPr>
+          <p:cNvPr id="4" name="標題 1"/>
+          <p:cNvSpPr txBox="1">
+            <a:spLocks/>
+          </p:cNvSpPr>
+          <p:nvPr/>
+        </p:nvSpPr>
+        <p:spPr>
+          <a:xfrm>
+            <a:off x="0" y="764704"/>
+            <a:ext cx="9144000" cy="398616"/>
+          </a:xfrm>
+          <a:prstGeom prst="rect">
+            <a:avLst/>
+          </a:prstGeom>
+          <a:gradFill flip="none" rotWithShape="1">
+            <a:gsLst>
+              <a:gs pos="0">
+                <a:srgbClr val="00B0F0">
+                  <a:shade val="30000"/>
+                  <a:satMod val="115000"/>
+                </a:srgbClr>
+              </a:gs>
+              <a:gs pos="50000">
+                <a:srgbClr val="00B0F0">
+                  <a:shade val="67500"/>
+                  <a:satMod val="115000"/>
+                </a:srgbClr>
+              </a:gs>
+              <a:gs pos="100000">
+                <a:srgbClr val="00B0F0">
+                  <a:shade val="100000"/>
+                  <a:satMod val="115000"/>
+                </a:srgbClr>
+              </a:gs>
+            </a:gsLst>
+            <a:path path="circle">
+              <a:fillToRect t="100000" r="100000"/>
+            </a:path>
+            <a:tileRect l="-100000" b="-100000"/>
+          </a:gradFill>
+        </p:spPr>
+        <p:txBody>
+          <a:bodyPr vert="horz" lIns="91440" tIns="45720" rIns="91440" bIns="45720" rtlCol="0" anchor="ctr">
+            <a:normAutofit/>
+          </a:bodyPr>
+          <a:lstStyle/>
+          <a:p>
+            <a:pPr lvl="0">
+              <a:spcBef>
+                <a:spcPct val="0"/>
+              </a:spcBef>
+            </a:pPr>
+            <a:r>
+              <a:rPr lang="en-US" sz="1600" dirty="0">
+                <a:hlinkClick r:id="rId2"/>
+              </a:rPr>
+              <a:t>https://www.youtube.com/watch?v=Huwf0TgWrOw&amp;list=PLsyeobzWxl7q2eaUkorLZExfd7qko9sZC&amp;index=7</a:t>
+            </a:r>
+            <a:endParaRPr kumimoji="0" lang="zh-TW" altLang="en-US" sz="1600" b="0" i="0" u="none" strike="noStrike" kern="1200" cap="none" spc="0" normalizeH="0" baseline="0" noProof="0" dirty="0">
+              <a:ln>
+                <a:noFill/>
+              </a:ln>
+              <a:solidFill>
+                <a:schemeClr val="tx1"/>
+              </a:solidFill>
+              <a:effectLst/>
+              <a:uLnTx/>
+              <a:uFillTx/>
+              <a:latin typeface="+mj-lt"/>
+              <a:ea typeface="+mj-ea"/>
+              <a:cs typeface="+mj-cs"/>
+            </a:endParaRPr>
+          </a:p>
+        </p:txBody>
+      </p:sp>
+      <p:sp>
+        <p:nvSpPr>
+          <p:cNvPr id="5" name="日期版面配置區 4"/>
+          <p:cNvSpPr>
+            <a:spLocks noGrp="1"/>
+          </p:cNvSpPr>
+          <p:nvPr>
+            <p:ph type="dt" sz="half" idx="10"/>
+          </p:nvPr>
+        </p:nvSpPr>
+        <p:spPr>
+          <a:xfrm>
+            <a:off x="457200" y="6356350"/>
+            <a:ext cx="2133600" cy="404246"/>
+          </a:xfrm>
+        </p:spPr>
+        <p:txBody>
+          <a:bodyPr/>
+          <a:lstStyle/>
+          <a:p>
+            <a:fld id="{A4F910E6-8D00-4BAF-8C48-9688E0B449D3}" type="datetime1">
+              <a:rPr lang="zh-TW" altLang="en-US" smtClean="0"/>
+              <a:pPr/>
+              <a:t>2019/5/10</a:t>
+            </a:fld>
+            <a:endParaRPr lang="zh-TW" altLang="en-US"/>
+          </a:p>
+        </p:txBody>
+      </p:sp>
+      <p:sp>
+        <p:nvSpPr>
+          <p:cNvPr id="6" name="投影片編號版面配置區 5"/>
+          <p:cNvSpPr>
+            <a:spLocks noGrp="1"/>
+          </p:cNvSpPr>
+          <p:nvPr>
+            <p:ph type="sldNum" sz="quarter" idx="12"/>
+          </p:nvPr>
+        </p:nvSpPr>
+        <p:spPr>
+          <a:xfrm>
+            <a:off x="6485413" y="6340007"/>
+            <a:ext cx="2133600" cy="404246"/>
+          </a:xfrm>
+        </p:spPr>
+        <p:txBody>
+          <a:bodyPr/>
+          <a:lstStyle/>
+          <a:p>
+            <a:fld id="{E4D7E63D-91F2-4366-A2C4-1B00C9E2590E}" type="slidenum">
+              <a:rPr lang="zh-TW" altLang="en-US" smtClean="0"/>
+              <a:pPr/>
               <a:t>3</a:t>
             </a:fld>
             <a:endParaRPr lang="zh-TW" altLang="en-US"/>
@@ -3998,6 +7138,1927 @@
         </p:txBody>
       </p:sp>
     </p:spTree>
+    <p:extLst>
+      <p:ext uri="{BB962C8B-B14F-4D97-AF65-F5344CB8AC3E}">
+        <p14:creationId xmlns:p14="http://schemas.microsoft.com/office/powerpoint/2010/main" val="869699303"/>
+      </p:ext>
+    </p:extLst>
+  </p:cSld>
+  <p:clrMapOvr>
+    <a:masterClrMapping/>
+  </p:clrMapOvr>
+</p:sld>
+</file>
+
+<file path=ppt/slides/slide4.xml><?xml version="1.0" encoding="utf-8"?>
+<p:sld xmlns:a="http://schemas.openxmlformats.org/drawingml/2006/main" xmlns:r="http://schemas.openxmlformats.org/officeDocument/2006/relationships" xmlns:p="http://schemas.openxmlformats.org/presentationml/2006/main">
+  <p:cSld>
+    <p:spTree>
+      <p:nvGrpSpPr>
+        <p:cNvPr id="1" name=""/>
+        <p:cNvGrpSpPr/>
+        <p:nvPr/>
+      </p:nvGrpSpPr>
+      <p:grpSpPr>
+        <a:xfrm>
+          <a:off x="0" y="0"/>
+          <a:ext cx="0" cy="0"/>
+          <a:chOff x="0" y="0"/>
+          <a:chExt cx="0" cy="0"/>
+        </a:xfrm>
+      </p:grpSpPr>
+      <p:sp>
+        <p:nvSpPr>
+          <p:cNvPr id="2" name="標題 1"/>
+          <p:cNvSpPr>
+            <a:spLocks noGrp="1"/>
+          </p:cNvSpPr>
+          <p:nvPr>
+            <p:ph type="ctrTitle"/>
+          </p:nvPr>
+        </p:nvSpPr>
+        <p:spPr>
+          <a:xfrm>
+            <a:off x="0" y="1"/>
+            <a:ext cx="9144000" cy="764704"/>
+          </a:xfrm>
+          <a:gradFill flip="none" rotWithShape="1">
+            <a:gsLst>
+              <a:gs pos="0">
+                <a:srgbClr val="C00000">
+                  <a:shade val="30000"/>
+                  <a:satMod val="115000"/>
+                </a:srgbClr>
+              </a:gs>
+              <a:gs pos="50000">
+                <a:srgbClr val="C00000">
+                  <a:shade val="67500"/>
+                  <a:satMod val="115000"/>
+                </a:srgbClr>
+              </a:gs>
+              <a:gs pos="100000">
+                <a:srgbClr val="C00000">
+                  <a:shade val="100000"/>
+                  <a:satMod val="115000"/>
+                </a:srgbClr>
+              </a:gs>
+            </a:gsLst>
+            <a:path path="circle">
+              <a:fillToRect t="100000" r="100000"/>
+            </a:path>
+            <a:tileRect l="-100000" b="-100000"/>
+          </a:gradFill>
+        </p:spPr>
+        <p:txBody>
+          <a:bodyPr/>
+          <a:lstStyle/>
+          <a:p>
+            <a:pPr algn="l"/>
+            <a:r>
+              <a:rPr lang="en-US" altLang="zh-TW" b="1" dirty="0">
+                <a:solidFill>
+                  <a:srgbClr val="FFFF00"/>
+                </a:solidFill>
+              </a:rPr>
+              <a:t>6 Upload File to GitHub by Eclipse</a:t>
+            </a:r>
+            <a:endParaRPr lang="zh-TW" altLang="en-US" b="1" dirty="0">
+              <a:solidFill>
+                <a:srgbClr val="FFFF00"/>
+              </a:solidFill>
+            </a:endParaRPr>
+          </a:p>
+        </p:txBody>
+      </p:sp>
+      <p:sp>
+        <p:nvSpPr>
+          <p:cNvPr id="3" name="副標題 2"/>
+          <p:cNvSpPr>
+            <a:spLocks noGrp="1"/>
+          </p:cNvSpPr>
+          <p:nvPr>
+            <p:ph type="subTitle" idx="1"/>
+          </p:nvPr>
+        </p:nvSpPr>
+        <p:spPr>
+          <a:xfrm>
+            <a:off x="539552" y="1340768"/>
+            <a:ext cx="8064896" cy="398616"/>
+          </a:xfrm>
+          <a:ln>
+            <a:solidFill>
+              <a:srgbClr val="C00000"/>
+            </a:solidFill>
+          </a:ln>
+        </p:spPr>
+        <p:txBody>
+          <a:bodyPr>
+            <a:noAutofit/>
+          </a:bodyPr>
+          <a:lstStyle/>
+          <a:p>
+            <a:pPr marL="342900" indent="-342900" algn="l">
+              <a:buClr>
+                <a:srgbClr val="0070C0"/>
+              </a:buClr>
+              <a:buSzPct val="80000"/>
+              <a:buFont typeface="Wingdings" pitchFamily="2" charset="2"/>
+              <a:buChar char="u"/>
+            </a:pPr>
+            <a:r>
+              <a:rPr lang="en-US" altLang="zh-TW" sz="1800" dirty="0">
+                <a:solidFill>
+                  <a:schemeClr val="tx1"/>
+                </a:solidFill>
+              </a:rPr>
+              <a:t>Create a new repository “300-Eclipse-GitHubTest” on GitHub.</a:t>
+            </a:r>
+          </a:p>
+        </p:txBody>
+      </p:sp>
+      <p:sp>
+        <p:nvSpPr>
+          <p:cNvPr id="4" name="標題 1"/>
+          <p:cNvSpPr txBox="1">
+            <a:spLocks/>
+          </p:cNvSpPr>
+          <p:nvPr/>
+        </p:nvSpPr>
+        <p:spPr>
+          <a:xfrm>
+            <a:off x="0" y="764704"/>
+            <a:ext cx="9144000" cy="398616"/>
+          </a:xfrm>
+          <a:prstGeom prst="rect">
+            <a:avLst/>
+          </a:prstGeom>
+          <a:gradFill flip="none" rotWithShape="1">
+            <a:gsLst>
+              <a:gs pos="0">
+                <a:srgbClr val="00B0F0">
+                  <a:shade val="30000"/>
+                  <a:satMod val="115000"/>
+                </a:srgbClr>
+              </a:gs>
+              <a:gs pos="50000">
+                <a:srgbClr val="00B0F0">
+                  <a:shade val="67500"/>
+                  <a:satMod val="115000"/>
+                </a:srgbClr>
+              </a:gs>
+              <a:gs pos="100000">
+                <a:srgbClr val="00B0F0">
+                  <a:shade val="100000"/>
+                  <a:satMod val="115000"/>
+                </a:srgbClr>
+              </a:gs>
+            </a:gsLst>
+            <a:path path="circle">
+              <a:fillToRect t="100000" r="100000"/>
+            </a:path>
+            <a:tileRect l="-100000" b="-100000"/>
+          </a:gradFill>
+        </p:spPr>
+        <p:txBody>
+          <a:bodyPr vert="horz" lIns="91440" tIns="45720" rIns="91440" bIns="45720" rtlCol="0" anchor="ctr">
+            <a:normAutofit/>
+          </a:bodyPr>
+          <a:lstStyle/>
+          <a:p>
+            <a:pPr lvl="0">
+              <a:spcBef>
+                <a:spcPct val="0"/>
+              </a:spcBef>
+            </a:pPr>
+            <a:r>
+              <a:rPr lang="en-US" sz="1600" dirty="0">
+                <a:hlinkClick r:id="rId2"/>
+              </a:rPr>
+              <a:t>https://www.youtube.com/watch?v=Huwf0TgWrOw&amp;list=PLsyeobzWxl7q2eaUkorLZExfd7qko9sZC&amp;index=7</a:t>
+            </a:r>
+            <a:endParaRPr kumimoji="0" lang="zh-TW" altLang="en-US" sz="1600" b="0" i="0" u="none" strike="noStrike" kern="1200" cap="none" spc="0" normalizeH="0" baseline="0" noProof="0" dirty="0">
+              <a:ln>
+                <a:noFill/>
+              </a:ln>
+              <a:solidFill>
+                <a:schemeClr val="tx1"/>
+              </a:solidFill>
+              <a:effectLst/>
+              <a:uLnTx/>
+              <a:uFillTx/>
+              <a:latin typeface="+mj-lt"/>
+              <a:ea typeface="+mj-ea"/>
+              <a:cs typeface="+mj-cs"/>
+            </a:endParaRPr>
+          </a:p>
+        </p:txBody>
+      </p:sp>
+      <p:sp>
+        <p:nvSpPr>
+          <p:cNvPr id="5" name="日期版面配置區 4"/>
+          <p:cNvSpPr>
+            <a:spLocks noGrp="1"/>
+          </p:cNvSpPr>
+          <p:nvPr>
+            <p:ph type="dt" sz="half" idx="10"/>
+          </p:nvPr>
+        </p:nvSpPr>
+        <p:spPr>
+          <a:xfrm>
+            <a:off x="457200" y="6356350"/>
+            <a:ext cx="2133600" cy="404246"/>
+          </a:xfrm>
+        </p:spPr>
+        <p:txBody>
+          <a:bodyPr/>
+          <a:lstStyle/>
+          <a:p>
+            <a:fld id="{A4F910E6-8D00-4BAF-8C48-9688E0B449D3}" type="datetime1">
+              <a:rPr lang="zh-TW" altLang="en-US" smtClean="0"/>
+              <a:pPr/>
+              <a:t>2019/5/10</a:t>
+            </a:fld>
+            <a:endParaRPr lang="zh-TW" altLang="en-US"/>
+          </a:p>
+        </p:txBody>
+      </p:sp>
+      <p:sp>
+        <p:nvSpPr>
+          <p:cNvPr id="6" name="投影片編號版面配置區 5"/>
+          <p:cNvSpPr>
+            <a:spLocks noGrp="1"/>
+          </p:cNvSpPr>
+          <p:nvPr>
+            <p:ph type="sldNum" sz="quarter" idx="12"/>
+          </p:nvPr>
+        </p:nvSpPr>
+        <p:spPr>
+          <a:xfrm>
+            <a:off x="6485413" y="6340007"/>
+            <a:ext cx="2133600" cy="404246"/>
+          </a:xfrm>
+        </p:spPr>
+        <p:txBody>
+          <a:bodyPr/>
+          <a:lstStyle/>
+          <a:p>
+            <a:fld id="{E4D7E63D-91F2-4366-A2C4-1B00C9E2590E}" type="slidenum">
+              <a:rPr lang="zh-TW" altLang="en-US" smtClean="0"/>
+              <a:pPr/>
+              <a:t>4</a:t>
+            </a:fld>
+            <a:endParaRPr lang="zh-TW" altLang="en-US"/>
+          </a:p>
+        </p:txBody>
+      </p:sp>
+      <p:pic>
+        <p:nvPicPr>
+          <p:cNvPr id="7" name="Picture 6">
+            <a:extLst>
+              <a:ext uri="{FF2B5EF4-FFF2-40B4-BE49-F238E27FC236}">
+                <a16:creationId xmlns:a16="http://schemas.microsoft.com/office/drawing/2014/main" id="{B0319CCC-4BBA-49B4-B511-7B9B43AF15DE}"/>
+              </a:ext>
+            </a:extLst>
+          </p:cNvPr>
+          <p:cNvPicPr>
+            <a:picLocks noChangeAspect="1"/>
+          </p:cNvPicPr>
+          <p:nvPr/>
+        </p:nvPicPr>
+        <p:blipFill>
+          <a:blip r:embed="rId3"/>
+          <a:stretch>
+            <a:fillRect/>
+          </a:stretch>
+        </p:blipFill>
+        <p:spPr>
+          <a:xfrm>
+            <a:off x="542256" y="1916832"/>
+            <a:ext cx="3834172" cy="2764999"/>
+          </a:xfrm>
+          <a:prstGeom prst="rect">
+            <a:avLst/>
+          </a:prstGeom>
+          <a:ln>
+            <a:solidFill>
+              <a:srgbClr val="C00000"/>
+            </a:solidFill>
+          </a:ln>
+        </p:spPr>
+      </p:pic>
+      <p:pic>
+        <p:nvPicPr>
+          <p:cNvPr id="8" name="Picture 7">
+            <a:extLst>
+              <a:ext uri="{FF2B5EF4-FFF2-40B4-BE49-F238E27FC236}">
+                <a16:creationId xmlns:a16="http://schemas.microsoft.com/office/drawing/2014/main" id="{4AF6644B-A1C1-46EF-9D59-13B71F7B95AC}"/>
+              </a:ext>
+            </a:extLst>
+          </p:cNvPr>
+          <p:cNvPicPr>
+            <a:picLocks noChangeAspect="1"/>
+          </p:cNvPicPr>
+          <p:nvPr/>
+        </p:nvPicPr>
+        <p:blipFill>
+          <a:blip r:embed="rId4"/>
+          <a:stretch>
+            <a:fillRect/>
+          </a:stretch>
+        </p:blipFill>
+        <p:spPr>
+          <a:xfrm>
+            <a:off x="4646046" y="1916832"/>
+            <a:ext cx="3955698" cy="2764999"/>
+          </a:xfrm>
+          <a:prstGeom prst="rect">
+            <a:avLst/>
+          </a:prstGeom>
+          <a:ln>
+            <a:solidFill>
+              <a:srgbClr val="C00000"/>
+            </a:solidFill>
+          </a:ln>
+        </p:spPr>
+      </p:pic>
+    </p:spTree>
+    <p:extLst>
+      <p:ext uri="{BB962C8B-B14F-4D97-AF65-F5344CB8AC3E}">
+        <p14:creationId xmlns:p14="http://schemas.microsoft.com/office/powerpoint/2010/main" val="1546713470"/>
+      </p:ext>
+    </p:extLst>
+  </p:cSld>
+  <p:clrMapOvr>
+    <a:masterClrMapping/>
+  </p:clrMapOvr>
+</p:sld>
+</file>
+
+<file path=ppt/slides/slide5.xml><?xml version="1.0" encoding="utf-8"?>
+<p:sld xmlns:a="http://schemas.openxmlformats.org/drawingml/2006/main" xmlns:r="http://schemas.openxmlformats.org/officeDocument/2006/relationships" xmlns:p="http://schemas.openxmlformats.org/presentationml/2006/main">
+  <p:cSld>
+    <p:spTree>
+      <p:nvGrpSpPr>
+        <p:cNvPr id="1" name=""/>
+        <p:cNvGrpSpPr/>
+        <p:nvPr/>
+      </p:nvGrpSpPr>
+      <p:grpSpPr>
+        <a:xfrm>
+          <a:off x="0" y="0"/>
+          <a:ext cx="0" cy="0"/>
+          <a:chOff x="0" y="0"/>
+          <a:chExt cx="0" cy="0"/>
+        </a:xfrm>
+      </p:grpSpPr>
+      <p:sp>
+        <p:nvSpPr>
+          <p:cNvPr id="2" name="標題 1"/>
+          <p:cNvSpPr>
+            <a:spLocks noGrp="1"/>
+          </p:cNvSpPr>
+          <p:nvPr>
+            <p:ph type="ctrTitle"/>
+          </p:nvPr>
+        </p:nvSpPr>
+        <p:spPr>
+          <a:xfrm>
+            <a:off x="0" y="2130425"/>
+            <a:ext cx="9144000" cy="1470025"/>
+          </a:xfrm>
+          <a:solidFill>
+            <a:srgbClr val="00B0F0"/>
+          </a:solidFill>
+        </p:spPr>
+        <p:txBody>
+          <a:bodyPr>
+            <a:normAutofit/>
+          </a:bodyPr>
+          <a:lstStyle/>
+          <a:p>
+            <a:r>
+              <a:rPr lang="en-US" altLang="zh-TW" sz="4800" b="1" dirty="0">
+                <a:solidFill>
+                  <a:srgbClr val="FFFF00"/>
+                </a:solidFill>
+              </a:rPr>
+              <a:t>6.1 Create Local Repository</a:t>
+            </a:r>
+            <a:endParaRPr lang="zh-TW" altLang="en-US" sz="4800" b="1" dirty="0">
+              <a:solidFill>
+                <a:srgbClr val="FFFF00"/>
+              </a:solidFill>
+            </a:endParaRPr>
+          </a:p>
+        </p:txBody>
+      </p:sp>
+      <p:sp>
+        <p:nvSpPr>
+          <p:cNvPr id="5" name="日期版面配置區 4"/>
+          <p:cNvSpPr>
+            <a:spLocks noGrp="1"/>
+          </p:cNvSpPr>
+          <p:nvPr>
+            <p:ph type="dt" sz="half" idx="10"/>
+          </p:nvPr>
+        </p:nvSpPr>
+        <p:spPr/>
+        <p:txBody>
+          <a:bodyPr/>
+          <a:lstStyle/>
+          <a:p>
+            <a:fld id="{C389EDC9-19E3-47AC-9C57-C6A24DEA81AD}" type="datetime1">
+              <a:rPr lang="zh-TW" altLang="en-US" smtClean="0"/>
+              <a:pPr/>
+              <a:t>2019/5/10</a:t>
+            </a:fld>
+            <a:endParaRPr lang="zh-TW" altLang="en-US"/>
+          </a:p>
+        </p:txBody>
+      </p:sp>
+      <p:sp>
+        <p:nvSpPr>
+          <p:cNvPr id="6" name="投影片編號版面配置區 5"/>
+          <p:cNvSpPr>
+            <a:spLocks noGrp="1"/>
+          </p:cNvSpPr>
+          <p:nvPr>
+            <p:ph type="sldNum" sz="quarter" idx="12"/>
+          </p:nvPr>
+        </p:nvSpPr>
+        <p:spPr/>
+        <p:txBody>
+          <a:bodyPr/>
+          <a:lstStyle/>
+          <a:p>
+            <a:fld id="{E4D7E63D-91F2-4366-A2C4-1B00C9E2590E}" type="slidenum">
+              <a:rPr lang="zh-TW" altLang="en-US" smtClean="0"/>
+              <a:pPr/>
+              <a:t>5</a:t>
+            </a:fld>
+            <a:endParaRPr lang="zh-TW" altLang="en-US"/>
+          </a:p>
+        </p:txBody>
+      </p:sp>
+      <p:pic>
+        <p:nvPicPr>
+          <p:cNvPr id="7" name="Picture 6">
+            <a:extLst>
+              <a:ext uri="{FF2B5EF4-FFF2-40B4-BE49-F238E27FC236}">
+                <a16:creationId xmlns:a16="http://schemas.microsoft.com/office/drawing/2014/main" id="{13E1E6C3-8D61-43FD-9739-EC3CD35FD08C}"/>
+              </a:ext>
+            </a:extLst>
+          </p:cNvPr>
+          <p:cNvPicPr>
+            <a:picLocks noChangeAspect="1"/>
+          </p:cNvPicPr>
+          <p:nvPr/>
+        </p:nvPicPr>
+        <p:blipFill>
+          <a:blip r:embed="rId2"/>
+          <a:stretch>
+            <a:fillRect/>
+          </a:stretch>
+        </p:blipFill>
+        <p:spPr>
+          <a:xfrm>
+            <a:off x="4042507" y="3668596"/>
+            <a:ext cx="1058986" cy="957275"/>
+          </a:xfrm>
+          <a:prstGeom prst="rect">
+            <a:avLst/>
+          </a:prstGeom>
+        </p:spPr>
+      </p:pic>
+    </p:spTree>
+    <p:extLst>
+      <p:ext uri="{BB962C8B-B14F-4D97-AF65-F5344CB8AC3E}">
+        <p14:creationId xmlns:p14="http://schemas.microsoft.com/office/powerpoint/2010/main" val="198203618"/>
+      </p:ext>
+    </p:extLst>
+  </p:cSld>
+  <p:clrMapOvr>
+    <a:masterClrMapping/>
+  </p:clrMapOvr>
+</p:sld>
+</file>
+
+<file path=ppt/slides/slide6.xml><?xml version="1.0" encoding="utf-8"?>
+<p:sld xmlns:a="http://schemas.openxmlformats.org/drawingml/2006/main" xmlns:r="http://schemas.openxmlformats.org/officeDocument/2006/relationships" xmlns:p="http://schemas.openxmlformats.org/presentationml/2006/main">
+  <p:cSld>
+    <p:spTree>
+      <p:nvGrpSpPr>
+        <p:cNvPr id="1" name=""/>
+        <p:cNvGrpSpPr/>
+        <p:nvPr/>
+      </p:nvGrpSpPr>
+      <p:grpSpPr>
+        <a:xfrm>
+          <a:off x="0" y="0"/>
+          <a:ext cx="0" cy="0"/>
+          <a:chOff x="0" y="0"/>
+          <a:chExt cx="0" cy="0"/>
+        </a:xfrm>
+      </p:grpSpPr>
+      <p:pic>
+        <p:nvPicPr>
+          <p:cNvPr id="7" name="Picture 6">
+            <a:extLst>
+              <a:ext uri="{FF2B5EF4-FFF2-40B4-BE49-F238E27FC236}">
+                <a16:creationId xmlns:a16="http://schemas.microsoft.com/office/drawing/2014/main" id="{23D35B8A-10B7-4B94-9DF3-A6C81C0F6C56}"/>
+              </a:ext>
+            </a:extLst>
+          </p:cNvPr>
+          <p:cNvPicPr>
+            <a:picLocks noChangeAspect="1"/>
+          </p:cNvPicPr>
+          <p:nvPr/>
+        </p:nvPicPr>
+        <p:blipFill>
+          <a:blip r:embed="rId2"/>
+          <a:stretch>
+            <a:fillRect/>
+          </a:stretch>
+        </p:blipFill>
+        <p:spPr>
+          <a:xfrm>
+            <a:off x="2887703" y="2494667"/>
+            <a:ext cx="3300806" cy="4063806"/>
+          </a:xfrm>
+          <a:prstGeom prst="rect">
+            <a:avLst/>
+          </a:prstGeom>
+          <a:ln>
+            <a:solidFill>
+              <a:srgbClr val="C00000"/>
+            </a:solidFill>
+          </a:ln>
+        </p:spPr>
+      </p:pic>
+      <p:sp>
+        <p:nvSpPr>
+          <p:cNvPr id="2" name="標題 1"/>
+          <p:cNvSpPr>
+            <a:spLocks noGrp="1"/>
+          </p:cNvSpPr>
+          <p:nvPr>
+            <p:ph type="ctrTitle"/>
+          </p:nvPr>
+        </p:nvSpPr>
+        <p:spPr>
+          <a:xfrm>
+            <a:off x="0" y="1"/>
+            <a:ext cx="9144000" cy="764704"/>
+          </a:xfrm>
+          <a:gradFill flip="none" rotWithShape="1">
+            <a:gsLst>
+              <a:gs pos="0">
+                <a:srgbClr val="C00000">
+                  <a:shade val="30000"/>
+                  <a:satMod val="115000"/>
+                </a:srgbClr>
+              </a:gs>
+              <a:gs pos="50000">
+                <a:srgbClr val="C00000">
+                  <a:shade val="67500"/>
+                  <a:satMod val="115000"/>
+                </a:srgbClr>
+              </a:gs>
+              <a:gs pos="100000">
+                <a:srgbClr val="C00000">
+                  <a:shade val="100000"/>
+                  <a:satMod val="115000"/>
+                </a:srgbClr>
+              </a:gs>
+            </a:gsLst>
+            <a:path path="circle">
+              <a:fillToRect t="100000" r="100000"/>
+            </a:path>
+            <a:tileRect l="-100000" b="-100000"/>
+          </a:gradFill>
+        </p:spPr>
+        <p:txBody>
+          <a:bodyPr/>
+          <a:lstStyle/>
+          <a:p>
+            <a:pPr algn="l"/>
+            <a:r>
+              <a:rPr lang="en-US" altLang="zh-TW" b="1" dirty="0">
+                <a:solidFill>
+                  <a:srgbClr val="FFFF00"/>
+                </a:solidFill>
+              </a:rPr>
+              <a:t>6.1 Create Local Repository</a:t>
+            </a:r>
+            <a:endParaRPr lang="zh-TW" altLang="en-US" b="1" dirty="0">
+              <a:solidFill>
+                <a:srgbClr val="FFFF00"/>
+              </a:solidFill>
+            </a:endParaRPr>
+          </a:p>
+        </p:txBody>
+      </p:sp>
+      <p:sp>
+        <p:nvSpPr>
+          <p:cNvPr id="3" name="副標題 2"/>
+          <p:cNvSpPr>
+            <a:spLocks noGrp="1"/>
+          </p:cNvSpPr>
+          <p:nvPr>
+            <p:ph type="subTitle" idx="1"/>
+          </p:nvPr>
+        </p:nvSpPr>
+        <p:spPr>
+          <a:xfrm>
+            <a:off x="539552" y="1340767"/>
+            <a:ext cx="8064896" cy="1080121"/>
+          </a:xfrm>
+          <a:ln>
+            <a:solidFill>
+              <a:srgbClr val="C00000"/>
+            </a:solidFill>
+          </a:ln>
+        </p:spPr>
+        <p:txBody>
+          <a:bodyPr>
+            <a:noAutofit/>
+          </a:bodyPr>
+          <a:lstStyle/>
+          <a:p>
+            <a:pPr marL="342900" indent="-342900" algn="l">
+              <a:buClr>
+                <a:srgbClr val="0070C0"/>
+              </a:buClr>
+              <a:buSzPct val="80000"/>
+              <a:buFont typeface="Wingdings" pitchFamily="2" charset="2"/>
+              <a:buChar char="u"/>
+            </a:pPr>
+            <a:r>
+              <a:rPr lang="en-US" altLang="zh-TW" sz="1800" dirty="0">
+                <a:solidFill>
+                  <a:schemeClr val="tx1"/>
+                </a:solidFill>
+              </a:rPr>
+              <a:t>In the Eclipse, click Project Name: “</a:t>
+            </a:r>
+            <a:r>
+              <a:rPr lang="en-US" altLang="zh-TW" sz="1800" dirty="0" err="1">
+                <a:solidFill>
+                  <a:schemeClr val="tx1"/>
+                </a:solidFill>
+              </a:rPr>
+              <a:t>GitHubTest</a:t>
+            </a:r>
+            <a:r>
+              <a:rPr lang="en-US" altLang="zh-TW" sz="1800" dirty="0">
+                <a:solidFill>
+                  <a:schemeClr val="tx1"/>
+                </a:solidFill>
+              </a:rPr>
+              <a:t>” &gt; Team &gt; Share Project …</a:t>
+            </a:r>
+          </a:p>
+          <a:p>
+            <a:pPr marL="342900" indent="-342900" algn="l">
+              <a:buClr>
+                <a:srgbClr val="0070C0"/>
+              </a:buClr>
+              <a:buSzPct val="80000"/>
+              <a:buFont typeface="Wingdings" pitchFamily="2" charset="2"/>
+              <a:buChar char="u"/>
+            </a:pPr>
+            <a:r>
+              <a:rPr lang="en-US" altLang="zh-TW" sz="1800" dirty="0">
+                <a:solidFill>
+                  <a:schemeClr val="tx1"/>
+                </a:solidFill>
+              </a:rPr>
+              <a:t>Put your project on the local repository. You need to install the git for your local repository.</a:t>
+            </a:r>
+          </a:p>
+        </p:txBody>
+      </p:sp>
+      <p:sp>
+        <p:nvSpPr>
+          <p:cNvPr id="4" name="標題 1"/>
+          <p:cNvSpPr txBox="1">
+            <a:spLocks/>
+          </p:cNvSpPr>
+          <p:nvPr/>
+        </p:nvSpPr>
+        <p:spPr>
+          <a:xfrm>
+            <a:off x="0" y="764704"/>
+            <a:ext cx="9144000" cy="398616"/>
+          </a:xfrm>
+          <a:prstGeom prst="rect">
+            <a:avLst/>
+          </a:prstGeom>
+          <a:gradFill flip="none" rotWithShape="1">
+            <a:gsLst>
+              <a:gs pos="0">
+                <a:srgbClr val="00B0F0">
+                  <a:shade val="30000"/>
+                  <a:satMod val="115000"/>
+                </a:srgbClr>
+              </a:gs>
+              <a:gs pos="50000">
+                <a:srgbClr val="00B0F0">
+                  <a:shade val="67500"/>
+                  <a:satMod val="115000"/>
+                </a:srgbClr>
+              </a:gs>
+              <a:gs pos="100000">
+                <a:srgbClr val="00B0F0">
+                  <a:shade val="100000"/>
+                  <a:satMod val="115000"/>
+                </a:srgbClr>
+              </a:gs>
+            </a:gsLst>
+            <a:path path="circle">
+              <a:fillToRect t="100000" r="100000"/>
+            </a:path>
+            <a:tileRect l="-100000" b="-100000"/>
+          </a:gradFill>
+        </p:spPr>
+        <p:txBody>
+          <a:bodyPr vert="horz" lIns="91440" tIns="45720" rIns="91440" bIns="45720" rtlCol="0" anchor="ctr">
+            <a:normAutofit/>
+          </a:bodyPr>
+          <a:lstStyle/>
+          <a:p>
+            <a:pPr lvl="0">
+              <a:spcBef>
+                <a:spcPct val="0"/>
+              </a:spcBef>
+            </a:pPr>
+            <a:r>
+              <a:rPr lang="en-US" sz="1600" dirty="0">
+                <a:hlinkClick r:id="rId3"/>
+              </a:rPr>
+              <a:t>https://www.youtube.com/watch?v=Huwf0TgWrOw&amp;list=PLsyeobzWxl7q2eaUkorLZExfd7qko9sZC&amp;index=7</a:t>
+            </a:r>
+            <a:endParaRPr kumimoji="0" lang="zh-TW" altLang="en-US" sz="1600" b="0" i="0" u="none" strike="noStrike" kern="1200" cap="none" spc="0" normalizeH="0" baseline="0" noProof="0" dirty="0">
+              <a:ln>
+                <a:noFill/>
+              </a:ln>
+              <a:solidFill>
+                <a:schemeClr val="tx1"/>
+              </a:solidFill>
+              <a:effectLst/>
+              <a:uLnTx/>
+              <a:uFillTx/>
+              <a:latin typeface="+mj-lt"/>
+              <a:ea typeface="+mj-ea"/>
+              <a:cs typeface="+mj-cs"/>
+            </a:endParaRPr>
+          </a:p>
+        </p:txBody>
+      </p:sp>
+      <p:sp>
+        <p:nvSpPr>
+          <p:cNvPr id="5" name="日期版面配置區 4"/>
+          <p:cNvSpPr>
+            <a:spLocks noGrp="1"/>
+          </p:cNvSpPr>
+          <p:nvPr>
+            <p:ph type="dt" sz="half" idx="10"/>
+          </p:nvPr>
+        </p:nvSpPr>
+        <p:spPr>
+          <a:xfrm>
+            <a:off x="457200" y="6356350"/>
+            <a:ext cx="2133600" cy="404246"/>
+          </a:xfrm>
+        </p:spPr>
+        <p:txBody>
+          <a:bodyPr/>
+          <a:lstStyle/>
+          <a:p>
+            <a:fld id="{A4F910E6-8D00-4BAF-8C48-9688E0B449D3}" type="datetime1">
+              <a:rPr lang="zh-TW" altLang="en-US" smtClean="0"/>
+              <a:pPr/>
+              <a:t>2019/5/10</a:t>
+            </a:fld>
+            <a:endParaRPr lang="zh-TW" altLang="en-US"/>
+          </a:p>
+        </p:txBody>
+      </p:sp>
+      <p:sp>
+        <p:nvSpPr>
+          <p:cNvPr id="6" name="投影片編號版面配置區 5"/>
+          <p:cNvSpPr>
+            <a:spLocks noGrp="1"/>
+          </p:cNvSpPr>
+          <p:nvPr>
+            <p:ph type="sldNum" sz="quarter" idx="12"/>
+          </p:nvPr>
+        </p:nvSpPr>
+        <p:spPr>
+          <a:xfrm>
+            <a:off x="6485413" y="6340007"/>
+            <a:ext cx="2133600" cy="404246"/>
+          </a:xfrm>
+        </p:spPr>
+        <p:txBody>
+          <a:bodyPr/>
+          <a:lstStyle/>
+          <a:p>
+            <a:fld id="{E4D7E63D-91F2-4366-A2C4-1B00C9E2590E}" type="slidenum">
+              <a:rPr lang="zh-TW" altLang="en-US" smtClean="0"/>
+              <a:pPr/>
+              <a:t>6</a:t>
+            </a:fld>
+            <a:endParaRPr lang="zh-TW" altLang="en-US"/>
+          </a:p>
+        </p:txBody>
+      </p:sp>
+    </p:spTree>
+    <p:extLst>
+      <p:ext uri="{BB962C8B-B14F-4D97-AF65-F5344CB8AC3E}">
+        <p14:creationId xmlns:p14="http://schemas.microsoft.com/office/powerpoint/2010/main" val="1815059753"/>
+      </p:ext>
+    </p:extLst>
+  </p:cSld>
+  <p:clrMapOvr>
+    <a:masterClrMapping/>
+  </p:clrMapOvr>
+</p:sld>
+</file>
+
+<file path=ppt/slides/slide7.xml><?xml version="1.0" encoding="utf-8"?>
+<p:sld xmlns:a="http://schemas.openxmlformats.org/drawingml/2006/main" xmlns:r="http://schemas.openxmlformats.org/officeDocument/2006/relationships" xmlns:p="http://schemas.openxmlformats.org/presentationml/2006/main">
+  <p:cSld>
+    <p:spTree>
+      <p:nvGrpSpPr>
+        <p:cNvPr id="1" name=""/>
+        <p:cNvGrpSpPr/>
+        <p:nvPr/>
+      </p:nvGrpSpPr>
+      <p:grpSpPr>
+        <a:xfrm>
+          <a:off x="0" y="0"/>
+          <a:ext cx="0" cy="0"/>
+          <a:chOff x="0" y="0"/>
+          <a:chExt cx="0" cy="0"/>
+        </a:xfrm>
+      </p:grpSpPr>
+      <p:sp>
+        <p:nvSpPr>
+          <p:cNvPr id="2" name="標題 1"/>
+          <p:cNvSpPr>
+            <a:spLocks noGrp="1"/>
+          </p:cNvSpPr>
+          <p:nvPr>
+            <p:ph type="ctrTitle"/>
+          </p:nvPr>
+        </p:nvSpPr>
+        <p:spPr>
+          <a:xfrm>
+            <a:off x="0" y="1"/>
+            <a:ext cx="9144000" cy="764704"/>
+          </a:xfrm>
+          <a:gradFill flip="none" rotWithShape="1">
+            <a:gsLst>
+              <a:gs pos="0">
+                <a:srgbClr val="C00000">
+                  <a:shade val="30000"/>
+                  <a:satMod val="115000"/>
+                </a:srgbClr>
+              </a:gs>
+              <a:gs pos="50000">
+                <a:srgbClr val="C00000">
+                  <a:shade val="67500"/>
+                  <a:satMod val="115000"/>
+                </a:srgbClr>
+              </a:gs>
+              <a:gs pos="100000">
+                <a:srgbClr val="C00000">
+                  <a:shade val="100000"/>
+                  <a:satMod val="115000"/>
+                </a:srgbClr>
+              </a:gs>
+            </a:gsLst>
+            <a:path path="circle">
+              <a:fillToRect t="100000" r="100000"/>
+            </a:path>
+            <a:tileRect l="-100000" b="-100000"/>
+          </a:gradFill>
+        </p:spPr>
+        <p:txBody>
+          <a:bodyPr/>
+          <a:lstStyle/>
+          <a:p>
+            <a:pPr algn="l"/>
+            <a:r>
+              <a:rPr lang="en-US" altLang="zh-TW" b="1" dirty="0">
+                <a:solidFill>
+                  <a:srgbClr val="FFFF00"/>
+                </a:solidFill>
+              </a:rPr>
+              <a:t>6.1 Create Local Repository</a:t>
+            </a:r>
+            <a:endParaRPr lang="zh-TW" altLang="en-US" b="1" dirty="0">
+              <a:solidFill>
+                <a:srgbClr val="FFFF00"/>
+              </a:solidFill>
+            </a:endParaRPr>
+          </a:p>
+        </p:txBody>
+      </p:sp>
+      <p:sp>
+        <p:nvSpPr>
+          <p:cNvPr id="3" name="副標題 2"/>
+          <p:cNvSpPr>
+            <a:spLocks noGrp="1"/>
+          </p:cNvSpPr>
+          <p:nvPr>
+            <p:ph type="subTitle" idx="1"/>
+          </p:nvPr>
+        </p:nvSpPr>
+        <p:spPr>
+          <a:xfrm>
+            <a:off x="539552" y="1340768"/>
+            <a:ext cx="8064896" cy="576064"/>
+          </a:xfrm>
+          <a:ln>
+            <a:solidFill>
+              <a:srgbClr val="C00000"/>
+            </a:solidFill>
+          </a:ln>
+        </p:spPr>
+        <p:txBody>
+          <a:bodyPr>
+            <a:noAutofit/>
+          </a:bodyPr>
+          <a:lstStyle/>
+          <a:p>
+            <a:pPr marL="342900" indent="-342900" algn="l">
+              <a:buClr>
+                <a:srgbClr val="0070C0"/>
+              </a:buClr>
+              <a:buSzPct val="80000"/>
+              <a:buFont typeface="Wingdings" pitchFamily="2" charset="2"/>
+              <a:buChar char="u"/>
+            </a:pPr>
+            <a:r>
+              <a:rPr lang="en-US" altLang="zh-TW" sz="1800" dirty="0">
+                <a:solidFill>
+                  <a:schemeClr val="tx1"/>
+                </a:solidFill>
+              </a:rPr>
+              <a:t>Get the link of repository “https://github.com/</a:t>
+            </a:r>
+            <a:r>
+              <a:rPr lang="en-US" altLang="zh-TW" sz="1800" dirty="0" err="1">
+                <a:solidFill>
+                  <a:schemeClr val="tx1"/>
+                </a:solidFill>
+              </a:rPr>
+              <a:t>peterhchen</a:t>
+            </a:r>
+            <a:r>
+              <a:rPr lang="en-US" altLang="zh-TW" sz="1800" dirty="0">
+                <a:solidFill>
+                  <a:schemeClr val="tx1"/>
+                </a:solidFill>
+              </a:rPr>
+              <a:t>/300-Eclipse-GitHubTest.git” </a:t>
+            </a:r>
+          </a:p>
+        </p:txBody>
+      </p:sp>
+      <p:sp>
+        <p:nvSpPr>
+          <p:cNvPr id="4" name="標題 1"/>
+          <p:cNvSpPr txBox="1">
+            <a:spLocks/>
+          </p:cNvSpPr>
+          <p:nvPr/>
+        </p:nvSpPr>
+        <p:spPr>
+          <a:xfrm>
+            <a:off x="0" y="764704"/>
+            <a:ext cx="9144000" cy="398616"/>
+          </a:xfrm>
+          <a:prstGeom prst="rect">
+            <a:avLst/>
+          </a:prstGeom>
+          <a:gradFill flip="none" rotWithShape="1">
+            <a:gsLst>
+              <a:gs pos="0">
+                <a:srgbClr val="00B0F0">
+                  <a:shade val="30000"/>
+                  <a:satMod val="115000"/>
+                </a:srgbClr>
+              </a:gs>
+              <a:gs pos="50000">
+                <a:srgbClr val="00B0F0">
+                  <a:shade val="67500"/>
+                  <a:satMod val="115000"/>
+                </a:srgbClr>
+              </a:gs>
+              <a:gs pos="100000">
+                <a:srgbClr val="00B0F0">
+                  <a:shade val="100000"/>
+                  <a:satMod val="115000"/>
+                </a:srgbClr>
+              </a:gs>
+            </a:gsLst>
+            <a:path path="circle">
+              <a:fillToRect t="100000" r="100000"/>
+            </a:path>
+            <a:tileRect l="-100000" b="-100000"/>
+          </a:gradFill>
+        </p:spPr>
+        <p:txBody>
+          <a:bodyPr vert="horz" lIns="91440" tIns="45720" rIns="91440" bIns="45720" rtlCol="0" anchor="ctr">
+            <a:normAutofit/>
+          </a:bodyPr>
+          <a:lstStyle/>
+          <a:p>
+            <a:pPr lvl="0">
+              <a:spcBef>
+                <a:spcPct val="0"/>
+              </a:spcBef>
+            </a:pPr>
+            <a:r>
+              <a:rPr lang="en-US" sz="1600" dirty="0">
+                <a:hlinkClick r:id="rId2"/>
+              </a:rPr>
+              <a:t>https://www.youtube.com/watch?v=Huwf0TgWrOw&amp;list=PLsyeobzWxl7q2eaUkorLZExfd7qko9sZC&amp;index=7</a:t>
+            </a:r>
+            <a:endParaRPr kumimoji="0" lang="zh-TW" altLang="en-US" sz="1600" b="0" i="0" u="none" strike="noStrike" kern="1200" cap="none" spc="0" normalizeH="0" baseline="0" noProof="0" dirty="0">
+              <a:ln>
+                <a:noFill/>
+              </a:ln>
+              <a:solidFill>
+                <a:schemeClr val="tx1"/>
+              </a:solidFill>
+              <a:effectLst/>
+              <a:uLnTx/>
+              <a:uFillTx/>
+              <a:latin typeface="+mj-lt"/>
+              <a:ea typeface="+mj-ea"/>
+              <a:cs typeface="+mj-cs"/>
+            </a:endParaRPr>
+          </a:p>
+        </p:txBody>
+      </p:sp>
+      <p:sp>
+        <p:nvSpPr>
+          <p:cNvPr id="5" name="日期版面配置區 4"/>
+          <p:cNvSpPr>
+            <a:spLocks noGrp="1"/>
+          </p:cNvSpPr>
+          <p:nvPr>
+            <p:ph type="dt" sz="half" idx="10"/>
+          </p:nvPr>
+        </p:nvSpPr>
+        <p:spPr>
+          <a:xfrm>
+            <a:off x="457200" y="6356350"/>
+            <a:ext cx="2133600" cy="404246"/>
+          </a:xfrm>
+        </p:spPr>
+        <p:txBody>
+          <a:bodyPr/>
+          <a:lstStyle/>
+          <a:p>
+            <a:fld id="{A4F910E6-8D00-4BAF-8C48-9688E0B449D3}" type="datetime1">
+              <a:rPr lang="zh-TW" altLang="en-US" smtClean="0"/>
+              <a:pPr/>
+              <a:t>2019/5/10</a:t>
+            </a:fld>
+            <a:endParaRPr lang="zh-TW" altLang="en-US"/>
+          </a:p>
+        </p:txBody>
+      </p:sp>
+      <p:sp>
+        <p:nvSpPr>
+          <p:cNvPr id="6" name="投影片編號版面配置區 5"/>
+          <p:cNvSpPr>
+            <a:spLocks noGrp="1"/>
+          </p:cNvSpPr>
+          <p:nvPr>
+            <p:ph type="sldNum" sz="quarter" idx="12"/>
+          </p:nvPr>
+        </p:nvSpPr>
+        <p:spPr>
+          <a:xfrm>
+            <a:off x="6485413" y="6340007"/>
+            <a:ext cx="2133600" cy="404246"/>
+          </a:xfrm>
+        </p:spPr>
+        <p:txBody>
+          <a:bodyPr/>
+          <a:lstStyle/>
+          <a:p>
+            <a:fld id="{E4D7E63D-91F2-4366-A2C4-1B00C9E2590E}" type="slidenum">
+              <a:rPr lang="zh-TW" altLang="en-US" smtClean="0"/>
+              <a:pPr/>
+              <a:t>7</a:t>
+            </a:fld>
+            <a:endParaRPr lang="zh-TW" altLang="en-US"/>
+          </a:p>
+        </p:txBody>
+      </p:sp>
+      <p:pic>
+        <p:nvPicPr>
+          <p:cNvPr id="9" name="Picture 8">
+            <a:extLst>
+              <a:ext uri="{FF2B5EF4-FFF2-40B4-BE49-F238E27FC236}">
+                <a16:creationId xmlns:a16="http://schemas.microsoft.com/office/drawing/2014/main" id="{8B079CA7-E905-4237-97FA-3A621362570A}"/>
+              </a:ext>
+            </a:extLst>
+          </p:cNvPr>
+          <p:cNvPicPr>
+            <a:picLocks noChangeAspect="1"/>
+          </p:cNvPicPr>
+          <p:nvPr/>
+        </p:nvPicPr>
+        <p:blipFill>
+          <a:blip r:embed="rId3"/>
+          <a:stretch>
+            <a:fillRect/>
+          </a:stretch>
+        </p:blipFill>
+        <p:spPr>
+          <a:xfrm>
+            <a:off x="971600" y="2134127"/>
+            <a:ext cx="7308304" cy="4222223"/>
+          </a:xfrm>
+          <a:prstGeom prst="rect">
+            <a:avLst/>
+          </a:prstGeom>
+          <a:ln>
+            <a:solidFill>
+              <a:srgbClr val="C00000"/>
+            </a:solidFill>
+          </a:ln>
+        </p:spPr>
+      </p:pic>
+      <p:sp>
+        <p:nvSpPr>
+          <p:cNvPr id="11" name="Rectangle 10">
+            <a:extLst>
+              <a:ext uri="{FF2B5EF4-FFF2-40B4-BE49-F238E27FC236}">
+                <a16:creationId xmlns:a16="http://schemas.microsoft.com/office/drawing/2014/main" id="{EA396CEF-E2DF-45EC-8813-AE5AF7941E2C}"/>
+              </a:ext>
+            </a:extLst>
+          </p:cNvPr>
+          <p:cNvSpPr/>
+          <p:nvPr/>
+        </p:nvSpPr>
+        <p:spPr>
+          <a:xfrm>
+            <a:off x="5148064" y="4970585"/>
+            <a:ext cx="2016224" cy="834679"/>
+          </a:xfrm>
+          <a:prstGeom prst="rect">
+            <a:avLst/>
+          </a:prstGeom>
+          <a:noFill/>
+          <a:ln>
+            <a:solidFill>
+              <a:srgbClr val="C00000"/>
+            </a:solidFill>
+          </a:ln>
+        </p:spPr>
+        <p:style>
+          <a:lnRef idx="2">
+            <a:schemeClr val="accent1">
+              <a:shade val="50000"/>
+            </a:schemeClr>
+          </a:lnRef>
+          <a:fillRef idx="1">
+            <a:schemeClr val="accent1"/>
+          </a:fillRef>
+          <a:effectRef idx="0">
+            <a:schemeClr val="accent1"/>
+          </a:effectRef>
+          <a:fontRef idx="minor">
+            <a:schemeClr val="lt1"/>
+          </a:fontRef>
+        </p:style>
+        <p:txBody>
+          <a:bodyPr rtlCol="0" anchor="ctr"/>
+          <a:lstStyle/>
+          <a:p>
+            <a:pPr algn="ctr"/>
+            <a:endParaRPr lang="en-US"/>
+          </a:p>
+        </p:txBody>
+      </p:sp>
+    </p:spTree>
+    <p:extLst>
+      <p:ext uri="{BB962C8B-B14F-4D97-AF65-F5344CB8AC3E}">
+        <p14:creationId xmlns:p14="http://schemas.microsoft.com/office/powerpoint/2010/main" val="993296993"/>
+      </p:ext>
+    </p:extLst>
+  </p:cSld>
+  <p:clrMapOvr>
+    <a:masterClrMapping/>
+  </p:clrMapOvr>
+</p:sld>
+</file>
+
+<file path=ppt/slides/slide8.xml><?xml version="1.0" encoding="utf-8"?>
+<p:sld xmlns:a="http://schemas.openxmlformats.org/drawingml/2006/main" xmlns:r="http://schemas.openxmlformats.org/officeDocument/2006/relationships" xmlns:p="http://schemas.openxmlformats.org/presentationml/2006/main">
+  <p:cSld>
+    <p:spTree>
+      <p:nvGrpSpPr>
+        <p:cNvPr id="1" name=""/>
+        <p:cNvGrpSpPr/>
+        <p:nvPr/>
+      </p:nvGrpSpPr>
+      <p:grpSpPr>
+        <a:xfrm>
+          <a:off x="0" y="0"/>
+          <a:ext cx="0" cy="0"/>
+          <a:chOff x="0" y="0"/>
+          <a:chExt cx="0" cy="0"/>
+        </a:xfrm>
+      </p:grpSpPr>
+      <p:sp>
+        <p:nvSpPr>
+          <p:cNvPr id="2" name="標題 1"/>
+          <p:cNvSpPr>
+            <a:spLocks noGrp="1"/>
+          </p:cNvSpPr>
+          <p:nvPr>
+            <p:ph type="ctrTitle"/>
+          </p:nvPr>
+        </p:nvSpPr>
+        <p:spPr>
+          <a:xfrm>
+            <a:off x="0" y="1"/>
+            <a:ext cx="9144000" cy="764704"/>
+          </a:xfrm>
+          <a:gradFill flip="none" rotWithShape="1">
+            <a:gsLst>
+              <a:gs pos="0">
+                <a:srgbClr val="C00000">
+                  <a:shade val="30000"/>
+                  <a:satMod val="115000"/>
+                </a:srgbClr>
+              </a:gs>
+              <a:gs pos="50000">
+                <a:srgbClr val="C00000">
+                  <a:shade val="67500"/>
+                  <a:satMod val="115000"/>
+                </a:srgbClr>
+              </a:gs>
+              <a:gs pos="100000">
+                <a:srgbClr val="C00000">
+                  <a:shade val="100000"/>
+                  <a:satMod val="115000"/>
+                </a:srgbClr>
+              </a:gs>
+            </a:gsLst>
+            <a:path path="circle">
+              <a:fillToRect t="100000" r="100000"/>
+            </a:path>
+            <a:tileRect l="-100000" b="-100000"/>
+          </a:gradFill>
+        </p:spPr>
+        <p:txBody>
+          <a:bodyPr/>
+          <a:lstStyle/>
+          <a:p>
+            <a:pPr algn="l"/>
+            <a:r>
+              <a:rPr lang="en-US" altLang="zh-TW" b="1" dirty="0">
+                <a:solidFill>
+                  <a:srgbClr val="FFFF00"/>
+                </a:solidFill>
+              </a:rPr>
+              <a:t>6.1 Create Local Repository</a:t>
+            </a:r>
+            <a:endParaRPr lang="zh-TW" altLang="en-US" b="1" dirty="0">
+              <a:solidFill>
+                <a:srgbClr val="FFFF00"/>
+              </a:solidFill>
+            </a:endParaRPr>
+          </a:p>
+        </p:txBody>
+      </p:sp>
+      <p:sp>
+        <p:nvSpPr>
+          <p:cNvPr id="3" name="副標題 2"/>
+          <p:cNvSpPr>
+            <a:spLocks noGrp="1"/>
+          </p:cNvSpPr>
+          <p:nvPr>
+            <p:ph type="subTitle" idx="1"/>
+          </p:nvPr>
+        </p:nvSpPr>
+        <p:spPr>
+          <a:xfrm>
+            <a:off x="539552" y="1340767"/>
+            <a:ext cx="8064896" cy="819315"/>
+          </a:xfrm>
+          <a:ln>
+            <a:solidFill>
+              <a:srgbClr val="C00000"/>
+            </a:solidFill>
+          </a:ln>
+        </p:spPr>
+        <p:txBody>
+          <a:bodyPr>
+            <a:noAutofit/>
+          </a:bodyPr>
+          <a:lstStyle/>
+          <a:p>
+            <a:pPr marL="342900" indent="-342900" algn="l">
+              <a:buClr>
+                <a:srgbClr val="0070C0"/>
+              </a:buClr>
+              <a:buSzPct val="80000"/>
+              <a:buFont typeface="Wingdings" pitchFamily="2" charset="2"/>
+              <a:buChar char="u"/>
+            </a:pPr>
+            <a:r>
+              <a:rPr lang="en-US" altLang="zh-TW" sz="1800" dirty="0">
+                <a:solidFill>
+                  <a:schemeClr val="tx1"/>
+                </a:solidFill>
+              </a:rPr>
+              <a:t>Click “Create…” to create local repository.</a:t>
+            </a:r>
+          </a:p>
+          <a:p>
+            <a:pPr marL="342900" indent="-342900" algn="l">
+              <a:buClr>
+                <a:srgbClr val="0070C0"/>
+              </a:buClr>
+              <a:buSzPct val="80000"/>
+              <a:buFont typeface="Wingdings" pitchFamily="2" charset="2"/>
+              <a:buChar char="u"/>
+            </a:pPr>
+            <a:r>
+              <a:rPr lang="en-US" altLang="zh-TW" sz="1800" dirty="0">
+                <a:solidFill>
+                  <a:schemeClr val="tx1"/>
+                </a:solidFill>
+              </a:rPr>
+              <a:t>Give the name of local repository “</a:t>
+            </a:r>
+            <a:r>
+              <a:rPr lang="en-US" altLang="zh-TW" sz="1800" dirty="0" err="1">
+                <a:solidFill>
+                  <a:schemeClr val="tx1"/>
+                </a:solidFill>
+              </a:rPr>
+              <a:t>GitHubTest</a:t>
+            </a:r>
+            <a:r>
+              <a:rPr lang="en-US" altLang="zh-TW" sz="1800" dirty="0">
+                <a:solidFill>
+                  <a:schemeClr val="tx1"/>
+                </a:solidFill>
+              </a:rPr>
+              <a:t>”.</a:t>
+            </a:r>
+          </a:p>
+        </p:txBody>
+      </p:sp>
+      <p:sp>
+        <p:nvSpPr>
+          <p:cNvPr id="4" name="標題 1"/>
+          <p:cNvSpPr txBox="1">
+            <a:spLocks/>
+          </p:cNvSpPr>
+          <p:nvPr/>
+        </p:nvSpPr>
+        <p:spPr>
+          <a:xfrm>
+            <a:off x="0" y="764704"/>
+            <a:ext cx="9144000" cy="398616"/>
+          </a:xfrm>
+          <a:prstGeom prst="rect">
+            <a:avLst/>
+          </a:prstGeom>
+          <a:gradFill flip="none" rotWithShape="1">
+            <a:gsLst>
+              <a:gs pos="0">
+                <a:srgbClr val="00B0F0">
+                  <a:shade val="30000"/>
+                  <a:satMod val="115000"/>
+                </a:srgbClr>
+              </a:gs>
+              <a:gs pos="50000">
+                <a:srgbClr val="00B0F0">
+                  <a:shade val="67500"/>
+                  <a:satMod val="115000"/>
+                </a:srgbClr>
+              </a:gs>
+              <a:gs pos="100000">
+                <a:srgbClr val="00B0F0">
+                  <a:shade val="100000"/>
+                  <a:satMod val="115000"/>
+                </a:srgbClr>
+              </a:gs>
+            </a:gsLst>
+            <a:path path="circle">
+              <a:fillToRect t="100000" r="100000"/>
+            </a:path>
+            <a:tileRect l="-100000" b="-100000"/>
+          </a:gradFill>
+        </p:spPr>
+        <p:txBody>
+          <a:bodyPr vert="horz" lIns="91440" tIns="45720" rIns="91440" bIns="45720" rtlCol="0" anchor="ctr">
+            <a:normAutofit/>
+          </a:bodyPr>
+          <a:lstStyle/>
+          <a:p>
+            <a:pPr lvl="0">
+              <a:spcBef>
+                <a:spcPct val="0"/>
+              </a:spcBef>
+            </a:pPr>
+            <a:r>
+              <a:rPr lang="en-US" sz="1600" dirty="0">
+                <a:hlinkClick r:id="rId2"/>
+              </a:rPr>
+              <a:t>https://www.youtube.com/watch?v=Huwf0TgWrOw&amp;list=PLsyeobzWxl7q2eaUkorLZExfd7qko9sZC&amp;index=7</a:t>
+            </a:r>
+            <a:endParaRPr kumimoji="0" lang="zh-TW" altLang="en-US" sz="1600" b="0" i="0" u="none" strike="noStrike" kern="1200" cap="none" spc="0" normalizeH="0" baseline="0" noProof="0" dirty="0">
+              <a:ln>
+                <a:noFill/>
+              </a:ln>
+              <a:solidFill>
+                <a:schemeClr val="tx1"/>
+              </a:solidFill>
+              <a:effectLst/>
+              <a:uLnTx/>
+              <a:uFillTx/>
+              <a:latin typeface="+mj-lt"/>
+              <a:ea typeface="+mj-ea"/>
+              <a:cs typeface="+mj-cs"/>
+            </a:endParaRPr>
+          </a:p>
+        </p:txBody>
+      </p:sp>
+      <p:sp>
+        <p:nvSpPr>
+          <p:cNvPr id="5" name="日期版面配置區 4"/>
+          <p:cNvSpPr>
+            <a:spLocks noGrp="1"/>
+          </p:cNvSpPr>
+          <p:nvPr>
+            <p:ph type="dt" sz="half" idx="10"/>
+          </p:nvPr>
+        </p:nvSpPr>
+        <p:spPr>
+          <a:xfrm>
+            <a:off x="457200" y="6356350"/>
+            <a:ext cx="2133600" cy="404246"/>
+          </a:xfrm>
+        </p:spPr>
+        <p:txBody>
+          <a:bodyPr/>
+          <a:lstStyle/>
+          <a:p>
+            <a:fld id="{A4F910E6-8D00-4BAF-8C48-9688E0B449D3}" type="datetime1">
+              <a:rPr lang="zh-TW" altLang="en-US" smtClean="0"/>
+              <a:pPr/>
+              <a:t>2019/5/10</a:t>
+            </a:fld>
+            <a:endParaRPr lang="zh-TW" altLang="en-US"/>
+          </a:p>
+        </p:txBody>
+      </p:sp>
+      <p:sp>
+        <p:nvSpPr>
+          <p:cNvPr id="6" name="投影片編號版面配置區 5"/>
+          <p:cNvSpPr>
+            <a:spLocks noGrp="1"/>
+          </p:cNvSpPr>
+          <p:nvPr>
+            <p:ph type="sldNum" sz="quarter" idx="12"/>
+          </p:nvPr>
+        </p:nvSpPr>
+        <p:spPr>
+          <a:xfrm>
+            <a:off x="6485413" y="6340007"/>
+            <a:ext cx="2133600" cy="404246"/>
+          </a:xfrm>
+        </p:spPr>
+        <p:txBody>
+          <a:bodyPr/>
+          <a:lstStyle/>
+          <a:p>
+            <a:fld id="{E4D7E63D-91F2-4366-A2C4-1B00C9E2590E}" type="slidenum">
+              <a:rPr lang="zh-TW" altLang="en-US" smtClean="0"/>
+              <a:pPr/>
+              <a:t>8</a:t>
+            </a:fld>
+            <a:endParaRPr lang="zh-TW" altLang="en-US"/>
+          </a:p>
+        </p:txBody>
+      </p:sp>
+      <p:pic>
+        <p:nvPicPr>
+          <p:cNvPr id="8" name="Picture 7">
+            <a:extLst>
+              <a:ext uri="{FF2B5EF4-FFF2-40B4-BE49-F238E27FC236}">
+                <a16:creationId xmlns:a16="http://schemas.microsoft.com/office/drawing/2014/main" id="{6E67BC57-270F-4B8B-89B2-4906DDEF03F9}"/>
+              </a:ext>
+            </a:extLst>
+          </p:cNvPr>
+          <p:cNvPicPr>
+            <a:picLocks noChangeAspect="1"/>
+          </p:cNvPicPr>
+          <p:nvPr/>
+        </p:nvPicPr>
+        <p:blipFill>
+          <a:blip r:embed="rId3"/>
+          <a:stretch>
+            <a:fillRect/>
+          </a:stretch>
+        </p:blipFill>
+        <p:spPr>
+          <a:xfrm>
+            <a:off x="611560" y="2420888"/>
+            <a:ext cx="4232845" cy="2457227"/>
+          </a:xfrm>
+          <a:prstGeom prst="rect">
+            <a:avLst/>
+          </a:prstGeom>
+          <a:ln>
+            <a:solidFill>
+              <a:srgbClr val="C00000"/>
+            </a:solidFill>
+          </a:ln>
+        </p:spPr>
+      </p:pic>
+      <p:pic>
+        <p:nvPicPr>
+          <p:cNvPr id="9" name="Picture 8">
+            <a:extLst>
+              <a:ext uri="{FF2B5EF4-FFF2-40B4-BE49-F238E27FC236}">
+                <a16:creationId xmlns:a16="http://schemas.microsoft.com/office/drawing/2014/main" id="{E6E666FF-AEE9-478A-AB4F-0262A15F6883}"/>
+              </a:ext>
+            </a:extLst>
+          </p:cNvPr>
+          <p:cNvPicPr>
+            <a:picLocks noChangeAspect="1"/>
+          </p:cNvPicPr>
+          <p:nvPr/>
+        </p:nvPicPr>
+        <p:blipFill>
+          <a:blip r:embed="rId4"/>
+          <a:stretch>
+            <a:fillRect/>
+          </a:stretch>
+        </p:blipFill>
+        <p:spPr>
+          <a:xfrm>
+            <a:off x="5004048" y="2558697"/>
+            <a:ext cx="3703370" cy="2728416"/>
+          </a:xfrm>
+          <a:prstGeom prst="rect">
+            <a:avLst/>
+          </a:prstGeom>
+          <a:ln>
+            <a:solidFill>
+              <a:srgbClr val="C00000"/>
+            </a:solidFill>
+          </a:ln>
+        </p:spPr>
+      </p:pic>
+    </p:spTree>
+    <p:extLst>
+      <p:ext uri="{BB962C8B-B14F-4D97-AF65-F5344CB8AC3E}">
+        <p14:creationId xmlns:p14="http://schemas.microsoft.com/office/powerpoint/2010/main" val="803673436"/>
+      </p:ext>
+    </p:extLst>
+  </p:cSld>
+  <p:clrMapOvr>
+    <a:masterClrMapping/>
+  </p:clrMapOvr>
+</p:sld>
+</file>
+
+<file path=ppt/slides/slide9.xml><?xml version="1.0" encoding="utf-8"?>
+<p:sld xmlns:a="http://schemas.openxmlformats.org/drawingml/2006/main" xmlns:r="http://schemas.openxmlformats.org/officeDocument/2006/relationships" xmlns:p="http://schemas.openxmlformats.org/presentationml/2006/main">
+  <p:cSld>
+    <p:spTree>
+      <p:nvGrpSpPr>
+        <p:cNvPr id="1" name=""/>
+        <p:cNvGrpSpPr/>
+        <p:nvPr/>
+      </p:nvGrpSpPr>
+      <p:grpSpPr>
+        <a:xfrm>
+          <a:off x="0" y="0"/>
+          <a:ext cx="0" cy="0"/>
+          <a:chOff x="0" y="0"/>
+          <a:chExt cx="0" cy="0"/>
+        </a:xfrm>
+      </p:grpSpPr>
+      <p:sp>
+        <p:nvSpPr>
+          <p:cNvPr id="2" name="標題 1"/>
+          <p:cNvSpPr>
+            <a:spLocks noGrp="1"/>
+          </p:cNvSpPr>
+          <p:nvPr>
+            <p:ph type="ctrTitle"/>
+          </p:nvPr>
+        </p:nvSpPr>
+        <p:spPr>
+          <a:xfrm>
+            <a:off x="0" y="1"/>
+            <a:ext cx="9144000" cy="764704"/>
+          </a:xfrm>
+          <a:gradFill flip="none" rotWithShape="1">
+            <a:gsLst>
+              <a:gs pos="0">
+                <a:srgbClr val="C00000">
+                  <a:shade val="30000"/>
+                  <a:satMod val="115000"/>
+                </a:srgbClr>
+              </a:gs>
+              <a:gs pos="50000">
+                <a:srgbClr val="C00000">
+                  <a:shade val="67500"/>
+                  <a:satMod val="115000"/>
+                </a:srgbClr>
+              </a:gs>
+              <a:gs pos="100000">
+                <a:srgbClr val="C00000">
+                  <a:shade val="100000"/>
+                  <a:satMod val="115000"/>
+                </a:srgbClr>
+              </a:gs>
+            </a:gsLst>
+            <a:path path="circle">
+              <a:fillToRect t="100000" r="100000"/>
+            </a:path>
+            <a:tileRect l="-100000" b="-100000"/>
+          </a:gradFill>
+        </p:spPr>
+        <p:txBody>
+          <a:bodyPr/>
+          <a:lstStyle/>
+          <a:p>
+            <a:pPr algn="l"/>
+            <a:r>
+              <a:rPr lang="en-US" altLang="zh-TW" b="1" dirty="0">
+                <a:solidFill>
+                  <a:srgbClr val="FFFF00"/>
+                </a:solidFill>
+              </a:rPr>
+              <a:t>6.1 Create Local Repository</a:t>
+            </a:r>
+            <a:endParaRPr lang="zh-TW" altLang="en-US" b="1" dirty="0">
+              <a:solidFill>
+                <a:srgbClr val="FFFF00"/>
+              </a:solidFill>
+            </a:endParaRPr>
+          </a:p>
+        </p:txBody>
+      </p:sp>
+      <p:sp>
+        <p:nvSpPr>
+          <p:cNvPr id="3" name="副標題 2"/>
+          <p:cNvSpPr>
+            <a:spLocks noGrp="1"/>
+          </p:cNvSpPr>
+          <p:nvPr>
+            <p:ph type="subTitle" idx="1"/>
+          </p:nvPr>
+        </p:nvSpPr>
+        <p:spPr>
+          <a:xfrm>
+            <a:off x="539552" y="1340768"/>
+            <a:ext cx="8064896" cy="398616"/>
+          </a:xfrm>
+          <a:ln>
+            <a:solidFill>
+              <a:srgbClr val="C00000"/>
+            </a:solidFill>
+          </a:ln>
+        </p:spPr>
+        <p:txBody>
+          <a:bodyPr>
+            <a:noAutofit/>
+          </a:bodyPr>
+          <a:lstStyle/>
+          <a:p>
+            <a:pPr marL="342900" indent="-342900" algn="l">
+              <a:buClr>
+                <a:srgbClr val="0070C0"/>
+              </a:buClr>
+              <a:buSzPct val="80000"/>
+              <a:buFont typeface="Wingdings" pitchFamily="2" charset="2"/>
+              <a:buChar char="u"/>
+            </a:pPr>
+            <a:r>
+              <a:rPr lang="en-US" altLang="zh-TW" sz="1800" dirty="0">
+                <a:solidFill>
+                  <a:schemeClr val="tx1"/>
+                </a:solidFill>
+              </a:rPr>
+              <a:t>The local Git repository is “C:\Users\14088\git\</a:t>
+            </a:r>
+            <a:r>
+              <a:rPr lang="en-US" altLang="zh-TW" sz="1800" dirty="0" err="1">
+                <a:solidFill>
+                  <a:schemeClr val="tx1"/>
+                </a:solidFill>
+              </a:rPr>
+              <a:t>GitHubTest</a:t>
+            </a:r>
+            <a:r>
+              <a:rPr lang="en-US" altLang="zh-TW" sz="1800" dirty="0">
+                <a:solidFill>
+                  <a:schemeClr val="tx1"/>
+                </a:solidFill>
+              </a:rPr>
+              <a:t>\.git”.</a:t>
+            </a:r>
+          </a:p>
+        </p:txBody>
+      </p:sp>
+      <p:sp>
+        <p:nvSpPr>
+          <p:cNvPr id="4" name="標題 1"/>
+          <p:cNvSpPr txBox="1">
+            <a:spLocks/>
+          </p:cNvSpPr>
+          <p:nvPr/>
+        </p:nvSpPr>
+        <p:spPr>
+          <a:xfrm>
+            <a:off x="0" y="764704"/>
+            <a:ext cx="9144000" cy="398616"/>
+          </a:xfrm>
+          <a:prstGeom prst="rect">
+            <a:avLst/>
+          </a:prstGeom>
+          <a:gradFill flip="none" rotWithShape="1">
+            <a:gsLst>
+              <a:gs pos="0">
+                <a:srgbClr val="00B0F0">
+                  <a:shade val="30000"/>
+                  <a:satMod val="115000"/>
+                </a:srgbClr>
+              </a:gs>
+              <a:gs pos="50000">
+                <a:srgbClr val="00B0F0">
+                  <a:shade val="67500"/>
+                  <a:satMod val="115000"/>
+                </a:srgbClr>
+              </a:gs>
+              <a:gs pos="100000">
+                <a:srgbClr val="00B0F0">
+                  <a:shade val="100000"/>
+                  <a:satMod val="115000"/>
+                </a:srgbClr>
+              </a:gs>
+            </a:gsLst>
+            <a:path path="circle">
+              <a:fillToRect t="100000" r="100000"/>
+            </a:path>
+            <a:tileRect l="-100000" b="-100000"/>
+          </a:gradFill>
+        </p:spPr>
+        <p:txBody>
+          <a:bodyPr vert="horz" lIns="91440" tIns="45720" rIns="91440" bIns="45720" rtlCol="0" anchor="ctr">
+            <a:normAutofit/>
+          </a:bodyPr>
+          <a:lstStyle/>
+          <a:p>
+            <a:pPr lvl="0">
+              <a:spcBef>
+                <a:spcPct val="0"/>
+              </a:spcBef>
+            </a:pPr>
+            <a:r>
+              <a:rPr lang="en-US" sz="1600" dirty="0">
+                <a:hlinkClick r:id="rId2"/>
+              </a:rPr>
+              <a:t>https://www.youtube.com/watch?v=Huwf0TgWrOw&amp;list=PLsyeobzWxl7q2eaUkorLZExfd7qko9sZC&amp;index=7</a:t>
+            </a:r>
+            <a:endParaRPr kumimoji="0" lang="zh-TW" altLang="en-US" sz="1600" b="0" i="0" u="none" strike="noStrike" kern="1200" cap="none" spc="0" normalizeH="0" baseline="0" noProof="0" dirty="0">
+              <a:ln>
+                <a:noFill/>
+              </a:ln>
+              <a:solidFill>
+                <a:schemeClr val="tx1"/>
+              </a:solidFill>
+              <a:effectLst/>
+              <a:uLnTx/>
+              <a:uFillTx/>
+              <a:latin typeface="+mj-lt"/>
+              <a:ea typeface="+mj-ea"/>
+              <a:cs typeface="+mj-cs"/>
+            </a:endParaRPr>
+          </a:p>
+        </p:txBody>
+      </p:sp>
+      <p:sp>
+        <p:nvSpPr>
+          <p:cNvPr id="5" name="日期版面配置區 4"/>
+          <p:cNvSpPr>
+            <a:spLocks noGrp="1"/>
+          </p:cNvSpPr>
+          <p:nvPr>
+            <p:ph type="dt" sz="half" idx="10"/>
+          </p:nvPr>
+        </p:nvSpPr>
+        <p:spPr>
+          <a:xfrm>
+            <a:off x="457200" y="6356350"/>
+            <a:ext cx="2133600" cy="404246"/>
+          </a:xfrm>
+        </p:spPr>
+        <p:txBody>
+          <a:bodyPr/>
+          <a:lstStyle/>
+          <a:p>
+            <a:fld id="{A4F910E6-8D00-4BAF-8C48-9688E0B449D3}" type="datetime1">
+              <a:rPr lang="zh-TW" altLang="en-US" smtClean="0"/>
+              <a:pPr/>
+              <a:t>2019/5/10</a:t>
+            </a:fld>
+            <a:endParaRPr lang="zh-TW" altLang="en-US"/>
+          </a:p>
+        </p:txBody>
+      </p:sp>
+      <p:sp>
+        <p:nvSpPr>
+          <p:cNvPr id="6" name="投影片編號版面配置區 5"/>
+          <p:cNvSpPr>
+            <a:spLocks noGrp="1"/>
+          </p:cNvSpPr>
+          <p:nvPr>
+            <p:ph type="sldNum" sz="quarter" idx="12"/>
+          </p:nvPr>
+        </p:nvSpPr>
+        <p:spPr>
+          <a:xfrm>
+            <a:off x="6485413" y="6340007"/>
+            <a:ext cx="2133600" cy="404246"/>
+          </a:xfrm>
+        </p:spPr>
+        <p:txBody>
+          <a:bodyPr/>
+          <a:lstStyle/>
+          <a:p>
+            <a:fld id="{E4D7E63D-91F2-4366-A2C4-1B00C9E2590E}" type="slidenum">
+              <a:rPr lang="zh-TW" altLang="en-US" smtClean="0"/>
+              <a:pPr/>
+              <a:t>9</a:t>
+            </a:fld>
+            <a:endParaRPr lang="zh-TW" altLang="en-US"/>
+          </a:p>
+        </p:txBody>
+      </p:sp>
+      <p:pic>
+        <p:nvPicPr>
+          <p:cNvPr id="7" name="Picture 6">
+            <a:extLst>
+              <a:ext uri="{FF2B5EF4-FFF2-40B4-BE49-F238E27FC236}">
+                <a16:creationId xmlns:a16="http://schemas.microsoft.com/office/drawing/2014/main" id="{108A9FEB-2C07-447B-BFFF-3C2184B5AAE0}"/>
+              </a:ext>
+            </a:extLst>
+          </p:cNvPr>
+          <p:cNvPicPr>
+            <a:picLocks noChangeAspect="1"/>
+          </p:cNvPicPr>
+          <p:nvPr/>
+        </p:nvPicPr>
+        <p:blipFill>
+          <a:blip r:embed="rId3"/>
+          <a:stretch>
+            <a:fillRect/>
+          </a:stretch>
+        </p:blipFill>
+        <p:spPr>
+          <a:xfrm>
+            <a:off x="1033462" y="2006108"/>
+            <a:ext cx="7077075" cy="4067175"/>
+          </a:xfrm>
+          <a:prstGeom prst="rect">
+            <a:avLst/>
+          </a:prstGeom>
+          <a:ln>
+            <a:solidFill>
+              <a:srgbClr val="C00000"/>
+            </a:solidFill>
+          </a:ln>
+        </p:spPr>
+      </p:pic>
+    </p:spTree>
+    <p:extLst>
+      <p:ext uri="{BB962C8B-B14F-4D97-AF65-F5344CB8AC3E}">
+        <p14:creationId xmlns:p14="http://schemas.microsoft.com/office/powerpoint/2010/main" val="450738596"/>
+      </p:ext>
+    </p:extLst>
   </p:cSld>
   <p:clrMapOvr>
     <a:masterClrMapping/>

--- a/ch06_EclipseGitHub.pptx
+++ b/ch06_EclipseGitHub.pptx
@@ -5,7 +5,7 @@
     <p:sldMasterId id="2147483648" r:id="rId1"/>
   </p:sldMasterIdLst>
   <p:notesMasterIdLst>
-    <p:notesMasterId r:id="rId19"/>
+    <p:notesMasterId r:id="rId38"/>
   </p:notesMasterIdLst>
   <p:sldIdLst>
     <p:sldId id="256" r:id="rId2"/>
@@ -13,18 +13,37 @@
     <p:sldId id="264" r:id="rId4"/>
     <p:sldId id="265" r:id="rId5"/>
     <p:sldId id="271" r:id="rId6"/>
-    <p:sldId id="267" r:id="rId7"/>
-    <p:sldId id="266" r:id="rId8"/>
-    <p:sldId id="268" r:id="rId9"/>
-    <p:sldId id="269" r:id="rId10"/>
-    <p:sldId id="272" r:id="rId11"/>
-    <p:sldId id="270" r:id="rId12"/>
-    <p:sldId id="274" r:id="rId13"/>
-    <p:sldId id="273" r:id="rId14"/>
-    <p:sldId id="275" r:id="rId15"/>
-    <p:sldId id="277" r:id="rId16"/>
-    <p:sldId id="276" r:id="rId17"/>
-    <p:sldId id="259" r:id="rId18"/>
+    <p:sldId id="278" r:id="rId7"/>
+    <p:sldId id="279" r:id="rId8"/>
+    <p:sldId id="280" r:id="rId9"/>
+    <p:sldId id="286" r:id="rId10"/>
+    <p:sldId id="267" r:id="rId11"/>
+    <p:sldId id="266" r:id="rId12"/>
+    <p:sldId id="268" r:id="rId13"/>
+    <p:sldId id="269" r:id="rId14"/>
+    <p:sldId id="272" r:id="rId15"/>
+    <p:sldId id="270" r:id="rId16"/>
+    <p:sldId id="274" r:id="rId17"/>
+    <p:sldId id="273" r:id="rId18"/>
+    <p:sldId id="275" r:id="rId19"/>
+    <p:sldId id="277" r:id="rId20"/>
+    <p:sldId id="276" r:id="rId21"/>
+    <p:sldId id="281" r:id="rId22"/>
+    <p:sldId id="282" r:id="rId23"/>
+    <p:sldId id="284" r:id="rId24"/>
+    <p:sldId id="285" r:id="rId25"/>
+    <p:sldId id="287" r:id="rId26"/>
+    <p:sldId id="283" r:id="rId27"/>
+    <p:sldId id="288" r:id="rId28"/>
+    <p:sldId id="289" r:id="rId29"/>
+    <p:sldId id="290" r:id="rId30"/>
+    <p:sldId id="291" r:id="rId31"/>
+    <p:sldId id="293" r:id="rId32"/>
+    <p:sldId id="292" r:id="rId33"/>
+    <p:sldId id="295" r:id="rId34"/>
+    <p:sldId id="294" r:id="rId35"/>
+    <p:sldId id="296" r:id="rId36"/>
+    <p:sldId id="259" r:id="rId37"/>
   </p:sldIdLst>
   <p:sldSz cx="9144000" cy="6858000" type="screen4x3"/>
   <p:notesSz cx="6858000" cy="9144000"/>
@@ -225,7 +244,7 @@
             <a:fld id="{6837EDA8-41C8-4B24-A206-13C08A65A6D7}" type="datetimeFigureOut">
               <a:rPr lang="zh-TW" altLang="en-US" smtClean="0"/>
               <a:pPr/>
-              <a:t>2019/5/10</a:t>
+              <a:t>2019/5/12</a:t>
             </a:fld>
             <a:endParaRPr lang="zh-TW" altLang="en-US"/>
           </a:p>
@@ -678,7 +697,7 @@
             <a:fld id="{8B85509C-BD4F-47BF-9B1E-FC2E949B3621}" type="datetime1">
               <a:rPr lang="zh-TW" altLang="en-US" smtClean="0"/>
               <a:pPr/>
-              <a:t>2019/5/10</a:t>
+              <a:t>2019/5/12</a:t>
             </a:fld>
             <a:endParaRPr lang="zh-TW" altLang="en-US"/>
           </a:p>
@@ -851,7 +870,7 @@
             <a:fld id="{42251B24-F787-4C15-8A0F-7AEC20C70069}" type="datetime1">
               <a:rPr lang="zh-TW" altLang="en-US" smtClean="0"/>
               <a:pPr/>
-              <a:t>2019/5/10</a:t>
+              <a:t>2019/5/12</a:t>
             </a:fld>
             <a:endParaRPr lang="zh-TW" altLang="en-US"/>
           </a:p>
@@ -1026,7 +1045,7 @@
             <a:fld id="{9CA0D33C-CE2B-45F1-B8D4-FFD1F131F331}" type="datetime1">
               <a:rPr lang="zh-TW" altLang="en-US" smtClean="0"/>
               <a:pPr/>
-              <a:t>2019/5/10</a:t>
+              <a:t>2019/5/12</a:t>
             </a:fld>
             <a:endParaRPr lang="zh-TW" altLang="en-US"/>
           </a:p>
@@ -1191,7 +1210,7 @@
             <a:fld id="{50B99440-D9EF-40CC-9B52-F6428D9B2C76}" type="datetime1">
               <a:rPr lang="zh-TW" altLang="en-US" smtClean="0"/>
               <a:pPr/>
-              <a:t>2019/5/10</a:t>
+              <a:t>2019/5/12</a:t>
             </a:fld>
             <a:endParaRPr lang="zh-TW" altLang="en-US"/>
           </a:p>
@@ -1433,7 +1452,7 @@
             <a:fld id="{0871BF52-5C6C-4959-8E27-CECB68D39FE4}" type="datetime1">
               <a:rPr lang="zh-TW" altLang="en-US" smtClean="0"/>
               <a:pPr/>
-              <a:t>2019/5/10</a:t>
+              <a:t>2019/5/12</a:t>
             </a:fld>
             <a:endParaRPr lang="zh-TW" altLang="en-US"/>
           </a:p>
@@ -1715,7 +1734,7 @@
             <a:fld id="{DF863F05-2DD9-4EB1-A827-12FD992DE9DC}" type="datetime1">
               <a:rPr lang="zh-TW" altLang="en-US" smtClean="0"/>
               <a:pPr/>
-              <a:t>2019/5/10</a:t>
+              <a:t>2019/5/12</a:t>
             </a:fld>
             <a:endParaRPr lang="zh-TW" altLang="en-US"/>
           </a:p>
@@ -2131,7 +2150,7 @@
             <a:fld id="{6339AF51-4491-4873-A096-75DB6CE47516}" type="datetime1">
               <a:rPr lang="zh-TW" altLang="en-US" smtClean="0"/>
               <a:pPr/>
-              <a:t>2019/5/10</a:t>
+              <a:t>2019/5/12</a:t>
             </a:fld>
             <a:endParaRPr lang="zh-TW" altLang="en-US"/>
           </a:p>
@@ -2245,7 +2264,7 @@
             <a:fld id="{EE4AD9C8-8B9E-40FF-ABE2-858AC2057BBB}" type="datetime1">
               <a:rPr lang="zh-TW" altLang="en-US" smtClean="0"/>
               <a:pPr/>
-              <a:t>2019/5/10</a:t>
+              <a:t>2019/5/12</a:t>
             </a:fld>
             <a:endParaRPr lang="zh-TW" altLang="en-US"/>
           </a:p>
@@ -2337,7 +2356,7 @@
             <a:fld id="{B4784999-BBBE-4BE4-A8D0-877E7D1D66CC}" type="datetime1">
               <a:rPr lang="zh-TW" altLang="en-US" smtClean="0"/>
               <a:pPr/>
-              <a:t>2019/5/10</a:t>
+              <a:t>2019/5/12</a:t>
             </a:fld>
             <a:endParaRPr lang="zh-TW" altLang="en-US"/>
           </a:p>
@@ -2609,7 +2628,7 @@
             <a:fld id="{E88D17E6-02BD-4944-B9FE-7BFCCBF83D48}" type="datetime1">
               <a:rPr lang="zh-TW" altLang="en-US" smtClean="0"/>
               <a:pPr/>
-              <a:t>2019/5/10</a:t>
+              <a:t>2019/5/12</a:t>
             </a:fld>
             <a:endParaRPr lang="zh-TW" altLang="en-US"/>
           </a:p>
@@ -2858,7 +2877,7 @@
             <a:fld id="{3C13E23D-1FEF-4D78-A3A3-3D6F2BB31954}" type="datetime1">
               <a:rPr lang="zh-TW" altLang="en-US" smtClean="0"/>
               <a:pPr/>
-              <a:t>2019/5/10</a:t>
+              <a:t>2019/5/12</a:t>
             </a:fld>
             <a:endParaRPr lang="zh-TW" altLang="en-US"/>
           </a:p>
@@ -3066,7 +3085,7 @@
             <a:fld id="{06197F35-AD6F-4594-8B50-334492D2E7E8}" type="datetime1">
               <a:rPr lang="zh-TW" altLang="en-US" smtClean="0"/>
               <a:pPr/>
-              <a:t>2019/5/10</a:t>
+              <a:t>2019/5/12</a:t>
             </a:fld>
             <a:endParaRPr lang="zh-TW" altLang="en-US"/>
           </a:p>
@@ -3527,7 +3546,7 @@
             <a:fld id="{C389EDC9-19E3-47AC-9C57-C6A24DEA81AD}" type="datetime1">
               <a:rPr lang="zh-TW" altLang="en-US" smtClean="0"/>
               <a:pPr/>
-              <a:t>2019/5/10</a:t>
+              <a:t>2019/5/12</a:t>
             </a:fld>
             <a:endParaRPr lang="zh-TW" altLang="en-US"/>
           </a:p>
@@ -3612,101 +3631,12 @@
           <a:chExt cx="0" cy="0"/>
         </a:xfrm>
       </p:grpSpPr>
-      <p:sp>
-        <p:nvSpPr>
-          <p:cNvPr id="2" name="標題 1"/>
-          <p:cNvSpPr>
-            <a:spLocks noGrp="1"/>
-          </p:cNvSpPr>
-          <p:nvPr>
-            <p:ph type="ctrTitle"/>
-          </p:nvPr>
-        </p:nvSpPr>
-        <p:spPr>
-          <a:xfrm>
-            <a:off x="-14908" y="2132856"/>
-            <a:ext cx="9144000" cy="1470025"/>
-          </a:xfrm>
-          <a:solidFill>
-            <a:srgbClr val="00B0F0"/>
-          </a:solidFill>
-        </p:spPr>
-        <p:txBody>
-          <a:bodyPr>
-            <a:normAutofit fontScale="90000"/>
-          </a:bodyPr>
-          <a:lstStyle/>
-          <a:p>
-            <a:r>
-              <a:rPr lang="en-US" altLang="zh-TW" sz="4800" b="1" dirty="0">
-                <a:solidFill>
-                  <a:srgbClr val="FFFF00"/>
-                </a:solidFill>
-              </a:rPr>
-              <a:t>6.2 Commit Project to Local Repository</a:t>
-            </a:r>
-            <a:endParaRPr lang="zh-TW" altLang="en-US" sz="4800" b="1" dirty="0">
-              <a:solidFill>
-                <a:srgbClr val="FFFF00"/>
-              </a:solidFill>
-            </a:endParaRPr>
-          </a:p>
-        </p:txBody>
-      </p:sp>
-      <p:sp>
-        <p:nvSpPr>
-          <p:cNvPr id="5" name="日期版面配置區 4"/>
-          <p:cNvSpPr>
-            <a:spLocks noGrp="1"/>
-          </p:cNvSpPr>
-          <p:nvPr>
-            <p:ph type="dt" sz="half" idx="10"/>
-          </p:nvPr>
-        </p:nvSpPr>
-        <p:spPr/>
-        <p:txBody>
-          <a:bodyPr/>
-          <a:lstStyle/>
-          <a:p>
-            <a:fld id="{C389EDC9-19E3-47AC-9C57-C6A24DEA81AD}" type="datetime1">
-              <a:rPr lang="zh-TW" altLang="en-US" smtClean="0"/>
-              <a:pPr/>
-              <a:t>2019/5/10</a:t>
-            </a:fld>
-            <a:endParaRPr lang="zh-TW" altLang="en-US"/>
-          </a:p>
-        </p:txBody>
-      </p:sp>
-      <p:sp>
-        <p:nvSpPr>
-          <p:cNvPr id="6" name="投影片編號版面配置區 5"/>
-          <p:cNvSpPr>
-            <a:spLocks noGrp="1"/>
-          </p:cNvSpPr>
-          <p:nvPr>
-            <p:ph type="sldNum" sz="quarter" idx="12"/>
-          </p:nvPr>
-        </p:nvSpPr>
-        <p:spPr/>
-        <p:txBody>
-          <a:bodyPr/>
-          <a:lstStyle/>
-          <a:p>
-            <a:fld id="{E4D7E63D-91F2-4366-A2C4-1B00C9E2590E}" type="slidenum">
-              <a:rPr lang="zh-TW" altLang="en-US" smtClean="0"/>
-              <a:pPr/>
-              <a:t>10</a:t>
-            </a:fld>
-            <a:endParaRPr lang="zh-TW" altLang="en-US"/>
-          </a:p>
-        </p:txBody>
-      </p:sp>
       <p:pic>
         <p:nvPicPr>
           <p:cNvPr id="7" name="Picture 6">
             <a:extLst>
               <a:ext uri="{FF2B5EF4-FFF2-40B4-BE49-F238E27FC236}">
-                <a16:creationId xmlns:a16="http://schemas.microsoft.com/office/drawing/2014/main" id="{13E1E6C3-8D61-43FD-9739-EC3CD35FD08C}"/>
+                <a16:creationId xmlns:a16="http://schemas.microsoft.com/office/drawing/2014/main" id="{23D35B8A-10B7-4B94-9DF3-A6C81C0F6C56}"/>
               </a:ext>
             </a:extLst>
           </p:cNvPr>
@@ -3723,18 +3653,301 @@
         </p:blipFill>
         <p:spPr>
           <a:xfrm>
-            <a:off x="4042507" y="3668596"/>
-            <a:ext cx="1058986" cy="957275"/>
+            <a:off x="2887703" y="2494667"/>
+            <a:ext cx="3300806" cy="4063806"/>
           </a:xfrm>
           <a:prstGeom prst="rect">
             <a:avLst/>
           </a:prstGeom>
+          <a:ln>
+            <a:solidFill>
+              <a:srgbClr val="C00000"/>
+            </a:solidFill>
+          </a:ln>
         </p:spPr>
       </p:pic>
+      <p:sp>
+        <p:nvSpPr>
+          <p:cNvPr id="2" name="標題 1"/>
+          <p:cNvSpPr>
+            <a:spLocks noGrp="1"/>
+          </p:cNvSpPr>
+          <p:nvPr>
+            <p:ph type="ctrTitle"/>
+          </p:nvPr>
+        </p:nvSpPr>
+        <p:spPr>
+          <a:xfrm>
+            <a:off x="0" y="1"/>
+            <a:ext cx="9144000" cy="764704"/>
+          </a:xfrm>
+          <a:gradFill flip="none" rotWithShape="1">
+            <a:gsLst>
+              <a:gs pos="0">
+                <a:srgbClr val="C00000">
+                  <a:shade val="30000"/>
+                  <a:satMod val="115000"/>
+                </a:srgbClr>
+              </a:gs>
+              <a:gs pos="50000">
+                <a:srgbClr val="C00000">
+                  <a:shade val="67500"/>
+                  <a:satMod val="115000"/>
+                </a:srgbClr>
+              </a:gs>
+              <a:gs pos="100000">
+                <a:srgbClr val="C00000">
+                  <a:shade val="100000"/>
+                  <a:satMod val="115000"/>
+                </a:srgbClr>
+              </a:gs>
+            </a:gsLst>
+            <a:path path="circle">
+              <a:fillToRect t="100000" r="100000"/>
+            </a:path>
+            <a:tileRect l="-100000" b="-100000"/>
+          </a:gradFill>
+        </p:spPr>
+        <p:txBody>
+          <a:bodyPr/>
+          <a:lstStyle/>
+          <a:p>
+            <a:pPr algn="l"/>
+            <a:r>
+              <a:rPr lang="en-US" altLang="zh-TW" b="1" dirty="0">
+                <a:solidFill>
+                  <a:srgbClr val="FFFF00"/>
+                </a:solidFill>
+              </a:rPr>
+              <a:t>6.2 Create Local Repository</a:t>
+            </a:r>
+            <a:endParaRPr lang="zh-TW" altLang="en-US" b="1" dirty="0">
+              <a:solidFill>
+                <a:srgbClr val="FFFF00"/>
+              </a:solidFill>
+            </a:endParaRPr>
+          </a:p>
+        </p:txBody>
+      </p:sp>
+      <p:sp>
+        <p:nvSpPr>
+          <p:cNvPr id="3" name="副標題 2"/>
+          <p:cNvSpPr>
+            <a:spLocks noGrp="1"/>
+          </p:cNvSpPr>
+          <p:nvPr>
+            <p:ph type="subTitle" idx="1"/>
+          </p:nvPr>
+        </p:nvSpPr>
+        <p:spPr>
+          <a:xfrm>
+            <a:off x="539552" y="1340767"/>
+            <a:ext cx="8064896" cy="1080121"/>
+          </a:xfrm>
+          <a:ln>
+            <a:solidFill>
+              <a:srgbClr val="C00000"/>
+            </a:solidFill>
+          </a:ln>
+        </p:spPr>
+        <p:txBody>
+          <a:bodyPr>
+            <a:noAutofit/>
+          </a:bodyPr>
+          <a:lstStyle/>
+          <a:p>
+            <a:pPr marL="342900" indent="-342900" algn="l">
+              <a:buClr>
+                <a:srgbClr val="0070C0"/>
+              </a:buClr>
+              <a:buSzPct val="80000"/>
+              <a:buFont typeface="Wingdings" pitchFamily="2" charset="2"/>
+              <a:buChar char="u"/>
+            </a:pPr>
+            <a:r>
+              <a:rPr lang="en-US" altLang="zh-TW" sz="1800" dirty="0">
+                <a:solidFill>
+                  <a:schemeClr val="tx1"/>
+                </a:solidFill>
+              </a:rPr>
+              <a:t>In the Eclipse, click Project Name: “</a:t>
+            </a:r>
+            <a:r>
+              <a:rPr lang="en-US" altLang="zh-TW" sz="1800" dirty="0" err="1">
+                <a:solidFill>
+                  <a:schemeClr val="tx1"/>
+                </a:solidFill>
+              </a:rPr>
+              <a:t>GitHubTest</a:t>
+            </a:r>
+            <a:r>
+              <a:rPr lang="en-US" altLang="zh-TW" sz="1800" dirty="0">
+                <a:solidFill>
+                  <a:schemeClr val="tx1"/>
+                </a:solidFill>
+              </a:rPr>
+              <a:t>” &gt; Team &gt; Share Project …</a:t>
+            </a:r>
+          </a:p>
+          <a:p>
+            <a:pPr marL="342900" indent="-342900" algn="l">
+              <a:buClr>
+                <a:srgbClr val="0070C0"/>
+              </a:buClr>
+              <a:buSzPct val="80000"/>
+              <a:buFont typeface="Wingdings" pitchFamily="2" charset="2"/>
+              <a:buChar char="u"/>
+            </a:pPr>
+            <a:r>
+              <a:rPr lang="en-US" altLang="zh-TW" sz="1800" dirty="0">
+                <a:solidFill>
+                  <a:schemeClr val="tx1"/>
+                </a:solidFill>
+              </a:rPr>
+              <a:t>Put your project on the local repository. You need to install the git for your local repository.</a:t>
+            </a:r>
+          </a:p>
+        </p:txBody>
+      </p:sp>
+      <p:sp>
+        <p:nvSpPr>
+          <p:cNvPr id="4" name="標題 1"/>
+          <p:cNvSpPr txBox="1">
+            <a:spLocks/>
+          </p:cNvSpPr>
+          <p:nvPr/>
+        </p:nvSpPr>
+        <p:spPr>
+          <a:xfrm>
+            <a:off x="0" y="764704"/>
+            <a:ext cx="9144000" cy="398616"/>
+          </a:xfrm>
+          <a:prstGeom prst="rect">
+            <a:avLst/>
+          </a:prstGeom>
+          <a:gradFill flip="none" rotWithShape="1">
+            <a:gsLst>
+              <a:gs pos="0">
+                <a:srgbClr val="00B0F0">
+                  <a:shade val="30000"/>
+                  <a:satMod val="115000"/>
+                </a:srgbClr>
+              </a:gs>
+              <a:gs pos="50000">
+                <a:srgbClr val="00B0F0">
+                  <a:shade val="67500"/>
+                  <a:satMod val="115000"/>
+                </a:srgbClr>
+              </a:gs>
+              <a:gs pos="100000">
+                <a:srgbClr val="00B0F0">
+                  <a:shade val="100000"/>
+                  <a:satMod val="115000"/>
+                </a:srgbClr>
+              </a:gs>
+            </a:gsLst>
+            <a:path path="circle">
+              <a:fillToRect t="100000" r="100000"/>
+            </a:path>
+            <a:tileRect l="-100000" b="-100000"/>
+          </a:gradFill>
+        </p:spPr>
+        <p:txBody>
+          <a:bodyPr vert="horz" lIns="91440" tIns="45720" rIns="91440" bIns="45720" rtlCol="0" anchor="ctr">
+            <a:normAutofit/>
+          </a:bodyPr>
+          <a:lstStyle/>
+          <a:p>
+            <a:pPr lvl="0">
+              <a:spcBef>
+                <a:spcPct val="0"/>
+              </a:spcBef>
+            </a:pPr>
+            <a:r>
+              <a:rPr lang="en-US" sz="1600" dirty="0">
+                <a:hlinkClick r:id="rId3"/>
+              </a:rPr>
+              <a:t>https://www.youtube.com/watch?v=Huwf0TgWrOw&amp;list=PLsyeobzWxl7q2eaUkorLZExfd7qko9sZC&amp;index=7</a:t>
+            </a:r>
+            <a:endParaRPr kumimoji="0" lang="zh-TW" altLang="en-US" sz="1600" b="0" i="0" u="none" strike="noStrike" kern="1200" cap="none" spc="0" normalizeH="0" baseline="0" noProof="0" dirty="0">
+              <a:ln>
+                <a:noFill/>
+              </a:ln>
+              <a:solidFill>
+                <a:schemeClr val="tx1"/>
+              </a:solidFill>
+              <a:effectLst/>
+              <a:uLnTx/>
+              <a:uFillTx/>
+              <a:latin typeface="+mj-lt"/>
+              <a:ea typeface="+mj-ea"/>
+              <a:cs typeface="+mj-cs"/>
+            </a:endParaRPr>
+          </a:p>
+        </p:txBody>
+      </p:sp>
+      <p:sp>
+        <p:nvSpPr>
+          <p:cNvPr id="5" name="日期版面配置區 4"/>
+          <p:cNvSpPr>
+            <a:spLocks noGrp="1"/>
+          </p:cNvSpPr>
+          <p:nvPr>
+            <p:ph type="dt" sz="half" idx="10"/>
+          </p:nvPr>
+        </p:nvSpPr>
+        <p:spPr>
+          <a:xfrm>
+            <a:off x="457200" y="6356350"/>
+            <a:ext cx="2133600" cy="404246"/>
+          </a:xfrm>
+        </p:spPr>
+        <p:txBody>
+          <a:bodyPr/>
+          <a:lstStyle/>
+          <a:p>
+            <a:fld id="{A4F910E6-8D00-4BAF-8C48-9688E0B449D3}" type="datetime1">
+              <a:rPr lang="zh-TW" altLang="en-US" smtClean="0"/>
+              <a:pPr/>
+              <a:t>2019/5/12</a:t>
+            </a:fld>
+            <a:endParaRPr lang="zh-TW" altLang="en-US"/>
+          </a:p>
+        </p:txBody>
+      </p:sp>
+      <p:sp>
+        <p:nvSpPr>
+          <p:cNvPr id="6" name="投影片編號版面配置區 5"/>
+          <p:cNvSpPr>
+            <a:spLocks noGrp="1"/>
+          </p:cNvSpPr>
+          <p:nvPr>
+            <p:ph type="sldNum" sz="quarter" idx="12"/>
+          </p:nvPr>
+        </p:nvSpPr>
+        <p:spPr>
+          <a:xfrm>
+            <a:off x="6485413" y="6340007"/>
+            <a:ext cx="2133600" cy="404246"/>
+          </a:xfrm>
+        </p:spPr>
+        <p:txBody>
+          <a:bodyPr/>
+          <a:lstStyle/>
+          <a:p>
+            <a:fld id="{E4D7E63D-91F2-4366-A2C4-1B00C9E2590E}" type="slidenum">
+              <a:rPr lang="zh-TW" altLang="en-US" smtClean="0"/>
+              <a:pPr/>
+              <a:t>10</a:t>
+            </a:fld>
+            <a:endParaRPr lang="zh-TW" altLang="en-US"/>
+          </a:p>
+        </p:txBody>
+      </p:sp>
     </p:spTree>
     <p:extLst>
       <p:ext uri="{BB962C8B-B14F-4D97-AF65-F5344CB8AC3E}">
-        <p14:creationId xmlns:p14="http://schemas.microsoft.com/office/powerpoint/2010/main" val="1940103972"/>
+        <p14:creationId xmlns:p14="http://schemas.microsoft.com/office/powerpoint/2010/main" val="1815059753"/>
       </p:ext>
     </p:extLst>
   </p:cSld>
@@ -3804,9 +4017,7 @@
           </a:gradFill>
         </p:spPr>
         <p:txBody>
-          <a:bodyPr>
-            <a:normAutofit fontScale="90000"/>
-          </a:bodyPr>
+          <a:bodyPr/>
           <a:lstStyle/>
           <a:p>
             <a:pPr algn="l"/>
@@ -3816,7 +4027,7 @@
                   <a:srgbClr val="FFFF00"/>
                 </a:solidFill>
               </a:rPr>
-              <a:t>6.2 Commit Project to Local Repository</a:t>
+              <a:t>6.2 Create Local Repository</a:t>
             </a:r>
             <a:endParaRPr lang="zh-TW" altLang="en-US" b="1" dirty="0">
               <a:solidFill>
@@ -3839,7 +4050,7 @@
         <p:spPr>
           <a:xfrm>
             <a:off x="539552" y="1340768"/>
-            <a:ext cx="8064896" cy="398616"/>
+            <a:ext cx="8064896" cy="576064"/>
           </a:xfrm>
           <a:ln>
             <a:solidFill>
@@ -3867,7 +4078,7 @@
                   <a:schemeClr val="tx1"/>
                 </a:solidFill>
               </a:rPr>
-              <a:t>Select Project: </a:t>
+              <a:t>Get the link of repository “https://github.com/</a:t>
             </a:r>
             <a:r>
               <a:rPr lang="en-US" altLang="zh-TW" sz="1800" dirty="0" err="1">
@@ -3875,7 +4086,7 @@
                   <a:schemeClr val="tx1"/>
                 </a:solidFill>
               </a:rPr>
-              <a:t>GitHubTest</a:t>
+              <a:t>peterhchen</a:t>
             </a:r>
             <a:r>
               <a:rPr lang="en-US" altLang="zh-TW" sz="1800" dirty="0">
@@ -3883,7 +4094,7 @@
                   <a:schemeClr val="tx1"/>
                 </a:solidFill>
               </a:rPr>
-              <a:t> &gt; Team &gt; Commit …</a:t>
+              <a:t>/300-Eclipse-GitHubTest.git” </a:t>
             </a:r>
           </a:p>
         </p:txBody>
@@ -3988,7 +4199,7 @@
             <a:fld id="{A4F910E6-8D00-4BAF-8C48-9688E0B449D3}" type="datetime1">
               <a:rPr lang="zh-TW" altLang="en-US" smtClean="0"/>
               <a:pPr/>
-              <a:t>2019/5/10</a:t>
+              <a:t>2019/5/12</a:t>
             </a:fld>
             <a:endParaRPr lang="zh-TW" altLang="en-US"/>
           </a:p>
@@ -4028,7 +4239,7 @@
           <p:cNvPr id="9" name="Picture 8">
             <a:extLst>
               <a:ext uri="{FF2B5EF4-FFF2-40B4-BE49-F238E27FC236}">
-                <a16:creationId xmlns:a16="http://schemas.microsoft.com/office/drawing/2014/main" id="{D901B8B1-4B12-44FA-8A23-13036C8269AD}"/>
+                <a16:creationId xmlns:a16="http://schemas.microsoft.com/office/drawing/2014/main" id="{8B079CA7-E905-4237-97FA-3A621362570A}"/>
               </a:ext>
             </a:extLst>
           </p:cNvPr>
@@ -4045,8 +4256,8 @@
         </p:blipFill>
         <p:spPr>
           <a:xfrm>
-            <a:off x="1655988" y="1931125"/>
-            <a:ext cx="5896225" cy="4099947"/>
+            <a:off x="971600" y="2134127"/>
+            <a:ext cx="7308304" cy="4222223"/>
           </a:xfrm>
           <a:prstGeom prst="rect">
             <a:avLst/>
@@ -4058,10 +4269,62 @@
           </a:ln>
         </p:spPr>
       </p:pic>
+      <p:sp>
+        <p:nvSpPr>
+          <p:cNvPr id="11" name="Rectangle 10">
+            <a:extLst>
+              <a:ext uri="{FF2B5EF4-FFF2-40B4-BE49-F238E27FC236}">
+                <a16:creationId xmlns:a16="http://schemas.microsoft.com/office/drawing/2014/main" id="{EA396CEF-E2DF-45EC-8813-AE5AF7941E2C}"/>
+              </a:ext>
+            </a:extLst>
+          </p:cNvPr>
+          <p:cNvSpPr/>
+          <p:nvPr/>
+        </p:nvSpPr>
+        <p:spPr>
+          <a:xfrm>
+            <a:off x="5148064" y="4970585"/>
+            <a:ext cx="2016224" cy="834679"/>
+          </a:xfrm>
+          <a:prstGeom prst="rect">
+            <a:avLst/>
+          </a:prstGeom>
+          <a:noFill/>
+          <a:ln>
+            <a:solidFill>
+              <a:srgbClr val="C00000"/>
+            </a:solidFill>
+          </a:ln>
+        </p:spPr>
+        <p:style>
+          <a:lnRef idx="2">
+            <a:schemeClr val="accent1">
+              <a:shade val="50000"/>
+            </a:schemeClr>
+          </a:lnRef>
+          <a:fillRef idx="1">
+            <a:schemeClr val="accent1"/>
+          </a:fillRef>
+          <a:effectRef idx="0">
+            <a:schemeClr val="accent1"/>
+          </a:effectRef>
+          <a:fontRef idx="minor">
+            <a:schemeClr val="lt1"/>
+          </a:fontRef>
+        </p:style>
+        <p:txBody>
+          <a:bodyPr rtlCol="0" anchor="ctr"/>
+          <a:lstStyle/>
+          <a:p>
+            <a:pPr algn="ctr"/>
+            <a:endParaRPr lang="en-US"/>
+          </a:p>
+        </p:txBody>
+      </p:sp>
     </p:spTree>
     <p:extLst>
       <p:ext uri="{BB962C8B-B14F-4D97-AF65-F5344CB8AC3E}">
-        <p14:creationId xmlns:p14="http://schemas.microsoft.com/office/powerpoint/2010/main" val="2341342771"/>
+        <p14:creationId xmlns:p14="http://schemas.microsoft.com/office/powerpoint/2010/main" val="993296993"/>
       </p:ext>
     </p:extLst>
   </p:cSld>
@@ -4131,9 +4394,7 @@
           </a:gradFill>
         </p:spPr>
         <p:txBody>
-          <a:bodyPr>
-            <a:normAutofit fontScale="90000"/>
-          </a:bodyPr>
+          <a:bodyPr/>
           <a:lstStyle/>
           <a:p>
             <a:pPr algn="l"/>
@@ -4143,7 +4404,7 @@
                   <a:srgbClr val="FFFF00"/>
                 </a:solidFill>
               </a:rPr>
-              <a:t>6.2 Commit Project to Local Repository</a:t>
+              <a:t>6.2 Create Local Repository</a:t>
             </a:r>
             <a:endParaRPr lang="zh-TW" altLang="en-US" b="1" dirty="0">
               <a:solidFill>
@@ -4165,8 +4426,8 @@
         </p:nvSpPr>
         <p:spPr>
           <a:xfrm>
-            <a:off x="539552" y="1340768"/>
-            <a:ext cx="8064896" cy="398616"/>
+            <a:off x="539552" y="1340767"/>
+            <a:ext cx="8064896" cy="819315"/>
           </a:xfrm>
           <a:ln>
             <a:solidFill>
@@ -4194,7 +4455,25 @@
                   <a:schemeClr val="tx1"/>
                 </a:solidFill>
               </a:rPr>
-              <a:t>Select Project: </a:t>
+              <a:t>Click “Create…” to create local repository.</a:t>
+            </a:r>
+          </a:p>
+          <a:p>
+            <a:pPr marL="342900" indent="-342900" algn="l">
+              <a:buClr>
+                <a:srgbClr val="0070C0"/>
+              </a:buClr>
+              <a:buSzPct val="80000"/>
+              <a:buFont typeface="Wingdings" pitchFamily="2" charset="2"/>
+              <a:buChar char="u"/>
+            </a:pPr>
+            <a:r>
+              <a:rPr lang="en-US" altLang="zh-TW" sz="1800" dirty="0">
+                <a:solidFill>
+                  <a:schemeClr val="tx1"/>
+                </a:solidFill>
+              </a:rPr>
+              <a:t>Give the name of local repository “</a:t>
             </a:r>
             <a:r>
               <a:rPr lang="en-US" altLang="zh-TW" sz="1800" dirty="0" err="1">
@@ -4210,7 +4489,7 @@
                   <a:schemeClr val="tx1"/>
                 </a:solidFill>
               </a:rPr>
-              <a:t> &gt; Team &gt; Commit …</a:t>
+              <a:t>”.</a:t>
             </a:r>
           </a:p>
         </p:txBody>
@@ -4315,7 +4594,7 @@
             <a:fld id="{A4F910E6-8D00-4BAF-8C48-9688E0B449D3}" type="datetime1">
               <a:rPr lang="zh-TW" altLang="en-US" smtClean="0"/>
               <a:pPr/>
-              <a:t>2019/5/10</a:t>
+              <a:t>2019/5/12</a:t>
             </a:fld>
             <a:endParaRPr lang="zh-TW" altLang="en-US"/>
           </a:p>
@@ -4355,7 +4634,7 @@
           <p:cNvPr id="8" name="Picture 7">
             <a:extLst>
               <a:ext uri="{FF2B5EF4-FFF2-40B4-BE49-F238E27FC236}">
-                <a16:creationId xmlns:a16="http://schemas.microsoft.com/office/drawing/2014/main" id="{5EAC912E-F12C-4BCE-AD7D-1F8E8A10F03F}"/>
+                <a16:creationId xmlns:a16="http://schemas.microsoft.com/office/drawing/2014/main" id="{6E67BC57-270F-4B8B-89B2-4906DDEF03F9}"/>
               </a:ext>
             </a:extLst>
           </p:cNvPr>
@@ -4372,8 +4651,8 @@
         </p:blipFill>
         <p:spPr>
           <a:xfrm>
-            <a:off x="1763688" y="1799357"/>
-            <a:ext cx="5155480" cy="4589388"/>
+            <a:off x="611560" y="2420888"/>
+            <a:ext cx="4232845" cy="2457227"/>
           </a:xfrm>
           <a:prstGeom prst="rect">
             <a:avLst/>
@@ -4385,10 +4664,45 @@
           </a:ln>
         </p:spPr>
       </p:pic>
+      <p:pic>
+        <p:nvPicPr>
+          <p:cNvPr id="9" name="Picture 8">
+            <a:extLst>
+              <a:ext uri="{FF2B5EF4-FFF2-40B4-BE49-F238E27FC236}">
+                <a16:creationId xmlns:a16="http://schemas.microsoft.com/office/drawing/2014/main" id="{E6E666FF-AEE9-478A-AB4F-0262A15F6883}"/>
+              </a:ext>
+            </a:extLst>
+          </p:cNvPr>
+          <p:cNvPicPr>
+            <a:picLocks noChangeAspect="1"/>
+          </p:cNvPicPr>
+          <p:nvPr/>
+        </p:nvPicPr>
+        <p:blipFill>
+          <a:blip r:embed="rId4"/>
+          <a:stretch>
+            <a:fillRect/>
+          </a:stretch>
+        </p:blipFill>
+        <p:spPr>
+          <a:xfrm>
+            <a:off x="5004048" y="2558697"/>
+            <a:ext cx="3703370" cy="2728416"/>
+          </a:xfrm>
+          <a:prstGeom prst="rect">
+            <a:avLst/>
+          </a:prstGeom>
+          <a:ln>
+            <a:solidFill>
+              <a:srgbClr val="C00000"/>
+            </a:solidFill>
+          </a:ln>
+        </p:spPr>
+      </p:pic>
     </p:spTree>
     <p:extLst>
       <p:ext uri="{BB962C8B-B14F-4D97-AF65-F5344CB8AC3E}">
-        <p14:creationId xmlns:p14="http://schemas.microsoft.com/office/powerpoint/2010/main" val="501778863"/>
+        <p14:creationId xmlns:p14="http://schemas.microsoft.com/office/powerpoint/2010/main" val="803673436"/>
       </p:ext>
     </p:extLst>
   </p:cSld>
@@ -4458,9 +4772,7 @@
           </a:gradFill>
         </p:spPr>
         <p:txBody>
-          <a:bodyPr>
-            <a:normAutofit fontScale="90000"/>
-          </a:bodyPr>
+          <a:bodyPr/>
           <a:lstStyle/>
           <a:p>
             <a:pPr algn="l"/>
@@ -4470,7 +4782,7 @@
                   <a:srgbClr val="FFFF00"/>
                 </a:solidFill>
               </a:rPr>
-              <a:t>6.2 Commit Project to Local Repository</a:t>
+              <a:t>6.2 Create Local Repository</a:t>
             </a:r>
             <a:endParaRPr lang="zh-TW" altLang="en-US" b="1" dirty="0">
               <a:solidFill>
@@ -4493,7 +4805,7 @@
         <p:spPr>
           <a:xfrm>
             <a:off x="539552" y="1340768"/>
-            <a:ext cx="8064896" cy="659674"/>
+            <a:ext cx="8064896" cy="398616"/>
           </a:xfrm>
           <a:ln>
             <a:solidFill>
@@ -4521,41 +4833,23 @@
                   <a:schemeClr val="tx1"/>
                 </a:solidFill>
               </a:rPr>
-              <a:t>Select all the files to commit.</a:t>
-            </a:r>
-          </a:p>
-          <a:p>
-            <a:pPr marL="342900" indent="-342900" algn="l">
-              <a:buClr>
-                <a:srgbClr val="0070C0"/>
-              </a:buClr>
-              <a:buSzPct val="80000"/>
-              <a:buFont typeface="Wingdings" pitchFamily="2" charset="2"/>
-              <a:buChar char="u"/>
-            </a:pPr>
+              <a:t>The local Git repository is “C:\Users\14088\git\</a:t>
+            </a:r>
+            <a:r>
+              <a:rPr lang="en-US" altLang="zh-TW" sz="1800" dirty="0" err="1">
+                <a:solidFill>
+                  <a:schemeClr val="tx1"/>
+                </a:solidFill>
+              </a:rPr>
+              <a:t>GitHubTest</a:t>
+            </a:r>
             <a:r>
               <a:rPr lang="en-US" altLang="zh-TW" sz="1800" dirty="0">
                 <a:solidFill>
                   <a:schemeClr val="tx1"/>
                 </a:solidFill>
               </a:rPr>
-              <a:t>Drag-and-drop from “</a:t>
-            </a:r>
-            <a:r>
-              <a:rPr lang="en-US" altLang="zh-TW" sz="1800" dirty="0" err="1">
-                <a:solidFill>
-                  <a:schemeClr val="tx1"/>
-                </a:solidFill>
-              </a:rPr>
-              <a:t>Unstaged</a:t>
-            </a:r>
-            <a:r>
-              <a:rPr lang="en-US" altLang="zh-TW" sz="1800" dirty="0">
-                <a:solidFill>
-                  <a:schemeClr val="tx1"/>
-                </a:solidFill>
-              </a:rPr>
-              <a:t> Changes” into “Staged Changes” area.</a:t>
+              <a:t>\.git”.</a:t>
             </a:r>
           </a:p>
         </p:txBody>
@@ -4660,7 +4954,7 @@
             <a:fld id="{A4F910E6-8D00-4BAF-8C48-9688E0B449D3}" type="datetime1">
               <a:rPr lang="zh-TW" altLang="en-US" smtClean="0"/>
               <a:pPr/>
-              <a:t>2019/5/10</a:t>
+              <a:t>2019/5/12</a:t>
             </a:fld>
             <a:endParaRPr lang="zh-TW" altLang="en-US"/>
           </a:p>
@@ -4690,6 +4984,1154 @@
               <a:rPr lang="zh-TW" altLang="en-US" smtClean="0"/>
               <a:pPr/>
               <a:t>13</a:t>
+            </a:fld>
+            <a:endParaRPr lang="zh-TW" altLang="en-US"/>
+          </a:p>
+        </p:txBody>
+      </p:sp>
+      <p:pic>
+        <p:nvPicPr>
+          <p:cNvPr id="7" name="Picture 6">
+            <a:extLst>
+              <a:ext uri="{FF2B5EF4-FFF2-40B4-BE49-F238E27FC236}">
+                <a16:creationId xmlns:a16="http://schemas.microsoft.com/office/drawing/2014/main" id="{108A9FEB-2C07-447B-BFFF-3C2184B5AAE0}"/>
+              </a:ext>
+            </a:extLst>
+          </p:cNvPr>
+          <p:cNvPicPr>
+            <a:picLocks noChangeAspect="1"/>
+          </p:cNvPicPr>
+          <p:nvPr/>
+        </p:nvPicPr>
+        <p:blipFill>
+          <a:blip r:embed="rId3"/>
+          <a:stretch>
+            <a:fillRect/>
+          </a:stretch>
+        </p:blipFill>
+        <p:spPr>
+          <a:xfrm>
+            <a:off x="1033462" y="2006108"/>
+            <a:ext cx="7077075" cy="4067175"/>
+          </a:xfrm>
+          <a:prstGeom prst="rect">
+            <a:avLst/>
+          </a:prstGeom>
+          <a:ln>
+            <a:solidFill>
+              <a:srgbClr val="C00000"/>
+            </a:solidFill>
+          </a:ln>
+        </p:spPr>
+      </p:pic>
+    </p:spTree>
+    <p:extLst>
+      <p:ext uri="{BB962C8B-B14F-4D97-AF65-F5344CB8AC3E}">
+        <p14:creationId xmlns:p14="http://schemas.microsoft.com/office/powerpoint/2010/main" val="450738596"/>
+      </p:ext>
+    </p:extLst>
+  </p:cSld>
+  <p:clrMapOvr>
+    <a:masterClrMapping/>
+  </p:clrMapOvr>
+</p:sld>
+</file>
+
+<file path=ppt/slides/slide14.xml><?xml version="1.0" encoding="utf-8"?>
+<p:sld xmlns:a="http://schemas.openxmlformats.org/drawingml/2006/main" xmlns:r="http://schemas.openxmlformats.org/officeDocument/2006/relationships" xmlns:p="http://schemas.openxmlformats.org/presentationml/2006/main">
+  <p:cSld>
+    <p:spTree>
+      <p:nvGrpSpPr>
+        <p:cNvPr id="1" name=""/>
+        <p:cNvGrpSpPr/>
+        <p:nvPr/>
+      </p:nvGrpSpPr>
+      <p:grpSpPr>
+        <a:xfrm>
+          <a:off x="0" y="0"/>
+          <a:ext cx="0" cy="0"/>
+          <a:chOff x="0" y="0"/>
+          <a:chExt cx="0" cy="0"/>
+        </a:xfrm>
+      </p:grpSpPr>
+      <p:sp>
+        <p:nvSpPr>
+          <p:cNvPr id="2" name="標題 1"/>
+          <p:cNvSpPr>
+            <a:spLocks noGrp="1"/>
+          </p:cNvSpPr>
+          <p:nvPr>
+            <p:ph type="ctrTitle"/>
+          </p:nvPr>
+        </p:nvSpPr>
+        <p:spPr>
+          <a:xfrm>
+            <a:off x="-14908" y="2132856"/>
+            <a:ext cx="9144000" cy="1470025"/>
+          </a:xfrm>
+          <a:solidFill>
+            <a:srgbClr val="00B0F0"/>
+          </a:solidFill>
+        </p:spPr>
+        <p:txBody>
+          <a:bodyPr>
+            <a:normAutofit fontScale="90000"/>
+          </a:bodyPr>
+          <a:lstStyle/>
+          <a:p>
+            <a:r>
+              <a:rPr lang="en-US" altLang="zh-TW" sz="4800" b="1" dirty="0">
+                <a:solidFill>
+                  <a:srgbClr val="FFFF00"/>
+                </a:solidFill>
+              </a:rPr>
+              <a:t>6.3 Commit Project to Local Repository</a:t>
+            </a:r>
+            <a:endParaRPr lang="zh-TW" altLang="en-US" sz="4800" b="1" dirty="0">
+              <a:solidFill>
+                <a:srgbClr val="FFFF00"/>
+              </a:solidFill>
+            </a:endParaRPr>
+          </a:p>
+        </p:txBody>
+      </p:sp>
+      <p:sp>
+        <p:nvSpPr>
+          <p:cNvPr id="5" name="日期版面配置區 4"/>
+          <p:cNvSpPr>
+            <a:spLocks noGrp="1"/>
+          </p:cNvSpPr>
+          <p:nvPr>
+            <p:ph type="dt" sz="half" idx="10"/>
+          </p:nvPr>
+        </p:nvSpPr>
+        <p:spPr/>
+        <p:txBody>
+          <a:bodyPr/>
+          <a:lstStyle/>
+          <a:p>
+            <a:fld id="{C389EDC9-19E3-47AC-9C57-C6A24DEA81AD}" type="datetime1">
+              <a:rPr lang="zh-TW" altLang="en-US" smtClean="0"/>
+              <a:pPr/>
+              <a:t>2019/5/12</a:t>
+            </a:fld>
+            <a:endParaRPr lang="zh-TW" altLang="en-US"/>
+          </a:p>
+        </p:txBody>
+      </p:sp>
+      <p:sp>
+        <p:nvSpPr>
+          <p:cNvPr id="6" name="投影片編號版面配置區 5"/>
+          <p:cNvSpPr>
+            <a:spLocks noGrp="1"/>
+          </p:cNvSpPr>
+          <p:nvPr>
+            <p:ph type="sldNum" sz="quarter" idx="12"/>
+          </p:nvPr>
+        </p:nvSpPr>
+        <p:spPr/>
+        <p:txBody>
+          <a:bodyPr/>
+          <a:lstStyle/>
+          <a:p>
+            <a:fld id="{E4D7E63D-91F2-4366-A2C4-1B00C9E2590E}" type="slidenum">
+              <a:rPr lang="zh-TW" altLang="en-US" smtClean="0"/>
+              <a:pPr/>
+              <a:t>14</a:t>
+            </a:fld>
+            <a:endParaRPr lang="zh-TW" altLang="en-US"/>
+          </a:p>
+        </p:txBody>
+      </p:sp>
+      <p:pic>
+        <p:nvPicPr>
+          <p:cNvPr id="7" name="Picture 6">
+            <a:extLst>
+              <a:ext uri="{FF2B5EF4-FFF2-40B4-BE49-F238E27FC236}">
+                <a16:creationId xmlns:a16="http://schemas.microsoft.com/office/drawing/2014/main" id="{13E1E6C3-8D61-43FD-9739-EC3CD35FD08C}"/>
+              </a:ext>
+            </a:extLst>
+          </p:cNvPr>
+          <p:cNvPicPr>
+            <a:picLocks noChangeAspect="1"/>
+          </p:cNvPicPr>
+          <p:nvPr/>
+        </p:nvPicPr>
+        <p:blipFill>
+          <a:blip r:embed="rId2"/>
+          <a:stretch>
+            <a:fillRect/>
+          </a:stretch>
+        </p:blipFill>
+        <p:spPr>
+          <a:xfrm>
+            <a:off x="4042507" y="3668596"/>
+            <a:ext cx="1058986" cy="957275"/>
+          </a:xfrm>
+          <a:prstGeom prst="rect">
+            <a:avLst/>
+          </a:prstGeom>
+        </p:spPr>
+      </p:pic>
+    </p:spTree>
+    <p:extLst>
+      <p:ext uri="{BB962C8B-B14F-4D97-AF65-F5344CB8AC3E}">
+        <p14:creationId xmlns:p14="http://schemas.microsoft.com/office/powerpoint/2010/main" val="1940103972"/>
+      </p:ext>
+    </p:extLst>
+  </p:cSld>
+  <p:clrMapOvr>
+    <a:masterClrMapping/>
+  </p:clrMapOvr>
+</p:sld>
+</file>
+
+<file path=ppt/slides/slide15.xml><?xml version="1.0" encoding="utf-8"?>
+<p:sld xmlns:a="http://schemas.openxmlformats.org/drawingml/2006/main" xmlns:r="http://schemas.openxmlformats.org/officeDocument/2006/relationships" xmlns:p="http://schemas.openxmlformats.org/presentationml/2006/main">
+  <p:cSld>
+    <p:spTree>
+      <p:nvGrpSpPr>
+        <p:cNvPr id="1" name=""/>
+        <p:cNvGrpSpPr/>
+        <p:nvPr/>
+      </p:nvGrpSpPr>
+      <p:grpSpPr>
+        <a:xfrm>
+          <a:off x="0" y="0"/>
+          <a:ext cx="0" cy="0"/>
+          <a:chOff x="0" y="0"/>
+          <a:chExt cx="0" cy="0"/>
+        </a:xfrm>
+      </p:grpSpPr>
+      <p:sp>
+        <p:nvSpPr>
+          <p:cNvPr id="2" name="標題 1"/>
+          <p:cNvSpPr>
+            <a:spLocks noGrp="1"/>
+          </p:cNvSpPr>
+          <p:nvPr>
+            <p:ph type="ctrTitle"/>
+          </p:nvPr>
+        </p:nvSpPr>
+        <p:spPr>
+          <a:xfrm>
+            <a:off x="0" y="1"/>
+            <a:ext cx="9144000" cy="764704"/>
+          </a:xfrm>
+          <a:gradFill flip="none" rotWithShape="1">
+            <a:gsLst>
+              <a:gs pos="0">
+                <a:srgbClr val="C00000">
+                  <a:shade val="30000"/>
+                  <a:satMod val="115000"/>
+                </a:srgbClr>
+              </a:gs>
+              <a:gs pos="50000">
+                <a:srgbClr val="C00000">
+                  <a:shade val="67500"/>
+                  <a:satMod val="115000"/>
+                </a:srgbClr>
+              </a:gs>
+              <a:gs pos="100000">
+                <a:srgbClr val="C00000">
+                  <a:shade val="100000"/>
+                  <a:satMod val="115000"/>
+                </a:srgbClr>
+              </a:gs>
+            </a:gsLst>
+            <a:path path="circle">
+              <a:fillToRect t="100000" r="100000"/>
+            </a:path>
+            <a:tileRect l="-100000" b="-100000"/>
+          </a:gradFill>
+        </p:spPr>
+        <p:txBody>
+          <a:bodyPr>
+            <a:normAutofit fontScale="90000"/>
+          </a:bodyPr>
+          <a:lstStyle/>
+          <a:p>
+            <a:pPr algn="l"/>
+            <a:r>
+              <a:rPr lang="en-US" altLang="zh-TW" b="1" dirty="0">
+                <a:solidFill>
+                  <a:srgbClr val="FFFF00"/>
+                </a:solidFill>
+              </a:rPr>
+              <a:t>6.3 Commit Project to Local Repository</a:t>
+            </a:r>
+            <a:endParaRPr lang="zh-TW" altLang="en-US" b="1" dirty="0">
+              <a:solidFill>
+                <a:srgbClr val="FFFF00"/>
+              </a:solidFill>
+            </a:endParaRPr>
+          </a:p>
+        </p:txBody>
+      </p:sp>
+      <p:sp>
+        <p:nvSpPr>
+          <p:cNvPr id="3" name="副標題 2"/>
+          <p:cNvSpPr>
+            <a:spLocks noGrp="1"/>
+          </p:cNvSpPr>
+          <p:nvPr>
+            <p:ph type="subTitle" idx="1"/>
+          </p:nvPr>
+        </p:nvSpPr>
+        <p:spPr>
+          <a:xfrm>
+            <a:off x="539552" y="1340768"/>
+            <a:ext cx="8064896" cy="398616"/>
+          </a:xfrm>
+          <a:ln>
+            <a:solidFill>
+              <a:srgbClr val="C00000"/>
+            </a:solidFill>
+          </a:ln>
+        </p:spPr>
+        <p:txBody>
+          <a:bodyPr>
+            <a:noAutofit/>
+          </a:bodyPr>
+          <a:lstStyle/>
+          <a:p>
+            <a:pPr marL="342900" indent="-342900" algn="l">
+              <a:buClr>
+                <a:srgbClr val="0070C0"/>
+              </a:buClr>
+              <a:buSzPct val="80000"/>
+              <a:buFont typeface="Wingdings" pitchFamily="2" charset="2"/>
+              <a:buChar char="u"/>
+            </a:pPr>
+            <a:r>
+              <a:rPr lang="en-US" altLang="zh-TW" sz="1800" dirty="0">
+                <a:solidFill>
+                  <a:schemeClr val="tx1"/>
+                </a:solidFill>
+              </a:rPr>
+              <a:t>Select Project: </a:t>
+            </a:r>
+            <a:r>
+              <a:rPr lang="en-US" altLang="zh-TW" sz="1800" dirty="0" err="1">
+                <a:solidFill>
+                  <a:schemeClr val="tx1"/>
+                </a:solidFill>
+              </a:rPr>
+              <a:t>GitHubTest</a:t>
+            </a:r>
+            <a:r>
+              <a:rPr lang="en-US" altLang="zh-TW" sz="1800" dirty="0">
+                <a:solidFill>
+                  <a:schemeClr val="tx1"/>
+                </a:solidFill>
+              </a:rPr>
+              <a:t> &gt; Team &gt; Commit …</a:t>
+            </a:r>
+          </a:p>
+        </p:txBody>
+      </p:sp>
+      <p:sp>
+        <p:nvSpPr>
+          <p:cNvPr id="4" name="標題 1"/>
+          <p:cNvSpPr txBox="1">
+            <a:spLocks/>
+          </p:cNvSpPr>
+          <p:nvPr/>
+        </p:nvSpPr>
+        <p:spPr>
+          <a:xfrm>
+            <a:off x="0" y="764704"/>
+            <a:ext cx="9144000" cy="398616"/>
+          </a:xfrm>
+          <a:prstGeom prst="rect">
+            <a:avLst/>
+          </a:prstGeom>
+          <a:gradFill flip="none" rotWithShape="1">
+            <a:gsLst>
+              <a:gs pos="0">
+                <a:srgbClr val="00B0F0">
+                  <a:shade val="30000"/>
+                  <a:satMod val="115000"/>
+                </a:srgbClr>
+              </a:gs>
+              <a:gs pos="50000">
+                <a:srgbClr val="00B0F0">
+                  <a:shade val="67500"/>
+                  <a:satMod val="115000"/>
+                </a:srgbClr>
+              </a:gs>
+              <a:gs pos="100000">
+                <a:srgbClr val="00B0F0">
+                  <a:shade val="100000"/>
+                  <a:satMod val="115000"/>
+                </a:srgbClr>
+              </a:gs>
+            </a:gsLst>
+            <a:path path="circle">
+              <a:fillToRect t="100000" r="100000"/>
+            </a:path>
+            <a:tileRect l="-100000" b="-100000"/>
+          </a:gradFill>
+        </p:spPr>
+        <p:txBody>
+          <a:bodyPr vert="horz" lIns="91440" tIns="45720" rIns="91440" bIns="45720" rtlCol="0" anchor="ctr">
+            <a:normAutofit/>
+          </a:bodyPr>
+          <a:lstStyle/>
+          <a:p>
+            <a:pPr lvl="0">
+              <a:spcBef>
+                <a:spcPct val="0"/>
+              </a:spcBef>
+            </a:pPr>
+            <a:r>
+              <a:rPr lang="en-US" sz="1600" dirty="0">
+                <a:hlinkClick r:id="rId2"/>
+              </a:rPr>
+              <a:t>https://www.youtube.com/watch?v=Huwf0TgWrOw&amp;list=PLsyeobzWxl7q2eaUkorLZExfd7qko9sZC&amp;index=7</a:t>
+            </a:r>
+            <a:endParaRPr kumimoji="0" lang="zh-TW" altLang="en-US" sz="1600" b="0" i="0" u="none" strike="noStrike" kern="1200" cap="none" spc="0" normalizeH="0" baseline="0" noProof="0" dirty="0">
+              <a:ln>
+                <a:noFill/>
+              </a:ln>
+              <a:solidFill>
+                <a:schemeClr val="tx1"/>
+              </a:solidFill>
+              <a:effectLst/>
+              <a:uLnTx/>
+              <a:uFillTx/>
+              <a:latin typeface="+mj-lt"/>
+              <a:ea typeface="+mj-ea"/>
+              <a:cs typeface="+mj-cs"/>
+            </a:endParaRPr>
+          </a:p>
+        </p:txBody>
+      </p:sp>
+      <p:sp>
+        <p:nvSpPr>
+          <p:cNvPr id="5" name="日期版面配置區 4"/>
+          <p:cNvSpPr>
+            <a:spLocks noGrp="1"/>
+          </p:cNvSpPr>
+          <p:nvPr>
+            <p:ph type="dt" sz="half" idx="10"/>
+          </p:nvPr>
+        </p:nvSpPr>
+        <p:spPr>
+          <a:xfrm>
+            <a:off x="457200" y="6356350"/>
+            <a:ext cx="2133600" cy="404246"/>
+          </a:xfrm>
+        </p:spPr>
+        <p:txBody>
+          <a:bodyPr/>
+          <a:lstStyle/>
+          <a:p>
+            <a:fld id="{A4F910E6-8D00-4BAF-8C48-9688E0B449D3}" type="datetime1">
+              <a:rPr lang="zh-TW" altLang="en-US" smtClean="0"/>
+              <a:pPr/>
+              <a:t>2019/5/12</a:t>
+            </a:fld>
+            <a:endParaRPr lang="zh-TW" altLang="en-US"/>
+          </a:p>
+        </p:txBody>
+      </p:sp>
+      <p:sp>
+        <p:nvSpPr>
+          <p:cNvPr id="6" name="投影片編號版面配置區 5"/>
+          <p:cNvSpPr>
+            <a:spLocks noGrp="1"/>
+          </p:cNvSpPr>
+          <p:nvPr>
+            <p:ph type="sldNum" sz="quarter" idx="12"/>
+          </p:nvPr>
+        </p:nvSpPr>
+        <p:spPr>
+          <a:xfrm>
+            <a:off x="6485413" y="6340007"/>
+            <a:ext cx="2133600" cy="404246"/>
+          </a:xfrm>
+        </p:spPr>
+        <p:txBody>
+          <a:bodyPr/>
+          <a:lstStyle/>
+          <a:p>
+            <a:fld id="{E4D7E63D-91F2-4366-A2C4-1B00C9E2590E}" type="slidenum">
+              <a:rPr lang="zh-TW" altLang="en-US" smtClean="0"/>
+              <a:pPr/>
+              <a:t>15</a:t>
+            </a:fld>
+            <a:endParaRPr lang="zh-TW" altLang="en-US"/>
+          </a:p>
+        </p:txBody>
+      </p:sp>
+      <p:pic>
+        <p:nvPicPr>
+          <p:cNvPr id="9" name="Picture 8">
+            <a:extLst>
+              <a:ext uri="{FF2B5EF4-FFF2-40B4-BE49-F238E27FC236}">
+                <a16:creationId xmlns:a16="http://schemas.microsoft.com/office/drawing/2014/main" id="{D901B8B1-4B12-44FA-8A23-13036C8269AD}"/>
+              </a:ext>
+            </a:extLst>
+          </p:cNvPr>
+          <p:cNvPicPr>
+            <a:picLocks noChangeAspect="1"/>
+          </p:cNvPicPr>
+          <p:nvPr/>
+        </p:nvPicPr>
+        <p:blipFill>
+          <a:blip r:embed="rId3"/>
+          <a:stretch>
+            <a:fillRect/>
+          </a:stretch>
+        </p:blipFill>
+        <p:spPr>
+          <a:xfrm>
+            <a:off x="1655988" y="1931125"/>
+            <a:ext cx="5896225" cy="4099947"/>
+          </a:xfrm>
+          <a:prstGeom prst="rect">
+            <a:avLst/>
+          </a:prstGeom>
+          <a:ln>
+            <a:solidFill>
+              <a:srgbClr val="C00000"/>
+            </a:solidFill>
+          </a:ln>
+        </p:spPr>
+      </p:pic>
+    </p:spTree>
+    <p:extLst>
+      <p:ext uri="{BB962C8B-B14F-4D97-AF65-F5344CB8AC3E}">
+        <p14:creationId xmlns:p14="http://schemas.microsoft.com/office/powerpoint/2010/main" val="2341342771"/>
+      </p:ext>
+    </p:extLst>
+  </p:cSld>
+  <p:clrMapOvr>
+    <a:masterClrMapping/>
+  </p:clrMapOvr>
+</p:sld>
+</file>
+
+<file path=ppt/slides/slide16.xml><?xml version="1.0" encoding="utf-8"?>
+<p:sld xmlns:a="http://schemas.openxmlformats.org/drawingml/2006/main" xmlns:r="http://schemas.openxmlformats.org/officeDocument/2006/relationships" xmlns:p="http://schemas.openxmlformats.org/presentationml/2006/main">
+  <p:cSld>
+    <p:spTree>
+      <p:nvGrpSpPr>
+        <p:cNvPr id="1" name=""/>
+        <p:cNvGrpSpPr/>
+        <p:nvPr/>
+      </p:nvGrpSpPr>
+      <p:grpSpPr>
+        <a:xfrm>
+          <a:off x="0" y="0"/>
+          <a:ext cx="0" cy="0"/>
+          <a:chOff x="0" y="0"/>
+          <a:chExt cx="0" cy="0"/>
+        </a:xfrm>
+      </p:grpSpPr>
+      <p:sp>
+        <p:nvSpPr>
+          <p:cNvPr id="2" name="標題 1"/>
+          <p:cNvSpPr>
+            <a:spLocks noGrp="1"/>
+          </p:cNvSpPr>
+          <p:nvPr>
+            <p:ph type="ctrTitle"/>
+          </p:nvPr>
+        </p:nvSpPr>
+        <p:spPr>
+          <a:xfrm>
+            <a:off x="0" y="1"/>
+            <a:ext cx="9144000" cy="764704"/>
+          </a:xfrm>
+          <a:gradFill flip="none" rotWithShape="1">
+            <a:gsLst>
+              <a:gs pos="0">
+                <a:srgbClr val="C00000">
+                  <a:shade val="30000"/>
+                  <a:satMod val="115000"/>
+                </a:srgbClr>
+              </a:gs>
+              <a:gs pos="50000">
+                <a:srgbClr val="C00000">
+                  <a:shade val="67500"/>
+                  <a:satMod val="115000"/>
+                </a:srgbClr>
+              </a:gs>
+              <a:gs pos="100000">
+                <a:srgbClr val="C00000">
+                  <a:shade val="100000"/>
+                  <a:satMod val="115000"/>
+                </a:srgbClr>
+              </a:gs>
+            </a:gsLst>
+            <a:path path="circle">
+              <a:fillToRect t="100000" r="100000"/>
+            </a:path>
+            <a:tileRect l="-100000" b="-100000"/>
+          </a:gradFill>
+        </p:spPr>
+        <p:txBody>
+          <a:bodyPr>
+            <a:normAutofit fontScale="90000"/>
+          </a:bodyPr>
+          <a:lstStyle/>
+          <a:p>
+            <a:pPr algn="l"/>
+            <a:r>
+              <a:rPr lang="en-US" altLang="zh-TW" b="1" dirty="0">
+                <a:solidFill>
+                  <a:srgbClr val="FFFF00"/>
+                </a:solidFill>
+              </a:rPr>
+              <a:t>6.3 Commit Project to Local Repository</a:t>
+            </a:r>
+            <a:endParaRPr lang="zh-TW" altLang="en-US" b="1" dirty="0">
+              <a:solidFill>
+                <a:srgbClr val="FFFF00"/>
+              </a:solidFill>
+            </a:endParaRPr>
+          </a:p>
+        </p:txBody>
+      </p:sp>
+      <p:sp>
+        <p:nvSpPr>
+          <p:cNvPr id="3" name="副標題 2"/>
+          <p:cNvSpPr>
+            <a:spLocks noGrp="1"/>
+          </p:cNvSpPr>
+          <p:nvPr>
+            <p:ph type="subTitle" idx="1"/>
+          </p:nvPr>
+        </p:nvSpPr>
+        <p:spPr>
+          <a:xfrm>
+            <a:off x="539552" y="1340768"/>
+            <a:ext cx="8064896" cy="398616"/>
+          </a:xfrm>
+          <a:ln>
+            <a:solidFill>
+              <a:srgbClr val="C00000"/>
+            </a:solidFill>
+          </a:ln>
+        </p:spPr>
+        <p:txBody>
+          <a:bodyPr>
+            <a:noAutofit/>
+          </a:bodyPr>
+          <a:lstStyle/>
+          <a:p>
+            <a:pPr marL="342900" indent="-342900" algn="l">
+              <a:buClr>
+                <a:srgbClr val="0070C0"/>
+              </a:buClr>
+              <a:buSzPct val="80000"/>
+              <a:buFont typeface="Wingdings" pitchFamily="2" charset="2"/>
+              <a:buChar char="u"/>
+            </a:pPr>
+            <a:r>
+              <a:rPr lang="en-US" altLang="zh-TW" sz="1800" dirty="0">
+                <a:solidFill>
+                  <a:schemeClr val="tx1"/>
+                </a:solidFill>
+              </a:rPr>
+              <a:t>Select Project: </a:t>
+            </a:r>
+            <a:r>
+              <a:rPr lang="en-US" altLang="zh-TW" sz="1800" dirty="0" err="1">
+                <a:solidFill>
+                  <a:schemeClr val="tx1"/>
+                </a:solidFill>
+              </a:rPr>
+              <a:t>GitHubTest</a:t>
+            </a:r>
+            <a:r>
+              <a:rPr lang="en-US" altLang="zh-TW" sz="1800" dirty="0">
+                <a:solidFill>
+                  <a:schemeClr val="tx1"/>
+                </a:solidFill>
+              </a:rPr>
+              <a:t> &gt; Team &gt; Commit …</a:t>
+            </a:r>
+          </a:p>
+        </p:txBody>
+      </p:sp>
+      <p:sp>
+        <p:nvSpPr>
+          <p:cNvPr id="4" name="標題 1"/>
+          <p:cNvSpPr txBox="1">
+            <a:spLocks/>
+          </p:cNvSpPr>
+          <p:nvPr/>
+        </p:nvSpPr>
+        <p:spPr>
+          <a:xfrm>
+            <a:off x="0" y="764704"/>
+            <a:ext cx="9144000" cy="398616"/>
+          </a:xfrm>
+          <a:prstGeom prst="rect">
+            <a:avLst/>
+          </a:prstGeom>
+          <a:gradFill flip="none" rotWithShape="1">
+            <a:gsLst>
+              <a:gs pos="0">
+                <a:srgbClr val="00B0F0">
+                  <a:shade val="30000"/>
+                  <a:satMod val="115000"/>
+                </a:srgbClr>
+              </a:gs>
+              <a:gs pos="50000">
+                <a:srgbClr val="00B0F0">
+                  <a:shade val="67500"/>
+                  <a:satMod val="115000"/>
+                </a:srgbClr>
+              </a:gs>
+              <a:gs pos="100000">
+                <a:srgbClr val="00B0F0">
+                  <a:shade val="100000"/>
+                  <a:satMod val="115000"/>
+                </a:srgbClr>
+              </a:gs>
+            </a:gsLst>
+            <a:path path="circle">
+              <a:fillToRect t="100000" r="100000"/>
+            </a:path>
+            <a:tileRect l="-100000" b="-100000"/>
+          </a:gradFill>
+        </p:spPr>
+        <p:txBody>
+          <a:bodyPr vert="horz" lIns="91440" tIns="45720" rIns="91440" bIns="45720" rtlCol="0" anchor="ctr">
+            <a:normAutofit/>
+          </a:bodyPr>
+          <a:lstStyle/>
+          <a:p>
+            <a:pPr lvl="0">
+              <a:spcBef>
+                <a:spcPct val="0"/>
+              </a:spcBef>
+            </a:pPr>
+            <a:r>
+              <a:rPr lang="en-US" sz="1600" dirty="0">
+                <a:hlinkClick r:id="rId2"/>
+              </a:rPr>
+              <a:t>https://www.youtube.com/watch?v=Huwf0TgWrOw&amp;list=PLsyeobzWxl7q2eaUkorLZExfd7qko9sZC&amp;index=7</a:t>
+            </a:r>
+            <a:endParaRPr kumimoji="0" lang="zh-TW" altLang="en-US" sz="1600" b="0" i="0" u="none" strike="noStrike" kern="1200" cap="none" spc="0" normalizeH="0" baseline="0" noProof="0" dirty="0">
+              <a:ln>
+                <a:noFill/>
+              </a:ln>
+              <a:solidFill>
+                <a:schemeClr val="tx1"/>
+              </a:solidFill>
+              <a:effectLst/>
+              <a:uLnTx/>
+              <a:uFillTx/>
+              <a:latin typeface="+mj-lt"/>
+              <a:ea typeface="+mj-ea"/>
+              <a:cs typeface="+mj-cs"/>
+            </a:endParaRPr>
+          </a:p>
+        </p:txBody>
+      </p:sp>
+      <p:sp>
+        <p:nvSpPr>
+          <p:cNvPr id="5" name="日期版面配置區 4"/>
+          <p:cNvSpPr>
+            <a:spLocks noGrp="1"/>
+          </p:cNvSpPr>
+          <p:nvPr>
+            <p:ph type="dt" sz="half" idx="10"/>
+          </p:nvPr>
+        </p:nvSpPr>
+        <p:spPr>
+          <a:xfrm>
+            <a:off x="457200" y="6356350"/>
+            <a:ext cx="2133600" cy="404246"/>
+          </a:xfrm>
+        </p:spPr>
+        <p:txBody>
+          <a:bodyPr/>
+          <a:lstStyle/>
+          <a:p>
+            <a:fld id="{A4F910E6-8D00-4BAF-8C48-9688E0B449D3}" type="datetime1">
+              <a:rPr lang="zh-TW" altLang="en-US" smtClean="0"/>
+              <a:pPr/>
+              <a:t>2019/5/12</a:t>
+            </a:fld>
+            <a:endParaRPr lang="zh-TW" altLang="en-US"/>
+          </a:p>
+        </p:txBody>
+      </p:sp>
+      <p:sp>
+        <p:nvSpPr>
+          <p:cNvPr id="6" name="投影片編號版面配置區 5"/>
+          <p:cNvSpPr>
+            <a:spLocks noGrp="1"/>
+          </p:cNvSpPr>
+          <p:nvPr>
+            <p:ph type="sldNum" sz="quarter" idx="12"/>
+          </p:nvPr>
+        </p:nvSpPr>
+        <p:spPr>
+          <a:xfrm>
+            <a:off x="6485413" y="6340007"/>
+            <a:ext cx="2133600" cy="404246"/>
+          </a:xfrm>
+        </p:spPr>
+        <p:txBody>
+          <a:bodyPr/>
+          <a:lstStyle/>
+          <a:p>
+            <a:fld id="{E4D7E63D-91F2-4366-A2C4-1B00C9E2590E}" type="slidenum">
+              <a:rPr lang="zh-TW" altLang="en-US" smtClean="0"/>
+              <a:pPr/>
+              <a:t>16</a:t>
+            </a:fld>
+            <a:endParaRPr lang="zh-TW" altLang="en-US"/>
+          </a:p>
+        </p:txBody>
+      </p:sp>
+      <p:pic>
+        <p:nvPicPr>
+          <p:cNvPr id="8" name="Picture 7">
+            <a:extLst>
+              <a:ext uri="{FF2B5EF4-FFF2-40B4-BE49-F238E27FC236}">
+                <a16:creationId xmlns:a16="http://schemas.microsoft.com/office/drawing/2014/main" id="{5EAC912E-F12C-4BCE-AD7D-1F8E8A10F03F}"/>
+              </a:ext>
+            </a:extLst>
+          </p:cNvPr>
+          <p:cNvPicPr>
+            <a:picLocks noChangeAspect="1"/>
+          </p:cNvPicPr>
+          <p:nvPr/>
+        </p:nvPicPr>
+        <p:blipFill>
+          <a:blip r:embed="rId3"/>
+          <a:stretch>
+            <a:fillRect/>
+          </a:stretch>
+        </p:blipFill>
+        <p:spPr>
+          <a:xfrm>
+            <a:off x="1763688" y="1799357"/>
+            <a:ext cx="5155480" cy="4589388"/>
+          </a:xfrm>
+          <a:prstGeom prst="rect">
+            <a:avLst/>
+          </a:prstGeom>
+          <a:ln>
+            <a:solidFill>
+              <a:srgbClr val="C00000"/>
+            </a:solidFill>
+          </a:ln>
+        </p:spPr>
+      </p:pic>
+    </p:spTree>
+    <p:extLst>
+      <p:ext uri="{BB962C8B-B14F-4D97-AF65-F5344CB8AC3E}">
+        <p14:creationId xmlns:p14="http://schemas.microsoft.com/office/powerpoint/2010/main" val="501778863"/>
+      </p:ext>
+    </p:extLst>
+  </p:cSld>
+  <p:clrMapOvr>
+    <a:masterClrMapping/>
+  </p:clrMapOvr>
+</p:sld>
+</file>
+
+<file path=ppt/slides/slide17.xml><?xml version="1.0" encoding="utf-8"?>
+<p:sld xmlns:a="http://schemas.openxmlformats.org/drawingml/2006/main" xmlns:r="http://schemas.openxmlformats.org/officeDocument/2006/relationships" xmlns:p="http://schemas.openxmlformats.org/presentationml/2006/main">
+  <p:cSld>
+    <p:spTree>
+      <p:nvGrpSpPr>
+        <p:cNvPr id="1" name=""/>
+        <p:cNvGrpSpPr/>
+        <p:nvPr/>
+      </p:nvGrpSpPr>
+      <p:grpSpPr>
+        <a:xfrm>
+          <a:off x="0" y="0"/>
+          <a:ext cx="0" cy="0"/>
+          <a:chOff x="0" y="0"/>
+          <a:chExt cx="0" cy="0"/>
+        </a:xfrm>
+      </p:grpSpPr>
+      <p:sp>
+        <p:nvSpPr>
+          <p:cNvPr id="2" name="標題 1"/>
+          <p:cNvSpPr>
+            <a:spLocks noGrp="1"/>
+          </p:cNvSpPr>
+          <p:nvPr>
+            <p:ph type="ctrTitle"/>
+          </p:nvPr>
+        </p:nvSpPr>
+        <p:spPr>
+          <a:xfrm>
+            <a:off x="0" y="1"/>
+            <a:ext cx="9144000" cy="764704"/>
+          </a:xfrm>
+          <a:gradFill flip="none" rotWithShape="1">
+            <a:gsLst>
+              <a:gs pos="0">
+                <a:srgbClr val="C00000">
+                  <a:shade val="30000"/>
+                  <a:satMod val="115000"/>
+                </a:srgbClr>
+              </a:gs>
+              <a:gs pos="50000">
+                <a:srgbClr val="C00000">
+                  <a:shade val="67500"/>
+                  <a:satMod val="115000"/>
+                </a:srgbClr>
+              </a:gs>
+              <a:gs pos="100000">
+                <a:srgbClr val="C00000">
+                  <a:shade val="100000"/>
+                  <a:satMod val="115000"/>
+                </a:srgbClr>
+              </a:gs>
+            </a:gsLst>
+            <a:path path="circle">
+              <a:fillToRect t="100000" r="100000"/>
+            </a:path>
+            <a:tileRect l="-100000" b="-100000"/>
+          </a:gradFill>
+        </p:spPr>
+        <p:txBody>
+          <a:bodyPr>
+            <a:normAutofit fontScale="90000"/>
+          </a:bodyPr>
+          <a:lstStyle/>
+          <a:p>
+            <a:pPr algn="l"/>
+            <a:r>
+              <a:rPr lang="en-US" altLang="zh-TW" b="1" dirty="0">
+                <a:solidFill>
+                  <a:srgbClr val="FFFF00"/>
+                </a:solidFill>
+              </a:rPr>
+              <a:t>6.3 Commit Project to Local Repository</a:t>
+            </a:r>
+            <a:endParaRPr lang="zh-TW" altLang="en-US" b="1" dirty="0">
+              <a:solidFill>
+                <a:srgbClr val="FFFF00"/>
+              </a:solidFill>
+            </a:endParaRPr>
+          </a:p>
+        </p:txBody>
+      </p:sp>
+      <p:sp>
+        <p:nvSpPr>
+          <p:cNvPr id="3" name="副標題 2"/>
+          <p:cNvSpPr>
+            <a:spLocks noGrp="1"/>
+          </p:cNvSpPr>
+          <p:nvPr>
+            <p:ph type="subTitle" idx="1"/>
+          </p:nvPr>
+        </p:nvSpPr>
+        <p:spPr>
+          <a:xfrm>
+            <a:off x="539552" y="1340768"/>
+            <a:ext cx="8064896" cy="659674"/>
+          </a:xfrm>
+          <a:ln>
+            <a:solidFill>
+              <a:srgbClr val="C00000"/>
+            </a:solidFill>
+          </a:ln>
+        </p:spPr>
+        <p:txBody>
+          <a:bodyPr>
+            <a:noAutofit/>
+          </a:bodyPr>
+          <a:lstStyle/>
+          <a:p>
+            <a:pPr marL="342900" indent="-342900" algn="l">
+              <a:buClr>
+                <a:srgbClr val="0070C0"/>
+              </a:buClr>
+              <a:buSzPct val="80000"/>
+              <a:buFont typeface="Wingdings" pitchFamily="2" charset="2"/>
+              <a:buChar char="u"/>
+            </a:pPr>
+            <a:r>
+              <a:rPr lang="en-US" altLang="zh-TW" sz="1800" dirty="0">
+                <a:solidFill>
+                  <a:schemeClr val="tx1"/>
+                </a:solidFill>
+              </a:rPr>
+              <a:t>Select all the files to commit.</a:t>
+            </a:r>
+          </a:p>
+          <a:p>
+            <a:pPr marL="342900" indent="-342900" algn="l">
+              <a:buClr>
+                <a:srgbClr val="0070C0"/>
+              </a:buClr>
+              <a:buSzPct val="80000"/>
+              <a:buFont typeface="Wingdings" pitchFamily="2" charset="2"/>
+              <a:buChar char="u"/>
+            </a:pPr>
+            <a:r>
+              <a:rPr lang="en-US" altLang="zh-TW" sz="1800" dirty="0">
+                <a:solidFill>
+                  <a:schemeClr val="tx1"/>
+                </a:solidFill>
+              </a:rPr>
+              <a:t>Drag-and-drop from “</a:t>
+            </a:r>
+            <a:r>
+              <a:rPr lang="en-US" altLang="zh-TW" sz="1800" dirty="0" err="1">
+                <a:solidFill>
+                  <a:schemeClr val="tx1"/>
+                </a:solidFill>
+              </a:rPr>
+              <a:t>Unstaged</a:t>
+            </a:r>
+            <a:r>
+              <a:rPr lang="en-US" altLang="zh-TW" sz="1800" dirty="0">
+                <a:solidFill>
+                  <a:schemeClr val="tx1"/>
+                </a:solidFill>
+              </a:rPr>
+              <a:t> Changes” into “Staged Changes” area.</a:t>
+            </a:r>
+          </a:p>
+        </p:txBody>
+      </p:sp>
+      <p:sp>
+        <p:nvSpPr>
+          <p:cNvPr id="4" name="標題 1"/>
+          <p:cNvSpPr txBox="1">
+            <a:spLocks/>
+          </p:cNvSpPr>
+          <p:nvPr/>
+        </p:nvSpPr>
+        <p:spPr>
+          <a:xfrm>
+            <a:off x="0" y="764704"/>
+            <a:ext cx="9144000" cy="398616"/>
+          </a:xfrm>
+          <a:prstGeom prst="rect">
+            <a:avLst/>
+          </a:prstGeom>
+          <a:gradFill flip="none" rotWithShape="1">
+            <a:gsLst>
+              <a:gs pos="0">
+                <a:srgbClr val="00B0F0">
+                  <a:shade val="30000"/>
+                  <a:satMod val="115000"/>
+                </a:srgbClr>
+              </a:gs>
+              <a:gs pos="50000">
+                <a:srgbClr val="00B0F0">
+                  <a:shade val="67500"/>
+                  <a:satMod val="115000"/>
+                </a:srgbClr>
+              </a:gs>
+              <a:gs pos="100000">
+                <a:srgbClr val="00B0F0">
+                  <a:shade val="100000"/>
+                  <a:satMod val="115000"/>
+                </a:srgbClr>
+              </a:gs>
+            </a:gsLst>
+            <a:path path="circle">
+              <a:fillToRect t="100000" r="100000"/>
+            </a:path>
+            <a:tileRect l="-100000" b="-100000"/>
+          </a:gradFill>
+        </p:spPr>
+        <p:txBody>
+          <a:bodyPr vert="horz" lIns="91440" tIns="45720" rIns="91440" bIns="45720" rtlCol="0" anchor="ctr">
+            <a:normAutofit/>
+          </a:bodyPr>
+          <a:lstStyle/>
+          <a:p>
+            <a:pPr lvl="0">
+              <a:spcBef>
+                <a:spcPct val="0"/>
+              </a:spcBef>
+            </a:pPr>
+            <a:r>
+              <a:rPr lang="en-US" sz="1600" dirty="0">
+                <a:hlinkClick r:id="rId2"/>
+              </a:rPr>
+              <a:t>https://www.youtube.com/watch?v=Huwf0TgWrOw&amp;list=PLsyeobzWxl7q2eaUkorLZExfd7qko9sZC&amp;index=7</a:t>
+            </a:r>
+            <a:endParaRPr kumimoji="0" lang="zh-TW" altLang="en-US" sz="1600" b="0" i="0" u="none" strike="noStrike" kern="1200" cap="none" spc="0" normalizeH="0" baseline="0" noProof="0" dirty="0">
+              <a:ln>
+                <a:noFill/>
+              </a:ln>
+              <a:solidFill>
+                <a:schemeClr val="tx1"/>
+              </a:solidFill>
+              <a:effectLst/>
+              <a:uLnTx/>
+              <a:uFillTx/>
+              <a:latin typeface="+mj-lt"/>
+              <a:ea typeface="+mj-ea"/>
+              <a:cs typeface="+mj-cs"/>
+            </a:endParaRPr>
+          </a:p>
+        </p:txBody>
+      </p:sp>
+      <p:sp>
+        <p:nvSpPr>
+          <p:cNvPr id="5" name="日期版面配置區 4"/>
+          <p:cNvSpPr>
+            <a:spLocks noGrp="1"/>
+          </p:cNvSpPr>
+          <p:nvPr>
+            <p:ph type="dt" sz="half" idx="10"/>
+          </p:nvPr>
+        </p:nvSpPr>
+        <p:spPr>
+          <a:xfrm>
+            <a:off x="457200" y="6356350"/>
+            <a:ext cx="2133600" cy="404246"/>
+          </a:xfrm>
+        </p:spPr>
+        <p:txBody>
+          <a:bodyPr/>
+          <a:lstStyle/>
+          <a:p>
+            <a:fld id="{A4F910E6-8D00-4BAF-8C48-9688E0B449D3}" type="datetime1">
+              <a:rPr lang="zh-TW" altLang="en-US" smtClean="0"/>
+              <a:pPr/>
+              <a:t>2019/5/12</a:t>
+            </a:fld>
+            <a:endParaRPr lang="zh-TW" altLang="en-US"/>
+          </a:p>
+        </p:txBody>
+      </p:sp>
+      <p:sp>
+        <p:nvSpPr>
+          <p:cNvPr id="6" name="投影片編號版面配置區 5"/>
+          <p:cNvSpPr>
+            <a:spLocks noGrp="1"/>
+          </p:cNvSpPr>
+          <p:nvPr>
+            <p:ph type="sldNum" sz="quarter" idx="12"/>
+          </p:nvPr>
+        </p:nvSpPr>
+        <p:spPr>
+          <a:xfrm>
+            <a:off x="6485413" y="6340007"/>
+            <a:ext cx="2133600" cy="404246"/>
+          </a:xfrm>
+        </p:spPr>
+        <p:txBody>
+          <a:bodyPr/>
+          <a:lstStyle/>
+          <a:p>
+            <a:fld id="{E4D7E63D-91F2-4366-A2C4-1B00C9E2590E}" type="slidenum">
+              <a:rPr lang="zh-TW" altLang="en-US" smtClean="0"/>
+              <a:pPr/>
+              <a:t>17</a:t>
             </a:fld>
             <a:endParaRPr lang="zh-TW" altLang="en-US"/>
           </a:p>
@@ -4927,7 +6369,7 @@
 </p:sld>
 </file>
 
-<file path=ppt/slides/slide14.xml><?xml version="1.0" encoding="utf-8"?>
+<file path=ppt/slides/slide18.xml><?xml version="1.0" encoding="utf-8"?>
 <p:sld xmlns:a="http://schemas.openxmlformats.org/drawingml/2006/main" xmlns:r="http://schemas.openxmlformats.org/officeDocument/2006/relationships" xmlns:p="http://schemas.openxmlformats.org/presentationml/2006/main">
   <p:cSld>
     <p:spTree>
@@ -5034,7 +6476,7 @@
                   <a:srgbClr val="FFFF00"/>
                 </a:solidFill>
               </a:rPr>
-              <a:t>6.2 Commit Project to Local Repository</a:t>
+              <a:t>6.3 Commit Project to Local Repository</a:t>
             </a:r>
             <a:endParaRPr lang="zh-TW" altLang="en-US" b="1" dirty="0">
               <a:solidFill>
@@ -5208,7 +6650,7 @@
             <a:fld id="{A4F910E6-8D00-4BAF-8C48-9688E0B449D3}" type="datetime1">
               <a:rPr lang="zh-TW" altLang="en-US" smtClean="0"/>
               <a:pPr/>
-              <a:t>2019/5/10</a:t>
+              <a:t>2019/5/12</a:t>
             </a:fld>
             <a:endParaRPr lang="zh-TW" altLang="en-US"/>
           </a:p>
@@ -5237,7 +6679,7 @@
             <a:fld id="{E4D7E63D-91F2-4366-A2C4-1B00C9E2590E}" type="slidenum">
               <a:rPr lang="zh-TW" altLang="en-US" smtClean="0"/>
               <a:pPr/>
-              <a:t>14</a:t>
+              <a:t>18</a:t>
             </a:fld>
             <a:endParaRPr lang="zh-TW" altLang="en-US"/>
           </a:p>
@@ -5308,7 +6750,7 @@
 </p:sld>
 </file>
 
-<file path=ppt/slides/slide15.xml><?xml version="1.0" encoding="utf-8"?>
+<file path=ppt/slides/slide19.xml><?xml version="1.0" encoding="utf-8"?>
 <p:sld xmlns:a="http://schemas.openxmlformats.org/drawingml/2006/main" xmlns:r="http://schemas.openxmlformats.org/officeDocument/2006/relationships" xmlns:p="http://schemas.openxmlformats.org/presentationml/2006/main">
   <p:cSld>
     <p:spTree>
@@ -5415,7 +6857,7 @@
                   <a:srgbClr val="FFFF00"/>
                 </a:solidFill>
               </a:rPr>
-              <a:t>6.2 Commit Project to Local Repository</a:t>
+              <a:t>6.3 Commit Project to Local Repository</a:t>
             </a:r>
             <a:endParaRPr lang="zh-TW" altLang="en-US" b="1" dirty="0">
               <a:solidFill>
@@ -5636,7 +7078,7 @@
             <a:fld id="{A4F910E6-8D00-4BAF-8C48-9688E0B449D3}" type="datetime1">
               <a:rPr lang="zh-TW" altLang="en-US" smtClean="0"/>
               <a:pPr/>
-              <a:t>2019/5/10</a:t>
+              <a:t>2019/5/12</a:t>
             </a:fld>
             <a:endParaRPr lang="zh-TW" altLang="en-US"/>
           </a:p>
@@ -5665,7 +7107,7 @@
             <a:fld id="{E4D7E63D-91F2-4366-A2C4-1B00C9E2590E}" type="slidenum">
               <a:rPr lang="zh-TW" altLang="en-US" smtClean="0"/>
               <a:pPr/>
-              <a:t>15</a:t>
+              <a:t>19</a:t>
             </a:fld>
             <a:endParaRPr lang="zh-TW" altLang="en-US"/>
           </a:p>
@@ -5917,7 +7359,379 @@
 </p:sld>
 </file>
 
-<file path=ppt/slides/slide16.xml><?xml version="1.0" encoding="utf-8"?>
+<file path=ppt/slides/slide2.xml><?xml version="1.0" encoding="utf-8"?>
+<p:sld xmlns:a="http://schemas.openxmlformats.org/drawingml/2006/main" xmlns:r="http://schemas.openxmlformats.org/officeDocument/2006/relationships" xmlns:p="http://schemas.openxmlformats.org/presentationml/2006/main">
+  <p:cSld>
+    <p:spTree>
+      <p:nvGrpSpPr>
+        <p:cNvPr id="1" name=""/>
+        <p:cNvGrpSpPr/>
+        <p:nvPr/>
+      </p:nvGrpSpPr>
+      <p:grpSpPr>
+        <a:xfrm>
+          <a:off x="0" y="0"/>
+          <a:ext cx="0" cy="0"/>
+          <a:chOff x="0" y="0"/>
+          <a:chExt cx="0" cy="0"/>
+        </a:xfrm>
+      </p:grpSpPr>
+      <p:sp>
+        <p:nvSpPr>
+          <p:cNvPr id="2" name="標題 1"/>
+          <p:cNvSpPr>
+            <a:spLocks noGrp="1"/>
+          </p:cNvSpPr>
+          <p:nvPr>
+            <p:ph type="ctrTitle"/>
+          </p:nvPr>
+        </p:nvSpPr>
+        <p:spPr>
+          <a:xfrm>
+            <a:off x="0" y="1"/>
+            <a:ext cx="9144000" cy="764704"/>
+          </a:xfrm>
+          <a:gradFill flip="none" rotWithShape="1">
+            <a:gsLst>
+              <a:gs pos="0">
+                <a:srgbClr val="C00000">
+                  <a:shade val="30000"/>
+                  <a:satMod val="115000"/>
+                </a:srgbClr>
+              </a:gs>
+              <a:gs pos="50000">
+                <a:srgbClr val="C00000">
+                  <a:shade val="67500"/>
+                  <a:satMod val="115000"/>
+                </a:srgbClr>
+              </a:gs>
+              <a:gs pos="100000">
+                <a:srgbClr val="C00000">
+                  <a:shade val="100000"/>
+                  <a:satMod val="115000"/>
+                </a:srgbClr>
+              </a:gs>
+            </a:gsLst>
+            <a:path path="circle">
+              <a:fillToRect t="100000" r="100000"/>
+            </a:path>
+            <a:tileRect l="-100000" b="-100000"/>
+          </a:gradFill>
+        </p:spPr>
+        <p:txBody>
+          <a:bodyPr/>
+          <a:lstStyle/>
+          <a:p>
+            <a:pPr algn="l"/>
+            <a:r>
+              <a:rPr lang="en-US" altLang="zh-TW" b="1" dirty="0">
+                <a:solidFill>
+                  <a:srgbClr val="FFFF00"/>
+                </a:solidFill>
+              </a:rPr>
+              <a:t>6 Upload File to GitHub by Eclipse</a:t>
+            </a:r>
+            <a:endParaRPr lang="zh-TW" altLang="en-US" b="1" dirty="0">
+              <a:solidFill>
+                <a:srgbClr val="FFFF00"/>
+              </a:solidFill>
+            </a:endParaRPr>
+          </a:p>
+        </p:txBody>
+      </p:sp>
+      <p:sp>
+        <p:nvSpPr>
+          <p:cNvPr id="3" name="副標題 2"/>
+          <p:cNvSpPr>
+            <a:spLocks noGrp="1"/>
+          </p:cNvSpPr>
+          <p:nvPr>
+            <p:ph type="subTitle" idx="1"/>
+          </p:nvPr>
+        </p:nvSpPr>
+        <p:spPr>
+          <a:xfrm>
+            <a:off x="539552" y="1340768"/>
+            <a:ext cx="8064896" cy="1019224"/>
+          </a:xfrm>
+          <a:ln>
+            <a:solidFill>
+              <a:srgbClr val="C00000"/>
+            </a:solidFill>
+          </a:ln>
+        </p:spPr>
+        <p:txBody>
+          <a:bodyPr>
+            <a:noAutofit/>
+          </a:bodyPr>
+          <a:lstStyle/>
+          <a:p>
+            <a:pPr marL="342900" indent="-342900" algn="l">
+              <a:buClr>
+                <a:srgbClr val="0070C0"/>
+              </a:buClr>
+              <a:buSzPct val="80000"/>
+              <a:buFont typeface="Wingdings" pitchFamily="2" charset="2"/>
+              <a:buChar char="u"/>
+            </a:pPr>
+            <a:r>
+              <a:rPr lang="en-US" altLang="zh-TW" sz="1800" dirty="0">
+                <a:solidFill>
+                  <a:schemeClr val="tx1"/>
+                </a:solidFill>
+              </a:rPr>
+              <a:t>In this section, we discuss how to upload files into GitHub by Eclipse.</a:t>
+            </a:r>
+          </a:p>
+          <a:p>
+            <a:pPr marL="342900" indent="-342900" algn="l">
+              <a:buClr>
+                <a:srgbClr val="0070C0"/>
+              </a:buClr>
+              <a:buSzPct val="80000"/>
+              <a:buFont typeface="Wingdings" pitchFamily="2" charset="2"/>
+              <a:buChar char="u"/>
+            </a:pPr>
+            <a:r>
+              <a:rPr lang="en-US" altLang="zh-TW" sz="1800" dirty="0">
+                <a:solidFill>
+                  <a:schemeClr val="tx1"/>
+                </a:solidFill>
+              </a:rPr>
+              <a:t>Create Java Project: </a:t>
+            </a:r>
+            <a:r>
+              <a:rPr lang="en-US" altLang="zh-TW" sz="1800" dirty="0" err="1">
+                <a:solidFill>
+                  <a:schemeClr val="tx1"/>
+                </a:solidFill>
+              </a:rPr>
+              <a:t>GitHubTest</a:t>
+            </a:r>
+            <a:r>
+              <a:rPr lang="en-US" altLang="zh-TW" sz="1800" dirty="0">
+                <a:solidFill>
+                  <a:schemeClr val="tx1"/>
+                </a:solidFill>
+              </a:rPr>
+              <a:t>, Class Name: </a:t>
+            </a:r>
+            <a:r>
+              <a:rPr lang="en-US" altLang="zh-TW" sz="1800" dirty="0" err="1">
+                <a:solidFill>
+                  <a:schemeClr val="tx1"/>
+                </a:solidFill>
+              </a:rPr>
+              <a:t>GitHubTestMain</a:t>
+            </a:r>
+            <a:r>
+              <a:rPr lang="en-US" altLang="zh-TW" sz="1800" dirty="0">
+                <a:solidFill>
+                  <a:schemeClr val="tx1"/>
+                </a:solidFill>
+              </a:rPr>
+              <a:t>.</a:t>
+            </a:r>
+          </a:p>
+          <a:p>
+            <a:pPr marL="342900" indent="-342900" algn="l">
+              <a:buClr>
+                <a:srgbClr val="0070C0"/>
+              </a:buClr>
+              <a:buSzPct val="80000"/>
+              <a:buFont typeface="Wingdings" pitchFamily="2" charset="2"/>
+              <a:buChar char="u"/>
+            </a:pPr>
+            <a:r>
+              <a:rPr lang="en-US" altLang="zh-TW" sz="1800" dirty="0">
+                <a:solidFill>
+                  <a:schemeClr val="tx1"/>
+                </a:solidFill>
+              </a:rPr>
+              <a:t>We also can use command line to check into the GitHub Server.</a:t>
+            </a:r>
+          </a:p>
+        </p:txBody>
+      </p:sp>
+      <p:sp>
+        <p:nvSpPr>
+          <p:cNvPr id="4" name="標題 1"/>
+          <p:cNvSpPr txBox="1">
+            <a:spLocks/>
+          </p:cNvSpPr>
+          <p:nvPr/>
+        </p:nvSpPr>
+        <p:spPr>
+          <a:xfrm>
+            <a:off x="0" y="764704"/>
+            <a:ext cx="9144000" cy="398616"/>
+          </a:xfrm>
+          <a:prstGeom prst="rect">
+            <a:avLst/>
+          </a:prstGeom>
+          <a:gradFill flip="none" rotWithShape="1">
+            <a:gsLst>
+              <a:gs pos="0">
+                <a:srgbClr val="00B0F0">
+                  <a:shade val="30000"/>
+                  <a:satMod val="115000"/>
+                </a:srgbClr>
+              </a:gs>
+              <a:gs pos="50000">
+                <a:srgbClr val="00B0F0">
+                  <a:shade val="67500"/>
+                  <a:satMod val="115000"/>
+                </a:srgbClr>
+              </a:gs>
+              <a:gs pos="100000">
+                <a:srgbClr val="00B0F0">
+                  <a:shade val="100000"/>
+                  <a:satMod val="115000"/>
+                </a:srgbClr>
+              </a:gs>
+            </a:gsLst>
+            <a:path path="circle">
+              <a:fillToRect t="100000" r="100000"/>
+            </a:path>
+            <a:tileRect l="-100000" b="-100000"/>
+          </a:gradFill>
+        </p:spPr>
+        <p:txBody>
+          <a:bodyPr vert="horz" lIns="91440" tIns="45720" rIns="91440" bIns="45720" rtlCol="0" anchor="ctr">
+            <a:normAutofit/>
+          </a:bodyPr>
+          <a:lstStyle/>
+          <a:p>
+            <a:pPr lvl="0">
+              <a:spcBef>
+                <a:spcPct val="0"/>
+              </a:spcBef>
+            </a:pPr>
+            <a:r>
+              <a:rPr lang="en-US" sz="1600" dirty="0">
+                <a:hlinkClick r:id="rId2"/>
+              </a:rPr>
+              <a:t>https://www.youtube.com/watch?v=Huwf0TgWrOw&amp;list=PLsyeobzWxl7q2eaUkorLZExfd7qko9sZC&amp;index=7</a:t>
+            </a:r>
+            <a:endParaRPr kumimoji="0" lang="zh-TW" altLang="en-US" sz="1600" b="0" i="0" u="none" strike="noStrike" kern="1200" cap="none" spc="0" normalizeH="0" baseline="0" noProof="0" dirty="0">
+              <a:ln>
+                <a:noFill/>
+              </a:ln>
+              <a:solidFill>
+                <a:schemeClr val="tx1"/>
+              </a:solidFill>
+              <a:effectLst/>
+              <a:uLnTx/>
+              <a:uFillTx/>
+              <a:latin typeface="+mj-lt"/>
+              <a:ea typeface="+mj-ea"/>
+              <a:cs typeface="+mj-cs"/>
+            </a:endParaRPr>
+          </a:p>
+        </p:txBody>
+      </p:sp>
+      <p:sp>
+        <p:nvSpPr>
+          <p:cNvPr id="5" name="日期版面配置區 4"/>
+          <p:cNvSpPr>
+            <a:spLocks noGrp="1"/>
+          </p:cNvSpPr>
+          <p:nvPr>
+            <p:ph type="dt" sz="half" idx="10"/>
+          </p:nvPr>
+        </p:nvSpPr>
+        <p:spPr>
+          <a:xfrm>
+            <a:off x="457200" y="6356350"/>
+            <a:ext cx="2133600" cy="404246"/>
+          </a:xfrm>
+        </p:spPr>
+        <p:txBody>
+          <a:bodyPr/>
+          <a:lstStyle/>
+          <a:p>
+            <a:fld id="{A4F910E6-8D00-4BAF-8C48-9688E0B449D3}" type="datetime1">
+              <a:rPr lang="zh-TW" altLang="en-US" smtClean="0"/>
+              <a:pPr/>
+              <a:t>2019/5/12</a:t>
+            </a:fld>
+            <a:endParaRPr lang="zh-TW" altLang="en-US"/>
+          </a:p>
+        </p:txBody>
+      </p:sp>
+      <p:sp>
+        <p:nvSpPr>
+          <p:cNvPr id="6" name="投影片編號版面配置區 5"/>
+          <p:cNvSpPr>
+            <a:spLocks noGrp="1"/>
+          </p:cNvSpPr>
+          <p:nvPr>
+            <p:ph type="sldNum" sz="quarter" idx="12"/>
+          </p:nvPr>
+        </p:nvSpPr>
+        <p:spPr>
+          <a:xfrm>
+            <a:off x="6485413" y="6340007"/>
+            <a:ext cx="2133600" cy="404246"/>
+          </a:xfrm>
+        </p:spPr>
+        <p:txBody>
+          <a:bodyPr/>
+          <a:lstStyle/>
+          <a:p>
+            <a:fld id="{E4D7E63D-91F2-4366-A2C4-1B00C9E2590E}" type="slidenum">
+              <a:rPr lang="zh-TW" altLang="en-US" smtClean="0"/>
+              <a:pPr/>
+              <a:t>2</a:t>
+            </a:fld>
+            <a:endParaRPr lang="zh-TW" altLang="en-US"/>
+          </a:p>
+        </p:txBody>
+      </p:sp>
+      <p:pic>
+        <p:nvPicPr>
+          <p:cNvPr id="11" name="Picture 10">
+            <a:extLst>
+              <a:ext uri="{FF2B5EF4-FFF2-40B4-BE49-F238E27FC236}">
+                <a16:creationId xmlns:a16="http://schemas.microsoft.com/office/drawing/2014/main" id="{01122F6A-FED1-4010-A0A1-8E0E33868DBD}"/>
+              </a:ext>
+            </a:extLst>
+          </p:cNvPr>
+          <p:cNvPicPr>
+            <a:picLocks noChangeAspect="1"/>
+          </p:cNvPicPr>
+          <p:nvPr/>
+        </p:nvPicPr>
+        <p:blipFill>
+          <a:blip r:embed="rId3"/>
+          <a:stretch>
+            <a:fillRect/>
+          </a:stretch>
+        </p:blipFill>
+        <p:spPr>
+          <a:xfrm>
+            <a:off x="1331640" y="2509737"/>
+            <a:ext cx="6029325" cy="3581400"/>
+          </a:xfrm>
+          <a:prstGeom prst="rect">
+            <a:avLst/>
+          </a:prstGeom>
+          <a:ln>
+            <a:solidFill>
+              <a:srgbClr val="C00000"/>
+            </a:solidFill>
+          </a:ln>
+        </p:spPr>
+      </p:pic>
+    </p:spTree>
+  </p:cSld>
+  <p:clrMapOvr>
+    <a:masterClrMapping/>
+  </p:clrMapOvr>
+</p:sld>
+</file>
+
+<file path=ppt/slides/slide20.xml><?xml version="1.0" encoding="utf-8"?>
 <p:sld xmlns:a="http://schemas.openxmlformats.org/drawingml/2006/main" xmlns:r="http://schemas.openxmlformats.org/officeDocument/2006/relationships" xmlns:p="http://schemas.openxmlformats.org/presentationml/2006/main">
   <p:cSld>
     <p:spTree>
@@ -6024,7 +7838,7 @@
                   <a:srgbClr val="FFFF00"/>
                 </a:solidFill>
               </a:rPr>
-              <a:t>6.2 Commit Project to Local Repository</a:t>
+              <a:t>6.3 Commit Project to Local Repository</a:t>
             </a:r>
             <a:endParaRPr lang="zh-TW" altLang="en-US" b="1" dirty="0">
               <a:solidFill>
@@ -6198,7 +8012,7 @@
             <a:fld id="{A4F910E6-8D00-4BAF-8C48-9688E0B449D3}" type="datetime1">
               <a:rPr lang="zh-TW" altLang="en-US" smtClean="0"/>
               <a:pPr/>
-              <a:t>2019/5/10</a:t>
+              <a:t>2019/5/12</a:t>
             </a:fld>
             <a:endParaRPr lang="zh-TW" altLang="en-US"/>
           </a:p>
@@ -6227,7 +8041,7 @@
             <a:fld id="{E4D7E63D-91F2-4366-A2C4-1B00C9E2590E}" type="slidenum">
               <a:rPr lang="zh-TW" altLang="en-US" smtClean="0"/>
               <a:pPr/>
-              <a:t>16</a:t>
+              <a:t>20</a:t>
             </a:fld>
             <a:endParaRPr lang="zh-TW" altLang="en-US"/>
           </a:p>
@@ -6333,7 +8147,7 @@
 </p:sld>
 </file>
 
-<file path=ppt/slides/slide17.xml><?xml version="1.0" encoding="utf-8"?>
+<file path=ppt/slides/slide21.xml><?xml version="1.0" encoding="utf-8"?>
 <p:sld xmlns:a="http://schemas.openxmlformats.org/drawingml/2006/main" xmlns:r="http://schemas.openxmlformats.org/officeDocument/2006/relationships" xmlns:p="http://schemas.openxmlformats.org/presentationml/2006/main">
   <p:cSld>
     <p:spTree>
@@ -6362,35 +8176,12 @@
         </p:nvSpPr>
         <p:spPr>
           <a:xfrm>
-            <a:off x="0" y="2130425"/>
+            <a:off x="-14908" y="2132856"/>
             <a:ext cx="9144000" cy="1470025"/>
           </a:xfrm>
-          <a:gradFill flip="none" rotWithShape="1">
-            <a:gsLst>
-              <a:gs pos="0">
-                <a:srgbClr val="00B0F0">
-                  <a:shade val="30000"/>
-                  <a:satMod val="115000"/>
-                </a:srgbClr>
-              </a:gs>
-              <a:gs pos="50000">
-                <a:srgbClr val="00B0F0">
-                  <a:shade val="67500"/>
-                  <a:satMod val="115000"/>
-                </a:srgbClr>
-              </a:gs>
-              <a:gs pos="100000">
-                <a:srgbClr val="00B0F0">
-                  <a:shade val="100000"/>
-                  <a:satMod val="115000"/>
-                </a:srgbClr>
-              </a:gs>
-            </a:gsLst>
-            <a:path path="circle">
-              <a:fillToRect t="100000" r="100000"/>
-            </a:path>
-            <a:tileRect l="-100000" b="-100000"/>
-          </a:gradFill>
+          <a:solidFill>
+            <a:srgbClr val="00B0F0"/>
+          </a:solidFill>
         </p:spPr>
         <p:txBody>
           <a:bodyPr>
@@ -6399,14 +8190,14 @@
           <a:lstStyle/>
           <a:p>
             <a:r>
-              <a:rPr lang="en-US" altLang="zh-TW" sz="6000" b="1" dirty="0">
+              <a:rPr lang="en-US" altLang="zh-TW" sz="4800" b="1" dirty="0">
                 <a:solidFill>
                   <a:srgbClr val="FFFF00"/>
                 </a:solidFill>
               </a:rPr>
-              <a:t>End of Chapter</a:t>
-            </a:r>
-            <a:endParaRPr lang="zh-TW" altLang="en-US" sz="6000" b="1" dirty="0">
+              <a:t>6.4 Command Line Check in</a:t>
+            </a:r>
+            <a:endParaRPr lang="zh-TW" altLang="en-US" sz="4800" b="1" dirty="0">
               <a:solidFill>
                 <a:srgbClr val="FFFF00"/>
               </a:solidFill>
@@ -6429,10 +8220,10 @@
           <a:bodyPr/>
           <a:lstStyle/>
           <a:p>
-            <a:fld id="{4E46BE27-E923-4EC2-B046-3272AE2A3E5C}" type="datetime1">
+            <a:fld id="{C389EDC9-19E3-47AC-9C57-C6A24DEA81AD}" type="datetime1">
               <a:rPr lang="zh-TW" altLang="en-US" smtClean="0"/>
               <a:pPr/>
-              <a:t>2019/5/10</a:t>
+              <a:t>2019/5/12</a:t>
             </a:fld>
             <a:endParaRPr lang="zh-TW" altLang="en-US"/>
           </a:p>
@@ -6456,13 +8247,48 @@
             <a:fld id="{E4D7E63D-91F2-4366-A2C4-1B00C9E2590E}" type="slidenum">
               <a:rPr lang="zh-TW" altLang="en-US" smtClean="0"/>
               <a:pPr/>
-              <a:t>17</a:t>
+              <a:t>21</a:t>
             </a:fld>
             <a:endParaRPr lang="zh-TW" altLang="en-US"/>
           </a:p>
         </p:txBody>
       </p:sp>
+      <p:pic>
+        <p:nvPicPr>
+          <p:cNvPr id="7" name="Picture 6">
+            <a:extLst>
+              <a:ext uri="{FF2B5EF4-FFF2-40B4-BE49-F238E27FC236}">
+                <a16:creationId xmlns:a16="http://schemas.microsoft.com/office/drawing/2014/main" id="{13E1E6C3-8D61-43FD-9739-EC3CD35FD08C}"/>
+              </a:ext>
+            </a:extLst>
+          </p:cNvPr>
+          <p:cNvPicPr>
+            <a:picLocks noChangeAspect="1"/>
+          </p:cNvPicPr>
+          <p:nvPr/>
+        </p:nvPicPr>
+        <p:blipFill>
+          <a:blip r:embed="rId2"/>
+          <a:stretch>
+            <a:fillRect/>
+          </a:stretch>
+        </p:blipFill>
+        <p:spPr>
+          <a:xfrm>
+            <a:off x="4042507" y="3668596"/>
+            <a:ext cx="1058986" cy="957275"/>
+          </a:xfrm>
+          <a:prstGeom prst="rect">
+            <a:avLst/>
+          </a:prstGeom>
+        </p:spPr>
+      </p:pic>
     </p:spTree>
+    <p:extLst>
+      <p:ext uri="{BB962C8B-B14F-4D97-AF65-F5344CB8AC3E}">
+        <p14:creationId xmlns:p14="http://schemas.microsoft.com/office/powerpoint/2010/main" val="2924759273"/>
+      </p:ext>
+    </p:extLst>
   </p:cSld>
   <p:clrMapOvr>
     <a:masterClrMapping/>
@@ -6470,7 +8296,7 @@
 </p:sld>
 </file>
 
-<file path=ppt/slides/slide2.xml><?xml version="1.0" encoding="utf-8"?>
+<file path=ppt/slides/slide22.xml><?xml version="1.0" encoding="utf-8"?>
 <p:sld xmlns:a="http://schemas.openxmlformats.org/drawingml/2006/main" xmlns:r="http://schemas.openxmlformats.org/officeDocument/2006/relationships" xmlns:p="http://schemas.openxmlformats.org/presentationml/2006/main">
   <p:cSld>
     <p:spTree>
@@ -6487,6 +8313,41 @@
           <a:chExt cx="0" cy="0"/>
         </a:xfrm>
       </p:grpSpPr>
+      <p:pic>
+        <p:nvPicPr>
+          <p:cNvPr id="8" name="Picture 7">
+            <a:extLst>
+              <a:ext uri="{FF2B5EF4-FFF2-40B4-BE49-F238E27FC236}">
+                <a16:creationId xmlns:a16="http://schemas.microsoft.com/office/drawing/2014/main" id="{7DAED261-4628-4107-B9A8-D1F70B39F11D}"/>
+              </a:ext>
+            </a:extLst>
+          </p:cNvPr>
+          <p:cNvPicPr>
+            <a:picLocks noChangeAspect="1"/>
+          </p:cNvPicPr>
+          <p:nvPr/>
+        </p:nvPicPr>
+        <p:blipFill>
+          <a:blip r:embed="rId2"/>
+          <a:stretch>
+            <a:fillRect/>
+          </a:stretch>
+        </p:blipFill>
+        <p:spPr>
+          <a:xfrm>
+            <a:off x="3063362" y="3118279"/>
+            <a:ext cx="4564293" cy="3173381"/>
+          </a:xfrm>
+          <a:prstGeom prst="rect">
+            <a:avLst/>
+          </a:prstGeom>
+          <a:ln>
+            <a:solidFill>
+              <a:srgbClr val="C00000"/>
+            </a:solidFill>
+          </a:ln>
+        </p:spPr>
+      </p:pic>
       <p:sp>
         <p:nvSpPr>
           <p:cNvPr id="2" name="標題 1"/>
@@ -6530,7 +8391,9 @@
           </a:gradFill>
         </p:spPr>
         <p:txBody>
-          <a:bodyPr/>
+          <a:bodyPr>
+            <a:normAutofit/>
+          </a:bodyPr>
           <a:lstStyle/>
           <a:p>
             <a:pPr algn="l"/>
@@ -6540,7 +8403,7 @@
                   <a:srgbClr val="FFFF00"/>
                 </a:solidFill>
               </a:rPr>
-              <a:t>6 Upload File to GitHub by Eclipse</a:t>
+              <a:t>6.4 Command Line Check in</a:t>
             </a:r>
             <a:endParaRPr lang="zh-TW" altLang="en-US" b="1" dirty="0">
               <a:solidFill>
@@ -6562,8 +8425,8 @@
         </p:nvSpPr>
         <p:spPr>
           <a:xfrm>
-            <a:off x="539552" y="1340768"/>
-            <a:ext cx="8064896" cy="1019224"/>
+            <a:off x="539552" y="1340767"/>
+            <a:ext cx="8064896" cy="1600065"/>
           </a:xfrm>
           <a:ln>
             <a:solidFill>
@@ -6591,7 +8454,7 @@
                   <a:schemeClr val="tx1"/>
                 </a:solidFill>
               </a:rPr>
-              <a:t>In this section, we discuss how to upload files into GitHub by Eclipse.</a:t>
+              <a:t>Since the Eclipse does not allow Push before Pull out, we use the command line instead.</a:t>
             </a:r>
           </a:p>
           <a:p>
@@ -6609,39 +8472,7 @@
                   <a:schemeClr val="tx1"/>
                 </a:solidFill>
               </a:rPr>
-              <a:t>Create Java Project: </a:t>
-            </a:r>
-            <a:r>
-              <a:rPr lang="en-US" altLang="zh-TW" sz="1800" dirty="0" err="1">
-                <a:solidFill>
-                  <a:schemeClr val="tx1"/>
-                </a:solidFill>
-              </a:rPr>
-              <a:t>GitHubTest</a:t>
-            </a:r>
-            <a:r>
-              <a:rPr lang="en-US" altLang="zh-TW" sz="1800" dirty="0">
-                <a:solidFill>
-                  <a:schemeClr val="tx1"/>
-                </a:solidFill>
-              </a:rPr>
-              <a:t>, Class Name: </a:t>
-            </a:r>
-            <a:r>
-              <a:rPr lang="en-US" altLang="zh-TW" sz="1800" dirty="0" err="1">
-                <a:solidFill>
-                  <a:schemeClr val="tx1"/>
-                </a:solidFill>
-              </a:rPr>
-              <a:t>GitHubTestMain</a:t>
-            </a:r>
-            <a:r>
-              <a:rPr lang="en-US" altLang="zh-TW" sz="1800" dirty="0">
-                <a:solidFill>
-                  <a:schemeClr val="tx1"/>
-                </a:solidFill>
-              </a:rPr>
-              <a:t>.</a:t>
+              <a:t>First, we find out the project location. </a:t>
             </a:r>
           </a:p>
           <a:p>
@@ -6659,7 +8490,25 @@
                   <a:schemeClr val="tx1"/>
                 </a:solidFill>
               </a:rPr>
-              <a:t>We also can use command line to check into the GitHub Server.</a:t>
+              <a:t>Select project name: RMB &gt; Properties. </a:t>
+            </a:r>
+          </a:p>
+          <a:p>
+            <a:pPr marL="342900" indent="-342900" algn="l">
+              <a:buClr>
+                <a:srgbClr val="0070C0"/>
+              </a:buClr>
+              <a:buSzPct val="80000"/>
+              <a:buFont typeface="Wingdings" pitchFamily="2" charset="2"/>
+              <a:buChar char="u"/>
+            </a:pPr>
+            <a:r>
+              <a:rPr lang="en-US" altLang="zh-TW" sz="1800" dirty="0">
+                <a:solidFill>
+                  <a:schemeClr val="tx1"/>
+                </a:solidFill>
+              </a:rPr>
+              <a:t>The Project Location: C:\Users\14088\GitHubTest\GitHubTest</a:t>
             </a:r>
           </a:p>
         </p:txBody>
@@ -6720,7 +8569,7 @@
             </a:pPr>
             <a:r>
               <a:rPr lang="en-US" sz="1600" dirty="0">
-                <a:hlinkClick r:id="rId2"/>
+                <a:hlinkClick r:id="rId3"/>
               </a:rPr>
               <a:t>https://www.youtube.com/watch?v=Huwf0TgWrOw&amp;list=PLsyeobzWxl7q2eaUkorLZExfd7qko9sZC&amp;index=7</a:t>
             </a:r>
@@ -6764,7 +8613,7 @@
             <a:fld id="{A4F910E6-8D00-4BAF-8C48-9688E0B449D3}" type="datetime1">
               <a:rPr lang="zh-TW" altLang="en-US" smtClean="0"/>
               <a:pPr/>
-              <a:t>2019/5/10</a:t>
+              <a:t>2019/5/12</a:t>
             </a:fld>
             <a:endParaRPr lang="zh-TW" altLang="en-US"/>
           </a:p>
@@ -6793,18 +8642,808 @@
             <a:fld id="{E4D7E63D-91F2-4366-A2C4-1B00C9E2590E}" type="slidenum">
               <a:rPr lang="zh-TW" altLang="en-US" smtClean="0"/>
               <a:pPr/>
-              <a:t>2</a:t>
+              <a:t>22</a:t>
             </a:fld>
             <a:endParaRPr lang="zh-TW" altLang="en-US"/>
           </a:p>
         </p:txBody>
       </p:sp>
+      <p:sp>
+        <p:nvSpPr>
+          <p:cNvPr id="19" name="Rectangle 18">
+            <a:extLst>
+              <a:ext uri="{FF2B5EF4-FFF2-40B4-BE49-F238E27FC236}">
+                <a16:creationId xmlns:a16="http://schemas.microsoft.com/office/drawing/2014/main" id="{198FEE9A-0CC9-405C-AD32-B42903074667}"/>
+              </a:ext>
+            </a:extLst>
+          </p:cNvPr>
+          <p:cNvSpPr/>
+          <p:nvPr/>
+        </p:nvSpPr>
+        <p:spPr>
+          <a:xfrm>
+            <a:off x="4140609" y="3706186"/>
+            <a:ext cx="2231591" cy="226870"/>
+          </a:xfrm>
+          <a:prstGeom prst="rect">
+            <a:avLst/>
+          </a:prstGeom>
+          <a:noFill/>
+          <a:ln>
+            <a:solidFill>
+              <a:srgbClr val="C00000"/>
+            </a:solidFill>
+          </a:ln>
+        </p:spPr>
+        <p:style>
+          <a:lnRef idx="2">
+            <a:schemeClr val="accent1">
+              <a:shade val="50000"/>
+            </a:schemeClr>
+          </a:lnRef>
+          <a:fillRef idx="1">
+            <a:schemeClr val="accent1"/>
+          </a:fillRef>
+          <a:effectRef idx="0">
+            <a:schemeClr val="accent1"/>
+          </a:effectRef>
+          <a:fontRef idx="minor">
+            <a:schemeClr val="lt1"/>
+          </a:fontRef>
+        </p:style>
+        <p:txBody>
+          <a:bodyPr rtlCol="0" anchor="ctr"/>
+          <a:lstStyle/>
+          <a:p>
+            <a:pPr algn="ctr"/>
+            <a:endParaRPr lang="en-US"/>
+          </a:p>
+        </p:txBody>
+      </p:sp>
       <p:pic>
         <p:nvPicPr>
-          <p:cNvPr id="11" name="Picture 10">
+          <p:cNvPr id="10" name="Picture 9">
             <a:extLst>
               <a:ext uri="{FF2B5EF4-FFF2-40B4-BE49-F238E27FC236}">
-                <a16:creationId xmlns:a16="http://schemas.microsoft.com/office/drawing/2014/main" id="{01122F6A-FED1-4010-A0A1-8E0E33868DBD}"/>
+                <a16:creationId xmlns:a16="http://schemas.microsoft.com/office/drawing/2014/main" id="{7353633A-0414-4235-94BD-B8E6A434630E}"/>
+              </a:ext>
+            </a:extLst>
+          </p:cNvPr>
+          <p:cNvPicPr>
+            <a:picLocks noChangeAspect="1"/>
+          </p:cNvPicPr>
+          <p:nvPr/>
+        </p:nvPicPr>
+        <p:blipFill>
+          <a:blip r:embed="rId4"/>
+          <a:stretch>
+            <a:fillRect/>
+          </a:stretch>
+        </p:blipFill>
+        <p:spPr>
+          <a:xfrm>
+            <a:off x="1106421" y="3135805"/>
+            <a:ext cx="1650425" cy="2709704"/>
+          </a:xfrm>
+          <a:prstGeom prst="rect">
+            <a:avLst/>
+          </a:prstGeom>
+          <a:ln>
+            <a:solidFill>
+              <a:srgbClr val="C00000"/>
+            </a:solidFill>
+          </a:ln>
+        </p:spPr>
+      </p:pic>
+      <p:sp>
+        <p:nvSpPr>
+          <p:cNvPr id="14" name="Rectangle 13">
+            <a:extLst>
+              <a:ext uri="{FF2B5EF4-FFF2-40B4-BE49-F238E27FC236}">
+                <a16:creationId xmlns:a16="http://schemas.microsoft.com/office/drawing/2014/main" id="{CBCC4952-A84D-4B04-979E-9B3CA0291FC5}"/>
+              </a:ext>
+            </a:extLst>
+          </p:cNvPr>
+          <p:cNvSpPr/>
+          <p:nvPr/>
+        </p:nvSpPr>
+        <p:spPr>
+          <a:xfrm>
+            <a:off x="1547664" y="5686772"/>
+            <a:ext cx="1209182" cy="158737"/>
+          </a:xfrm>
+          <a:prstGeom prst="rect">
+            <a:avLst/>
+          </a:prstGeom>
+          <a:noFill/>
+          <a:ln>
+            <a:solidFill>
+              <a:srgbClr val="C00000"/>
+            </a:solidFill>
+          </a:ln>
+        </p:spPr>
+        <p:style>
+          <a:lnRef idx="2">
+            <a:schemeClr val="accent1">
+              <a:shade val="50000"/>
+            </a:schemeClr>
+          </a:lnRef>
+          <a:fillRef idx="1">
+            <a:schemeClr val="accent1"/>
+          </a:fillRef>
+          <a:effectRef idx="0">
+            <a:schemeClr val="accent1"/>
+          </a:effectRef>
+          <a:fontRef idx="minor">
+            <a:schemeClr val="lt1"/>
+          </a:fontRef>
+        </p:style>
+        <p:txBody>
+          <a:bodyPr rtlCol="0" anchor="ctr"/>
+          <a:lstStyle/>
+          <a:p>
+            <a:pPr algn="ctr"/>
+            <a:endParaRPr lang="en-US"/>
+          </a:p>
+        </p:txBody>
+      </p:sp>
+      <p:cxnSp>
+        <p:nvCxnSpPr>
+          <p:cNvPr id="12" name="Straight Arrow Connector 11">
+            <a:extLst>
+              <a:ext uri="{FF2B5EF4-FFF2-40B4-BE49-F238E27FC236}">
+                <a16:creationId xmlns:a16="http://schemas.microsoft.com/office/drawing/2014/main" id="{EB6B0C77-ECE9-4B60-8B74-753C3995E5CF}"/>
+              </a:ext>
+            </a:extLst>
+          </p:cNvPr>
+          <p:cNvCxnSpPr>
+            <a:cxnSpLocks/>
+            <a:stCxn id="14" idx="3"/>
+            <a:endCxn id="19" idx="1"/>
+          </p:cNvCxnSpPr>
+          <p:nvPr/>
+        </p:nvCxnSpPr>
+        <p:spPr>
+          <a:xfrm flipV="1">
+            <a:off x="2756846" y="3819621"/>
+            <a:ext cx="1383763" cy="1946520"/>
+          </a:xfrm>
+          <a:prstGeom prst="straightConnector1">
+            <a:avLst/>
+          </a:prstGeom>
+          <a:ln>
+            <a:solidFill>
+              <a:srgbClr val="C00000"/>
+            </a:solidFill>
+            <a:tailEnd type="triangle"/>
+          </a:ln>
+        </p:spPr>
+        <p:style>
+          <a:lnRef idx="1">
+            <a:schemeClr val="accent1"/>
+          </a:lnRef>
+          <a:fillRef idx="0">
+            <a:schemeClr val="accent1"/>
+          </a:fillRef>
+          <a:effectRef idx="0">
+            <a:schemeClr val="accent1"/>
+          </a:effectRef>
+          <a:fontRef idx="minor">
+            <a:schemeClr val="tx1"/>
+          </a:fontRef>
+        </p:style>
+      </p:cxnSp>
+    </p:spTree>
+    <p:extLst>
+      <p:ext uri="{BB962C8B-B14F-4D97-AF65-F5344CB8AC3E}">
+        <p14:creationId xmlns:p14="http://schemas.microsoft.com/office/powerpoint/2010/main" val="3232796978"/>
+      </p:ext>
+    </p:extLst>
+  </p:cSld>
+  <p:clrMapOvr>
+    <a:masterClrMapping/>
+  </p:clrMapOvr>
+</p:sld>
+</file>
+
+<file path=ppt/slides/slide23.xml><?xml version="1.0" encoding="utf-8"?>
+<p:sld xmlns:a="http://schemas.openxmlformats.org/drawingml/2006/main" xmlns:r="http://schemas.openxmlformats.org/officeDocument/2006/relationships" xmlns:p="http://schemas.openxmlformats.org/presentationml/2006/main">
+  <p:cSld>
+    <p:spTree>
+      <p:nvGrpSpPr>
+        <p:cNvPr id="1" name=""/>
+        <p:cNvGrpSpPr/>
+        <p:nvPr/>
+      </p:nvGrpSpPr>
+      <p:grpSpPr>
+        <a:xfrm>
+          <a:off x="0" y="0"/>
+          <a:ext cx="0" cy="0"/>
+          <a:chOff x="0" y="0"/>
+          <a:chExt cx="0" cy="0"/>
+        </a:xfrm>
+      </p:grpSpPr>
+      <p:pic>
+        <p:nvPicPr>
+          <p:cNvPr id="7" name="Picture 6">
+            <a:extLst>
+              <a:ext uri="{FF2B5EF4-FFF2-40B4-BE49-F238E27FC236}">
+                <a16:creationId xmlns:a16="http://schemas.microsoft.com/office/drawing/2014/main" id="{6088E759-5215-4145-82B2-367616C7231C}"/>
+              </a:ext>
+            </a:extLst>
+          </p:cNvPr>
+          <p:cNvPicPr>
+            <a:picLocks noChangeAspect="1"/>
+          </p:cNvPicPr>
+          <p:nvPr/>
+        </p:nvPicPr>
+        <p:blipFill>
+          <a:blip r:embed="rId2"/>
+          <a:stretch>
+            <a:fillRect/>
+          </a:stretch>
+        </p:blipFill>
+        <p:spPr>
+          <a:xfrm>
+            <a:off x="2195736" y="2213445"/>
+            <a:ext cx="3493592" cy="4345028"/>
+          </a:xfrm>
+          <a:prstGeom prst="rect">
+            <a:avLst/>
+          </a:prstGeom>
+          <a:ln>
+            <a:solidFill>
+              <a:srgbClr val="C00000"/>
+            </a:solidFill>
+          </a:ln>
+        </p:spPr>
+      </p:pic>
+      <p:sp>
+        <p:nvSpPr>
+          <p:cNvPr id="2" name="標題 1"/>
+          <p:cNvSpPr>
+            <a:spLocks noGrp="1"/>
+          </p:cNvSpPr>
+          <p:nvPr>
+            <p:ph type="ctrTitle"/>
+          </p:nvPr>
+        </p:nvSpPr>
+        <p:spPr>
+          <a:xfrm>
+            <a:off x="0" y="1"/>
+            <a:ext cx="9144000" cy="764704"/>
+          </a:xfrm>
+          <a:gradFill flip="none" rotWithShape="1">
+            <a:gsLst>
+              <a:gs pos="0">
+                <a:srgbClr val="C00000">
+                  <a:shade val="30000"/>
+                  <a:satMod val="115000"/>
+                </a:srgbClr>
+              </a:gs>
+              <a:gs pos="50000">
+                <a:srgbClr val="C00000">
+                  <a:shade val="67500"/>
+                  <a:satMod val="115000"/>
+                </a:srgbClr>
+              </a:gs>
+              <a:gs pos="100000">
+                <a:srgbClr val="C00000">
+                  <a:shade val="100000"/>
+                  <a:satMod val="115000"/>
+                </a:srgbClr>
+              </a:gs>
+            </a:gsLst>
+            <a:path path="circle">
+              <a:fillToRect t="100000" r="100000"/>
+            </a:path>
+            <a:tileRect l="-100000" b="-100000"/>
+          </a:gradFill>
+        </p:spPr>
+        <p:txBody>
+          <a:bodyPr>
+            <a:normAutofit/>
+          </a:bodyPr>
+          <a:lstStyle/>
+          <a:p>
+            <a:pPr algn="l"/>
+            <a:r>
+              <a:rPr lang="en-US" altLang="zh-TW" b="1" dirty="0">
+                <a:solidFill>
+                  <a:srgbClr val="FFFF00"/>
+                </a:solidFill>
+              </a:rPr>
+              <a:t>6.4 Command Line Check in</a:t>
+            </a:r>
+            <a:endParaRPr lang="zh-TW" altLang="en-US" b="1" dirty="0">
+              <a:solidFill>
+                <a:srgbClr val="FFFF00"/>
+              </a:solidFill>
+            </a:endParaRPr>
+          </a:p>
+        </p:txBody>
+      </p:sp>
+      <p:sp>
+        <p:nvSpPr>
+          <p:cNvPr id="3" name="副標題 2"/>
+          <p:cNvSpPr>
+            <a:spLocks noGrp="1"/>
+          </p:cNvSpPr>
+          <p:nvPr>
+            <p:ph type="subTitle" idx="1"/>
+          </p:nvPr>
+        </p:nvSpPr>
+        <p:spPr>
+          <a:xfrm>
+            <a:off x="539552" y="1340767"/>
+            <a:ext cx="8064896" cy="720081"/>
+          </a:xfrm>
+          <a:ln>
+            <a:solidFill>
+              <a:srgbClr val="C00000"/>
+            </a:solidFill>
+          </a:ln>
+        </p:spPr>
+        <p:txBody>
+          <a:bodyPr>
+            <a:noAutofit/>
+          </a:bodyPr>
+          <a:lstStyle/>
+          <a:p>
+            <a:pPr marL="342900" indent="-342900" algn="l">
+              <a:buClr>
+                <a:srgbClr val="0070C0"/>
+              </a:buClr>
+              <a:buSzPct val="80000"/>
+              <a:buFont typeface="Wingdings" pitchFamily="2" charset="2"/>
+              <a:buChar char="u"/>
+            </a:pPr>
+            <a:r>
+              <a:rPr lang="en-US" altLang="zh-TW" sz="1800" dirty="0">
+                <a:solidFill>
+                  <a:schemeClr val="tx1"/>
+                </a:solidFill>
+              </a:rPr>
+              <a:t>Change directory to C:\Users\14088\GitHubTest\GitHubTest</a:t>
+            </a:r>
+          </a:p>
+          <a:p>
+            <a:pPr marL="342900" indent="-342900" algn="l">
+              <a:buClr>
+                <a:srgbClr val="0070C0"/>
+              </a:buClr>
+              <a:buSzPct val="80000"/>
+              <a:buFont typeface="Wingdings" pitchFamily="2" charset="2"/>
+              <a:buChar char="u"/>
+            </a:pPr>
+            <a:r>
+              <a:rPr lang="en-US" altLang="zh-TW" sz="1800" dirty="0">
+                <a:solidFill>
+                  <a:schemeClr val="tx1"/>
+                </a:solidFill>
+              </a:rPr>
+              <a:t>&gt; git push origin master --force</a:t>
+            </a:r>
+          </a:p>
+        </p:txBody>
+      </p:sp>
+      <p:sp>
+        <p:nvSpPr>
+          <p:cNvPr id="4" name="標題 1"/>
+          <p:cNvSpPr txBox="1">
+            <a:spLocks/>
+          </p:cNvSpPr>
+          <p:nvPr/>
+        </p:nvSpPr>
+        <p:spPr>
+          <a:xfrm>
+            <a:off x="0" y="764704"/>
+            <a:ext cx="9144000" cy="398616"/>
+          </a:xfrm>
+          <a:prstGeom prst="rect">
+            <a:avLst/>
+          </a:prstGeom>
+          <a:gradFill flip="none" rotWithShape="1">
+            <a:gsLst>
+              <a:gs pos="0">
+                <a:srgbClr val="00B0F0">
+                  <a:shade val="30000"/>
+                  <a:satMod val="115000"/>
+                </a:srgbClr>
+              </a:gs>
+              <a:gs pos="50000">
+                <a:srgbClr val="00B0F0">
+                  <a:shade val="67500"/>
+                  <a:satMod val="115000"/>
+                </a:srgbClr>
+              </a:gs>
+              <a:gs pos="100000">
+                <a:srgbClr val="00B0F0">
+                  <a:shade val="100000"/>
+                  <a:satMod val="115000"/>
+                </a:srgbClr>
+              </a:gs>
+            </a:gsLst>
+            <a:path path="circle">
+              <a:fillToRect t="100000" r="100000"/>
+            </a:path>
+            <a:tileRect l="-100000" b="-100000"/>
+          </a:gradFill>
+        </p:spPr>
+        <p:txBody>
+          <a:bodyPr vert="horz" lIns="91440" tIns="45720" rIns="91440" bIns="45720" rtlCol="0" anchor="ctr">
+            <a:normAutofit/>
+          </a:bodyPr>
+          <a:lstStyle/>
+          <a:p>
+            <a:pPr lvl="0">
+              <a:spcBef>
+                <a:spcPct val="0"/>
+              </a:spcBef>
+            </a:pPr>
+            <a:r>
+              <a:rPr lang="en-US" sz="1600" dirty="0">
+                <a:hlinkClick r:id="rId3"/>
+              </a:rPr>
+              <a:t>https://www.youtube.com/watch?v=Huwf0TgWrOw&amp;list=PLsyeobzWxl7q2eaUkorLZExfd7qko9sZC&amp;index=7</a:t>
+            </a:r>
+            <a:endParaRPr kumimoji="0" lang="zh-TW" altLang="en-US" sz="1600" b="0" i="0" u="none" strike="noStrike" kern="1200" cap="none" spc="0" normalizeH="0" baseline="0" noProof="0" dirty="0">
+              <a:ln>
+                <a:noFill/>
+              </a:ln>
+              <a:solidFill>
+                <a:schemeClr val="tx1"/>
+              </a:solidFill>
+              <a:effectLst/>
+              <a:uLnTx/>
+              <a:uFillTx/>
+              <a:latin typeface="+mj-lt"/>
+              <a:ea typeface="+mj-ea"/>
+              <a:cs typeface="+mj-cs"/>
+            </a:endParaRPr>
+          </a:p>
+        </p:txBody>
+      </p:sp>
+      <p:sp>
+        <p:nvSpPr>
+          <p:cNvPr id="5" name="日期版面配置區 4"/>
+          <p:cNvSpPr>
+            <a:spLocks noGrp="1"/>
+          </p:cNvSpPr>
+          <p:nvPr>
+            <p:ph type="dt" sz="half" idx="10"/>
+          </p:nvPr>
+        </p:nvSpPr>
+        <p:spPr>
+          <a:xfrm>
+            <a:off x="457200" y="6356350"/>
+            <a:ext cx="2133600" cy="404246"/>
+          </a:xfrm>
+        </p:spPr>
+        <p:txBody>
+          <a:bodyPr/>
+          <a:lstStyle/>
+          <a:p>
+            <a:fld id="{A4F910E6-8D00-4BAF-8C48-9688E0B449D3}" type="datetime1">
+              <a:rPr lang="zh-TW" altLang="en-US" smtClean="0"/>
+              <a:pPr/>
+              <a:t>2019/5/12</a:t>
+            </a:fld>
+            <a:endParaRPr lang="zh-TW" altLang="en-US"/>
+          </a:p>
+        </p:txBody>
+      </p:sp>
+      <p:sp>
+        <p:nvSpPr>
+          <p:cNvPr id="6" name="投影片編號版面配置區 5"/>
+          <p:cNvSpPr>
+            <a:spLocks noGrp="1"/>
+          </p:cNvSpPr>
+          <p:nvPr>
+            <p:ph type="sldNum" sz="quarter" idx="12"/>
+          </p:nvPr>
+        </p:nvSpPr>
+        <p:spPr>
+          <a:xfrm>
+            <a:off x="6485413" y="6340007"/>
+            <a:ext cx="2133600" cy="404246"/>
+          </a:xfrm>
+        </p:spPr>
+        <p:txBody>
+          <a:bodyPr/>
+          <a:lstStyle/>
+          <a:p>
+            <a:fld id="{E4D7E63D-91F2-4366-A2C4-1B00C9E2590E}" type="slidenum">
+              <a:rPr lang="zh-TW" altLang="en-US" smtClean="0"/>
+              <a:pPr/>
+              <a:t>23</a:t>
+            </a:fld>
+            <a:endParaRPr lang="zh-TW" altLang="en-US"/>
+          </a:p>
+        </p:txBody>
+      </p:sp>
+    </p:spTree>
+    <p:extLst>
+      <p:ext uri="{BB962C8B-B14F-4D97-AF65-F5344CB8AC3E}">
+        <p14:creationId xmlns:p14="http://schemas.microsoft.com/office/powerpoint/2010/main" val="3607304415"/>
+      </p:ext>
+    </p:extLst>
+  </p:cSld>
+  <p:clrMapOvr>
+    <a:masterClrMapping/>
+  </p:clrMapOvr>
+</p:sld>
+</file>
+
+<file path=ppt/slides/slide24.xml><?xml version="1.0" encoding="utf-8"?>
+<p:sld xmlns:a="http://schemas.openxmlformats.org/drawingml/2006/main" xmlns:r="http://schemas.openxmlformats.org/officeDocument/2006/relationships" xmlns:p="http://schemas.openxmlformats.org/presentationml/2006/main">
+  <p:cSld>
+    <p:spTree>
+      <p:nvGrpSpPr>
+        <p:cNvPr id="1" name=""/>
+        <p:cNvGrpSpPr/>
+        <p:nvPr/>
+      </p:nvGrpSpPr>
+      <p:grpSpPr>
+        <a:xfrm>
+          <a:off x="0" y="0"/>
+          <a:ext cx="0" cy="0"/>
+          <a:chOff x="0" y="0"/>
+          <a:chExt cx="0" cy="0"/>
+        </a:xfrm>
+      </p:grpSpPr>
+      <p:sp>
+        <p:nvSpPr>
+          <p:cNvPr id="2" name="標題 1"/>
+          <p:cNvSpPr>
+            <a:spLocks noGrp="1"/>
+          </p:cNvSpPr>
+          <p:nvPr>
+            <p:ph type="ctrTitle"/>
+          </p:nvPr>
+        </p:nvSpPr>
+        <p:spPr>
+          <a:xfrm>
+            <a:off x="0" y="1"/>
+            <a:ext cx="9144000" cy="764704"/>
+          </a:xfrm>
+          <a:gradFill flip="none" rotWithShape="1">
+            <a:gsLst>
+              <a:gs pos="0">
+                <a:srgbClr val="C00000">
+                  <a:shade val="30000"/>
+                  <a:satMod val="115000"/>
+                </a:srgbClr>
+              </a:gs>
+              <a:gs pos="50000">
+                <a:srgbClr val="C00000">
+                  <a:shade val="67500"/>
+                  <a:satMod val="115000"/>
+                </a:srgbClr>
+              </a:gs>
+              <a:gs pos="100000">
+                <a:srgbClr val="C00000">
+                  <a:shade val="100000"/>
+                  <a:satMod val="115000"/>
+                </a:srgbClr>
+              </a:gs>
+            </a:gsLst>
+            <a:path path="circle">
+              <a:fillToRect t="100000" r="100000"/>
+            </a:path>
+            <a:tileRect l="-100000" b="-100000"/>
+          </a:gradFill>
+        </p:spPr>
+        <p:txBody>
+          <a:bodyPr>
+            <a:normAutofit/>
+          </a:bodyPr>
+          <a:lstStyle/>
+          <a:p>
+            <a:pPr algn="l"/>
+            <a:r>
+              <a:rPr lang="en-US" altLang="zh-TW" b="1" dirty="0">
+                <a:solidFill>
+                  <a:srgbClr val="FFFF00"/>
+                </a:solidFill>
+              </a:rPr>
+              <a:t>6.4 Command Line Check in</a:t>
+            </a:r>
+            <a:endParaRPr lang="zh-TW" altLang="en-US" b="1" dirty="0">
+              <a:solidFill>
+                <a:srgbClr val="FFFF00"/>
+              </a:solidFill>
+            </a:endParaRPr>
+          </a:p>
+        </p:txBody>
+      </p:sp>
+      <p:sp>
+        <p:nvSpPr>
+          <p:cNvPr id="3" name="副標題 2"/>
+          <p:cNvSpPr>
+            <a:spLocks noGrp="1"/>
+          </p:cNvSpPr>
+          <p:nvPr>
+            <p:ph type="subTitle" idx="1"/>
+          </p:nvPr>
+        </p:nvSpPr>
+        <p:spPr>
+          <a:xfrm>
+            <a:off x="539552" y="1340768"/>
+            <a:ext cx="8064896" cy="398616"/>
+          </a:xfrm>
+          <a:ln>
+            <a:solidFill>
+              <a:srgbClr val="C00000"/>
+            </a:solidFill>
+          </a:ln>
+        </p:spPr>
+        <p:txBody>
+          <a:bodyPr>
+            <a:noAutofit/>
+          </a:bodyPr>
+          <a:lstStyle/>
+          <a:p>
+            <a:pPr marL="342900" indent="-342900" algn="l">
+              <a:buClr>
+                <a:srgbClr val="0070C0"/>
+              </a:buClr>
+              <a:buSzPct val="80000"/>
+              <a:buFont typeface="Wingdings" pitchFamily="2" charset="2"/>
+              <a:buChar char="u"/>
+            </a:pPr>
+            <a:r>
+              <a:rPr lang="en-US" altLang="zh-TW" sz="1800" dirty="0">
+                <a:solidFill>
+                  <a:schemeClr val="tx1"/>
+                </a:solidFill>
+              </a:rPr>
+              <a:t>Check the GitHub Project Folder.</a:t>
+            </a:r>
+          </a:p>
+        </p:txBody>
+      </p:sp>
+      <p:sp>
+        <p:nvSpPr>
+          <p:cNvPr id="4" name="標題 1"/>
+          <p:cNvSpPr txBox="1">
+            <a:spLocks/>
+          </p:cNvSpPr>
+          <p:nvPr/>
+        </p:nvSpPr>
+        <p:spPr>
+          <a:xfrm>
+            <a:off x="0" y="764704"/>
+            <a:ext cx="9144000" cy="398616"/>
+          </a:xfrm>
+          <a:prstGeom prst="rect">
+            <a:avLst/>
+          </a:prstGeom>
+          <a:gradFill flip="none" rotWithShape="1">
+            <a:gsLst>
+              <a:gs pos="0">
+                <a:srgbClr val="00B0F0">
+                  <a:shade val="30000"/>
+                  <a:satMod val="115000"/>
+                </a:srgbClr>
+              </a:gs>
+              <a:gs pos="50000">
+                <a:srgbClr val="00B0F0">
+                  <a:shade val="67500"/>
+                  <a:satMod val="115000"/>
+                </a:srgbClr>
+              </a:gs>
+              <a:gs pos="100000">
+                <a:srgbClr val="00B0F0">
+                  <a:shade val="100000"/>
+                  <a:satMod val="115000"/>
+                </a:srgbClr>
+              </a:gs>
+            </a:gsLst>
+            <a:path path="circle">
+              <a:fillToRect t="100000" r="100000"/>
+            </a:path>
+            <a:tileRect l="-100000" b="-100000"/>
+          </a:gradFill>
+        </p:spPr>
+        <p:txBody>
+          <a:bodyPr vert="horz" lIns="91440" tIns="45720" rIns="91440" bIns="45720" rtlCol="0" anchor="ctr">
+            <a:normAutofit/>
+          </a:bodyPr>
+          <a:lstStyle/>
+          <a:p>
+            <a:pPr lvl="0">
+              <a:spcBef>
+                <a:spcPct val="0"/>
+              </a:spcBef>
+            </a:pPr>
+            <a:r>
+              <a:rPr lang="en-US" sz="1600" dirty="0">
+                <a:hlinkClick r:id="rId2"/>
+              </a:rPr>
+              <a:t>https://www.youtube.com/watch?v=Huwf0TgWrOw&amp;list=PLsyeobzWxl7q2eaUkorLZExfd7qko9sZC&amp;index=7</a:t>
+            </a:r>
+            <a:endParaRPr kumimoji="0" lang="zh-TW" altLang="en-US" sz="1600" b="0" i="0" u="none" strike="noStrike" kern="1200" cap="none" spc="0" normalizeH="0" baseline="0" noProof="0" dirty="0">
+              <a:ln>
+                <a:noFill/>
+              </a:ln>
+              <a:solidFill>
+                <a:schemeClr val="tx1"/>
+              </a:solidFill>
+              <a:effectLst/>
+              <a:uLnTx/>
+              <a:uFillTx/>
+              <a:latin typeface="+mj-lt"/>
+              <a:ea typeface="+mj-ea"/>
+              <a:cs typeface="+mj-cs"/>
+            </a:endParaRPr>
+          </a:p>
+        </p:txBody>
+      </p:sp>
+      <p:sp>
+        <p:nvSpPr>
+          <p:cNvPr id="5" name="日期版面配置區 4"/>
+          <p:cNvSpPr>
+            <a:spLocks noGrp="1"/>
+          </p:cNvSpPr>
+          <p:nvPr>
+            <p:ph type="dt" sz="half" idx="10"/>
+          </p:nvPr>
+        </p:nvSpPr>
+        <p:spPr>
+          <a:xfrm>
+            <a:off x="457200" y="6356350"/>
+            <a:ext cx="2133600" cy="404246"/>
+          </a:xfrm>
+        </p:spPr>
+        <p:txBody>
+          <a:bodyPr/>
+          <a:lstStyle/>
+          <a:p>
+            <a:fld id="{A4F910E6-8D00-4BAF-8C48-9688E0B449D3}" type="datetime1">
+              <a:rPr lang="zh-TW" altLang="en-US" smtClean="0"/>
+              <a:pPr/>
+              <a:t>2019/5/12</a:t>
+            </a:fld>
+            <a:endParaRPr lang="zh-TW" altLang="en-US"/>
+          </a:p>
+        </p:txBody>
+      </p:sp>
+      <p:sp>
+        <p:nvSpPr>
+          <p:cNvPr id="6" name="投影片編號版面配置區 5"/>
+          <p:cNvSpPr>
+            <a:spLocks noGrp="1"/>
+          </p:cNvSpPr>
+          <p:nvPr>
+            <p:ph type="sldNum" sz="quarter" idx="12"/>
+          </p:nvPr>
+        </p:nvSpPr>
+        <p:spPr>
+          <a:xfrm>
+            <a:off x="6485413" y="6340007"/>
+            <a:ext cx="2133600" cy="404246"/>
+          </a:xfrm>
+        </p:spPr>
+        <p:txBody>
+          <a:bodyPr/>
+          <a:lstStyle/>
+          <a:p>
+            <a:fld id="{E4D7E63D-91F2-4366-A2C4-1B00C9E2590E}" type="slidenum">
+              <a:rPr lang="zh-TW" altLang="en-US" smtClean="0"/>
+              <a:pPr/>
+              <a:t>24</a:t>
+            </a:fld>
+            <a:endParaRPr lang="zh-TW" altLang="en-US"/>
+          </a:p>
+        </p:txBody>
+      </p:sp>
+      <p:pic>
+        <p:nvPicPr>
+          <p:cNvPr id="8" name="Picture 7">
+            <a:extLst>
+              <a:ext uri="{FF2B5EF4-FFF2-40B4-BE49-F238E27FC236}">
+                <a16:creationId xmlns:a16="http://schemas.microsoft.com/office/drawing/2014/main" id="{93DD0046-F815-45D6-9E7A-C746F6FE6348}"/>
               </a:ext>
             </a:extLst>
           </p:cNvPr>
@@ -6821,8 +9460,8 @@
         </p:blipFill>
         <p:spPr>
           <a:xfrm>
-            <a:off x="1331640" y="2509737"/>
-            <a:ext cx="6029325" cy="3581400"/>
+            <a:off x="1547664" y="2040386"/>
+            <a:ext cx="6156176" cy="4017981"/>
           </a:xfrm>
           <a:prstGeom prst="rect">
             <a:avLst/>
@@ -6835,6 +9474,2236 @@
         </p:spPr>
       </p:pic>
     </p:spTree>
+    <p:extLst>
+      <p:ext uri="{BB962C8B-B14F-4D97-AF65-F5344CB8AC3E}">
+        <p14:creationId xmlns:p14="http://schemas.microsoft.com/office/powerpoint/2010/main" val="3924276298"/>
+      </p:ext>
+    </p:extLst>
+  </p:cSld>
+  <p:clrMapOvr>
+    <a:masterClrMapping/>
+  </p:clrMapOvr>
+</p:sld>
+</file>
+
+<file path=ppt/slides/slide25.xml><?xml version="1.0" encoding="utf-8"?>
+<p:sld xmlns:a="http://schemas.openxmlformats.org/drawingml/2006/main" xmlns:r="http://schemas.openxmlformats.org/officeDocument/2006/relationships" xmlns:p="http://schemas.openxmlformats.org/presentationml/2006/main">
+  <p:cSld>
+    <p:spTree>
+      <p:nvGrpSpPr>
+        <p:cNvPr id="1" name=""/>
+        <p:cNvGrpSpPr/>
+        <p:nvPr/>
+      </p:nvGrpSpPr>
+      <p:grpSpPr>
+        <a:xfrm>
+          <a:off x="0" y="0"/>
+          <a:ext cx="0" cy="0"/>
+          <a:chOff x="0" y="0"/>
+          <a:chExt cx="0" cy="0"/>
+        </a:xfrm>
+      </p:grpSpPr>
+      <p:sp>
+        <p:nvSpPr>
+          <p:cNvPr id="2" name="標題 1"/>
+          <p:cNvSpPr>
+            <a:spLocks noGrp="1"/>
+          </p:cNvSpPr>
+          <p:nvPr>
+            <p:ph type="ctrTitle"/>
+          </p:nvPr>
+        </p:nvSpPr>
+        <p:spPr>
+          <a:xfrm>
+            <a:off x="-14908" y="2132856"/>
+            <a:ext cx="9144000" cy="1470025"/>
+          </a:xfrm>
+          <a:solidFill>
+            <a:srgbClr val="00B0F0"/>
+          </a:solidFill>
+        </p:spPr>
+        <p:txBody>
+          <a:bodyPr>
+            <a:normAutofit/>
+          </a:bodyPr>
+          <a:lstStyle/>
+          <a:p>
+            <a:r>
+              <a:rPr lang="en-US" altLang="zh-TW" sz="4800" b="1" dirty="0">
+                <a:solidFill>
+                  <a:srgbClr val="FFFF00"/>
+                </a:solidFill>
+              </a:rPr>
+              <a:t>6.5 Got email from GitHub Team</a:t>
+            </a:r>
+            <a:endParaRPr lang="zh-TW" altLang="en-US" sz="4800" b="1" dirty="0">
+              <a:solidFill>
+                <a:srgbClr val="FFFF00"/>
+              </a:solidFill>
+            </a:endParaRPr>
+          </a:p>
+        </p:txBody>
+      </p:sp>
+      <p:sp>
+        <p:nvSpPr>
+          <p:cNvPr id="5" name="日期版面配置區 4"/>
+          <p:cNvSpPr>
+            <a:spLocks noGrp="1"/>
+          </p:cNvSpPr>
+          <p:nvPr>
+            <p:ph type="dt" sz="half" idx="10"/>
+          </p:nvPr>
+        </p:nvSpPr>
+        <p:spPr/>
+        <p:txBody>
+          <a:bodyPr/>
+          <a:lstStyle/>
+          <a:p>
+            <a:fld id="{C389EDC9-19E3-47AC-9C57-C6A24DEA81AD}" type="datetime1">
+              <a:rPr lang="zh-TW" altLang="en-US" smtClean="0"/>
+              <a:pPr/>
+              <a:t>2019/5/12</a:t>
+            </a:fld>
+            <a:endParaRPr lang="zh-TW" altLang="en-US"/>
+          </a:p>
+        </p:txBody>
+      </p:sp>
+      <p:sp>
+        <p:nvSpPr>
+          <p:cNvPr id="6" name="投影片編號版面配置區 5"/>
+          <p:cNvSpPr>
+            <a:spLocks noGrp="1"/>
+          </p:cNvSpPr>
+          <p:nvPr>
+            <p:ph type="sldNum" sz="quarter" idx="12"/>
+          </p:nvPr>
+        </p:nvSpPr>
+        <p:spPr/>
+        <p:txBody>
+          <a:bodyPr/>
+          <a:lstStyle/>
+          <a:p>
+            <a:fld id="{E4D7E63D-91F2-4366-A2C4-1B00C9E2590E}" type="slidenum">
+              <a:rPr lang="zh-TW" altLang="en-US" smtClean="0"/>
+              <a:pPr/>
+              <a:t>25</a:t>
+            </a:fld>
+            <a:endParaRPr lang="zh-TW" altLang="en-US"/>
+          </a:p>
+        </p:txBody>
+      </p:sp>
+      <p:pic>
+        <p:nvPicPr>
+          <p:cNvPr id="7" name="Picture 6">
+            <a:extLst>
+              <a:ext uri="{FF2B5EF4-FFF2-40B4-BE49-F238E27FC236}">
+                <a16:creationId xmlns:a16="http://schemas.microsoft.com/office/drawing/2014/main" id="{13E1E6C3-8D61-43FD-9739-EC3CD35FD08C}"/>
+              </a:ext>
+            </a:extLst>
+          </p:cNvPr>
+          <p:cNvPicPr>
+            <a:picLocks noChangeAspect="1"/>
+          </p:cNvPicPr>
+          <p:nvPr/>
+        </p:nvPicPr>
+        <p:blipFill>
+          <a:blip r:embed="rId2"/>
+          <a:stretch>
+            <a:fillRect/>
+          </a:stretch>
+        </p:blipFill>
+        <p:spPr>
+          <a:xfrm>
+            <a:off x="4042507" y="3668596"/>
+            <a:ext cx="1058986" cy="957275"/>
+          </a:xfrm>
+          <a:prstGeom prst="rect">
+            <a:avLst/>
+          </a:prstGeom>
+        </p:spPr>
+      </p:pic>
+    </p:spTree>
+    <p:extLst>
+      <p:ext uri="{BB962C8B-B14F-4D97-AF65-F5344CB8AC3E}">
+        <p14:creationId xmlns:p14="http://schemas.microsoft.com/office/powerpoint/2010/main" val="519983445"/>
+      </p:ext>
+    </p:extLst>
+  </p:cSld>
+  <p:clrMapOvr>
+    <a:masterClrMapping/>
+  </p:clrMapOvr>
+</p:sld>
+</file>
+
+<file path=ppt/slides/slide26.xml><?xml version="1.0" encoding="utf-8"?>
+<p:sld xmlns:a="http://schemas.openxmlformats.org/drawingml/2006/main" xmlns:r="http://schemas.openxmlformats.org/officeDocument/2006/relationships" xmlns:p="http://schemas.openxmlformats.org/presentationml/2006/main">
+  <p:cSld>
+    <p:spTree>
+      <p:nvGrpSpPr>
+        <p:cNvPr id="1" name=""/>
+        <p:cNvGrpSpPr/>
+        <p:nvPr/>
+      </p:nvGrpSpPr>
+      <p:grpSpPr>
+        <a:xfrm>
+          <a:off x="0" y="0"/>
+          <a:ext cx="0" cy="0"/>
+          <a:chOff x="0" y="0"/>
+          <a:chExt cx="0" cy="0"/>
+        </a:xfrm>
+      </p:grpSpPr>
+      <p:pic>
+        <p:nvPicPr>
+          <p:cNvPr id="7" name="Picture 6">
+            <a:extLst>
+              <a:ext uri="{FF2B5EF4-FFF2-40B4-BE49-F238E27FC236}">
+                <a16:creationId xmlns:a16="http://schemas.microsoft.com/office/drawing/2014/main" id="{620D7898-B6B4-4E05-A231-53CEDC49E26D}"/>
+              </a:ext>
+            </a:extLst>
+          </p:cNvPr>
+          <p:cNvPicPr>
+            <a:picLocks noChangeAspect="1"/>
+          </p:cNvPicPr>
+          <p:nvPr/>
+        </p:nvPicPr>
+        <p:blipFill>
+          <a:blip r:embed="rId2"/>
+          <a:stretch>
+            <a:fillRect/>
+          </a:stretch>
+        </p:blipFill>
+        <p:spPr>
+          <a:xfrm>
+            <a:off x="1493912" y="2241820"/>
+            <a:ext cx="6156176" cy="2874052"/>
+          </a:xfrm>
+          <a:prstGeom prst="rect">
+            <a:avLst/>
+          </a:prstGeom>
+          <a:ln>
+            <a:solidFill>
+              <a:srgbClr val="C00000"/>
+            </a:solidFill>
+          </a:ln>
+        </p:spPr>
+      </p:pic>
+      <p:sp>
+        <p:nvSpPr>
+          <p:cNvPr id="2" name="標題 1"/>
+          <p:cNvSpPr>
+            <a:spLocks noGrp="1"/>
+          </p:cNvSpPr>
+          <p:nvPr>
+            <p:ph type="ctrTitle"/>
+          </p:nvPr>
+        </p:nvSpPr>
+        <p:spPr>
+          <a:xfrm>
+            <a:off x="0" y="1"/>
+            <a:ext cx="9144000" cy="764704"/>
+          </a:xfrm>
+          <a:gradFill flip="none" rotWithShape="1">
+            <a:gsLst>
+              <a:gs pos="0">
+                <a:srgbClr val="C00000">
+                  <a:shade val="30000"/>
+                  <a:satMod val="115000"/>
+                </a:srgbClr>
+              </a:gs>
+              <a:gs pos="50000">
+                <a:srgbClr val="C00000">
+                  <a:shade val="67500"/>
+                  <a:satMod val="115000"/>
+                </a:srgbClr>
+              </a:gs>
+              <a:gs pos="100000">
+                <a:srgbClr val="C00000">
+                  <a:shade val="100000"/>
+                  <a:satMod val="115000"/>
+                </a:srgbClr>
+              </a:gs>
+            </a:gsLst>
+            <a:path path="circle">
+              <a:fillToRect t="100000" r="100000"/>
+            </a:path>
+            <a:tileRect l="-100000" b="-100000"/>
+          </a:gradFill>
+        </p:spPr>
+        <p:txBody>
+          <a:bodyPr>
+            <a:normAutofit/>
+          </a:bodyPr>
+          <a:lstStyle/>
+          <a:p>
+            <a:pPr algn="l"/>
+            <a:r>
+              <a:rPr lang="en-US" altLang="zh-TW" b="1" dirty="0">
+                <a:solidFill>
+                  <a:srgbClr val="FFFF00"/>
+                </a:solidFill>
+              </a:rPr>
+              <a:t>6.5 Got Email from GitHub Team</a:t>
+            </a:r>
+            <a:endParaRPr lang="zh-TW" altLang="en-US" b="1" dirty="0">
+              <a:solidFill>
+                <a:srgbClr val="FFFF00"/>
+              </a:solidFill>
+            </a:endParaRPr>
+          </a:p>
+        </p:txBody>
+      </p:sp>
+      <p:sp>
+        <p:nvSpPr>
+          <p:cNvPr id="3" name="副標題 2"/>
+          <p:cNvSpPr>
+            <a:spLocks noGrp="1"/>
+          </p:cNvSpPr>
+          <p:nvPr>
+            <p:ph type="subTitle" idx="1"/>
+          </p:nvPr>
+        </p:nvSpPr>
+        <p:spPr>
+          <a:xfrm>
+            <a:off x="539552" y="1340767"/>
+            <a:ext cx="8064896" cy="648073"/>
+          </a:xfrm>
+          <a:ln>
+            <a:solidFill>
+              <a:srgbClr val="C00000"/>
+            </a:solidFill>
+          </a:ln>
+        </p:spPr>
+        <p:txBody>
+          <a:bodyPr>
+            <a:noAutofit/>
+          </a:bodyPr>
+          <a:lstStyle/>
+          <a:p>
+            <a:pPr marL="342900" indent="-342900" algn="l">
+              <a:buClr>
+                <a:srgbClr val="0070C0"/>
+              </a:buClr>
+              <a:buSzPct val="80000"/>
+              <a:buFont typeface="Wingdings" pitchFamily="2" charset="2"/>
+              <a:buChar char="u"/>
+            </a:pPr>
+            <a:r>
+              <a:rPr lang="en-US" altLang="zh-TW" sz="1800" dirty="0">
+                <a:solidFill>
+                  <a:schemeClr val="tx1"/>
+                </a:solidFill>
+              </a:rPr>
+              <a:t>When you download or upload files by Eclipse, you will get an email from GitHub Team shows that you have token and can share the files to </a:t>
+            </a:r>
+            <a:r>
+              <a:rPr lang="en-US" altLang="zh-TW" sz="1800" dirty="0" err="1">
+                <a:solidFill>
+                  <a:schemeClr val="tx1"/>
+                </a:solidFill>
+              </a:rPr>
+              <a:t>GitGub</a:t>
+            </a:r>
+            <a:r>
+              <a:rPr lang="en-US" altLang="zh-TW" sz="1800" dirty="0">
+                <a:solidFill>
+                  <a:schemeClr val="tx1"/>
+                </a:solidFill>
+              </a:rPr>
+              <a:t>.</a:t>
+            </a:r>
+          </a:p>
+        </p:txBody>
+      </p:sp>
+      <p:sp>
+        <p:nvSpPr>
+          <p:cNvPr id="4" name="標題 1"/>
+          <p:cNvSpPr txBox="1">
+            <a:spLocks/>
+          </p:cNvSpPr>
+          <p:nvPr/>
+        </p:nvSpPr>
+        <p:spPr>
+          <a:xfrm>
+            <a:off x="0" y="764704"/>
+            <a:ext cx="9144000" cy="398616"/>
+          </a:xfrm>
+          <a:prstGeom prst="rect">
+            <a:avLst/>
+          </a:prstGeom>
+          <a:gradFill flip="none" rotWithShape="1">
+            <a:gsLst>
+              <a:gs pos="0">
+                <a:srgbClr val="00B0F0">
+                  <a:shade val="30000"/>
+                  <a:satMod val="115000"/>
+                </a:srgbClr>
+              </a:gs>
+              <a:gs pos="50000">
+                <a:srgbClr val="00B0F0">
+                  <a:shade val="67500"/>
+                  <a:satMod val="115000"/>
+                </a:srgbClr>
+              </a:gs>
+              <a:gs pos="100000">
+                <a:srgbClr val="00B0F0">
+                  <a:shade val="100000"/>
+                  <a:satMod val="115000"/>
+                </a:srgbClr>
+              </a:gs>
+            </a:gsLst>
+            <a:path path="circle">
+              <a:fillToRect t="100000" r="100000"/>
+            </a:path>
+            <a:tileRect l="-100000" b="-100000"/>
+          </a:gradFill>
+        </p:spPr>
+        <p:txBody>
+          <a:bodyPr vert="horz" lIns="91440" tIns="45720" rIns="91440" bIns="45720" rtlCol="0" anchor="ctr">
+            <a:normAutofit/>
+          </a:bodyPr>
+          <a:lstStyle/>
+          <a:p>
+            <a:pPr lvl="0">
+              <a:spcBef>
+                <a:spcPct val="0"/>
+              </a:spcBef>
+            </a:pPr>
+            <a:r>
+              <a:rPr lang="en-US" sz="1600" dirty="0">
+                <a:hlinkClick r:id="rId3"/>
+              </a:rPr>
+              <a:t>https://www.youtube.com/watch?v=Huwf0TgWrOw&amp;list=PLsyeobzWxl7q2eaUkorLZExfd7qko9sZC&amp;index=7</a:t>
+            </a:r>
+            <a:endParaRPr kumimoji="0" lang="zh-TW" altLang="en-US" sz="1600" b="0" i="0" u="none" strike="noStrike" kern="1200" cap="none" spc="0" normalizeH="0" baseline="0" noProof="0" dirty="0">
+              <a:ln>
+                <a:noFill/>
+              </a:ln>
+              <a:solidFill>
+                <a:schemeClr val="tx1"/>
+              </a:solidFill>
+              <a:effectLst/>
+              <a:uLnTx/>
+              <a:uFillTx/>
+              <a:latin typeface="+mj-lt"/>
+              <a:ea typeface="+mj-ea"/>
+              <a:cs typeface="+mj-cs"/>
+            </a:endParaRPr>
+          </a:p>
+        </p:txBody>
+      </p:sp>
+      <p:sp>
+        <p:nvSpPr>
+          <p:cNvPr id="5" name="日期版面配置區 4"/>
+          <p:cNvSpPr>
+            <a:spLocks noGrp="1"/>
+          </p:cNvSpPr>
+          <p:nvPr>
+            <p:ph type="dt" sz="half" idx="10"/>
+          </p:nvPr>
+        </p:nvSpPr>
+        <p:spPr>
+          <a:xfrm>
+            <a:off x="457200" y="6356350"/>
+            <a:ext cx="2133600" cy="404246"/>
+          </a:xfrm>
+        </p:spPr>
+        <p:txBody>
+          <a:bodyPr/>
+          <a:lstStyle/>
+          <a:p>
+            <a:fld id="{A4F910E6-8D00-4BAF-8C48-9688E0B449D3}" type="datetime1">
+              <a:rPr lang="zh-TW" altLang="en-US" smtClean="0"/>
+              <a:pPr/>
+              <a:t>2019/5/12</a:t>
+            </a:fld>
+            <a:endParaRPr lang="zh-TW" altLang="en-US"/>
+          </a:p>
+        </p:txBody>
+      </p:sp>
+      <p:sp>
+        <p:nvSpPr>
+          <p:cNvPr id="6" name="投影片編號版面配置區 5"/>
+          <p:cNvSpPr>
+            <a:spLocks noGrp="1"/>
+          </p:cNvSpPr>
+          <p:nvPr>
+            <p:ph type="sldNum" sz="quarter" idx="12"/>
+          </p:nvPr>
+        </p:nvSpPr>
+        <p:spPr>
+          <a:xfrm>
+            <a:off x="6485413" y="6340007"/>
+            <a:ext cx="2133600" cy="404246"/>
+          </a:xfrm>
+        </p:spPr>
+        <p:txBody>
+          <a:bodyPr/>
+          <a:lstStyle/>
+          <a:p>
+            <a:fld id="{E4D7E63D-91F2-4366-A2C4-1B00C9E2590E}" type="slidenum">
+              <a:rPr lang="zh-TW" altLang="en-US" smtClean="0"/>
+              <a:pPr/>
+              <a:t>26</a:t>
+            </a:fld>
+            <a:endParaRPr lang="zh-TW" altLang="en-US"/>
+          </a:p>
+        </p:txBody>
+      </p:sp>
+    </p:spTree>
+    <p:extLst>
+      <p:ext uri="{BB962C8B-B14F-4D97-AF65-F5344CB8AC3E}">
+        <p14:creationId xmlns:p14="http://schemas.microsoft.com/office/powerpoint/2010/main" val="206823559"/>
+      </p:ext>
+    </p:extLst>
+  </p:cSld>
+  <p:clrMapOvr>
+    <a:masterClrMapping/>
+  </p:clrMapOvr>
+</p:sld>
+</file>
+
+<file path=ppt/slides/slide27.xml><?xml version="1.0" encoding="utf-8"?>
+<p:sld xmlns:a="http://schemas.openxmlformats.org/drawingml/2006/main" xmlns:r="http://schemas.openxmlformats.org/officeDocument/2006/relationships" xmlns:p="http://schemas.openxmlformats.org/presentationml/2006/main">
+  <p:cSld>
+    <p:spTree>
+      <p:nvGrpSpPr>
+        <p:cNvPr id="1" name=""/>
+        <p:cNvGrpSpPr/>
+        <p:nvPr/>
+      </p:nvGrpSpPr>
+      <p:grpSpPr>
+        <a:xfrm>
+          <a:off x="0" y="0"/>
+          <a:ext cx="0" cy="0"/>
+          <a:chOff x="0" y="0"/>
+          <a:chExt cx="0" cy="0"/>
+        </a:xfrm>
+      </p:grpSpPr>
+      <p:sp>
+        <p:nvSpPr>
+          <p:cNvPr id="2" name="標題 1"/>
+          <p:cNvSpPr>
+            <a:spLocks noGrp="1"/>
+          </p:cNvSpPr>
+          <p:nvPr>
+            <p:ph type="ctrTitle"/>
+          </p:nvPr>
+        </p:nvSpPr>
+        <p:spPr>
+          <a:xfrm>
+            <a:off x="-14908" y="2132856"/>
+            <a:ext cx="9144000" cy="1470025"/>
+          </a:xfrm>
+          <a:solidFill>
+            <a:srgbClr val="00B0F0"/>
+          </a:solidFill>
+        </p:spPr>
+        <p:txBody>
+          <a:bodyPr>
+            <a:normAutofit/>
+          </a:bodyPr>
+          <a:lstStyle/>
+          <a:p>
+            <a:r>
+              <a:rPr lang="en-US" altLang="zh-TW" sz="4800" b="1" dirty="0">
+                <a:solidFill>
+                  <a:srgbClr val="FFFF00"/>
+                </a:solidFill>
+              </a:rPr>
+              <a:t>6.5 Use Eclipse and </a:t>
+            </a:r>
+            <a:r>
+              <a:rPr lang="en-US" altLang="zh-TW" sz="4800" b="1" dirty="0" err="1">
+                <a:solidFill>
+                  <a:srgbClr val="FFFF00"/>
+                </a:solidFill>
+              </a:rPr>
+              <a:t>EGit</a:t>
+            </a:r>
+            <a:endParaRPr lang="zh-TW" altLang="en-US" sz="4800" b="1" dirty="0">
+              <a:solidFill>
+                <a:srgbClr val="FFFF00"/>
+              </a:solidFill>
+            </a:endParaRPr>
+          </a:p>
+        </p:txBody>
+      </p:sp>
+      <p:sp>
+        <p:nvSpPr>
+          <p:cNvPr id="5" name="日期版面配置區 4"/>
+          <p:cNvSpPr>
+            <a:spLocks noGrp="1"/>
+          </p:cNvSpPr>
+          <p:nvPr>
+            <p:ph type="dt" sz="half" idx="10"/>
+          </p:nvPr>
+        </p:nvSpPr>
+        <p:spPr/>
+        <p:txBody>
+          <a:bodyPr/>
+          <a:lstStyle/>
+          <a:p>
+            <a:fld id="{C389EDC9-19E3-47AC-9C57-C6A24DEA81AD}" type="datetime1">
+              <a:rPr lang="zh-TW" altLang="en-US" smtClean="0"/>
+              <a:pPr/>
+              <a:t>2019/5/12</a:t>
+            </a:fld>
+            <a:endParaRPr lang="zh-TW" altLang="en-US"/>
+          </a:p>
+        </p:txBody>
+      </p:sp>
+      <p:sp>
+        <p:nvSpPr>
+          <p:cNvPr id="6" name="投影片編號版面配置區 5"/>
+          <p:cNvSpPr>
+            <a:spLocks noGrp="1"/>
+          </p:cNvSpPr>
+          <p:nvPr>
+            <p:ph type="sldNum" sz="quarter" idx="12"/>
+          </p:nvPr>
+        </p:nvSpPr>
+        <p:spPr/>
+        <p:txBody>
+          <a:bodyPr/>
+          <a:lstStyle/>
+          <a:p>
+            <a:fld id="{E4D7E63D-91F2-4366-A2C4-1B00C9E2590E}" type="slidenum">
+              <a:rPr lang="zh-TW" altLang="en-US" smtClean="0"/>
+              <a:pPr/>
+              <a:t>27</a:t>
+            </a:fld>
+            <a:endParaRPr lang="zh-TW" altLang="en-US"/>
+          </a:p>
+        </p:txBody>
+      </p:sp>
+      <p:pic>
+        <p:nvPicPr>
+          <p:cNvPr id="7" name="Picture 6">
+            <a:extLst>
+              <a:ext uri="{FF2B5EF4-FFF2-40B4-BE49-F238E27FC236}">
+                <a16:creationId xmlns:a16="http://schemas.microsoft.com/office/drawing/2014/main" id="{13E1E6C3-8D61-43FD-9739-EC3CD35FD08C}"/>
+              </a:ext>
+            </a:extLst>
+          </p:cNvPr>
+          <p:cNvPicPr>
+            <a:picLocks noChangeAspect="1"/>
+          </p:cNvPicPr>
+          <p:nvPr/>
+        </p:nvPicPr>
+        <p:blipFill>
+          <a:blip r:embed="rId2"/>
+          <a:stretch>
+            <a:fillRect/>
+          </a:stretch>
+        </p:blipFill>
+        <p:spPr>
+          <a:xfrm>
+            <a:off x="4042507" y="3668596"/>
+            <a:ext cx="1058986" cy="957275"/>
+          </a:xfrm>
+          <a:prstGeom prst="rect">
+            <a:avLst/>
+          </a:prstGeom>
+        </p:spPr>
+      </p:pic>
+    </p:spTree>
+    <p:extLst>
+      <p:ext uri="{BB962C8B-B14F-4D97-AF65-F5344CB8AC3E}">
+        <p14:creationId xmlns:p14="http://schemas.microsoft.com/office/powerpoint/2010/main" val="3230322370"/>
+      </p:ext>
+    </p:extLst>
+  </p:cSld>
+  <p:clrMapOvr>
+    <a:masterClrMapping/>
+  </p:clrMapOvr>
+</p:sld>
+</file>
+
+<file path=ppt/slides/slide28.xml><?xml version="1.0" encoding="utf-8"?>
+<p:sld xmlns:a="http://schemas.openxmlformats.org/drawingml/2006/main" xmlns:r="http://schemas.openxmlformats.org/officeDocument/2006/relationships" xmlns:p="http://schemas.openxmlformats.org/presentationml/2006/main">
+  <p:cSld>
+    <p:spTree>
+      <p:nvGrpSpPr>
+        <p:cNvPr id="1" name=""/>
+        <p:cNvGrpSpPr/>
+        <p:nvPr/>
+      </p:nvGrpSpPr>
+      <p:grpSpPr>
+        <a:xfrm>
+          <a:off x="0" y="0"/>
+          <a:ext cx="0" cy="0"/>
+          <a:chOff x="0" y="0"/>
+          <a:chExt cx="0" cy="0"/>
+        </a:xfrm>
+      </p:grpSpPr>
+      <p:sp>
+        <p:nvSpPr>
+          <p:cNvPr id="2" name="標題 1"/>
+          <p:cNvSpPr>
+            <a:spLocks noGrp="1"/>
+          </p:cNvSpPr>
+          <p:nvPr>
+            <p:ph type="ctrTitle"/>
+          </p:nvPr>
+        </p:nvSpPr>
+        <p:spPr>
+          <a:xfrm>
+            <a:off x="0" y="1"/>
+            <a:ext cx="9144000" cy="764704"/>
+          </a:xfrm>
+          <a:gradFill flip="none" rotWithShape="1">
+            <a:gsLst>
+              <a:gs pos="0">
+                <a:srgbClr val="C00000">
+                  <a:shade val="30000"/>
+                  <a:satMod val="115000"/>
+                </a:srgbClr>
+              </a:gs>
+              <a:gs pos="50000">
+                <a:srgbClr val="C00000">
+                  <a:shade val="67500"/>
+                  <a:satMod val="115000"/>
+                </a:srgbClr>
+              </a:gs>
+              <a:gs pos="100000">
+                <a:srgbClr val="C00000">
+                  <a:shade val="100000"/>
+                  <a:satMod val="115000"/>
+                </a:srgbClr>
+              </a:gs>
+            </a:gsLst>
+            <a:path path="circle">
+              <a:fillToRect t="100000" r="100000"/>
+            </a:path>
+            <a:tileRect l="-100000" b="-100000"/>
+          </a:gradFill>
+        </p:spPr>
+        <p:txBody>
+          <a:bodyPr>
+            <a:normAutofit/>
+          </a:bodyPr>
+          <a:lstStyle/>
+          <a:p>
+            <a:pPr algn="l"/>
+            <a:r>
+              <a:rPr lang="en-US" altLang="zh-TW" b="1" dirty="0">
+                <a:solidFill>
+                  <a:srgbClr val="FFFF00"/>
+                </a:solidFill>
+              </a:rPr>
+              <a:t>6.6 Use Eclipse and </a:t>
+            </a:r>
+            <a:r>
+              <a:rPr lang="en-US" altLang="zh-TW" b="1" dirty="0" err="1">
+                <a:solidFill>
+                  <a:srgbClr val="FFFF00"/>
+                </a:solidFill>
+              </a:rPr>
+              <a:t>EGit</a:t>
+            </a:r>
+            <a:endParaRPr lang="zh-TW" altLang="en-US" b="1" dirty="0">
+              <a:solidFill>
+                <a:srgbClr val="FFFF00"/>
+              </a:solidFill>
+            </a:endParaRPr>
+          </a:p>
+        </p:txBody>
+      </p:sp>
+      <p:sp>
+        <p:nvSpPr>
+          <p:cNvPr id="3" name="副標題 2"/>
+          <p:cNvSpPr>
+            <a:spLocks noGrp="1"/>
+          </p:cNvSpPr>
+          <p:nvPr>
+            <p:ph type="subTitle" idx="1"/>
+          </p:nvPr>
+        </p:nvSpPr>
+        <p:spPr>
+          <a:xfrm>
+            <a:off x="539552" y="1340767"/>
+            <a:ext cx="8064896" cy="1335323"/>
+          </a:xfrm>
+          <a:ln>
+            <a:solidFill>
+              <a:srgbClr val="C00000"/>
+            </a:solidFill>
+          </a:ln>
+        </p:spPr>
+        <p:txBody>
+          <a:bodyPr>
+            <a:noAutofit/>
+          </a:bodyPr>
+          <a:lstStyle/>
+          <a:p>
+            <a:pPr marL="342900" indent="-342900" algn="l">
+              <a:buClr>
+                <a:srgbClr val="0070C0"/>
+              </a:buClr>
+              <a:buSzPct val="80000"/>
+              <a:buFont typeface="Wingdings" pitchFamily="2" charset="2"/>
+              <a:buChar char="u"/>
+            </a:pPr>
+            <a:r>
+              <a:rPr lang="en-US" altLang="zh-TW" sz="1800" dirty="0">
+                <a:solidFill>
+                  <a:schemeClr val="tx1"/>
+                </a:solidFill>
+              </a:rPr>
+              <a:t>We can use the Eclipse and </a:t>
+            </a:r>
+            <a:r>
+              <a:rPr lang="en-US" altLang="zh-TW" sz="1800" dirty="0" err="1">
+                <a:solidFill>
+                  <a:schemeClr val="tx1"/>
+                </a:solidFill>
+              </a:rPr>
+              <a:t>EGit</a:t>
+            </a:r>
+            <a:r>
+              <a:rPr lang="en-US" altLang="zh-TW" sz="1800" dirty="0">
+                <a:solidFill>
+                  <a:schemeClr val="tx1"/>
+                </a:solidFill>
+              </a:rPr>
+              <a:t> to upload the project now.</a:t>
+            </a:r>
+          </a:p>
+          <a:p>
+            <a:pPr marL="342900" indent="-342900" algn="l">
+              <a:buClr>
+                <a:srgbClr val="0070C0"/>
+              </a:buClr>
+              <a:buSzPct val="80000"/>
+              <a:buFont typeface="+mj-lt"/>
+              <a:buAutoNum type="arabicPeriod"/>
+            </a:pPr>
+            <a:r>
+              <a:rPr lang="en-US" altLang="zh-TW" sz="1800" dirty="0">
+                <a:solidFill>
+                  <a:schemeClr val="tx1"/>
+                </a:solidFill>
+              </a:rPr>
+              <a:t>Make “Test 05” modification as below. </a:t>
+            </a:r>
+          </a:p>
+          <a:p>
+            <a:pPr marL="342900" indent="-342900" algn="l">
+              <a:buClr>
+                <a:srgbClr val="0070C0"/>
+              </a:buClr>
+              <a:buSzPct val="80000"/>
+              <a:buFont typeface="+mj-lt"/>
+              <a:buAutoNum type="arabicPeriod"/>
+            </a:pPr>
+            <a:r>
+              <a:rPr lang="en-US" altLang="zh-TW" sz="1800" dirty="0">
+                <a:solidFill>
+                  <a:schemeClr val="tx1"/>
+                </a:solidFill>
+              </a:rPr>
+              <a:t>Save File (</a:t>
+            </a:r>
+            <a:r>
+              <a:rPr lang="en-US" altLang="zh-TW" sz="1800" dirty="0" err="1">
+                <a:solidFill>
+                  <a:schemeClr val="tx1"/>
+                </a:solidFill>
+              </a:rPr>
+              <a:t>Control+s</a:t>
+            </a:r>
+            <a:r>
+              <a:rPr lang="en-US" altLang="zh-TW" sz="1800" dirty="0">
+                <a:solidFill>
+                  <a:schemeClr val="tx1"/>
+                </a:solidFill>
+              </a:rPr>
+              <a:t>). </a:t>
+            </a:r>
+          </a:p>
+          <a:p>
+            <a:pPr marL="342900" indent="-342900" algn="l">
+              <a:buClr>
+                <a:srgbClr val="0070C0"/>
+              </a:buClr>
+              <a:buSzPct val="80000"/>
+              <a:buFont typeface="+mj-lt"/>
+              <a:buAutoNum type="arabicPeriod"/>
+            </a:pPr>
+            <a:r>
+              <a:rPr lang="en-US" altLang="zh-TW" sz="1800" dirty="0">
+                <a:solidFill>
+                  <a:schemeClr val="tx1"/>
+                </a:solidFill>
+              </a:rPr>
+              <a:t>The </a:t>
+            </a:r>
+            <a:r>
+              <a:rPr lang="en-US" altLang="zh-TW" sz="1800" dirty="0" err="1">
+                <a:solidFill>
+                  <a:schemeClr val="tx1"/>
+                </a:solidFill>
+              </a:rPr>
+              <a:t>Unstaged</a:t>
+            </a:r>
+            <a:r>
+              <a:rPr lang="en-US" altLang="zh-TW" sz="1800" dirty="0">
+                <a:solidFill>
+                  <a:schemeClr val="tx1"/>
+                </a:solidFill>
+              </a:rPr>
+              <a:t> Change will display the modified file(s).</a:t>
+            </a:r>
+          </a:p>
+        </p:txBody>
+      </p:sp>
+      <p:sp>
+        <p:nvSpPr>
+          <p:cNvPr id="4" name="標題 1"/>
+          <p:cNvSpPr txBox="1">
+            <a:spLocks/>
+          </p:cNvSpPr>
+          <p:nvPr/>
+        </p:nvSpPr>
+        <p:spPr>
+          <a:xfrm>
+            <a:off x="0" y="764704"/>
+            <a:ext cx="9144000" cy="398616"/>
+          </a:xfrm>
+          <a:prstGeom prst="rect">
+            <a:avLst/>
+          </a:prstGeom>
+          <a:gradFill flip="none" rotWithShape="1">
+            <a:gsLst>
+              <a:gs pos="0">
+                <a:srgbClr val="00B0F0">
+                  <a:shade val="30000"/>
+                  <a:satMod val="115000"/>
+                </a:srgbClr>
+              </a:gs>
+              <a:gs pos="50000">
+                <a:srgbClr val="00B0F0">
+                  <a:shade val="67500"/>
+                  <a:satMod val="115000"/>
+                </a:srgbClr>
+              </a:gs>
+              <a:gs pos="100000">
+                <a:srgbClr val="00B0F0">
+                  <a:shade val="100000"/>
+                  <a:satMod val="115000"/>
+                </a:srgbClr>
+              </a:gs>
+            </a:gsLst>
+            <a:path path="circle">
+              <a:fillToRect t="100000" r="100000"/>
+            </a:path>
+            <a:tileRect l="-100000" b="-100000"/>
+          </a:gradFill>
+        </p:spPr>
+        <p:txBody>
+          <a:bodyPr vert="horz" lIns="91440" tIns="45720" rIns="91440" bIns="45720" rtlCol="0" anchor="ctr">
+            <a:normAutofit/>
+          </a:bodyPr>
+          <a:lstStyle/>
+          <a:p>
+            <a:pPr lvl="0">
+              <a:spcBef>
+                <a:spcPct val="0"/>
+              </a:spcBef>
+            </a:pPr>
+            <a:r>
+              <a:rPr lang="en-US" sz="1600" dirty="0">
+                <a:hlinkClick r:id="rId2"/>
+              </a:rPr>
+              <a:t>https://www.youtube.com/watch?v=Huwf0TgWrOw&amp;list=PLsyeobzWxl7q2eaUkorLZExfd7qko9sZC&amp;index=7</a:t>
+            </a:r>
+            <a:endParaRPr kumimoji="0" lang="zh-TW" altLang="en-US" sz="1600" b="0" i="0" u="none" strike="noStrike" kern="1200" cap="none" spc="0" normalizeH="0" baseline="0" noProof="0" dirty="0">
+              <a:ln>
+                <a:noFill/>
+              </a:ln>
+              <a:solidFill>
+                <a:schemeClr val="tx1"/>
+              </a:solidFill>
+              <a:effectLst/>
+              <a:uLnTx/>
+              <a:uFillTx/>
+              <a:latin typeface="+mj-lt"/>
+              <a:ea typeface="+mj-ea"/>
+              <a:cs typeface="+mj-cs"/>
+            </a:endParaRPr>
+          </a:p>
+        </p:txBody>
+      </p:sp>
+      <p:sp>
+        <p:nvSpPr>
+          <p:cNvPr id="5" name="日期版面配置區 4"/>
+          <p:cNvSpPr>
+            <a:spLocks noGrp="1"/>
+          </p:cNvSpPr>
+          <p:nvPr>
+            <p:ph type="dt" sz="half" idx="10"/>
+          </p:nvPr>
+        </p:nvSpPr>
+        <p:spPr>
+          <a:xfrm>
+            <a:off x="457200" y="6356350"/>
+            <a:ext cx="2133600" cy="404246"/>
+          </a:xfrm>
+        </p:spPr>
+        <p:txBody>
+          <a:bodyPr/>
+          <a:lstStyle/>
+          <a:p>
+            <a:fld id="{A4F910E6-8D00-4BAF-8C48-9688E0B449D3}" type="datetime1">
+              <a:rPr lang="zh-TW" altLang="en-US" smtClean="0"/>
+              <a:pPr/>
+              <a:t>2019/5/12</a:t>
+            </a:fld>
+            <a:endParaRPr lang="zh-TW" altLang="en-US"/>
+          </a:p>
+        </p:txBody>
+      </p:sp>
+      <p:sp>
+        <p:nvSpPr>
+          <p:cNvPr id="6" name="投影片編號版面配置區 5"/>
+          <p:cNvSpPr>
+            <a:spLocks noGrp="1"/>
+          </p:cNvSpPr>
+          <p:nvPr>
+            <p:ph type="sldNum" sz="quarter" idx="12"/>
+          </p:nvPr>
+        </p:nvSpPr>
+        <p:spPr>
+          <a:xfrm>
+            <a:off x="6485413" y="6340007"/>
+            <a:ext cx="2133600" cy="404246"/>
+          </a:xfrm>
+        </p:spPr>
+        <p:txBody>
+          <a:bodyPr/>
+          <a:lstStyle/>
+          <a:p>
+            <a:fld id="{E4D7E63D-91F2-4366-A2C4-1B00C9E2590E}" type="slidenum">
+              <a:rPr lang="zh-TW" altLang="en-US" smtClean="0"/>
+              <a:pPr/>
+              <a:t>28</a:t>
+            </a:fld>
+            <a:endParaRPr lang="zh-TW" altLang="en-US"/>
+          </a:p>
+        </p:txBody>
+      </p:sp>
+      <p:pic>
+        <p:nvPicPr>
+          <p:cNvPr id="8" name="Picture 7">
+            <a:extLst>
+              <a:ext uri="{FF2B5EF4-FFF2-40B4-BE49-F238E27FC236}">
+                <a16:creationId xmlns:a16="http://schemas.microsoft.com/office/drawing/2014/main" id="{C99F196F-7662-4B36-A6EA-2446EDC352FB}"/>
+              </a:ext>
+            </a:extLst>
+          </p:cNvPr>
+          <p:cNvPicPr>
+            <a:picLocks noChangeAspect="1"/>
+          </p:cNvPicPr>
+          <p:nvPr/>
+        </p:nvPicPr>
+        <p:blipFill>
+          <a:blip r:embed="rId3"/>
+          <a:stretch>
+            <a:fillRect/>
+          </a:stretch>
+        </p:blipFill>
+        <p:spPr>
+          <a:xfrm>
+            <a:off x="1437077" y="2708920"/>
+            <a:ext cx="6269845" cy="3497145"/>
+          </a:xfrm>
+          <a:prstGeom prst="rect">
+            <a:avLst/>
+          </a:prstGeom>
+          <a:ln>
+            <a:solidFill>
+              <a:srgbClr val="C00000"/>
+            </a:solidFill>
+          </a:ln>
+        </p:spPr>
+      </p:pic>
+      <p:sp>
+        <p:nvSpPr>
+          <p:cNvPr id="9" name="Rectangle 8">
+            <a:extLst>
+              <a:ext uri="{FF2B5EF4-FFF2-40B4-BE49-F238E27FC236}">
+                <a16:creationId xmlns:a16="http://schemas.microsoft.com/office/drawing/2014/main" id="{1A7F8047-025C-43D6-97EA-443A4A708844}"/>
+              </a:ext>
+            </a:extLst>
+          </p:cNvPr>
+          <p:cNvSpPr/>
+          <p:nvPr/>
+        </p:nvSpPr>
+        <p:spPr>
+          <a:xfrm>
+            <a:off x="4101373" y="3333633"/>
+            <a:ext cx="720080" cy="144016"/>
+          </a:xfrm>
+          <a:prstGeom prst="rect">
+            <a:avLst/>
+          </a:prstGeom>
+          <a:noFill/>
+          <a:ln>
+            <a:solidFill>
+              <a:srgbClr val="C00000"/>
+            </a:solidFill>
+          </a:ln>
+        </p:spPr>
+        <p:style>
+          <a:lnRef idx="2">
+            <a:schemeClr val="accent1">
+              <a:shade val="50000"/>
+            </a:schemeClr>
+          </a:lnRef>
+          <a:fillRef idx="1">
+            <a:schemeClr val="accent1"/>
+          </a:fillRef>
+          <a:effectRef idx="0">
+            <a:schemeClr val="accent1"/>
+          </a:effectRef>
+          <a:fontRef idx="minor">
+            <a:schemeClr val="lt1"/>
+          </a:fontRef>
+        </p:style>
+        <p:txBody>
+          <a:bodyPr rtlCol="0" anchor="ctr"/>
+          <a:lstStyle/>
+          <a:p>
+            <a:pPr algn="ctr"/>
+            <a:endParaRPr lang="en-US"/>
+          </a:p>
+        </p:txBody>
+      </p:sp>
+      <p:sp>
+        <p:nvSpPr>
+          <p:cNvPr id="10" name="Rectangle 9">
+            <a:extLst>
+              <a:ext uri="{FF2B5EF4-FFF2-40B4-BE49-F238E27FC236}">
+                <a16:creationId xmlns:a16="http://schemas.microsoft.com/office/drawing/2014/main" id="{5E8CBF08-3760-4D51-9F9E-6D6C9F75DE8F}"/>
+              </a:ext>
+            </a:extLst>
+          </p:cNvPr>
+          <p:cNvSpPr/>
+          <p:nvPr/>
+        </p:nvSpPr>
+        <p:spPr>
+          <a:xfrm>
+            <a:off x="3957357" y="4751619"/>
+            <a:ext cx="1800200" cy="310205"/>
+          </a:xfrm>
+          <a:prstGeom prst="rect">
+            <a:avLst/>
+          </a:prstGeom>
+          <a:noFill/>
+          <a:ln>
+            <a:solidFill>
+              <a:srgbClr val="C00000"/>
+            </a:solidFill>
+          </a:ln>
+        </p:spPr>
+        <p:style>
+          <a:lnRef idx="2">
+            <a:schemeClr val="accent1">
+              <a:shade val="50000"/>
+            </a:schemeClr>
+          </a:lnRef>
+          <a:fillRef idx="1">
+            <a:schemeClr val="accent1"/>
+          </a:fillRef>
+          <a:effectRef idx="0">
+            <a:schemeClr val="accent1"/>
+          </a:effectRef>
+          <a:fontRef idx="minor">
+            <a:schemeClr val="lt1"/>
+          </a:fontRef>
+        </p:style>
+        <p:txBody>
+          <a:bodyPr rtlCol="0" anchor="ctr"/>
+          <a:lstStyle/>
+          <a:p>
+            <a:pPr algn="ctr"/>
+            <a:endParaRPr lang="en-US"/>
+          </a:p>
+        </p:txBody>
+      </p:sp>
+      <p:sp>
+        <p:nvSpPr>
+          <p:cNvPr id="11" name="Oval 10">
+            <a:extLst>
+              <a:ext uri="{FF2B5EF4-FFF2-40B4-BE49-F238E27FC236}">
+                <a16:creationId xmlns:a16="http://schemas.microsoft.com/office/drawing/2014/main" id="{9361DFB6-906D-407D-B3C8-26683A221712}"/>
+              </a:ext>
+            </a:extLst>
+          </p:cNvPr>
+          <p:cNvSpPr/>
+          <p:nvPr/>
+        </p:nvSpPr>
+        <p:spPr>
+          <a:xfrm>
+            <a:off x="3815138" y="3322279"/>
+            <a:ext cx="216024" cy="239383"/>
+          </a:xfrm>
+          <a:prstGeom prst="ellipse">
+            <a:avLst/>
+          </a:prstGeom>
+          <a:solidFill>
+            <a:srgbClr val="FFFF00"/>
+          </a:solidFill>
+          <a:ln>
+            <a:solidFill>
+              <a:srgbClr val="C00000"/>
+            </a:solidFill>
+          </a:ln>
+        </p:spPr>
+        <p:style>
+          <a:lnRef idx="2">
+            <a:schemeClr val="accent1">
+              <a:shade val="50000"/>
+            </a:schemeClr>
+          </a:lnRef>
+          <a:fillRef idx="1">
+            <a:schemeClr val="accent1"/>
+          </a:fillRef>
+          <a:effectRef idx="0">
+            <a:schemeClr val="accent1"/>
+          </a:effectRef>
+          <a:fontRef idx="minor">
+            <a:schemeClr val="lt1"/>
+          </a:fontRef>
+        </p:style>
+        <p:txBody>
+          <a:bodyPr rtlCol="0" anchor="ctr"/>
+          <a:lstStyle/>
+          <a:p>
+            <a:pPr algn="ctr"/>
+            <a:r>
+              <a:rPr lang="en-US" dirty="0">
+                <a:solidFill>
+                  <a:schemeClr val="tx1"/>
+                </a:solidFill>
+              </a:rPr>
+              <a:t>1</a:t>
+            </a:r>
+          </a:p>
+        </p:txBody>
+      </p:sp>
+      <p:sp>
+        <p:nvSpPr>
+          <p:cNvPr id="12" name="Rectangle 11">
+            <a:extLst>
+              <a:ext uri="{FF2B5EF4-FFF2-40B4-BE49-F238E27FC236}">
+                <a16:creationId xmlns:a16="http://schemas.microsoft.com/office/drawing/2014/main" id="{D2A8AB23-6095-4902-97D2-A9129D1DCAB4}"/>
+              </a:ext>
+            </a:extLst>
+          </p:cNvPr>
+          <p:cNvSpPr/>
+          <p:nvPr/>
+        </p:nvSpPr>
+        <p:spPr>
+          <a:xfrm>
+            <a:off x="4101373" y="3922934"/>
+            <a:ext cx="1011468" cy="239382"/>
+          </a:xfrm>
+          <a:prstGeom prst="rect">
+            <a:avLst/>
+          </a:prstGeom>
+          <a:noFill/>
+          <a:ln>
+            <a:solidFill>
+              <a:srgbClr val="C00000"/>
+            </a:solidFill>
+          </a:ln>
+        </p:spPr>
+        <p:style>
+          <a:lnRef idx="2">
+            <a:schemeClr val="accent1">
+              <a:shade val="50000"/>
+            </a:schemeClr>
+          </a:lnRef>
+          <a:fillRef idx="1">
+            <a:schemeClr val="accent1"/>
+          </a:fillRef>
+          <a:effectRef idx="0">
+            <a:schemeClr val="accent1"/>
+          </a:effectRef>
+          <a:fontRef idx="minor">
+            <a:schemeClr val="lt1"/>
+          </a:fontRef>
+        </p:style>
+        <p:txBody>
+          <a:bodyPr rtlCol="0" anchor="ctr"/>
+          <a:lstStyle/>
+          <a:p>
+            <a:r>
+              <a:rPr lang="en-US" dirty="0">
+                <a:solidFill>
+                  <a:schemeClr val="tx1"/>
+                </a:solidFill>
+              </a:rPr>
+              <a:t>Save File </a:t>
+            </a:r>
+          </a:p>
+        </p:txBody>
+      </p:sp>
+      <p:sp>
+        <p:nvSpPr>
+          <p:cNvPr id="13" name="Oval 12">
+            <a:extLst>
+              <a:ext uri="{FF2B5EF4-FFF2-40B4-BE49-F238E27FC236}">
+                <a16:creationId xmlns:a16="http://schemas.microsoft.com/office/drawing/2014/main" id="{BF0FB079-E617-4373-A69C-2BD231B62BBC}"/>
+              </a:ext>
+            </a:extLst>
+          </p:cNvPr>
+          <p:cNvSpPr/>
+          <p:nvPr/>
+        </p:nvSpPr>
+        <p:spPr>
+          <a:xfrm>
+            <a:off x="3815138" y="3911580"/>
+            <a:ext cx="216024" cy="239383"/>
+          </a:xfrm>
+          <a:prstGeom prst="ellipse">
+            <a:avLst/>
+          </a:prstGeom>
+          <a:solidFill>
+            <a:srgbClr val="FFFF00"/>
+          </a:solidFill>
+          <a:ln>
+            <a:solidFill>
+              <a:srgbClr val="C00000"/>
+            </a:solidFill>
+          </a:ln>
+        </p:spPr>
+        <p:style>
+          <a:lnRef idx="2">
+            <a:schemeClr val="accent1">
+              <a:shade val="50000"/>
+            </a:schemeClr>
+          </a:lnRef>
+          <a:fillRef idx="1">
+            <a:schemeClr val="accent1"/>
+          </a:fillRef>
+          <a:effectRef idx="0">
+            <a:schemeClr val="accent1"/>
+          </a:effectRef>
+          <a:fontRef idx="minor">
+            <a:schemeClr val="lt1"/>
+          </a:fontRef>
+        </p:style>
+        <p:txBody>
+          <a:bodyPr rtlCol="0" anchor="ctr"/>
+          <a:lstStyle/>
+          <a:p>
+            <a:pPr algn="ctr"/>
+            <a:r>
+              <a:rPr lang="en-US" dirty="0">
+                <a:solidFill>
+                  <a:schemeClr val="tx1"/>
+                </a:solidFill>
+              </a:rPr>
+              <a:t>2</a:t>
+            </a:r>
+          </a:p>
+        </p:txBody>
+      </p:sp>
+      <p:sp>
+        <p:nvSpPr>
+          <p:cNvPr id="14" name="Oval 13">
+            <a:extLst>
+              <a:ext uri="{FF2B5EF4-FFF2-40B4-BE49-F238E27FC236}">
+                <a16:creationId xmlns:a16="http://schemas.microsoft.com/office/drawing/2014/main" id="{5CB6C44D-7B06-4429-B205-CF51FFE3DCD6}"/>
+              </a:ext>
+            </a:extLst>
+          </p:cNvPr>
+          <p:cNvSpPr/>
+          <p:nvPr/>
+        </p:nvSpPr>
+        <p:spPr>
+          <a:xfrm>
+            <a:off x="3635896" y="4797152"/>
+            <a:ext cx="216024" cy="239383"/>
+          </a:xfrm>
+          <a:prstGeom prst="ellipse">
+            <a:avLst/>
+          </a:prstGeom>
+          <a:solidFill>
+            <a:srgbClr val="FFFF00"/>
+          </a:solidFill>
+          <a:ln>
+            <a:solidFill>
+              <a:srgbClr val="C00000"/>
+            </a:solidFill>
+          </a:ln>
+        </p:spPr>
+        <p:style>
+          <a:lnRef idx="2">
+            <a:schemeClr val="accent1">
+              <a:shade val="50000"/>
+            </a:schemeClr>
+          </a:lnRef>
+          <a:fillRef idx="1">
+            <a:schemeClr val="accent1"/>
+          </a:fillRef>
+          <a:effectRef idx="0">
+            <a:schemeClr val="accent1"/>
+          </a:effectRef>
+          <a:fontRef idx="minor">
+            <a:schemeClr val="lt1"/>
+          </a:fontRef>
+        </p:style>
+        <p:txBody>
+          <a:bodyPr rtlCol="0" anchor="ctr"/>
+          <a:lstStyle/>
+          <a:p>
+            <a:pPr algn="ctr"/>
+            <a:r>
+              <a:rPr lang="en-US" dirty="0">
+                <a:solidFill>
+                  <a:schemeClr val="tx1"/>
+                </a:solidFill>
+              </a:rPr>
+              <a:t>3</a:t>
+            </a:r>
+          </a:p>
+        </p:txBody>
+      </p:sp>
+    </p:spTree>
+    <p:extLst>
+      <p:ext uri="{BB962C8B-B14F-4D97-AF65-F5344CB8AC3E}">
+        <p14:creationId xmlns:p14="http://schemas.microsoft.com/office/powerpoint/2010/main" val="3233226534"/>
+      </p:ext>
+    </p:extLst>
+  </p:cSld>
+  <p:clrMapOvr>
+    <a:masterClrMapping/>
+  </p:clrMapOvr>
+</p:sld>
+</file>
+
+<file path=ppt/slides/slide29.xml><?xml version="1.0" encoding="utf-8"?>
+<p:sld xmlns:a="http://schemas.openxmlformats.org/drawingml/2006/main" xmlns:r="http://schemas.openxmlformats.org/officeDocument/2006/relationships" xmlns:p="http://schemas.openxmlformats.org/presentationml/2006/main">
+  <p:cSld>
+    <p:spTree>
+      <p:nvGrpSpPr>
+        <p:cNvPr id="1" name=""/>
+        <p:cNvGrpSpPr/>
+        <p:nvPr/>
+      </p:nvGrpSpPr>
+      <p:grpSpPr>
+        <a:xfrm>
+          <a:off x="0" y="0"/>
+          <a:ext cx="0" cy="0"/>
+          <a:chOff x="0" y="0"/>
+          <a:chExt cx="0" cy="0"/>
+        </a:xfrm>
+      </p:grpSpPr>
+      <p:pic>
+        <p:nvPicPr>
+          <p:cNvPr id="15" name="Picture 14">
+            <a:extLst>
+              <a:ext uri="{FF2B5EF4-FFF2-40B4-BE49-F238E27FC236}">
+                <a16:creationId xmlns:a16="http://schemas.microsoft.com/office/drawing/2014/main" id="{BC0D6EE0-1EB3-4E4D-8EC3-E72BFA2A673C}"/>
+              </a:ext>
+            </a:extLst>
+          </p:cNvPr>
+          <p:cNvPicPr>
+            <a:picLocks noChangeAspect="1"/>
+          </p:cNvPicPr>
+          <p:nvPr/>
+        </p:nvPicPr>
+        <p:blipFill>
+          <a:blip r:embed="rId2"/>
+          <a:stretch>
+            <a:fillRect/>
+          </a:stretch>
+        </p:blipFill>
+        <p:spPr>
+          <a:xfrm>
+            <a:off x="1691680" y="2996952"/>
+            <a:ext cx="6081593" cy="3484616"/>
+          </a:xfrm>
+          <a:prstGeom prst="rect">
+            <a:avLst/>
+          </a:prstGeom>
+          <a:ln>
+            <a:solidFill>
+              <a:srgbClr val="C00000"/>
+            </a:solidFill>
+          </a:ln>
+        </p:spPr>
+      </p:pic>
+      <p:sp>
+        <p:nvSpPr>
+          <p:cNvPr id="2" name="標題 1"/>
+          <p:cNvSpPr>
+            <a:spLocks noGrp="1"/>
+          </p:cNvSpPr>
+          <p:nvPr>
+            <p:ph type="ctrTitle"/>
+          </p:nvPr>
+        </p:nvSpPr>
+        <p:spPr>
+          <a:xfrm>
+            <a:off x="0" y="1"/>
+            <a:ext cx="9144000" cy="764704"/>
+          </a:xfrm>
+          <a:gradFill flip="none" rotWithShape="1">
+            <a:gsLst>
+              <a:gs pos="0">
+                <a:srgbClr val="C00000">
+                  <a:shade val="30000"/>
+                  <a:satMod val="115000"/>
+                </a:srgbClr>
+              </a:gs>
+              <a:gs pos="50000">
+                <a:srgbClr val="C00000">
+                  <a:shade val="67500"/>
+                  <a:satMod val="115000"/>
+                </a:srgbClr>
+              </a:gs>
+              <a:gs pos="100000">
+                <a:srgbClr val="C00000">
+                  <a:shade val="100000"/>
+                  <a:satMod val="115000"/>
+                </a:srgbClr>
+              </a:gs>
+            </a:gsLst>
+            <a:path path="circle">
+              <a:fillToRect t="100000" r="100000"/>
+            </a:path>
+            <a:tileRect l="-100000" b="-100000"/>
+          </a:gradFill>
+        </p:spPr>
+        <p:txBody>
+          <a:bodyPr>
+            <a:normAutofit/>
+          </a:bodyPr>
+          <a:lstStyle/>
+          <a:p>
+            <a:pPr algn="l"/>
+            <a:r>
+              <a:rPr lang="en-US" altLang="zh-TW" b="1" dirty="0">
+                <a:solidFill>
+                  <a:srgbClr val="FFFF00"/>
+                </a:solidFill>
+              </a:rPr>
+              <a:t>6.6 Use Eclipse and </a:t>
+            </a:r>
+            <a:r>
+              <a:rPr lang="en-US" altLang="zh-TW" b="1" dirty="0" err="1">
+                <a:solidFill>
+                  <a:srgbClr val="FFFF00"/>
+                </a:solidFill>
+              </a:rPr>
+              <a:t>EGit</a:t>
+            </a:r>
+            <a:endParaRPr lang="zh-TW" altLang="en-US" b="1" dirty="0">
+              <a:solidFill>
+                <a:srgbClr val="FFFF00"/>
+              </a:solidFill>
+            </a:endParaRPr>
+          </a:p>
+        </p:txBody>
+      </p:sp>
+      <p:sp>
+        <p:nvSpPr>
+          <p:cNvPr id="3" name="副標題 2"/>
+          <p:cNvSpPr>
+            <a:spLocks noGrp="1"/>
+          </p:cNvSpPr>
+          <p:nvPr>
+            <p:ph type="subTitle" idx="1"/>
+          </p:nvPr>
+        </p:nvSpPr>
+        <p:spPr>
+          <a:xfrm>
+            <a:off x="539552" y="1340768"/>
+            <a:ext cx="8064896" cy="1656184"/>
+          </a:xfrm>
+          <a:ln>
+            <a:solidFill>
+              <a:srgbClr val="C00000"/>
+            </a:solidFill>
+          </a:ln>
+        </p:spPr>
+        <p:txBody>
+          <a:bodyPr>
+            <a:noAutofit/>
+          </a:bodyPr>
+          <a:lstStyle/>
+          <a:p>
+            <a:pPr marL="342900" indent="-342900" algn="l">
+              <a:buClr>
+                <a:srgbClr val="0070C0"/>
+              </a:buClr>
+              <a:buSzPct val="80000"/>
+              <a:buFont typeface="Wingdings" pitchFamily="2" charset="2"/>
+              <a:buChar char="u"/>
+            </a:pPr>
+            <a:r>
+              <a:rPr lang="en-US" altLang="zh-TW" sz="1800" dirty="0">
+                <a:solidFill>
+                  <a:schemeClr val="tx1"/>
+                </a:solidFill>
+              </a:rPr>
+              <a:t>Push to the GitHub</a:t>
+            </a:r>
+          </a:p>
+          <a:p>
+            <a:pPr marL="342900" indent="-342900" algn="l">
+              <a:buClr>
+                <a:srgbClr val="0070C0"/>
+              </a:buClr>
+              <a:buSzPct val="80000"/>
+              <a:buFont typeface="+mj-lt"/>
+              <a:buAutoNum type="arabicPeriod"/>
+            </a:pPr>
+            <a:r>
+              <a:rPr lang="en-US" altLang="zh-TW" sz="1800" dirty="0">
+                <a:solidFill>
+                  <a:schemeClr val="tx1"/>
+                </a:solidFill>
+              </a:rPr>
+              <a:t>Move the modified file from “</a:t>
+            </a:r>
+            <a:r>
+              <a:rPr lang="en-US" altLang="zh-TW" sz="1800" dirty="0" err="1">
+                <a:solidFill>
+                  <a:schemeClr val="tx1"/>
+                </a:solidFill>
+              </a:rPr>
+              <a:t>Unsatged</a:t>
+            </a:r>
+            <a:r>
+              <a:rPr lang="en-US" altLang="zh-TW" sz="1800" dirty="0">
+                <a:solidFill>
+                  <a:schemeClr val="tx1"/>
+                </a:solidFill>
+              </a:rPr>
+              <a:t> Changes” to “Staged Changes” (by Drag –and-drop or click + sign).</a:t>
+            </a:r>
+          </a:p>
+          <a:p>
+            <a:pPr marL="342900" indent="-342900" algn="l">
+              <a:buClr>
+                <a:srgbClr val="0070C0"/>
+              </a:buClr>
+              <a:buSzPct val="80000"/>
+              <a:buFont typeface="+mj-lt"/>
+              <a:buAutoNum type="arabicPeriod"/>
+            </a:pPr>
+            <a:r>
+              <a:rPr lang="en-US" altLang="zh-TW" sz="1800" dirty="0">
+                <a:solidFill>
+                  <a:schemeClr val="tx1"/>
+                </a:solidFill>
+              </a:rPr>
+              <a:t>Write the Commit Message: Push to GitHub “Test 05”</a:t>
+            </a:r>
+          </a:p>
+          <a:p>
+            <a:pPr marL="342900" indent="-342900" algn="l">
+              <a:buClr>
+                <a:srgbClr val="0070C0"/>
+              </a:buClr>
+              <a:buSzPct val="80000"/>
+              <a:buFont typeface="+mj-lt"/>
+              <a:buAutoNum type="arabicPeriod"/>
+            </a:pPr>
+            <a:r>
+              <a:rPr lang="en-US" altLang="zh-TW" sz="1800" dirty="0">
+                <a:solidFill>
+                  <a:schemeClr val="tx1"/>
+                </a:solidFill>
+              </a:rPr>
+              <a:t>Click button “Commit and Push …”</a:t>
+            </a:r>
+          </a:p>
+        </p:txBody>
+      </p:sp>
+      <p:sp>
+        <p:nvSpPr>
+          <p:cNvPr id="4" name="標題 1"/>
+          <p:cNvSpPr txBox="1">
+            <a:spLocks/>
+          </p:cNvSpPr>
+          <p:nvPr/>
+        </p:nvSpPr>
+        <p:spPr>
+          <a:xfrm>
+            <a:off x="0" y="764704"/>
+            <a:ext cx="9144000" cy="398616"/>
+          </a:xfrm>
+          <a:prstGeom prst="rect">
+            <a:avLst/>
+          </a:prstGeom>
+          <a:gradFill flip="none" rotWithShape="1">
+            <a:gsLst>
+              <a:gs pos="0">
+                <a:srgbClr val="00B0F0">
+                  <a:shade val="30000"/>
+                  <a:satMod val="115000"/>
+                </a:srgbClr>
+              </a:gs>
+              <a:gs pos="50000">
+                <a:srgbClr val="00B0F0">
+                  <a:shade val="67500"/>
+                  <a:satMod val="115000"/>
+                </a:srgbClr>
+              </a:gs>
+              <a:gs pos="100000">
+                <a:srgbClr val="00B0F0">
+                  <a:shade val="100000"/>
+                  <a:satMod val="115000"/>
+                </a:srgbClr>
+              </a:gs>
+            </a:gsLst>
+            <a:path path="circle">
+              <a:fillToRect t="100000" r="100000"/>
+            </a:path>
+            <a:tileRect l="-100000" b="-100000"/>
+          </a:gradFill>
+        </p:spPr>
+        <p:txBody>
+          <a:bodyPr vert="horz" lIns="91440" tIns="45720" rIns="91440" bIns="45720" rtlCol="0" anchor="ctr">
+            <a:normAutofit/>
+          </a:bodyPr>
+          <a:lstStyle/>
+          <a:p>
+            <a:pPr lvl="0">
+              <a:spcBef>
+                <a:spcPct val="0"/>
+              </a:spcBef>
+            </a:pPr>
+            <a:r>
+              <a:rPr lang="en-US" sz="1600" dirty="0">
+                <a:hlinkClick r:id="rId3"/>
+              </a:rPr>
+              <a:t>https://www.youtube.com/watch?v=Huwf0TgWrOw&amp;list=PLsyeobzWxl7q2eaUkorLZExfd7qko9sZC&amp;index=7</a:t>
+            </a:r>
+            <a:endParaRPr kumimoji="0" lang="zh-TW" altLang="en-US" sz="1600" b="0" i="0" u="none" strike="noStrike" kern="1200" cap="none" spc="0" normalizeH="0" baseline="0" noProof="0" dirty="0">
+              <a:ln>
+                <a:noFill/>
+              </a:ln>
+              <a:solidFill>
+                <a:schemeClr val="tx1"/>
+              </a:solidFill>
+              <a:effectLst/>
+              <a:uLnTx/>
+              <a:uFillTx/>
+              <a:latin typeface="+mj-lt"/>
+              <a:ea typeface="+mj-ea"/>
+              <a:cs typeface="+mj-cs"/>
+            </a:endParaRPr>
+          </a:p>
+        </p:txBody>
+      </p:sp>
+      <p:sp>
+        <p:nvSpPr>
+          <p:cNvPr id="5" name="日期版面配置區 4"/>
+          <p:cNvSpPr>
+            <a:spLocks noGrp="1"/>
+          </p:cNvSpPr>
+          <p:nvPr>
+            <p:ph type="dt" sz="half" idx="10"/>
+          </p:nvPr>
+        </p:nvSpPr>
+        <p:spPr>
+          <a:xfrm>
+            <a:off x="457200" y="6356350"/>
+            <a:ext cx="2133600" cy="404246"/>
+          </a:xfrm>
+        </p:spPr>
+        <p:txBody>
+          <a:bodyPr/>
+          <a:lstStyle/>
+          <a:p>
+            <a:fld id="{A4F910E6-8D00-4BAF-8C48-9688E0B449D3}" type="datetime1">
+              <a:rPr lang="zh-TW" altLang="en-US" smtClean="0"/>
+              <a:pPr/>
+              <a:t>2019/5/12</a:t>
+            </a:fld>
+            <a:endParaRPr lang="zh-TW" altLang="en-US"/>
+          </a:p>
+        </p:txBody>
+      </p:sp>
+      <p:sp>
+        <p:nvSpPr>
+          <p:cNvPr id="6" name="投影片編號版面配置區 5"/>
+          <p:cNvSpPr>
+            <a:spLocks noGrp="1"/>
+          </p:cNvSpPr>
+          <p:nvPr>
+            <p:ph type="sldNum" sz="quarter" idx="12"/>
+          </p:nvPr>
+        </p:nvSpPr>
+        <p:spPr>
+          <a:xfrm>
+            <a:off x="6485413" y="6340007"/>
+            <a:ext cx="2133600" cy="404246"/>
+          </a:xfrm>
+        </p:spPr>
+        <p:txBody>
+          <a:bodyPr/>
+          <a:lstStyle/>
+          <a:p>
+            <a:fld id="{E4D7E63D-91F2-4366-A2C4-1B00C9E2590E}" type="slidenum">
+              <a:rPr lang="zh-TW" altLang="en-US" smtClean="0"/>
+              <a:pPr/>
+              <a:t>29</a:t>
+            </a:fld>
+            <a:endParaRPr lang="zh-TW" altLang="en-US"/>
+          </a:p>
+        </p:txBody>
+      </p:sp>
+      <p:sp>
+        <p:nvSpPr>
+          <p:cNvPr id="9" name="Rectangle 8">
+            <a:extLst>
+              <a:ext uri="{FF2B5EF4-FFF2-40B4-BE49-F238E27FC236}">
+                <a16:creationId xmlns:a16="http://schemas.microsoft.com/office/drawing/2014/main" id="{1A7F8047-025C-43D6-97EA-443A4A708844}"/>
+              </a:ext>
+            </a:extLst>
+          </p:cNvPr>
+          <p:cNvSpPr/>
+          <p:nvPr/>
+        </p:nvSpPr>
+        <p:spPr>
+          <a:xfrm>
+            <a:off x="4163787" y="5643759"/>
+            <a:ext cx="1281120" cy="339471"/>
+          </a:xfrm>
+          <a:prstGeom prst="rect">
+            <a:avLst/>
+          </a:prstGeom>
+          <a:noFill/>
+          <a:ln>
+            <a:solidFill>
+              <a:srgbClr val="C00000"/>
+            </a:solidFill>
+          </a:ln>
+        </p:spPr>
+        <p:style>
+          <a:lnRef idx="2">
+            <a:schemeClr val="accent1">
+              <a:shade val="50000"/>
+            </a:schemeClr>
+          </a:lnRef>
+          <a:fillRef idx="1">
+            <a:schemeClr val="accent1"/>
+          </a:fillRef>
+          <a:effectRef idx="0">
+            <a:schemeClr val="accent1"/>
+          </a:effectRef>
+          <a:fontRef idx="minor">
+            <a:schemeClr val="lt1"/>
+          </a:fontRef>
+        </p:style>
+        <p:txBody>
+          <a:bodyPr rtlCol="0" anchor="ctr"/>
+          <a:lstStyle/>
+          <a:p>
+            <a:pPr algn="ctr"/>
+            <a:endParaRPr lang="en-US"/>
+          </a:p>
+        </p:txBody>
+      </p:sp>
+      <p:sp>
+        <p:nvSpPr>
+          <p:cNvPr id="10" name="Rectangle 9">
+            <a:extLst>
+              <a:ext uri="{FF2B5EF4-FFF2-40B4-BE49-F238E27FC236}">
+                <a16:creationId xmlns:a16="http://schemas.microsoft.com/office/drawing/2014/main" id="{5E8CBF08-3760-4D51-9F9E-6D6C9F75DE8F}"/>
+              </a:ext>
+            </a:extLst>
+          </p:cNvPr>
+          <p:cNvSpPr/>
+          <p:nvPr/>
+        </p:nvSpPr>
+        <p:spPr>
+          <a:xfrm>
+            <a:off x="5885429" y="4973514"/>
+            <a:ext cx="1053242" cy="310205"/>
+          </a:xfrm>
+          <a:prstGeom prst="rect">
+            <a:avLst/>
+          </a:prstGeom>
+          <a:noFill/>
+          <a:ln>
+            <a:solidFill>
+              <a:srgbClr val="C00000"/>
+            </a:solidFill>
+          </a:ln>
+        </p:spPr>
+        <p:style>
+          <a:lnRef idx="2">
+            <a:schemeClr val="accent1">
+              <a:shade val="50000"/>
+            </a:schemeClr>
+          </a:lnRef>
+          <a:fillRef idx="1">
+            <a:schemeClr val="accent1"/>
+          </a:fillRef>
+          <a:effectRef idx="0">
+            <a:schemeClr val="accent1"/>
+          </a:effectRef>
+          <a:fontRef idx="minor">
+            <a:schemeClr val="lt1"/>
+          </a:fontRef>
+        </p:style>
+        <p:txBody>
+          <a:bodyPr rtlCol="0" anchor="ctr"/>
+          <a:lstStyle/>
+          <a:p>
+            <a:pPr algn="ctr"/>
+            <a:endParaRPr lang="en-US"/>
+          </a:p>
+        </p:txBody>
+      </p:sp>
+      <p:sp>
+        <p:nvSpPr>
+          <p:cNvPr id="11" name="Oval 10">
+            <a:extLst>
+              <a:ext uri="{FF2B5EF4-FFF2-40B4-BE49-F238E27FC236}">
+                <a16:creationId xmlns:a16="http://schemas.microsoft.com/office/drawing/2014/main" id="{9361DFB6-906D-407D-B3C8-26683A221712}"/>
+              </a:ext>
+            </a:extLst>
+          </p:cNvPr>
+          <p:cNvSpPr/>
+          <p:nvPr/>
+        </p:nvSpPr>
+        <p:spPr>
+          <a:xfrm>
+            <a:off x="4131955" y="5323403"/>
+            <a:ext cx="216024" cy="239383"/>
+          </a:xfrm>
+          <a:prstGeom prst="ellipse">
+            <a:avLst/>
+          </a:prstGeom>
+          <a:solidFill>
+            <a:srgbClr val="FFFF00"/>
+          </a:solidFill>
+          <a:ln>
+            <a:solidFill>
+              <a:srgbClr val="C00000"/>
+            </a:solidFill>
+          </a:ln>
+        </p:spPr>
+        <p:style>
+          <a:lnRef idx="2">
+            <a:schemeClr val="accent1">
+              <a:shade val="50000"/>
+            </a:schemeClr>
+          </a:lnRef>
+          <a:fillRef idx="1">
+            <a:schemeClr val="accent1"/>
+          </a:fillRef>
+          <a:effectRef idx="0">
+            <a:schemeClr val="accent1"/>
+          </a:effectRef>
+          <a:fontRef idx="minor">
+            <a:schemeClr val="lt1"/>
+          </a:fontRef>
+        </p:style>
+        <p:txBody>
+          <a:bodyPr rtlCol="0" anchor="ctr"/>
+          <a:lstStyle/>
+          <a:p>
+            <a:pPr algn="ctr"/>
+            <a:r>
+              <a:rPr lang="en-US" dirty="0">
+                <a:solidFill>
+                  <a:schemeClr val="tx1"/>
+                </a:solidFill>
+              </a:rPr>
+              <a:t>1</a:t>
+            </a:r>
+          </a:p>
+        </p:txBody>
+      </p:sp>
+      <p:sp>
+        <p:nvSpPr>
+          <p:cNvPr id="13" name="Oval 12">
+            <a:extLst>
+              <a:ext uri="{FF2B5EF4-FFF2-40B4-BE49-F238E27FC236}">
+                <a16:creationId xmlns:a16="http://schemas.microsoft.com/office/drawing/2014/main" id="{BF0FB079-E617-4373-A69C-2BD231B62BBC}"/>
+              </a:ext>
+            </a:extLst>
+          </p:cNvPr>
+          <p:cNvSpPr/>
+          <p:nvPr/>
+        </p:nvSpPr>
+        <p:spPr>
+          <a:xfrm>
+            <a:off x="5557156" y="4975118"/>
+            <a:ext cx="216024" cy="239383"/>
+          </a:xfrm>
+          <a:prstGeom prst="ellipse">
+            <a:avLst/>
+          </a:prstGeom>
+          <a:solidFill>
+            <a:srgbClr val="FFFF00"/>
+          </a:solidFill>
+          <a:ln>
+            <a:solidFill>
+              <a:srgbClr val="C00000"/>
+            </a:solidFill>
+          </a:ln>
+        </p:spPr>
+        <p:style>
+          <a:lnRef idx="2">
+            <a:schemeClr val="accent1">
+              <a:shade val="50000"/>
+            </a:schemeClr>
+          </a:lnRef>
+          <a:fillRef idx="1">
+            <a:schemeClr val="accent1"/>
+          </a:fillRef>
+          <a:effectRef idx="0">
+            <a:schemeClr val="accent1"/>
+          </a:effectRef>
+          <a:fontRef idx="minor">
+            <a:schemeClr val="lt1"/>
+          </a:fontRef>
+        </p:style>
+        <p:txBody>
+          <a:bodyPr rtlCol="0" anchor="ctr"/>
+          <a:lstStyle/>
+          <a:p>
+            <a:pPr algn="ctr"/>
+            <a:r>
+              <a:rPr lang="en-US" dirty="0">
+                <a:solidFill>
+                  <a:schemeClr val="tx1"/>
+                </a:solidFill>
+              </a:rPr>
+              <a:t>2</a:t>
+            </a:r>
+          </a:p>
+        </p:txBody>
+      </p:sp>
+      <p:sp>
+        <p:nvSpPr>
+          <p:cNvPr id="16" name="Arrow: Down 15">
+            <a:extLst>
+              <a:ext uri="{FF2B5EF4-FFF2-40B4-BE49-F238E27FC236}">
+                <a16:creationId xmlns:a16="http://schemas.microsoft.com/office/drawing/2014/main" id="{AC0FA91E-89E4-456F-A988-33DC3A31F2D9}"/>
+              </a:ext>
+            </a:extLst>
+          </p:cNvPr>
+          <p:cNvSpPr/>
+          <p:nvPr/>
+        </p:nvSpPr>
+        <p:spPr>
+          <a:xfrm>
+            <a:off x="4634415" y="5283719"/>
+            <a:ext cx="288032" cy="339471"/>
+          </a:xfrm>
+          <a:prstGeom prst="downArrow">
+            <a:avLst/>
+          </a:prstGeom>
+        </p:spPr>
+        <p:style>
+          <a:lnRef idx="2">
+            <a:schemeClr val="accent1">
+              <a:shade val="50000"/>
+            </a:schemeClr>
+          </a:lnRef>
+          <a:fillRef idx="1">
+            <a:schemeClr val="accent1"/>
+          </a:fillRef>
+          <a:effectRef idx="0">
+            <a:schemeClr val="accent1"/>
+          </a:effectRef>
+          <a:fontRef idx="minor">
+            <a:schemeClr val="lt1"/>
+          </a:fontRef>
+        </p:style>
+        <p:txBody>
+          <a:bodyPr rtlCol="0" anchor="ctr"/>
+          <a:lstStyle/>
+          <a:p>
+            <a:pPr algn="ctr"/>
+            <a:endParaRPr lang="en-US"/>
+          </a:p>
+        </p:txBody>
+      </p:sp>
+      <p:sp>
+        <p:nvSpPr>
+          <p:cNvPr id="17" name="Rectangle 16">
+            <a:extLst>
+              <a:ext uri="{FF2B5EF4-FFF2-40B4-BE49-F238E27FC236}">
+                <a16:creationId xmlns:a16="http://schemas.microsoft.com/office/drawing/2014/main" id="{5672AE9E-C6C0-4AFB-B84D-916EEB0C3C43}"/>
+              </a:ext>
+            </a:extLst>
+          </p:cNvPr>
+          <p:cNvSpPr/>
+          <p:nvPr/>
+        </p:nvSpPr>
+        <p:spPr>
+          <a:xfrm>
+            <a:off x="4162293" y="4919302"/>
+            <a:ext cx="1281120" cy="339471"/>
+          </a:xfrm>
+          <a:prstGeom prst="rect">
+            <a:avLst/>
+          </a:prstGeom>
+          <a:noFill/>
+          <a:ln>
+            <a:solidFill>
+              <a:srgbClr val="C00000"/>
+            </a:solidFill>
+          </a:ln>
+        </p:spPr>
+        <p:style>
+          <a:lnRef idx="2">
+            <a:schemeClr val="accent1">
+              <a:shade val="50000"/>
+            </a:schemeClr>
+          </a:lnRef>
+          <a:fillRef idx="1">
+            <a:schemeClr val="accent1"/>
+          </a:fillRef>
+          <a:effectRef idx="0">
+            <a:schemeClr val="accent1"/>
+          </a:effectRef>
+          <a:fontRef idx="minor">
+            <a:schemeClr val="lt1"/>
+          </a:fontRef>
+        </p:style>
+        <p:txBody>
+          <a:bodyPr rtlCol="0" anchor="ctr"/>
+          <a:lstStyle/>
+          <a:p>
+            <a:pPr algn="ctr"/>
+            <a:endParaRPr lang="en-US"/>
+          </a:p>
+        </p:txBody>
+      </p:sp>
+      <p:sp>
+        <p:nvSpPr>
+          <p:cNvPr id="18" name="Rectangle 17">
+            <a:extLst>
+              <a:ext uri="{FF2B5EF4-FFF2-40B4-BE49-F238E27FC236}">
+                <a16:creationId xmlns:a16="http://schemas.microsoft.com/office/drawing/2014/main" id="{21BDF62C-429E-4824-ACA9-BB801A4555F0}"/>
+              </a:ext>
+            </a:extLst>
+          </p:cNvPr>
+          <p:cNvSpPr/>
+          <p:nvPr/>
+        </p:nvSpPr>
+        <p:spPr>
+          <a:xfrm>
+            <a:off x="6190146" y="6093296"/>
+            <a:ext cx="748525" cy="310205"/>
+          </a:xfrm>
+          <a:prstGeom prst="rect">
+            <a:avLst/>
+          </a:prstGeom>
+          <a:noFill/>
+          <a:ln>
+            <a:solidFill>
+              <a:srgbClr val="C00000"/>
+            </a:solidFill>
+          </a:ln>
+        </p:spPr>
+        <p:style>
+          <a:lnRef idx="2">
+            <a:schemeClr val="accent1">
+              <a:shade val="50000"/>
+            </a:schemeClr>
+          </a:lnRef>
+          <a:fillRef idx="1">
+            <a:schemeClr val="accent1"/>
+          </a:fillRef>
+          <a:effectRef idx="0">
+            <a:schemeClr val="accent1"/>
+          </a:effectRef>
+          <a:fontRef idx="minor">
+            <a:schemeClr val="lt1"/>
+          </a:fontRef>
+        </p:style>
+        <p:txBody>
+          <a:bodyPr rtlCol="0" anchor="ctr"/>
+          <a:lstStyle/>
+          <a:p>
+            <a:pPr algn="ctr"/>
+            <a:endParaRPr lang="en-US"/>
+          </a:p>
+        </p:txBody>
+      </p:sp>
+      <p:sp>
+        <p:nvSpPr>
+          <p:cNvPr id="19" name="Oval 18">
+            <a:extLst>
+              <a:ext uri="{FF2B5EF4-FFF2-40B4-BE49-F238E27FC236}">
+                <a16:creationId xmlns:a16="http://schemas.microsoft.com/office/drawing/2014/main" id="{A6E7E633-E77B-4C72-AFD9-F6264F90AEAB}"/>
+              </a:ext>
+            </a:extLst>
+          </p:cNvPr>
+          <p:cNvSpPr/>
+          <p:nvPr/>
+        </p:nvSpPr>
+        <p:spPr>
+          <a:xfrm>
+            <a:off x="5861873" y="6094900"/>
+            <a:ext cx="216024" cy="239383"/>
+          </a:xfrm>
+          <a:prstGeom prst="ellipse">
+            <a:avLst/>
+          </a:prstGeom>
+          <a:solidFill>
+            <a:srgbClr val="FFFF00"/>
+          </a:solidFill>
+          <a:ln>
+            <a:solidFill>
+              <a:srgbClr val="C00000"/>
+            </a:solidFill>
+          </a:ln>
+        </p:spPr>
+        <p:style>
+          <a:lnRef idx="2">
+            <a:schemeClr val="accent1">
+              <a:shade val="50000"/>
+            </a:schemeClr>
+          </a:lnRef>
+          <a:fillRef idx="1">
+            <a:schemeClr val="accent1"/>
+          </a:fillRef>
+          <a:effectRef idx="0">
+            <a:schemeClr val="accent1"/>
+          </a:effectRef>
+          <a:fontRef idx="minor">
+            <a:schemeClr val="lt1"/>
+          </a:fontRef>
+        </p:style>
+        <p:txBody>
+          <a:bodyPr rtlCol="0" anchor="ctr"/>
+          <a:lstStyle/>
+          <a:p>
+            <a:pPr algn="ctr"/>
+            <a:r>
+              <a:rPr lang="en-US" dirty="0">
+                <a:solidFill>
+                  <a:schemeClr val="tx1"/>
+                </a:solidFill>
+              </a:rPr>
+              <a:t>3</a:t>
+            </a:r>
+          </a:p>
+        </p:txBody>
+      </p:sp>
+    </p:spTree>
+    <p:extLst>
+      <p:ext uri="{BB962C8B-B14F-4D97-AF65-F5344CB8AC3E}">
+        <p14:creationId xmlns:p14="http://schemas.microsoft.com/office/powerpoint/2010/main" val="160516904"/>
+      </p:ext>
+    </p:extLst>
   </p:cSld>
   <p:clrMapOvr>
     <a:masterClrMapping/>
@@ -7102,7 +11971,7 @@
             <a:fld id="{A4F910E6-8D00-4BAF-8C48-9688E0B449D3}" type="datetime1">
               <a:rPr lang="zh-TW" altLang="en-US" smtClean="0"/>
               <a:pPr/>
-              <a:t>2019/5/10</a:t>
+              <a:t>2019/5/12</a:t>
             </a:fld>
             <a:endParaRPr lang="zh-TW" altLang="en-US"/>
           </a:p>
@@ -7143,6 +12012,2450 @@
         <p14:creationId xmlns:p14="http://schemas.microsoft.com/office/powerpoint/2010/main" val="869699303"/>
       </p:ext>
     </p:extLst>
+  </p:cSld>
+  <p:clrMapOvr>
+    <a:masterClrMapping/>
+  </p:clrMapOvr>
+</p:sld>
+</file>
+
+<file path=ppt/slides/slide30.xml><?xml version="1.0" encoding="utf-8"?>
+<p:sld xmlns:a="http://schemas.openxmlformats.org/drawingml/2006/main" xmlns:r="http://schemas.openxmlformats.org/officeDocument/2006/relationships" xmlns:p="http://schemas.openxmlformats.org/presentationml/2006/main">
+  <p:cSld>
+    <p:spTree>
+      <p:nvGrpSpPr>
+        <p:cNvPr id="1" name=""/>
+        <p:cNvGrpSpPr/>
+        <p:nvPr/>
+      </p:nvGrpSpPr>
+      <p:grpSpPr>
+        <a:xfrm>
+          <a:off x="0" y="0"/>
+          <a:ext cx="0" cy="0"/>
+          <a:chOff x="0" y="0"/>
+          <a:chExt cx="0" cy="0"/>
+        </a:xfrm>
+      </p:grpSpPr>
+      <p:sp>
+        <p:nvSpPr>
+          <p:cNvPr id="2" name="標題 1"/>
+          <p:cNvSpPr>
+            <a:spLocks noGrp="1"/>
+          </p:cNvSpPr>
+          <p:nvPr>
+            <p:ph type="ctrTitle"/>
+          </p:nvPr>
+        </p:nvSpPr>
+        <p:spPr>
+          <a:xfrm>
+            <a:off x="0" y="1"/>
+            <a:ext cx="9144000" cy="764704"/>
+          </a:xfrm>
+          <a:gradFill flip="none" rotWithShape="1">
+            <a:gsLst>
+              <a:gs pos="0">
+                <a:srgbClr val="C00000">
+                  <a:shade val="30000"/>
+                  <a:satMod val="115000"/>
+                </a:srgbClr>
+              </a:gs>
+              <a:gs pos="50000">
+                <a:srgbClr val="C00000">
+                  <a:shade val="67500"/>
+                  <a:satMod val="115000"/>
+                </a:srgbClr>
+              </a:gs>
+              <a:gs pos="100000">
+                <a:srgbClr val="C00000">
+                  <a:shade val="100000"/>
+                  <a:satMod val="115000"/>
+                </a:srgbClr>
+              </a:gs>
+            </a:gsLst>
+            <a:path path="circle">
+              <a:fillToRect t="100000" r="100000"/>
+            </a:path>
+            <a:tileRect l="-100000" b="-100000"/>
+          </a:gradFill>
+        </p:spPr>
+        <p:txBody>
+          <a:bodyPr>
+            <a:normAutofit/>
+          </a:bodyPr>
+          <a:lstStyle/>
+          <a:p>
+            <a:pPr algn="l"/>
+            <a:r>
+              <a:rPr lang="en-US" altLang="zh-TW" b="1" dirty="0">
+                <a:solidFill>
+                  <a:srgbClr val="FFFF00"/>
+                </a:solidFill>
+              </a:rPr>
+              <a:t>6.6 Use Eclipse and </a:t>
+            </a:r>
+            <a:r>
+              <a:rPr lang="en-US" altLang="zh-TW" b="1" dirty="0" err="1">
+                <a:solidFill>
+                  <a:srgbClr val="FFFF00"/>
+                </a:solidFill>
+              </a:rPr>
+              <a:t>EGit</a:t>
+            </a:r>
+            <a:endParaRPr lang="zh-TW" altLang="en-US" b="1" dirty="0">
+              <a:solidFill>
+                <a:srgbClr val="FFFF00"/>
+              </a:solidFill>
+            </a:endParaRPr>
+          </a:p>
+        </p:txBody>
+      </p:sp>
+      <p:sp>
+        <p:nvSpPr>
+          <p:cNvPr id="3" name="副標題 2"/>
+          <p:cNvSpPr>
+            <a:spLocks noGrp="1"/>
+          </p:cNvSpPr>
+          <p:nvPr>
+            <p:ph type="subTitle" idx="1"/>
+          </p:nvPr>
+        </p:nvSpPr>
+        <p:spPr>
+          <a:xfrm>
+            <a:off x="539552" y="1340768"/>
+            <a:ext cx="8064896" cy="1440160"/>
+          </a:xfrm>
+          <a:ln>
+            <a:solidFill>
+              <a:srgbClr val="C00000"/>
+            </a:solidFill>
+          </a:ln>
+        </p:spPr>
+        <p:txBody>
+          <a:bodyPr>
+            <a:noAutofit/>
+          </a:bodyPr>
+          <a:lstStyle/>
+          <a:p>
+            <a:pPr marL="342900" indent="-342900" algn="l">
+              <a:buClr>
+                <a:srgbClr val="0070C0"/>
+              </a:buClr>
+              <a:buSzPct val="80000"/>
+              <a:buFont typeface="Wingdings" pitchFamily="2" charset="2"/>
+              <a:buChar char="u"/>
+            </a:pPr>
+            <a:r>
+              <a:rPr lang="en-US" altLang="zh-TW" sz="1800" dirty="0">
+                <a:solidFill>
+                  <a:schemeClr val="tx1"/>
+                </a:solidFill>
+              </a:rPr>
+              <a:t>Fill in the </a:t>
+            </a:r>
+          </a:p>
+          <a:p>
+            <a:pPr marL="342900" indent="-342900" algn="l">
+              <a:buClr>
+                <a:srgbClr val="0070C0"/>
+              </a:buClr>
+              <a:buSzPct val="80000"/>
+              <a:buFont typeface="+mj-lt"/>
+              <a:buAutoNum type="arabicPeriod"/>
+            </a:pPr>
+            <a:r>
+              <a:rPr lang="en-US" altLang="zh-TW" sz="1800" dirty="0">
+                <a:solidFill>
+                  <a:schemeClr val="tx1"/>
+                </a:solidFill>
+              </a:rPr>
+              <a:t>User: </a:t>
+            </a:r>
+            <a:r>
+              <a:rPr lang="en-US" altLang="zh-TW" sz="1800" dirty="0">
+                <a:solidFill>
+                  <a:schemeClr val="tx1"/>
+                </a:solidFill>
+                <a:hlinkClick r:id="rId2"/>
+              </a:rPr>
+              <a:t>peter.hp.chen@gmail.com</a:t>
+            </a:r>
+            <a:endParaRPr lang="en-US" altLang="zh-TW" sz="1800" dirty="0">
+              <a:solidFill>
+                <a:schemeClr val="tx1"/>
+              </a:solidFill>
+            </a:endParaRPr>
+          </a:p>
+          <a:p>
+            <a:pPr marL="342900" indent="-342900" algn="l">
+              <a:buClr>
+                <a:srgbClr val="0070C0"/>
+              </a:buClr>
+              <a:buSzPct val="80000"/>
+              <a:buFont typeface="+mj-lt"/>
+              <a:buAutoNum type="arabicPeriod"/>
+            </a:pPr>
+            <a:r>
+              <a:rPr lang="en-US" altLang="zh-TW" sz="1800" dirty="0">
+                <a:solidFill>
+                  <a:schemeClr val="tx1"/>
+                </a:solidFill>
+              </a:rPr>
+              <a:t>Password: PCXXXX=XX</a:t>
+            </a:r>
+          </a:p>
+          <a:p>
+            <a:pPr marL="342900" indent="-342900" algn="l">
+              <a:buClr>
+                <a:srgbClr val="0070C0"/>
+              </a:buClr>
+              <a:buSzPct val="80000"/>
+              <a:buFont typeface="+mj-lt"/>
+              <a:buAutoNum type="arabicPeriod"/>
+            </a:pPr>
+            <a:r>
+              <a:rPr lang="en-US" altLang="zh-TW" sz="1800" dirty="0">
+                <a:solidFill>
+                  <a:schemeClr val="tx1"/>
+                </a:solidFill>
+              </a:rPr>
+              <a:t>Click “Log in”</a:t>
+            </a:r>
+          </a:p>
+          <a:p>
+            <a:pPr marL="342900" indent="-342900" algn="l">
+              <a:buClr>
+                <a:srgbClr val="0070C0"/>
+              </a:buClr>
+              <a:buSzPct val="80000"/>
+              <a:buFont typeface="Wingdings" pitchFamily="2" charset="2"/>
+              <a:buChar char="u"/>
+            </a:pPr>
+            <a:endParaRPr lang="en-US" altLang="zh-TW" sz="1800" dirty="0">
+              <a:solidFill>
+                <a:schemeClr val="tx1"/>
+              </a:solidFill>
+            </a:endParaRPr>
+          </a:p>
+        </p:txBody>
+      </p:sp>
+      <p:sp>
+        <p:nvSpPr>
+          <p:cNvPr id="4" name="標題 1"/>
+          <p:cNvSpPr txBox="1">
+            <a:spLocks/>
+          </p:cNvSpPr>
+          <p:nvPr/>
+        </p:nvSpPr>
+        <p:spPr>
+          <a:xfrm>
+            <a:off x="0" y="764704"/>
+            <a:ext cx="9144000" cy="398616"/>
+          </a:xfrm>
+          <a:prstGeom prst="rect">
+            <a:avLst/>
+          </a:prstGeom>
+          <a:gradFill flip="none" rotWithShape="1">
+            <a:gsLst>
+              <a:gs pos="0">
+                <a:srgbClr val="00B0F0">
+                  <a:shade val="30000"/>
+                  <a:satMod val="115000"/>
+                </a:srgbClr>
+              </a:gs>
+              <a:gs pos="50000">
+                <a:srgbClr val="00B0F0">
+                  <a:shade val="67500"/>
+                  <a:satMod val="115000"/>
+                </a:srgbClr>
+              </a:gs>
+              <a:gs pos="100000">
+                <a:srgbClr val="00B0F0">
+                  <a:shade val="100000"/>
+                  <a:satMod val="115000"/>
+                </a:srgbClr>
+              </a:gs>
+            </a:gsLst>
+            <a:path path="circle">
+              <a:fillToRect t="100000" r="100000"/>
+            </a:path>
+            <a:tileRect l="-100000" b="-100000"/>
+          </a:gradFill>
+        </p:spPr>
+        <p:txBody>
+          <a:bodyPr vert="horz" lIns="91440" tIns="45720" rIns="91440" bIns="45720" rtlCol="0" anchor="ctr">
+            <a:normAutofit/>
+          </a:bodyPr>
+          <a:lstStyle/>
+          <a:p>
+            <a:pPr lvl="0">
+              <a:spcBef>
+                <a:spcPct val="0"/>
+              </a:spcBef>
+            </a:pPr>
+            <a:r>
+              <a:rPr lang="en-US" sz="1600" dirty="0">
+                <a:hlinkClick r:id="rId3"/>
+              </a:rPr>
+              <a:t>https://www.youtube.com/watch?v=Huwf0TgWrOw&amp;list=PLsyeobzWxl7q2eaUkorLZExfd7qko9sZC&amp;index=7</a:t>
+            </a:r>
+            <a:endParaRPr kumimoji="0" lang="zh-TW" altLang="en-US" sz="1600" b="0" i="0" u="none" strike="noStrike" kern="1200" cap="none" spc="0" normalizeH="0" baseline="0" noProof="0" dirty="0">
+              <a:ln>
+                <a:noFill/>
+              </a:ln>
+              <a:solidFill>
+                <a:schemeClr val="tx1"/>
+              </a:solidFill>
+              <a:effectLst/>
+              <a:uLnTx/>
+              <a:uFillTx/>
+              <a:latin typeface="+mj-lt"/>
+              <a:ea typeface="+mj-ea"/>
+              <a:cs typeface="+mj-cs"/>
+            </a:endParaRPr>
+          </a:p>
+        </p:txBody>
+      </p:sp>
+      <p:sp>
+        <p:nvSpPr>
+          <p:cNvPr id="5" name="日期版面配置區 4"/>
+          <p:cNvSpPr>
+            <a:spLocks noGrp="1"/>
+          </p:cNvSpPr>
+          <p:nvPr>
+            <p:ph type="dt" sz="half" idx="10"/>
+          </p:nvPr>
+        </p:nvSpPr>
+        <p:spPr>
+          <a:xfrm>
+            <a:off x="457200" y="6356350"/>
+            <a:ext cx="2133600" cy="404246"/>
+          </a:xfrm>
+        </p:spPr>
+        <p:txBody>
+          <a:bodyPr/>
+          <a:lstStyle/>
+          <a:p>
+            <a:fld id="{A4F910E6-8D00-4BAF-8C48-9688E0B449D3}" type="datetime1">
+              <a:rPr lang="zh-TW" altLang="en-US" smtClean="0"/>
+              <a:pPr/>
+              <a:t>2019/5/12</a:t>
+            </a:fld>
+            <a:endParaRPr lang="zh-TW" altLang="en-US"/>
+          </a:p>
+        </p:txBody>
+      </p:sp>
+      <p:sp>
+        <p:nvSpPr>
+          <p:cNvPr id="6" name="投影片編號版面配置區 5"/>
+          <p:cNvSpPr>
+            <a:spLocks noGrp="1"/>
+          </p:cNvSpPr>
+          <p:nvPr>
+            <p:ph type="sldNum" sz="quarter" idx="12"/>
+          </p:nvPr>
+        </p:nvSpPr>
+        <p:spPr>
+          <a:xfrm>
+            <a:off x="6485413" y="6340007"/>
+            <a:ext cx="2133600" cy="404246"/>
+          </a:xfrm>
+        </p:spPr>
+        <p:txBody>
+          <a:bodyPr/>
+          <a:lstStyle/>
+          <a:p>
+            <a:fld id="{E4D7E63D-91F2-4366-A2C4-1B00C9E2590E}" type="slidenum">
+              <a:rPr lang="zh-TW" altLang="en-US" smtClean="0"/>
+              <a:pPr/>
+              <a:t>30</a:t>
+            </a:fld>
+            <a:endParaRPr lang="zh-TW" altLang="en-US"/>
+          </a:p>
+        </p:txBody>
+      </p:sp>
+      <p:pic>
+        <p:nvPicPr>
+          <p:cNvPr id="7" name="Picture 6">
+            <a:extLst>
+              <a:ext uri="{FF2B5EF4-FFF2-40B4-BE49-F238E27FC236}">
+                <a16:creationId xmlns:a16="http://schemas.microsoft.com/office/drawing/2014/main" id="{14C87FBA-954F-4955-8299-CF73E100F45F}"/>
+              </a:ext>
+            </a:extLst>
+          </p:cNvPr>
+          <p:cNvPicPr>
+            <a:picLocks noChangeAspect="1"/>
+          </p:cNvPicPr>
+          <p:nvPr/>
+        </p:nvPicPr>
+        <p:blipFill>
+          <a:blip r:embed="rId4"/>
+          <a:stretch>
+            <a:fillRect/>
+          </a:stretch>
+        </p:blipFill>
+        <p:spPr>
+          <a:xfrm>
+            <a:off x="2123728" y="3398342"/>
+            <a:ext cx="4219575" cy="1685925"/>
+          </a:xfrm>
+          <a:prstGeom prst="rect">
+            <a:avLst/>
+          </a:prstGeom>
+          <a:ln>
+            <a:solidFill>
+              <a:srgbClr val="C00000"/>
+            </a:solidFill>
+          </a:ln>
+        </p:spPr>
+      </p:pic>
+    </p:spTree>
+    <p:extLst>
+      <p:ext uri="{BB962C8B-B14F-4D97-AF65-F5344CB8AC3E}">
+        <p14:creationId xmlns:p14="http://schemas.microsoft.com/office/powerpoint/2010/main" val="1902883989"/>
+      </p:ext>
+    </p:extLst>
+  </p:cSld>
+  <p:clrMapOvr>
+    <a:masterClrMapping/>
+  </p:clrMapOvr>
+</p:sld>
+</file>
+
+<file path=ppt/slides/slide31.xml><?xml version="1.0" encoding="utf-8"?>
+<p:sld xmlns:a="http://schemas.openxmlformats.org/drawingml/2006/main" xmlns:r="http://schemas.openxmlformats.org/officeDocument/2006/relationships" xmlns:p="http://schemas.openxmlformats.org/presentationml/2006/main">
+  <p:cSld>
+    <p:spTree>
+      <p:nvGrpSpPr>
+        <p:cNvPr id="1" name=""/>
+        <p:cNvGrpSpPr/>
+        <p:nvPr/>
+      </p:nvGrpSpPr>
+      <p:grpSpPr>
+        <a:xfrm>
+          <a:off x="0" y="0"/>
+          <a:ext cx="0" cy="0"/>
+          <a:chOff x="0" y="0"/>
+          <a:chExt cx="0" cy="0"/>
+        </a:xfrm>
+      </p:grpSpPr>
+      <p:sp>
+        <p:nvSpPr>
+          <p:cNvPr id="2" name="標題 1"/>
+          <p:cNvSpPr>
+            <a:spLocks noGrp="1"/>
+          </p:cNvSpPr>
+          <p:nvPr>
+            <p:ph type="ctrTitle"/>
+          </p:nvPr>
+        </p:nvSpPr>
+        <p:spPr>
+          <a:xfrm>
+            <a:off x="0" y="1"/>
+            <a:ext cx="9144000" cy="764704"/>
+          </a:xfrm>
+          <a:gradFill flip="none" rotWithShape="1">
+            <a:gsLst>
+              <a:gs pos="0">
+                <a:srgbClr val="C00000">
+                  <a:shade val="30000"/>
+                  <a:satMod val="115000"/>
+                </a:srgbClr>
+              </a:gs>
+              <a:gs pos="50000">
+                <a:srgbClr val="C00000">
+                  <a:shade val="67500"/>
+                  <a:satMod val="115000"/>
+                </a:srgbClr>
+              </a:gs>
+              <a:gs pos="100000">
+                <a:srgbClr val="C00000">
+                  <a:shade val="100000"/>
+                  <a:satMod val="115000"/>
+                </a:srgbClr>
+              </a:gs>
+            </a:gsLst>
+            <a:path path="circle">
+              <a:fillToRect t="100000" r="100000"/>
+            </a:path>
+            <a:tileRect l="-100000" b="-100000"/>
+          </a:gradFill>
+        </p:spPr>
+        <p:txBody>
+          <a:bodyPr>
+            <a:normAutofit/>
+          </a:bodyPr>
+          <a:lstStyle/>
+          <a:p>
+            <a:pPr algn="l"/>
+            <a:r>
+              <a:rPr lang="en-US" altLang="zh-TW" b="1" dirty="0">
+                <a:solidFill>
+                  <a:srgbClr val="FFFF00"/>
+                </a:solidFill>
+              </a:rPr>
+              <a:t>6.6 Use Eclipse and </a:t>
+            </a:r>
+            <a:r>
+              <a:rPr lang="en-US" altLang="zh-TW" b="1" dirty="0" err="1">
+                <a:solidFill>
+                  <a:srgbClr val="FFFF00"/>
+                </a:solidFill>
+              </a:rPr>
+              <a:t>EGit</a:t>
+            </a:r>
+            <a:endParaRPr lang="zh-TW" altLang="en-US" b="1" dirty="0">
+              <a:solidFill>
+                <a:srgbClr val="FFFF00"/>
+              </a:solidFill>
+            </a:endParaRPr>
+          </a:p>
+        </p:txBody>
+      </p:sp>
+      <p:sp>
+        <p:nvSpPr>
+          <p:cNvPr id="3" name="副標題 2"/>
+          <p:cNvSpPr>
+            <a:spLocks noGrp="1"/>
+          </p:cNvSpPr>
+          <p:nvPr>
+            <p:ph type="subTitle" idx="1"/>
+          </p:nvPr>
+        </p:nvSpPr>
+        <p:spPr>
+          <a:xfrm>
+            <a:off x="539552" y="1340768"/>
+            <a:ext cx="8064896" cy="1440160"/>
+          </a:xfrm>
+          <a:ln>
+            <a:solidFill>
+              <a:srgbClr val="C00000"/>
+            </a:solidFill>
+          </a:ln>
+        </p:spPr>
+        <p:txBody>
+          <a:bodyPr>
+            <a:noAutofit/>
+          </a:bodyPr>
+          <a:lstStyle/>
+          <a:p>
+            <a:pPr marL="342900" indent="-342900" algn="l">
+              <a:buClr>
+                <a:srgbClr val="0070C0"/>
+              </a:buClr>
+              <a:buSzPct val="80000"/>
+              <a:buFont typeface="Wingdings" pitchFamily="2" charset="2"/>
+              <a:buChar char="u"/>
+            </a:pPr>
+            <a:r>
+              <a:rPr lang="en-US" altLang="zh-TW" sz="1800" dirty="0">
+                <a:solidFill>
+                  <a:schemeClr val="tx1"/>
+                </a:solidFill>
+              </a:rPr>
+              <a:t>Display the successful message without error:</a:t>
+            </a:r>
+          </a:p>
+          <a:p>
+            <a:pPr marL="342900" indent="-342900" algn="l">
+              <a:buClr>
+                <a:srgbClr val="0070C0"/>
+              </a:buClr>
+              <a:buSzPct val="80000"/>
+              <a:buFont typeface="Wingdings" pitchFamily="2" charset="2"/>
+              <a:buChar char="u"/>
+            </a:pPr>
+            <a:r>
+              <a:rPr lang="en-US" altLang="zh-TW" sz="1800" dirty="0">
+                <a:solidFill>
+                  <a:schemeClr val="tx1"/>
+                </a:solidFill>
+              </a:rPr>
+              <a:t>Master -&gt; master [</a:t>
+            </a:r>
+            <a:r>
+              <a:rPr lang="en-US" altLang="zh-TW" sz="1800" dirty="0" err="1">
+                <a:solidFill>
+                  <a:schemeClr val="tx1"/>
+                </a:solidFill>
+              </a:rPr>
+              <a:t>xxxxx</a:t>
+            </a:r>
+            <a:r>
+              <a:rPr lang="en-US" altLang="zh-TW" sz="1800" dirty="0">
+                <a:solidFill>
+                  <a:schemeClr val="tx1"/>
+                </a:solidFill>
+              </a:rPr>
+              <a:t>…</a:t>
+            </a:r>
+            <a:r>
+              <a:rPr lang="en-US" altLang="zh-TW" sz="1800" dirty="0" err="1">
+                <a:solidFill>
+                  <a:schemeClr val="tx1"/>
+                </a:solidFill>
+              </a:rPr>
+              <a:t>xxxxxx</a:t>
+            </a:r>
+            <a:r>
+              <a:rPr lang="en-US" altLang="zh-TW" sz="1800" dirty="0">
+                <a:solidFill>
+                  <a:schemeClr val="tx1"/>
+                </a:solidFill>
+              </a:rPr>
+              <a:t>]</a:t>
+            </a:r>
+          </a:p>
+          <a:p>
+            <a:pPr marL="342900" indent="-342900" algn="l">
+              <a:buClr>
+                <a:srgbClr val="0070C0"/>
+              </a:buClr>
+              <a:buSzPct val="80000"/>
+              <a:buFont typeface="Wingdings" pitchFamily="2" charset="2"/>
+              <a:buChar char="u"/>
+            </a:pPr>
+            <a:r>
+              <a:rPr lang="en-US" altLang="zh-TW" sz="1800" dirty="0">
+                <a:solidFill>
+                  <a:schemeClr val="tx1"/>
+                </a:solidFill>
+              </a:rPr>
+              <a:t>&gt;….: Push to GitHub “Test 05”</a:t>
+            </a:r>
+          </a:p>
+          <a:p>
+            <a:pPr marL="342900" indent="-342900" algn="l">
+              <a:buClr>
+                <a:srgbClr val="0070C0"/>
+              </a:buClr>
+              <a:buSzPct val="80000"/>
+              <a:buFont typeface="Wingdings" pitchFamily="2" charset="2"/>
+              <a:buChar char="u"/>
+            </a:pPr>
+            <a:r>
+              <a:rPr lang="en-US" altLang="zh-TW" sz="1800" dirty="0">
+                <a:solidFill>
+                  <a:schemeClr val="tx1"/>
+                </a:solidFill>
+              </a:rPr>
+              <a:t>Click “Close”</a:t>
+            </a:r>
+          </a:p>
+          <a:p>
+            <a:pPr marL="342900" indent="-342900" algn="l">
+              <a:buClr>
+                <a:srgbClr val="0070C0"/>
+              </a:buClr>
+              <a:buSzPct val="80000"/>
+              <a:buFont typeface="Wingdings" pitchFamily="2" charset="2"/>
+              <a:buChar char="u"/>
+            </a:pPr>
+            <a:endParaRPr lang="en-US" altLang="zh-TW" sz="1800" dirty="0">
+              <a:solidFill>
+                <a:schemeClr val="tx1"/>
+              </a:solidFill>
+            </a:endParaRPr>
+          </a:p>
+        </p:txBody>
+      </p:sp>
+      <p:sp>
+        <p:nvSpPr>
+          <p:cNvPr id="4" name="標題 1"/>
+          <p:cNvSpPr txBox="1">
+            <a:spLocks/>
+          </p:cNvSpPr>
+          <p:nvPr/>
+        </p:nvSpPr>
+        <p:spPr>
+          <a:xfrm>
+            <a:off x="0" y="764704"/>
+            <a:ext cx="9144000" cy="398616"/>
+          </a:xfrm>
+          <a:prstGeom prst="rect">
+            <a:avLst/>
+          </a:prstGeom>
+          <a:gradFill flip="none" rotWithShape="1">
+            <a:gsLst>
+              <a:gs pos="0">
+                <a:srgbClr val="00B0F0">
+                  <a:shade val="30000"/>
+                  <a:satMod val="115000"/>
+                </a:srgbClr>
+              </a:gs>
+              <a:gs pos="50000">
+                <a:srgbClr val="00B0F0">
+                  <a:shade val="67500"/>
+                  <a:satMod val="115000"/>
+                </a:srgbClr>
+              </a:gs>
+              <a:gs pos="100000">
+                <a:srgbClr val="00B0F0">
+                  <a:shade val="100000"/>
+                  <a:satMod val="115000"/>
+                </a:srgbClr>
+              </a:gs>
+            </a:gsLst>
+            <a:path path="circle">
+              <a:fillToRect t="100000" r="100000"/>
+            </a:path>
+            <a:tileRect l="-100000" b="-100000"/>
+          </a:gradFill>
+        </p:spPr>
+        <p:txBody>
+          <a:bodyPr vert="horz" lIns="91440" tIns="45720" rIns="91440" bIns="45720" rtlCol="0" anchor="ctr">
+            <a:normAutofit/>
+          </a:bodyPr>
+          <a:lstStyle/>
+          <a:p>
+            <a:pPr lvl="0">
+              <a:spcBef>
+                <a:spcPct val="0"/>
+              </a:spcBef>
+            </a:pPr>
+            <a:r>
+              <a:rPr lang="en-US" sz="1600" dirty="0">
+                <a:hlinkClick r:id="rId2"/>
+              </a:rPr>
+              <a:t>https://www.youtube.com/watch?v=Huwf0TgWrOw&amp;list=PLsyeobzWxl7q2eaUkorLZExfd7qko9sZC&amp;index=7</a:t>
+            </a:r>
+            <a:endParaRPr kumimoji="0" lang="zh-TW" altLang="en-US" sz="1600" b="0" i="0" u="none" strike="noStrike" kern="1200" cap="none" spc="0" normalizeH="0" baseline="0" noProof="0" dirty="0">
+              <a:ln>
+                <a:noFill/>
+              </a:ln>
+              <a:solidFill>
+                <a:schemeClr val="tx1"/>
+              </a:solidFill>
+              <a:effectLst/>
+              <a:uLnTx/>
+              <a:uFillTx/>
+              <a:latin typeface="+mj-lt"/>
+              <a:ea typeface="+mj-ea"/>
+              <a:cs typeface="+mj-cs"/>
+            </a:endParaRPr>
+          </a:p>
+        </p:txBody>
+      </p:sp>
+      <p:sp>
+        <p:nvSpPr>
+          <p:cNvPr id="5" name="日期版面配置區 4"/>
+          <p:cNvSpPr>
+            <a:spLocks noGrp="1"/>
+          </p:cNvSpPr>
+          <p:nvPr>
+            <p:ph type="dt" sz="half" idx="10"/>
+          </p:nvPr>
+        </p:nvSpPr>
+        <p:spPr>
+          <a:xfrm>
+            <a:off x="457200" y="6356350"/>
+            <a:ext cx="2133600" cy="404246"/>
+          </a:xfrm>
+        </p:spPr>
+        <p:txBody>
+          <a:bodyPr/>
+          <a:lstStyle/>
+          <a:p>
+            <a:fld id="{A4F910E6-8D00-4BAF-8C48-9688E0B449D3}" type="datetime1">
+              <a:rPr lang="zh-TW" altLang="en-US" smtClean="0"/>
+              <a:pPr/>
+              <a:t>2019/5/12</a:t>
+            </a:fld>
+            <a:endParaRPr lang="zh-TW" altLang="en-US"/>
+          </a:p>
+        </p:txBody>
+      </p:sp>
+      <p:sp>
+        <p:nvSpPr>
+          <p:cNvPr id="6" name="投影片編號版面配置區 5"/>
+          <p:cNvSpPr>
+            <a:spLocks noGrp="1"/>
+          </p:cNvSpPr>
+          <p:nvPr>
+            <p:ph type="sldNum" sz="quarter" idx="12"/>
+          </p:nvPr>
+        </p:nvSpPr>
+        <p:spPr>
+          <a:xfrm>
+            <a:off x="6485413" y="6340007"/>
+            <a:ext cx="2133600" cy="404246"/>
+          </a:xfrm>
+        </p:spPr>
+        <p:txBody>
+          <a:bodyPr/>
+          <a:lstStyle/>
+          <a:p>
+            <a:fld id="{E4D7E63D-91F2-4366-A2C4-1B00C9E2590E}" type="slidenum">
+              <a:rPr lang="zh-TW" altLang="en-US" smtClean="0"/>
+              <a:pPr/>
+              <a:t>31</a:t>
+            </a:fld>
+            <a:endParaRPr lang="zh-TW" altLang="en-US"/>
+          </a:p>
+        </p:txBody>
+      </p:sp>
+      <p:pic>
+        <p:nvPicPr>
+          <p:cNvPr id="8" name="Picture 7">
+            <a:extLst>
+              <a:ext uri="{FF2B5EF4-FFF2-40B4-BE49-F238E27FC236}">
+                <a16:creationId xmlns:a16="http://schemas.microsoft.com/office/drawing/2014/main" id="{BA4B26F1-53E2-4810-8B85-F47525799A27}"/>
+              </a:ext>
+            </a:extLst>
+          </p:cNvPr>
+          <p:cNvPicPr>
+            <a:picLocks noChangeAspect="1"/>
+          </p:cNvPicPr>
+          <p:nvPr/>
+        </p:nvPicPr>
+        <p:blipFill>
+          <a:blip r:embed="rId3"/>
+          <a:stretch>
+            <a:fillRect/>
+          </a:stretch>
+        </p:blipFill>
+        <p:spPr>
+          <a:xfrm>
+            <a:off x="2267744" y="2854511"/>
+            <a:ext cx="5120655" cy="3516026"/>
+          </a:xfrm>
+          <a:prstGeom prst="rect">
+            <a:avLst/>
+          </a:prstGeom>
+          <a:solidFill>
+            <a:srgbClr val="FFFF00"/>
+          </a:solidFill>
+          <a:ln>
+            <a:solidFill>
+              <a:srgbClr val="C00000"/>
+            </a:solidFill>
+          </a:ln>
+        </p:spPr>
+      </p:pic>
+    </p:spTree>
+    <p:extLst>
+      <p:ext uri="{BB962C8B-B14F-4D97-AF65-F5344CB8AC3E}">
+        <p14:creationId xmlns:p14="http://schemas.microsoft.com/office/powerpoint/2010/main" val="3424657231"/>
+      </p:ext>
+    </p:extLst>
+  </p:cSld>
+  <p:clrMapOvr>
+    <a:masterClrMapping/>
+  </p:clrMapOvr>
+</p:sld>
+</file>
+
+<file path=ppt/slides/slide32.xml><?xml version="1.0" encoding="utf-8"?>
+<p:sld xmlns:a="http://schemas.openxmlformats.org/drawingml/2006/main" xmlns:r="http://schemas.openxmlformats.org/officeDocument/2006/relationships" xmlns:p="http://schemas.openxmlformats.org/presentationml/2006/main">
+  <p:cSld>
+    <p:spTree>
+      <p:nvGrpSpPr>
+        <p:cNvPr id="1" name=""/>
+        <p:cNvGrpSpPr/>
+        <p:nvPr/>
+      </p:nvGrpSpPr>
+      <p:grpSpPr>
+        <a:xfrm>
+          <a:off x="0" y="0"/>
+          <a:ext cx="0" cy="0"/>
+          <a:chOff x="0" y="0"/>
+          <a:chExt cx="0" cy="0"/>
+        </a:xfrm>
+      </p:grpSpPr>
+      <p:sp>
+        <p:nvSpPr>
+          <p:cNvPr id="2" name="標題 1"/>
+          <p:cNvSpPr>
+            <a:spLocks noGrp="1"/>
+          </p:cNvSpPr>
+          <p:nvPr>
+            <p:ph type="ctrTitle"/>
+          </p:nvPr>
+        </p:nvSpPr>
+        <p:spPr>
+          <a:xfrm>
+            <a:off x="0" y="1"/>
+            <a:ext cx="9144000" cy="764704"/>
+          </a:xfrm>
+          <a:gradFill flip="none" rotWithShape="1">
+            <a:gsLst>
+              <a:gs pos="0">
+                <a:srgbClr val="C00000">
+                  <a:shade val="30000"/>
+                  <a:satMod val="115000"/>
+                </a:srgbClr>
+              </a:gs>
+              <a:gs pos="50000">
+                <a:srgbClr val="C00000">
+                  <a:shade val="67500"/>
+                  <a:satMod val="115000"/>
+                </a:srgbClr>
+              </a:gs>
+              <a:gs pos="100000">
+                <a:srgbClr val="C00000">
+                  <a:shade val="100000"/>
+                  <a:satMod val="115000"/>
+                </a:srgbClr>
+              </a:gs>
+            </a:gsLst>
+            <a:path path="circle">
+              <a:fillToRect t="100000" r="100000"/>
+            </a:path>
+            <a:tileRect l="-100000" b="-100000"/>
+          </a:gradFill>
+        </p:spPr>
+        <p:txBody>
+          <a:bodyPr>
+            <a:normAutofit/>
+          </a:bodyPr>
+          <a:lstStyle/>
+          <a:p>
+            <a:pPr algn="l"/>
+            <a:r>
+              <a:rPr lang="en-US" altLang="zh-TW" b="1" dirty="0">
+                <a:solidFill>
+                  <a:srgbClr val="FFFF00"/>
+                </a:solidFill>
+              </a:rPr>
+              <a:t>6.6 Use Eclipse and </a:t>
+            </a:r>
+            <a:r>
+              <a:rPr lang="en-US" altLang="zh-TW" b="1" dirty="0" err="1">
+                <a:solidFill>
+                  <a:srgbClr val="FFFF00"/>
+                </a:solidFill>
+              </a:rPr>
+              <a:t>EGit</a:t>
+            </a:r>
+            <a:endParaRPr lang="zh-TW" altLang="en-US" b="1" dirty="0">
+              <a:solidFill>
+                <a:srgbClr val="FFFF00"/>
+              </a:solidFill>
+            </a:endParaRPr>
+          </a:p>
+        </p:txBody>
+      </p:sp>
+      <p:sp>
+        <p:nvSpPr>
+          <p:cNvPr id="3" name="副標題 2"/>
+          <p:cNvSpPr>
+            <a:spLocks noGrp="1"/>
+          </p:cNvSpPr>
+          <p:nvPr>
+            <p:ph type="subTitle" idx="1"/>
+          </p:nvPr>
+        </p:nvSpPr>
+        <p:spPr>
+          <a:xfrm>
+            <a:off x="539552" y="1340768"/>
+            <a:ext cx="8064896" cy="792088"/>
+          </a:xfrm>
+          <a:ln>
+            <a:solidFill>
+              <a:srgbClr val="C00000"/>
+            </a:solidFill>
+          </a:ln>
+        </p:spPr>
+        <p:txBody>
+          <a:bodyPr>
+            <a:noAutofit/>
+          </a:bodyPr>
+          <a:lstStyle/>
+          <a:p>
+            <a:pPr marL="342900" indent="-342900" algn="l">
+              <a:buClr>
+                <a:srgbClr val="0070C0"/>
+              </a:buClr>
+              <a:buSzPct val="80000"/>
+              <a:buFont typeface="Wingdings" pitchFamily="2" charset="2"/>
+              <a:buChar char="u"/>
+            </a:pPr>
+            <a:r>
+              <a:rPr lang="en-US" altLang="zh-TW" sz="1800" dirty="0">
+                <a:solidFill>
+                  <a:schemeClr val="tx1"/>
+                </a:solidFill>
+              </a:rPr>
+              <a:t>Click Repository: “300-Eclipse-GithubTest”</a:t>
+            </a:r>
+          </a:p>
+          <a:p>
+            <a:pPr marL="342900" indent="-342900" algn="l">
+              <a:buClr>
+                <a:srgbClr val="0070C0"/>
+              </a:buClr>
+              <a:buSzPct val="80000"/>
+              <a:buFont typeface="Wingdings" pitchFamily="2" charset="2"/>
+              <a:buChar char="u"/>
+            </a:pPr>
+            <a:r>
+              <a:rPr lang="en-US" altLang="zh-TW" sz="1800" dirty="0">
+                <a:solidFill>
+                  <a:schemeClr val="tx1"/>
+                </a:solidFill>
+              </a:rPr>
+              <a:t>Click Project: “</a:t>
+            </a:r>
+            <a:r>
+              <a:rPr lang="en-US" altLang="zh-TW" sz="1800" dirty="0" err="1">
+                <a:solidFill>
+                  <a:schemeClr val="tx1"/>
+                </a:solidFill>
+              </a:rPr>
+              <a:t>GitHubTest</a:t>
+            </a:r>
+            <a:r>
+              <a:rPr lang="en-US" altLang="zh-TW" sz="1800" dirty="0">
+                <a:solidFill>
+                  <a:schemeClr val="tx1"/>
+                </a:solidFill>
+              </a:rPr>
+              <a:t>”</a:t>
+            </a:r>
+          </a:p>
+        </p:txBody>
+      </p:sp>
+      <p:sp>
+        <p:nvSpPr>
+          <p:cNvPr id="4" name="標題 1"/>
+          <p:cNvSpPr txBox="1">
+            <a:spLocks/>
+          </p:cNvSpPr>
+          <p:nvPr/>
+        </p:nvSpPr>
+        <p:spPr>
+          <a:xfrm>
+            <a:off x="0" y="764704"/>
+            <a:ext cx="9144000" cy="398616"/>
+          </a:xfrm>
+          <a:prstGeom prst="rect">
+            <a:avLst/>
+          </a:prstGeom>
+          <a:gradFill flip="none" rotWithShape="1">
+            <a:gsLst>
+              <a:gs pos="0">
+                <a:srgbClr val="00B0F0">
+                  <a:shade val="30000"/>
+                  <a:satMod val="115000"/>
+                </a:srgbClr>
+              </a:gs>
+              <a:gs pos="50000">
+                <a:srgbClr val="00B0F0">
+                  <a:shade val="67500"/>
+                  <a:satMod val="115000"/>
+                </a:srgbClr>
+              </a:gs>
+              <a:gs pos="100000">
+                <a:srgbClr val="00B0F0">
+                  <a:shade val="100000"/>
+                  <a:satMod val="115000"/>
+                </a:srgbClr>
+              </a:gs>
+            </a:gsLst>
+            <a:path path="circle">
+              <a:fillToRect t="100000" r="100000"/>
+            </a:path>
+            <a:tileRect l="-100000" b="-100000"/>
+          </a:gradFill>
+        </p:spPr>
+        <p:txBody>
+          <a:bodyPr vert="horz" lIns="91440" tIns="45720" rIns="91440" bIns="45720" rtlCol="0" anchor="ctr">
+            <a:normAutofit/>
+          </a:bodyPr>
+          <a:lstStyle/>
+          <a:p>
+            <a:pPr lvl="0">
+              <a:spcBef>
+                <a:spcPct val="0"/>
+              </a:spcBef>
+            </a:pPr>
+            <a:r>
+              <a:rPr lang="en-US" sz="1600" dirty="0">
+                <a:hlinkClick r:id="rId2"/>
+              </a:rPr>
+              <a:t>https://www.youtube.com/watch?v=Huwf0TgWrOw&amp;list=PLsyeobzWxl7q2eaUkorLZExfd7qko9sZC&amp;index=7</a:t>
+            </a:r>
+            <a:endParaRPr kumimoji="0" lang="zh-TW" altLang="en-US" sz="1600" b="0" i="0" u="none" strike="noStrike" kern="1200" cap="none" spc="0" normalizeH="0" baseline="0" noProof="0" dirty="0">
+              <a:ln>
+                <a:noFill/>
+              </a:ln>
+              <a:solidFill>
+                <a:schemeClr val="tx1"/>
+              </a:solidFill>
+              <a:effectLst/>
+              <a:uLnTx/>
+              <a:uFillTx/>
+              <a:latin typeface="+mj-lt"/>
+              <a:ea typeface="+mj-ea"/>
+              <a:cs typeface="+mj-cs"/>
+            </a:endParaRPr>
+          </a:p>
+        </p:txBody>
+      </p:sp>
+      <p:sp>
+        <p:nvSpPr>
+          <p:cNvPr id="5" name="日期版面配置區 4"/>
+          <p:cNvSpPr>
+            <a:spLocks noGrp="1"/>
+          </p:cNvSpPr>
+          <p:nvPr>
+            <p:ph type="dt" sz="half" idx="10"/>
+          </p:nvPr>
+        </p:nvSpPr>
+        <p:spPr>
+          <a:xfrm>
+            <a:off x="457200" y="6356350"/>
+            <a:ext cx="2133600" cy="404246"/>
+          </a:xfrm>
+        </p:spPr>
+        <p:txBody>
+          <a:bodyPr/>
+          <a:lstStyle/>
+          <a:p>
+            <a:fld id="{A4F910E6-8D00-4BAF-8C48-9688E0B449D3}" type="datetime1">
+              <a:rPr lang="zh-TW" altLang="en-US" smtClean="0"/>
+              <a:pPr/>
+              <a:t>2019/5/12</a:t>
+            </a:fld>
+            <a:endParaRPr lang="zh-TW" altLang="en-US"/>
+          </a:p>
+        </p:txBody>
+      </p:sp>
+      <p:sp>
+        <p:nvSpPr>
+          <p:cNvPr id="6" name="投影片編號版面配置區 5"/>
+          <p:cNvSpPr>
+            <a:spLocks noGrp="1"/>
+          </p:cNvSpPr>
+          <p:nvPr>
+            <p:ph type="sldNum" sz="quarter" idx="12"/>
+          </p:nvPr>
+        </p:nvSpPr>
+        <p:spPr>
+          <a:xfrm>
+            <a:off x="6485413" y="6340007"/>
+            <a:ext cx="2133600" cy="404246"/>
+          </a:xfrm>
+        </p:spPr>
+        <p:txBody>
+          <a:bodyPr/>
+          <a:lstStyle/>
+          <a:p>
+            <a:fld id="{E4D7E63D-91F2-4366-A2C4-1B00C9E2590E}" type="slidenum">
+              <a:rPr lang="zh-TW" altLang="en-US" smtClean="0"/>
+              <a:pPr/>
+              <a:t>32</a:t>
+            </a:fld>
+            <a:endParaRPr lang="zh-TW" altLang="en-US"/>
+          </a:p>
+        </p:txBody>
+      </p:sp>
+      <p:pic>
+        <p:nvPicPr>
+          <p:cNvPr id="10" name="Picture 9">
+            <a:extLst>
+              <a:ext uri="{FF2B5EF4-FFF2-40B4-BE49-F238E27FC236}">
+                <a16:creationId xmlns:a16="http://schemas.microsoft.com/office/drawing/2014/main" id="{3FAC568A-20A3-45E9-A7A1-2A22E8476FBB}"/>
+              </a:ext>
+            </a:extLst>
+          </p:cNvPr>
+          <p:cNvPicPr>
+            <a:picLocks noChangeAspect="1"/>
+          </p:cNvPicPr>
+          <p:nvPr/>
+        </p:nvPicPr>
+        <p:blipFill>
+          <a:blip r:embed="rId3"/>
+          <a:stretch>
+            <a:fillRect/>
+          </a:stretch>
+        </p:blipFill>
+        <p:spPr>
+          <a:xfrm>
+            <a:off x="1524000" y="2495636"/>
+            <a:ext cx="6156176" cy="4034757"/>
+          </a:xfrm>
+          <a:prstGeom prst="rect">
+            <a:avLst/>
+          </a:prstGeom>
+          <a:ln>
+            <a:solidFill>
+              <a:srgbClr val="C00000"/>
+            </a:solidFill>
+          </a:ln>
+        </p:spPr>
+      </p:pic>
+      <p:sp>
+        <p:nvSpPr>
+          <p:cNvPr id="11" name="Rectangle 10">
+            <a:extLst>
+              <a:ext uri="{FF2B5EF4-FFF2-40B4-BE49-F238E27FC236}">
+                <a16:creationId xmlns:a16="http://schemas.microsoft.com/office/drawing/2014/main" id="{6914B6F3-AE7C-49E4-91B8-DF27DEFECF9B}"/>
+              </a:ext>
+            </a:extLst>
+          </p:cNvPr>
+          <p:cNvSpPr/>
+          <p:nvPr/>
+        </p:nvSpPr>
+        <p:spPr>
+          <a:xfrm>
+            <a:off x="1979712" y="4988199"/>
+            <a:ext cx="1008112" cy="398615"/>
+          </a:xfrm>
+          <a:prstGeom prst="rect">
+            <a:avLst/>
+          </a:prstGeom>
+          <a:noFill/>
+          <a:ln>
+            <a:solidFill>
+              <a:srgbClr val="C00000"/>
+            </a:solidFill>
+          </a:ln>
+        </p:spPr>
+        <p:style>
+          <a:lnRef idx="2">
+            <a:schemeClr val="accent1">
+              <a:shade val="50000"/>
+            </a:schemeClr>
+          </a:lnRef>
+          <a:fillRef idx="1">
+            <a:schemeClr val="accent1"/>
+          </a:fillRef>
+          <a:effectRef idx="0">
+            <a:schemeClr val="accent1"/>
+          </a:effectRef>
+          <a:fontRef idx="minor">
+            <a:schemeClr val="lt1"/>
+          </a:fontRef>
+        </p:style>
+        <p:txBody>
+          <a:bodyPr rtlCol="0" anchor="ctr"/>
+          <a:lstStyle/>
+          <a:p>
+            <a:pPr algn="ctr"/>
+            <a:endParaRPr lang="en-US"/>
+          </a:p>
+        </p:txBody>
+      </p:sp>
+    </p:spTree>
+    <p:extLst>
+      <p:ext uri="{BB962C8B-B14F-4D97-AF65-F5344CB8AC3E}">
+        <p14:creationId xmlns:p14="http://schemas.microsoft.com/office/powerpoint/2010/main" val="114434660"/>
+      </p:ext>
+    </p:extLst>
+  </p:cSld>
+  <p:clrMapOvr>
+    <a:masterClrMapping/>
+  </p:clrMapOvr>
+</p:sld>
+</file>
+
+<file path=ppt/slides/slide33.xml><?xml version="1.0" encoding="utf-8"?>
+<p:sld xmlns:a="http://schemas.openxmlformats.org/drawingml/2006/main" xmlns:r="http://schemas.openxmlformats.org/officeDocument/2006/relationships" xmlns:p="http://schemas.openxmlformats.org/presentationml/2006/main">
+  <p:cSld>
+    <p:spTree>
+      <p:nvGrpSpPr>
+        <p:cNvPr id="1" name=""/>
+        <p:cNvGrpSpPr/>
+        <p:nvPr/>
+      </p:nvGrpSpPr>
+      <p:grpSpPr>
+        <a:xfrm>
+          <a:off x="0" y="0"/>
+          <a:ext cx="0" cy="0"/>
+          <a:chOff x="0" y="0"/>
+          <a:chExt cx="0" cy="0"/>
+        </a:xfrm>
+      </p:grpSpPr>
+      <p:sp>
+        <p:nvSpPr>
+          <p:cNvPr id="2" name="標題 1"/>
+          <p:cNvSpPr>
+            <a:spLocks noGrp="1"/>
+          </p:cNvSpPr>
+          <p:nvPr>
+            <p:ph type="ctrTitle"/>
+          </p:nvPr>
+        </p:nvSpPr>
+        <p:spPr>
+          <a:xfrm>
+            <a:off x="0" y="1"/>
+            <a:ext cx="9144000" cy="764704"/>
+          </a:xfrm>
+          <a:gradFill flip="none" rotWithShape="1">
+            <a:gsLst>
+              <a:gs pos="0">
+                <a:srgbClr val="C00000">
+                  <a:shade val="30000"/>
+                  <a:satMod val="115000"/>
+                </a:srgbClr>
+              </a:gs>
+              <a:gs pos="50000">
+                <a:srgbClr val="C00000">
+                  <a:shade val="67500"/>
+                  <a:satMod val="115000"/>
+                </a:srgbClr>
+              </a:gs>
+              <a:gs pos="100000">
+                <a:srgbClr val="C00000">
+                  <a:shade val="100000"/>
+                  <a:satMod val="115000"/>
+                </a:srgbClr>
+              </a:gs>
+            </a:gsLst>
+            <a:path path="circle">
+              <a:fillToRect t="100000" r="100000"/>
+            </a:path>
+            <a:tileRect l="-100000" b="-100000"/>
+          </a:gradFill>
+        </p:spPr>
+        <p:txBody>
+          <a:bodyPr>
+            <a:normAutofit/>
+          </a:bodyPr>
+          <a:lstStyle/>
+          <a:p>
+            <a:pPr algn="l"/>
+            <a:r>
+              <a:rPr lang="en-US" altLang="zh-TW" b="1" dirty="0">
+                <a:solidFill>
+                  <a:srgbClr val="FFFF00"/>
+                </a:solidFill>
+              </a:rPr>
+              <a:t>6.6 Use Eclipse and </a:t>
+            </a:r>
+            <a:r>
+              <a:rPr lang="en-US" altLang="zh-TW" b="1" dirty="0" err="1">
+                <a:solidFill>
+                  <a:srgbClr val="FFFF00"/>
+                </a:solidFill>
+              </a:rPr>
+              <a:t>EGit</a:t>
+            </a:r>
+            <a:endParaRPr lang="zh-TW" altLang="en-US" b="1" dirty="0">
+              <a:solidFill>
+                <a:srgbClr val="FFFF00"/>
+              </a:solidFill>
+            </a:endParaRPr>
+          </a:p>
+        </p:txBody>
+      </p:sp>
+      <p:sp>
+        <p:nvSpPr>
+          <p:cNvPr id="3" name="副標題 2"/>
+          <p:cNvSpPr>
+            <a:spLocks noGrp="1"/>
+          </p:cNvSpPr>
+          <p:nvPr>
+            <p:ph type="subTitle" idx="1"/>
+          </p:nvPr>
+        </p:nvSpPr>
+        <p:spPr>
+          <a:xfrm>
+            <a:off x="539552" y="1340768"/>
+            <a:ext cx="8064896" cy="394353"/>
+          </a:xfrm>
+          <a:ln>
+            <a:solidFill>
+              <a:srgbClr val="C00000"/>
+            </a:solidFill>
+          </a:ln>
+        </p:spPr>
+        <p:txBody>
+          <a:bodyPr>
+            <a:noAutofit/>
+          </a:bodyPr>
+          <a:lstStyle/>
+          <a:p>
+            <a:pPr marL="342900" indent="-342900" algn="l">
+              <a:buClr>
+                <a:srgbClr val="0070C0"/>
+              </a:buClr>
+              <a:buSzPct val="80000"/>
+              <a:buFont typeface="Wingdings" pitchFamily="2" charset="2"/>
+              <a:buChar char="u"/>
+            </a:pPr>
+            <a:r>
+              <a:rPr lang="en-US" altLang="zh-TW" sz="1800" dirty="0">
+                <a:solidFill>
+                  <a:schemeClr val="tx1"/>
+                </a:solidFill>
+              </a:rPr>
+              <a:t>Click “</a:t>
+            </a:r>
+            <a:r>
+              <a:rPr lang="en-US" altLang="zh-TW" sz="1800" dirty="0" err="1">
+                <a:solidFill>
+                  <a:schemeClr val="tx1"/>
+                </a:solidFill>
+              </a:rPr>
+              <a:t>src</a:t>
+            </a:r>
+            <a:r>
+              <a:rPr lang="en-US" altLang="zh-TW" sz="1800" dirty="0">
+                <a:solidFill>
+                  <a:schemeClr val="tx1"/>
+                </a:solidFill>
+              </a:rPr>
+              <a:t>” folder</a:t>
+            </a:r>
+          </a:p>
+        </p:txBody>
+      </p:sp>
+      <p:sp>
+        <p:nvSpPr>
+          <p:cNvPr id="4" name="標題 1"/>
+          <p:cNvSpPr txBox="1">
+            <a:spLocks/>
+          </p:cNvSpPr>
+          <p:nvPr/>
+        </p:nvSpPr>
+        <p:spPr>
+          <a:xfrm>
+            <a:off x="0" y="764704"/>
+            <a:ext cx="9144000" cy="398616"/>
+          </a:xfrm>
+          <a:prstGeom prst="rect">
+            <a:avLst/>
+          </a:prstGeom>
+          <a:gradFill flip="none" rotWithShape="1">
+            <a:gsLst>
+              <a:gs pos="0">
+                <a:srgbClr val="00B0F0">
+                  <a:shade val="30000"/>
+                  <a:satMod val="115000"/>
+                </a:srgbClr>
+              </a:gs>
+              <a:gs pos="50000">
+                <a:srgbClr val="00B0F0">
+                  <a:shade val="67500"/>
+                  <a:satMod val="115000"/>
+                </a:srgbClr>
+              </a:gs>
+              <a:gs pos="100000">
+                <a:srgbClr val="00B0F0">
+                  <a:shade val="100000"/>
+                  <a:satMod val="115000"/>
+                </a:srgbClr>
+              </a:gs>
+            </a:gsLst>
+            <a:path path="circle">
+              <a:fillToRect t="100000" r="100000"/>
+            </a:path>
+            <a:tileRect l="-100000" b="-100000"/>
+          </a:gradFill>
+        </p:spPr>
+        <p:txBody>
+          <a:bodyPr vert="horz" lIns="91440" tIns="45720" rIns="91440" bIns="45720" rtlCol="0" anchor="ctr">
+            <a:normAutofit/>
+          </a:bodyPr>
+          <a:lstStyle/>
+          <a:p>
+            <a:pPr lvl="0">
+              <a:spcBef>
+                <a:spcPct val="0"/>
+              </a:spcBef>
+            </a:pPr>
+            <a:r>
+              <a:rPr lang="en-US" sz="1600" dirty="0">
+                <a:hlinkClick r:id="rId2"/>
+              </a:rPr>
+              <a:t>https://www.youtube.com/watch?v=Huwf0TgWrOw&amp;list=PLsyeobzWxl7q2eaUkorLZExfd7qko9sZC&amp;index=7</a:t>
+            </a:r>
+            <a:endParaRPr kumimoji="0" lang="zh-TW" altLang="en-US" sz="1600" b="0" i="0" u="none" strike="noStrike" kern="1200" cap="none" spc="0" normalizeH="0" baseline="0" noProof="0" dirty="0">
+              <a:ln>
+                <a:noFill/>
+              </a:ln>
+              <a:solidFill>
+                <a:schemeClr val="tx1"/>
+              </a:solidFill>
+              <a:effectLst/>
+              <a:uLnTx/>
+              <a:uFillTx/>
+              <a:latin typeface="+mj-lt"/>
+              <a:ea typeface="+mj-ea"/>
+              <a:cs typeface="+mj-cs"/>
+            </a:endParaRPr>
+          </a:p>
+        </p:txBody>
+      </p:sp>
+      <p:sp>
+        <p:nvSpPr>
+          <p:cNvPr id="5" name="日期版面配置區 4"/>
+          <p:cNvSpPr>
+            <a:spLocks noGrp="1"/>
+          </p:cNvSpPr>
+          <p:nvPr>
+            <p:ph type="dt" sz="half" idx="10"/>
+          </p:nvPr>
+        </p:nvSpPr>
+        <p:spPr>
+          <a:xfrm>
+            <a:off x="457200" y="6356350"/>
+            <a:ext cx="2133600" cy="404246"/>
+          </a:xfrm>
+        </p:spPr>
+        <p:txBody>
+          <a:bodyPr/>
+          <a:lstStyle/>
+          <a:p>
+            <a:fld id="{A4F910E6-8D00-4BAF-8C48-9688E0B449D3}" type="datetime1">
+              <a:rPr lang="zh-TW" altLang="en-US" smtClean="0"/>
+              <a:pPr/>
+              <a:t>2019/5/12</a:t>
+            </a:fld>
+            <a:endParaRPr lang="zh-TW" altLang="en-US"/>
+          </a:p>
+        </p:txBody>
+      </p:sp>
+      <p:sp>
+        <p:nvSpPr>
+          <p:cNvPr id="6" name="投影片編號版面配置區 5"/>
+          <p:cNvSpPr>
+            <a:spLocks noGrp="1"/>
+          </p:cNvSpPr>
+          <p:nvPr>
+            <p:ph type="sldNum" sz="quarter" idx="12"/>
+          </p:nvPr>
+        </p:nvSpPr>
+        <p:spPr>
+          <a:xfrm>
+            <a:off x="6485413" y="6340007"/>
+            <a:ext cx="2133600" cy="404246"/>
+          </a:xfrm>
+        </p:spPr>
+        <p:txBody>
+          <a:bodyPr/>
+          <a:lstStyle/>
+          <a:p>
+            <a:fld id="{E4D7E63D-91F2-4366-A2C4-1B00C9E2590E}" type="slidenum">
+              <a:rPr lang="zh-TW" altLang="en-US" smtClean="0"/>
+              <a:pPr/>
+              <a:t>33</a:t>
+            </a:fld>
+            <a:endParaRPr lang="zh-TW" altLang="en-US"/>
+          </a:p>
+        </p:txBody>
+      </p:sp>
+      <p:pic>
+        <p:nvPicPr>
+          <p:cNvPr id="7" name="Picture 6">
+            <a:extLst>
+              <a:ext uri="{FF2B5EF4-FFF2-40B4-BE49-F238E27FC236}">
+                <a16:creationId xmlns:a16="http://schemas.microsoft.com/office/drawing/2014/main" id="{1750F43B-98AD-44A9-8F9D-D1D2AE2F07A8}"/>
+              </a:ext>
+            </a:extLst>
+          </p:cNvPr>
+          <p:cNvPicPr>
+            <a:picLocks noChangeAspect="1"/>
+          </p:cNvPicPr>
+          <p:nvPr/>
+        </p:nvPicPr>
+        <p:blipFill>
+          <a:blip r:embed="rId3"/>
+          <a:stretch>
+            <a:fillRect/>
+          </a:stretch>
+        </p:blipFill>
+        <p:spPr>
+          <a:xfrm>
+            <a:off x="1691680" y="1912569"/>
+            <a:ext cx="5307307" cy="3435669"/>
+          </a:xfrm>
+          <a:prstGeom prst="rect">
+            <a:avLst/>
+          </a:prstGeom>
+          <a:ln>
+            <a:solidFill>
+              <a:srgbClr val="C00000"/>
+            </a:solidFill>
+          </a:ln>
+        </p:spPr>
+      </p:pic>
+    </p:spTree>
+    <p:extLst>
+      <p:ext uri="{BB962C8B-B14F-4D97-AF65-F5344CB8AC3E}">
+        <p14:creationId xmlns:p14="http://schemas.microsoft.com/office/powerpoint/2010/main" val="342760082"/>
+      </p:ext>
+    </p:extLst>
+  </p:cSld>
+  <p:clrMapOvr>
+    <a:masterClrMapping/>
+  </p:clrMapOvr>
+</p:sld>
+</file>
+
+<file path=ppt/slides/slide34.xml><?xml version="1.0" encoding="utf-8"?>
+<p:sld xmlns:a="http://schemas.openxmlformats.org/drawingml/2006/main" xmlns:r="http://schemas.openxmlformats.org/officeDocument/2006/relationships" xmlns:p="http://schemas.openxmlformats.org/presentationml/2006/main">
+  <p:cSld>
+    <p:spTree>
+      <p:nvGrpSpPr>
+        <p:cNvPr id="1" name=""/>
+        <p:cNvGrpSpPr/>
+        <p:nvPr/>
+      </p:nvGrpSpPr>
+      <p:grpSpPr>
+        <a:xfrm>
+          <a:off x="0" y="0"/>
+          <a:ext cx="0" cy="0"/>
+          <a:chOff x="0" y="0"/>
+          <a:chExt cx="0" cy="0"/>
+        </a:xfrm>
+      </p:grpSpPr>
+      <p:pic>
+        <p:nvPicPr>
+          <p:cNvPr id="8" name="Picture 7">
+            <a:extLst>
+              <a:ext uri="{FF2B5EF4-FFF2-40B4-BE49-F238E27FC236}">
+                <a16:creationId xmlns:a16="http://schemas.microsoft.com/office/drawing/2014/main" id="{50ADB00E-D6D0-4346-9877-077085F567E7}"/>
+              </a:ext>
+            </a:extLst>
+          </p:cNvPr>
+          <p:cNvPicPr>
+            <a:picLocks noChangeAspect="1"/>
+          </p:cNvPicPr>
+          <p:nvPr/>
+        </p:nvPicPr>
+        <p:blipFill>
+          <a:blip r:embed="rId2"/>
+          <a:stretch>
+            <a:fillRect/>
+          </a:stretch>
+        </p:blipFill>
+        <p:spPr>
+          <a:xfrm>
+            <a:off x="1167687" y="1871227"/>
+            <a:ext cx="6808626" cy="4425327"/>
+          </a:xfrm>
+          <a:prstGeom prst="rect">
+            <a:avLst/>
+          </a:prstGeom>
+          <a:ln>
+            <a:solidFill>
+              <a:srgbClr val="C00000"/>
+            </a:solidFill>
+          </a:ln>
+        </p:spPr>
+      </p:pic>
+      <p:sp>
+        <p:nvSpPr>
+          <p:cNvPr id="2" name="標題 1"/>
+          <p:cNvSpPr>
+            <a:spLocks noGrp="1"/>
+          </p:cNvSpPr>
+          <p:nvPr>
+            <p:ph type="ctrTitle"/>
+          </p:nvPr>
+        </p:nvSpPr>
+        <p:spPr>
+          <a:xfrm>
+            <a:off x="0" y="1"/>
+            <a:ext cx="9144000" cy="764704"/>
+          </a:xfrm>
+          <a:gradFill flip="none" rotWithShape="1">
+            <a:gsLst>
+              <a:gs pos="0">
+                <a:srgbClr val="C00000">
+                  <a:shade val="30000"/>
+                  <a:satMod val="115000"/>
+                </a:srgbClr>
+              </a:gs>
+              <a:gs pos="50000">
+                <a:srgbClr val="C00000">
+                  <a:shade val="67500"/>
+                  <a:satMod val="115000"/>
+                </a:srgbClr>
+              </a:gs>
+              <a:gs pos="100000">
+                <a:srgbClr val="C00000">
+                  <a:shade val="100000"/>
+                  <a:satMod val="115000"/>
+                </a:srgbClr>
+              </a:gs>
+            </a:gsLst>
+            <a:path path="circle">
+              <a:fillToRect t="100000" r="100000"/>
+            </a:path>
+            <a:tileRect l="-100000" b="-100000"/>
+          </a:gradFill>
+        </p:spPr>
+        <p:txBody>
+          <a:bodyPr>
+            <a:normAutofit/>
+          </a:bodyPr>
+          <a:lstStyle/>
+          <a:p>
+            <a:pPr algn="l"/>
+            <a:r>
+              <a:rPr lang="en-US" altLang="zh-TW" b="1" dirty="0">
+                <a:solidFill>
+                  <a:srgbClr val="FFFF00"/>
+                </a:solidFill>
+              </a:rPr>
+              <a:t>6.6 Use Eclipse and </a:t>
+            </a:r>
+            <a:r>
+              <a:rPr lang="en-US" altLang="zh-TW" b="1" dirty="0" err="1">
+                <a:solidFill>
+                  <a:srgbClr val="FFFF00"/>
+                </a:solidFill>
+              </a:rPr>
+              <a:t>EGit</a:t>
+            </a:r>
+            <a:endParaRPr lang="zh-TW" altLang="en-US" b="1" dirty="0">
+              <a:solidFill>
+                <a:srgbClr val="FFFF00"/>
+              </a:solidFill>
+            </a:endParaRPr>
+          </a:p>
+        </p:txBody>
+      </p:sp>
+      <p:sp>
+        <p:nvSpPr>
+          <p:cNvPr id="3" name="副標題 2"/>
+          <p:cNvSpPr>
+            <a:spLocks noGrp="1"/>
+          </p:cNvSpPr>
+          <p:nvPr>
+            <p:ph type="subTitle" idx="1"/>
+          </p:nvPr>
+        </p:nvSpPr>
+        <p:spPr>
+          <a:xfrm>
+            <a:off x="539552" y="1340768"/>
+            <a:ext cx="8064896" cy="394353"/>
+          </a:xfrm>
+          <a:ln>
+            <a:solidFill>
+              <a:srgbClr val="C00000"/>
+            </a:solidFill>
+          </a:ln>
+        </p:spPr>
+        <p:txBody>
+          <a:bodyPr>
+            <a:noAutofit/>
+          </a:bodyPr>
+          <a:lstStyle/>
+          <a:p>
+            <a:pPr marL="342900" indent="-342900" algn="l">
+              <a:buClr>
+                <a:srgbClr val="0070C0"/>
+              </a:buClr>
+              <a:buSzPct val="80000"/>
+              <a:buFont typeface="Wingdings" pitchFamily="2" charset="2"/>
+              <a:buChar char="u"/>
+            </a:pPr>
+            <a:r>
+              <a:rPr lang="en-US" altLang="zh-TW" sz="1800" dirty="0">
+                <a:solidFill>
+                  <a:schemeClr val="tx1"/>
+                </a:solidFill>
+              </a:rPr>
+              <a:t>Click file “GitHubnTestMain.java”</a:t>
+            </a:r>
+          </a:p>
+        </p:txBody>
+      </p:sp>
+      <p:sp>
+        <p:nvSpPr>
+          <p:cNvPr id="4" name="標題 1"/>
+          <p:cNvSpPr txBox="1">
+            <a:spLocks/>
+          </p:cNvSpPr>
+          <p:nvPr/>
+        </p:nvSpPr>
+        <p:spPr>
+          <a:xfrm>
+            <a:off x="0" y="764704"/>
+            <a:ext cx="9144000" cy="398616"/>
+          </a:xfrm>
+          <a:prstGeom prst="rect">
+            <a:avLst/>
+          </a:prstGeom>
+          <a:gradFill flip="none" rotWithShape="1">
+            <a:gsLst>
+              <a:gs pos="0">
+                <a:srgbClr val="00B0F0">
+                  <a:shade val="30000"/>
+                  <a:satMod val="115000"/>
+                </a:srgbClr>
+              </a:gs>
+              <a:gs pos="50000">
+                <a:srgbClr val="00B0F0">
+                  <a:shade val="67500"/>
+                  <a:satMod val="115000"/>
+                </a:srgbClr>
+              </a:gs>
+              <a:gs pos="100000">
+                <a:srgbClr val="00B0F0">
+                  <a:shade val="100000"/>
+                  <a:satMod val="115000"/>
+                </a:srgbClr>
+              </a:gs>
+            </a:gsLst>
+            <a:path path="circle">
+              <a:fillToRect t="100000" r="100000"/>
+            </a:path>
+            <a:tileRect l="-100000" b="-100000"/>
+          </a:gradFill>
+        </p:spPr>
+        <p:txBody>
+          <a:bodyPr vert="horz" lIns="91440" tIns="45720" rIns="91440" bIns="45720" rtlCol="0" anchor="ctr">
+            <a:normAutofit/>
+          </a:bodyPr>
+          <a:lstStyle/>
+          <a:p>
+            <a:pPr lvl="0">
+              <a:spcBef>
+                <a:spcPct val="0"/>
+              </a:spcBef>
+            </a:pPr>
+            <a:r>
+              <a:rPr lang="en-US" sz="1600" dirty="0">
+                <a:hlinkClick r:id="rId3"/>
+              </a:rPr>
+              <a:t>https://www.youtube.com/watch?v=Huwf0TgWrOw&amp;list=PLsyeobzWxl7q2eaUkorLZExfd7qko9sZC&amp;index=7</a:t>
+            </a:r>
+            <a:endParaRPr kumimoji="0" lang="zh-TW" altLang="en-US" sz="1600" b="0" i="0" u="none" strike="noStrike" kern="1200" cap="none" spc="0" normalizeH="0" baseline="0" noProof="0" dirty="0">
+              <a:ln>
+                <a:noFill/>
+              </a:ln>
+              <a:solidFill>
+                <a:schemeClr val="tx1"/>
+              </a:solidFill>
+              <a:effectLst/>
+              <a:uLnTx/>
+              <a:uFillTx/>
+              <a:latin typeface="+mj-lt"/>
+              <a:ea typeface="+mj-ea"/>
+              <a:cs typeface="+mj-cs"/>
+            </a:endParaRPr>
+          </a:p>
+        </p:txBody>
+      </p:sp>
+      <p:sp>
+        <p:nvSpPr>
+          <p:cNvPr id="5" name="日期版面配置區 4"/>
+          <p:cNvSpPr>
+            <a:spLocks noGrp="1"/>
+          </p:cNvSpPr>
+          <p:nvPr>
+            <p:ph type="dt" sz="half" idx="10"/>
+          </p:nvPr>
+        </p:nvSpPr>
+        <p:spPr>
+          <a:xfrm>
+            <a:off x="457200" y="6356350"/>
+            <a:ext cx="2133600" cy="404246"/>
+          </a:xfrm>
+        </p:spPr>
+        <p:txBody>
+          <a:bodyPr/>
+          <a:lstStyle/>
+          <a:p>
+            <a:fld id="{A4F910E6-8D00-4BAF-8C48-9688E0B449D3}" type="datetime1">
+              <a:rPr lang="zh-TW" altLang="en-US" smtClean="0"/>
+              <a:pPr/>
+              <a:t>2019/5/12</a:t>
+            </a:fld>
+            <a:endParaRPr lang="zh-TW" altLang="en-US"/>
+          </a:p>
+        </p:txBody>
+      </p:sp>
+      <p:sp>
+        <p:nvSpPr>
+          <p:cNvPr id="6" name="投影片編號版面配置區 5"/>
+          <p:cNvSpPr>
+            <a:spLocks noGrp="1"/>
+          </p:cNvSpPr>
+          <p:nvPr>
+            <p:ph type="sldNum" sz="quarter" idx="12"/>
+          </p:nvPr>
+        </p:nvSpPr>
+        <p:spPr>
+          <a:xfrm>
+            <a:off x="6485413" y="6340007"/>
+            <a:ext cx="2133600" cy="404246"/>
+          </a:xfrm>
+        </p:spPr>
+        <p:txBody>
+          <a:bodyPr/>
+          <a:lstStyle/>
+          <a:p>
+            <a:fld id="{E4D7E63D-91F2-4366-A2C4-1B00C9E2590E}" type="slidenum">
+              <a:rPr lang="zh-TW" altLang="en-US" smtClean="0"/>
+              <a:pPr/>
+              <a:t>34</a:t>
+            </a:fld>
+            <a:endParaRPr lang="zh-TW" altLang="en-US"/>
+          </a:p>
+        </p:txBody>
+      </p:sp>
+      <p:sp>
+        <p:nvSpPr>
+          <p:cNvPr id="10" name="Rectangle 9">
+            <a:extLst>
+              <a:ext uri="{FF2B5EF4-FFF2-40B4-BE49-F238E27FC236}">
+                <a16:creationId xmlns:a16="http://schemas.microsoft.com/office/drawing/2014/main" id="{67D5E4B3-013D-4CF0-82F6-E0983FD507CE}"/>
+              </a:ext>
+            </a:extLst>
+          </p:cNvPr>
+          <p:cNvSpPr/>
+          <p:nvPr/>
+        </p:nvSpPr>
+        <p:spPr>
+          <a:xfrm>
+            <a:off x="1763688" y="4149080"/>
+            <a:ext cx="1008112" cy="398615"/>
+          </a:xfrm>
+          <a:prstGeom prst="rect">
+            <a:avLst/>
+          </a:prstGeom>
+          <a:noFill/>
+          <a:ln>
+            <a:solidFill>
+              <a:srgbClr val="C00000"/>
+            </a:solidFill>
+          </a:ln>
+        </p:spPr>
+        <p:style>
+          <a:lnRef idx="2">
+            <a:schemeClr val="accent1">
+              <a:shade val="50000"/>
+            </a:schemeClr>
+          </a:lnRef>
+          <a:fillRef idx="1">
+            <a:schemeClr val="accent1"/>
+          </a:fillRef>
+          <a:effectRef idx="0">
+            <a:schemeClr val="accent1"/>
+          </a:effectRef>
+          <a:fontRef idx="minor">
+            <a:schemeClr val="lt1"/>
+          </a:fontRef>
+        </p:style>
+        <p:txBody>
+          <a:bodyPr rtlCol="0" anchor="ctr"/>
+          <a:lstStyle/>
+          <a:p>
+            <a:pPr algn="ctr"/>
+            <a:endParaRPr lang="en-US"/>
+          </a:p>
+        </p:txBody>
+      </p:sp>
+    </p:spTree>
+    <p:extLst>
+      <p:ext uri="{BB962C8B-B14F-4D97-AF65-F5344CB8AC3E}">
+        <p14:creationId xmlns:p14="http://schemas.microsoft.com/office/powerpoint/2010/main" val="4036381317"/>
+      </p:ext>
+    </p:extLst>
+  </p:cSld>
+  <p:clrMapOvr>
+    <a:masterClrMapping/>
+  </p:clrMapOvr>
+</p:sld>
+</file>
+
+<file path=ppt/slides/slide35.xml><?xml version="1.0" encoding="utf-8"?>
+<p:sld xmlns:a="http://schemas.openxmlformats.org/drawingml/2006/main" xmlns:r="http://schemas.openxmlformats.org/officeDocument/2006/relationships" xmlns:p="http://schemas.openxmlformats.org/presentationml/2006/main">
+  <p:cSld>
+    <p:spTree>
+      <p:nvGrpSpPr>
+        <p:cNvPr id="1" name=""/>
+        <p:cNvGrpSpPr/>
+        <p:nvPr/>
+      </p:nvGrpSpPr>
+      <p:grpSpPr>
+        <a:xfrm>
+          <a:off x="0" y="0"/>
+          <a:ext cx="0" cy="0"/>
+          <a:chOff x="0" y="0"/>
+          <a:chExt cx="0" cy="0"/>
+        </a:xfrm>
+      </p:grpSpPr>
+      <p:sp>
+        <p:nvSpPr>
+          <p:cNvPr id="2" name="標題 1"/>
+          <p:cNvSpPr>
+            <a:spLocks noGrp="1"/>
+          </p:cNvSpPr>
+          <p:nvPr>
+            <p:ph type="ctrTitle"/>
+          </p:nvPr>
+        </p:nvSpPr>
+        <p:spPr>
+          <a:xfrm>
+            <a:off x="0" y="1"/>
+            <a:ext cx="9144000" cy="764704"/>
+          </a:xfrm>
+          <a:gradFill flip="none" rotWithShape="1">
+            <a:gsLst>
+              <a:gs pos="0">
+                <a:srgbClr val="C00000">
+                  <a:shade val="30000"/>
+                  <a:satMod val="115000"/>
+                </a:srgbClr>
+              </a:gs>
+              <a:gs pos="50000">
+                <a:srgbClr val="C00000">
+                  <a:shade val="67500"/>
+                  <a:satMod val="115000"/>
+                </a:srgbClr>
+              </a:gs>
+              <a:gs pos="100000">
+                <a:srgbClr val="C00000">
+                  <a:shade val="100000"/>
+                  <a:satMod val="115000"/>
+                </a:srgbClr>
+              </a:gs>
+            </a:gsLst>
+            <a:path path="circle">
+              <a:fillToRect t="100000" r="100000"/>
+            </a:path>
+            <a:tileRect l="-100000" b="-100000"/>
+          </a:gradFill>
+        </p:spPr>
+        <p:txBody>
+          <a:bodyPr>
+            <a:normAutofit/>
+          </a:bodyPr>
+          <a:lstStyle/>
+          <a:p>
+            <a:pPr algn="l"/>
+            <a:r>
+              <a:rPr lang="en-US" altLang="zh-TW" b="1" dirty="0">
+                <a:solidFill>
+                  <a:srgbClr val="FFFF00"/>
+                </a:solidFill>
+              </a:rPr>
+              <a:t>6.6 Use Eclipse and </a:t>
+            </a:r>
+            <a:r>
+              <a:rPr lang="en-US" altLang="zh-TW" b="1" dirty="0" err="1">
+                <a:solidFill>
+                  <a:srgbClr val="FFFF00"/>
+                </a:solidFill>
+              </a:rPr>
+              <a:t>EGit</a:t>
+            </a:r>
+            <a:endParaRPr lang="zh-TW" altLang="en-US" b="1" dirty="0">
+              <a:solidFill>
+                <a:srgbClr val="FFFF00"/>
+              </a:solidFill>
+            </a:endParaRPr>
+          </a:p>
+        </p:txBody>
+      </p:sp>
+      <p:sp>
+        <p:nvSpPr>
+          <p:cNvPr id="3" name="副標題 2"/>
+          <p:cNvSpPr>
+            <a:spLocks noGrp="1"/>
+          </p:cNvSpPr>
+          <p:nvPr>
+            <p:ph type="subTitle" idx="1"/>
+          </p:nvPr>
+        </p:nvSpPr>
+        <p:spPr>
+          <a:xfrm>
+            <a:off x="539552" y="1340768"/>
+            <a:ext cx="8064896" cy="707362"/>
+          </a:xfrm>
+          <a:ln>
+            <a:solidFill>
+              <a:srgbClr val="C00000"/>
+            </a:solidFill>
+          </a:ln>
+        </p:spPr>
+        <p:txBody>
+          <a:bodyPr>
+            <a:noAutofit/>
+          </a:bodyPr>
+          <a:lstStyle/>
+          <a:p>
+            <a:pPr marL="342900" indent="-342900" algn="l">
+              <a:buClr>
+                <a:srgbClr val="0070C0"/>
+              </a:buClr>
+              <a:buSzPct val="80000"/>
+              <a:buFont typeface="Wingdings" pitchFamily="2" charset="2"/>
+              <a:buChar char="u"/>
+            </a:pPr>
+            <a:r>
+              <a:rPr lang="en-US" altLang="zh-TW" sz="1800" dirty="0">
+                <a:solidFill>
+                  <a:schemeClr val="tx1"/>
+                </a:solidFill>
+              </a:rPr>
+              <a:t>Check “Test 05” is there. This the modification we made in the local repository and uploaded to the remote repository.</a:t>
+            </a:r>
+          </a:p>
+        </p:txBody>
+      </p:sp>
+      <p:sp>
+        <p:nvSpPr>
+          <p:cNvPr id="4" name="標題 1"/>
+          <p:cNvSpPr txBox="1">
+            <a:spLocks/>
+          </p:cNvSpPr>
+          <p:nvPr/>
+        </p:nvSpPr>
+        <p:spPr>
+          <a:xfrm>
+            <a:off x="0" y="764704"/>
+            <a:ext cx="9144000" cy="398616"/>
+          </a:xfrm>
+          <a:prstGeom prst="rect">
+            <a:avLst/>
+          </a:prstGeom>
+          <a:gradFill flip="none" rotWithShape="1">
+            <a:gsLst>
+              <a:gs pos="0">
+                <a:srgbClr val="00B0F0">
+                  <a:shade val="30000"/>
+                  <a:satMod val="115000"/>
+                </a:srgbClr>
+              </a:gs>
+              <a:gs pos="50000">
+                <a:srgbClr val="00B0F0">
+                  <a:shade val="67500"/>
+                  <a:satMod val="115000"/>
+                </a:srgbClr>
+              </a:gs>
+              <a:gs pos="100000">
+                <a:srgbClr val="00B0F0">
+                  <a:shade val="100000"/>
+                  <a:satMod val="115000"/>
+                </a:srgbClr>
+              </a:gs>
+            </a:gsLst>
+            <a:path path="circle">
+              <a:fillToRect t="100000" r="100000"/>
+            </a:path>
+            <a:tileRect l="-100000" b="-100000"/>
+          </a:gradFill>
+        </p:spPr>
+        <p:txBody>
+          <a:bodyPr vert="horz" lIns="91440" tIns="45720" rIns="91440" bIns="45720" rtlCol="0" anchor="ctr">
+            <a:normAutofit/>
+          </a:bodyPr>
+          <a:lstStyle/>
+          <a:p>
+            <a:pPr lvl="0">
+              <a:spcBef>
+                <a:spcPct val="0"/>
+              </a:spcBef>
+            </a:pPr>
+            <a:r>
+              <a:rPr lang="en-US" sz="1600" dirty="0">
+                <a:hlinkClick r:id="rId2"/>
+              </a:rPr>
+              <a:t>https://www.youtube.com/watch?v=Huwf0TgWrOw&amp;list=PLsyeobzWxl7q2eaUkorLZExfd7qko9sZC&amp;index=7</a:t>
+            </a:r>
+            <a:endParaRPr kumimoji="0" lang="zh-TW" altLang="en-US" sz="1600" b="0" i="0" u="none" strike="noStrike" kern="1200" cap="none" spc="0" normalizeH="0" baseline="0" noProof="0" dirty="0">
+              <a:ln>
+                <a:noFill/>
+              </a:ln>
+              <a:solidFill>
+                <a:schemeClr val="tx1"/>
+              </a:solidFill>
+              <a:effectLst/>
+              <a:uLnTx/>
+              <a:uFillTx/>
+              <a:latin typeface="+mj-lt"/>
+              <a:ea typeface="+mj-ea"/>
+              <a:cs typeface="+mj-cs"/>
+            </a:endParaRPr>
+          </a:p>
+        </p:txBody>
+      </p:sp>
+      <p:sp>
+        <p:nvSpPr>
+          <p:cNvPr id="5" name="日期版面配置區 4"/>
+          <p:cNvSpPr>
+            <a:spLocks noGrp="1"/>
+          </p:cNvSpPr>
+          <p:nvPr>
+            <p:ph type="dt" sz="half" idx="10"/>
+          </p:nvPr>
+        </p:nvSpPr>
+        <p:spPr>
+          <a:xfrm>
+            <a:off x="457200" y="6356350"/>
+            <a:ext cx="2133600" cy="404246"/>
+          </a:xfrm>
+        </p:spPr>
+        <p:txBody>
+          <a:bodyPr/>
+          <a:lstStyle/>
+          <a:p>
+            <a:fld id="{A4F910E6-8D00-4BAF-8C48-9688E0B449D3}" type="datetime1">
+              <a:rPr lang="zh-TW" altLang="en-US" smtClean="0"/>
+              <a:pPr/>
+              <a:t>2019/5/12</a:t>
+            </a:fld>
+            <a:endParaRPr lang="zh-TW" altLang="en-US"/>
+          </a:p>
+        </p:txBody>
+      </p:sp>
+      <p:sp>
+        <p:nvSpPr>
+          <p:cNvPr id="6" name="投影片編號版面配置區 5"/>
+          <p:cNvSpPr>
+            <a:spLocks noGrp="1"/>
+          </p:cNvSpPr>
+          <p:nvPr>
+            <p:ph type="sldNum" sz="quarter" idx="12"/>
+          </p:nvPr>
+        </p:nvSpPr>
+        <p:spPr>
+          <a:xfrm>
+            <a:off x="6485413" y="6340007"/>
+            <a:ext cx="2133600" cy="404246"/>
+          </a:xfrm>
+        </p:spPr>
+        <p:txBody>
+          <a:bodyPr/>
+          <a:lstStyle/>
+          <a:p>
+            <a:fld id="{E4D7E63D-91F2-4366-A2C4-1B00C9E2590E}" type="slidenum">
+              <a:rPr lang="zh-TW" altLang="en-US" smtClean="0"/>
+              <a:pPr/>
+              <a:t>35</a:t>
+            </a:fld>
+            <a:endParaRPr lang="zh-TW" altLang="en-US"/>
+          </a:p>
+        </p:txBody>
+      </p:sp>
+      <p:pic>
+        <p:nvPicPr>
+          <p:cNvPr id="9" name="Picture 8">
+            <a:extLst>
+              <a:ext uri="{FF2B5EF4-FFF2-40B4-BE49-F238E27FC236}">
+                <a16:creationId xmlns:a16="http://schemas.microsoft.com/office/drawing/2014/main" id="{8A6CEB03-FB08-4AB4-B980-F70B64D12412}"/>
+              </a:ext>
+            </a:extLst>
+          </p:cNvPr>
+          <p:cNvPicPr>
+            <a:picLocks noChangeAspect="1"/>
+          </p:cNvPicPr>
+          <p:nvPr/>
+        </p:nvPicPr>
+        <p:blipFill>
+          <a:blip r:embed="rId3"/>
+          <a:stretch>
+            <a:fillRect/>
+          </a:stretch>
+        </p:blipFill>
+        <p:spPr>
+          <a:xfrm>
+            <a:off x="1763688" y="2271293"/>
+            <a:ext cx="6223727" cy="4045166"/>
+          </a:xfrm>
+          <a:prstGeom prst="rect">
+            <a:avLst/>
+          </a:prstGeom>
+          <a:ln>
+            <a:solidFill>
+              <a:srgbClr val="C00000"/>
+            </a:solidFill>
+          </a:ln>
+        </p:spPr>
+      </p:pic>
+      <p:sp>
+        <p:nvSpPr>
+          <p:cNvPr id="10" name="Rectangle 9">
+            <a:extLst>
+              <a:ext uri="{FF2B5EF4-FFF2-40B4-BE49-F238E27FC236}">
+                <a16:creationId xmlns:a16="http://schemas.microsoft.com/office/drawing/2014/main" id="{E422CAA8-15E8-4809-96E2-DB17BE1A470D}"/>
+              </a:ext>
+            </a:extLst>
+          </p:cNvPr>
+          <p:cNvSpPr/>
+          <p:nvPr/>
+        </p:nvSpPr>
+        <p:spPr>
+          <a:xfrm>
+            <a:off x="2411760" y="4725144"/>
+            <a:ext cx="1008112" cy="255642"/>
+          </a:xfrm>
+          <a:prstGeom prst="rect">
+            <a:avLst/>
+          </a:prstGeom>
+          <a:noFill/>
+          <a:ln>
+            <a:solidFill>
+              <a:srgbClr val="C00000"/>
+            </a:solidFill>
+          </a:ln>
+        </p:spPr>
+        <p:style>
+          <a:lnRef idx="2">
+            <a:schemeClr val="accent1">
+              <a:shade val="50000"/>
+            </a:schemeClr>
+          </a:lnRef>
+          <a:fillRef idx="1">
+            <a:schemeClr val="accent1"/>
+          </a:fillRef>
+          <a:effectRef idx="0">
+            <a:schemeClr val="accent1"/>
+          </a:effectRef>
+          <a:fontRef idx="minor">
+            <a:schemeClr val="lt1"/>
+          </a:fontRef>
+        </p:style>
+        <p:txBody>
+          <a:bodyPr rtlCol="0" anchor="ctr"/>
+          <a:lstStyle/>
+          <a:p>
+            <a:pPr algn="ctr"/>
+            <a:endParaRPr lang="en-US"/>
+          </a:p>
+        </p:txBody>
+      </p:sp>
+    </p:spTree>
+    <p:extLst>
+      <p:ext uri="{BB962C8B-B14F-4D97-AF65-F5344CB8AC3E}">
+        <p14:creationId xmlns:p14="http://schemas.microsoft.com/office/powerpoint/2010/main" val="385821892"/>
+      </p:ext>
+    </p:extLst>
+  </p:cSld>
+  <p:clrMapOvr>
+    <a:masterClrMapping/>
+  </p:clrMapOvr>
+</p:sld>
+</file>
+
+<file path=ppt/slides/slide36.xml><?xml version="1.0" encoding="utf-8"?>
+<p:sld xmlns:a="http://schemas.openxmlformats.org/drawingml/2006/main" xmlns:r="http://schemas.openxmlformats.org/officeDocument/2006/relationships" xmlns:p="http://schemas.openxmlformats.org/presentationml/2006/main">
+  <p:cSld>
+    <p:spTree>
+      <p:nvGrpSpPr>
+        <p:cNvPr id="1" name=""/>
+        <p:cNvGrpSpPr/>
+        <p:nvPr/>
+      </p:nvGrpSpPr>
+      <p:grpSpPr>
+        <a:xfrm>
+          <a:off x="0" y="0"/>
+          <a:ext cx="0" cy="0"/>
+          <a:chOff x="0" y="0"/>
+          <a:chExt cx="0" cy="0"/>
+        </a:xfrm>
+      </p:grpSpPr>
+      <p:sp>
+        <p:nvSpPr>
+          <p:cNvPr id="2" name="標題 1"/>
+          <p:cNvSpPr>
+            <a:spLocks noGrp="1"/>
+          </p:cNvSpPr>
+          <p:nvPr>
+            <p:ph type="ctrTitle"/>
+          </p:nvPr>
+        </p:nvSpPr>
+        <p:spPr>
+          <a:xfrm>
+            <a:off x="0" y="2130425"/>
+            <a:ext cx="9144000" cy="1470025"/>
+          </a:xfrm>
+          <a:gradFill flip="none" rotWithShape="1">
+            <a:gsLst>
+              <a:gs pos="0">
+                <a:srgbClr val="00B0F0">
+                  <a:shade val="30000"/>
+                  <a:satMod val="115000"/>
+                </a:srgbClr>
+              </a:gs>
+              <a:gs pos="50000">
+                <a:srgbClr val="00B0F0">
+                  <a:shade val="67500"/>
+                  <a:satMod val="115000"/>
+                </a:srgbClr>
+              </a:gs>
+              <a:gs pos="100000">
+                <a:srgbClr val="00B0F0">
+                  <a:shade val="100000"/>
+                  <a:satMod val="115000"/>
+                </a:srgbClr>
+              </a:gs>
+            </a:gsLst>
+            <a:path path="circle">
+              <a:fillToRect t="100000" r="100000"/>
+            </a:path>
+            <a:tileRect l="-100000" b="-100000"/>
+          </a:gradFill>
+        </p:spPr>
+        <p:txBody>
+          <a:bodyPr>
+            <a:normAutofit/>
+          </a:bodyPr>
+          <a:lstStyle/>
+          <a:p>
+            <a:r>
+              <a:rPr lang="en-US" altLang="zh-TW" sz="6000" b="1" dirty="0">
+                <a:solidFill>
+                  <a:srgbClr val="FFFF00"/>
+                </a:solidFill>
+              </a:rPr>
+              <a:t>End of Chapter</a:t>
+            </a:r>
+            <a:endParaRPr lang="zh-TW" altLang="en-US" sz="6000" b="1" dirty="0">
+              <a:solidFill>
+                <a:srgbClr val="FFFF00"/>
+              </a:solidFill>
+            </a:endParaRPr>
+          </a:p>
+        </p:txBody>
+      </p:sp>
+      <p:sp>
+        <p:nvSpPr>
+          <p:cNvPr id="5" name="日期版面配置區 4"/>
+          <p:cNvSpPr>
+            <a:spLocks noGrp="1"/>
+          </p:cNvSpPr>
+          <p:nvPr>
+            <p:ph type="dt" sz="half" idx="10"/>
+          </p:nvPr>
+        </p:nvSpPr>
+        <p:spPr/>
+        <p:txBody>
+          <a:bodyPr/>
+          <a:lstStyle/>
+          <a:p>
+            <a:fld id="{4E46BE27-E923-4EC2-B046-3272AE2A3E5C}" type="datetime1">
+              <a:rPr lang="zh-TW" altLang="en-US" smtClean="0"/>
+              <a:pPr/>
+              <a:t>2019/5/12</a:t>
+            </a:fld>
+            <a:endParaRPr lang="zh-TW" altLang="en-US"/>
+          </a:p>
+        </p:txBody>
+      </p:sp>
+      <p:sp>
+        <p:nvSpPr>
+          <p:cNvPr id="6" name="投影片編號版面配置區 5"/>
+          <p:cNvSpPr>
+            <a:spLocks noGrp="1"/>
+          </p:cNvSpPr>
+          <p:nvPr>
+            <p:ph type="sldNum" sz="quarter" idx="12"/>
+          </p:nvPr>
+        </p:nvSpPr>
+        <p:spPr/>
+        <p:txBody>
+          <a:bodyPr/>
+          <a:lstStyle/>
+          <a:p>
+            <a:fld id="{E4D7E63D-91F2-4366-A2C4-1B00C9E2590E}" type="slidenum">
+              <a:rPr lang="zh-TW" altLang="en-US" smtClean="0"/>
+              <a:pPr/>
+              <a:t>36</a:t>
+            </a:fld>
+            <a:endParaRPr lang="zh-TW" altLang="en-US"/>
+          </a:p>
+        </p:txBody>
+      </p:sp>
+    </p:spTree>
   </p:cSld>
   <p:clrMapOvr>
     <a:masterClrMapping/>
@@ -7376,7 +14689,7 @@
             <a:fld id="{A4F910E6-8D00-4BAF-8C48-9688E0B449D3}" type="datetime1">
               <a:rPr lang="zh-TW" altLang="en-US" smtClean="0"/>
               <a:pPr/>
-              <a:t>2019/5/10</a:t>
+              <a:t>2019/5/12</a:t>
             </a:fld>
             <a:endParaRPr lang="zh-TW" altLang="en-US"/>
           </a:p>
@@ -7542,7 +14855,15 @@
                   <a:srgbClr val="FFFF00"/>
                 </a:solidFill>
               </a:rPr>
-              <a:t>6.1 Create Local Repository</a:t>
+              <a:t>6.1 Download </a:t>
+            </a:r>
+            <a:r>
+              <a:rPr lang="en-US" altLang="zh-TW" sz="4800" b="1" dirty="0" err="1">
+                <a:solidFill>
+                  <a:srgbClr val="FFFF00"/>
+                </a:solidFill>
+              </a:rPr>
+              <a:t>EGit</a:t>
             </a:r>
             <a:endParaRPr lang="zh-TW" altLang="en-US" sz="4800" b="1" dirty="0">
               <a:solidFill>
@@ -7570,7 +14891,7 @@
             <a:fld id="{C389EDC9-19E3-47AC-9C57-C6A24DEA81AD}" type="datetime1">
               <a:rPr lang="zh-TW" altLang="en-US" smtClean="0"/>
               <a:pPr/>
-              <a:t>2019/5/10</a:t>
+              <a:t>2019/5/12</a:t>
             </a:fld>
             <a:endParaRPr lang="zh-TW" altLang="en-US"/>
           </a:p>
@@ -7660,41 +14981,6 @@
           <a:chExt cx="0" cy="0"/>
         </a:xfrm>
       </p:grpSpPr>
-      <p:pic>
-        <p:nvPicPr>
-          <p:cNvPr id="7" name="Picture 6">
-            <a:extLst>
-              <a:ext uri="{FF2B5EF4-FFF2-40B4-BE49-F238E27FC236}">
-                <a16:creationId xmlns:a16="http://schemas.microsoft.com/office/drawing/2014/main" id="{23D35B8A-10B7-4B94-9DF3-A6C81C0F6C56}"/>
-              </a:ext>
-            </a:extLst>
-          </p:cNvPr>
-          <p:cNvPicPr>
-            <a:picLocks noChangeAspect="1"/>
-          </p:cNvPicPr>
-          <p:nvPr/>
-        </p:nvPicPr>
-        <p:blipFill>
-          <a:blip r:embed="rId2"/>
-          <a:stretch>
-            <a:fillRect/>
-          </a:stretch>
-        </p:blipFill>
-        <p:spPr>
-          <a:xfrm>
-            <a:off x="2887703" y="2494667"/>
-            <a:ext cx="3300806" cy="4063806"/>
-          </a:xfrm>
-          <a:prstGeom prst="rect">
-            <a:avLst/>
-          </a:prstGeom>
-          <a:ln>
-            <a:solidFill>
-              <a:srgbClr val="C00000"/>
-            </a:solidFill>
-          </a:ln>
-        </p:spPr>
-      </p:pic>
       <p:sp>
         <p:nvSpPr>
           <p:cNvPr id="2" name="標題 1"/>
@@ -7748,7 +15034,15 @@
                   <a:srgbClr val="FFFF00"/>
                 </a:solidFill>
               </a:rPr>
-              <a:t>6.1 Create Local Repository</a:t>
+              <a:t>6.1 Download </a:t>
+            </a:r>
+            <a:r>
+              <a:rPr lang="en-US" altLang="zh-TW" b="1" dirty="0" err="1">
+                <a:solidFill>
+                  <a:srgbClr val="FFFF00"/>
+                </a:solidFill>
+              </a:rPr>
+              <a:t>EGit</a:t>
             </a:r>
             <a:endParaRPr lang="zh-TW" altLang="en-US" b="1" dirty="0">
               <a:solidFill>
@@ -7771,7 +15065,7 @@
         <p:spPr>
           <a:xfrm>
             <a:off x="539552" y="1340767"/>
-            <a:ext cx="8064896" cy="1080121"/>
+            <a:ext cx="8064896" cy="674369"/>
           </a:xfrm>
           <a:ln>
             <a:solidFill>
@@ -7799,7 +15093,7 @@
                   <a:schemeClr val="tx1"/>
                 </a:solidFill>
               </a:rPr>
-              <a:t>In the Eclipse, click Project Name: “</a:t>
+              <a:t>Install Eclipse: Eclipse &gt; Help &gt; Install New Software &gt; Add &gt; Name: </a:t>
             </a:r>
             <a:r>
               <a:rPr lang="en-US" altLang="zh-TW" sz="1800" dirty="0" err="1">
@@ -7807,7 +15101,7 @@
                   <a:schemeClr val="tx1"/>
                 </a:solidFill>
               </a:rPr>
-              <a:t>GitHubTest</a:t>
+              <a:t>Egit</a:t>
             </a:r>
             <a:r>
               <a:rPr lang="en-US" altLang="zh-TW" sz="1800" dirty="0">
@@ -7815,25 +15109,7 @@
                   <a:schemeClr val="tx1"/>
                 </a:solidFill>
               </a:rPr>
-              <a:t>” &gt; Team &gt; Share Project …</a:t>
-            </a:r>
-          </a:p>
-          <a:p>
-            <a:pPr marL="342900" indent="-342900" algn="l">
-              <a:buClr>
-                <a:srgbClr val="0070C0"/>
-              </a:buClr>
-              <a:buSzPct val="80000"/>
-              <a:buFont typeface="Wingdings" pitchFamily="2" charset="2"/>
-              <a:buChar char="u"/>
-            </a:pPr>
-            <a:r>
-              <a:rPr lang="en-US" altLang="zh-TW" sz="1800" dirty="0">
-                <a:solidFill>
-                  <a:schemeClr val="tx1"/>
-                </a:solidFill>
-              </a:rPr>
-              <a:t>Put your project on the local repository. You need to install the git for your local repository.</a:t>
+              <a:t>, URL: https://download.eclipse.org/egit/updates/.</a:t>
             </a:r>
           </a:p>
         </p:txBody>
@@ -7894,7 +15170,7 @@
             </a:pPr>
             <a:r>
               <a:rPr lang="en-US" sz="1600" dirty="0">
-                <a:hlinkClick r:id="rId3"/>
+                <a:hlinkClick r:id="rId2"/>
               </a:rPr>
               <a:t>https://www.youtube.com/watch?v=Huwf0TgWrOw&amp;list=PLsyeobzWxl7q2eaUkorLZExfd7qko9sZC&amp;index=7</a:t>
             </a:r>
@@ -7938,7 +15214,7 @@
             <a:fld id="{A4F910E6-8D00-4BAF-8C48-9688E0B449D3}" type="datetime1">
               <a:rPr lang="zh-TW" altLang="en-US" smtClean="0"/>
               <a:pPr/>
-              <a:t>2019/5/10</a:t>
+              <a:t>2019/5/12</a:t>
             </a:fld>
             <a:endParaRPr lang="zh-TW" altLang="en-US"/>
           </a:p>
@@ -7973,10 +15249,45 @@
           </a:p>
         </p:txBody>
       </p:sp>
+      <p:pic>
+        <p:nvPicPr>
+          <p:cNvPr id="9" name="Picture 8">
+            <a:extLst>
+              <a:ext uri="{FF2B5EF4-FFF2-40B4-BE49-F238E27FC236}">
+                <a16:creationId xmlns:a16="http://schemas.microsoft.com/office/drawing/2014/main" id="{DF406E42-957A-4848-A075-1EB2FBB49119}"/>
+              </a:ext>
+            </a:extLst>
+          </p:cNvPr>
+          <p:cNvPicPr>
+            <a:picLocks noChangeAspect="1"/>
+          </p:cNvPicPr>
+          <p:nvPr/>
+        </p:nvPicPr>
+        <p:blipFill>
+          <a:blip r:embed="rId3"/>
+          <a:stretch>
+            <a:fillRect/>
+          </a:stretch>
+        </p:blipFill>
+        <p:spPr>
+          <a:xfrm>
+            <a:off x="1526474" y="2200156"/>
+            <a:ext cx="5151913" cy="4197855"/>
+          </a:xfrm>
+          <a:prstGeom prst="rect">
+            <a:avLst/>
+          </a:prstGeom>
+          <a:ln>
+            <a:solidFill>
+              <a:srgbClr val="C00000"/>
+            </a:solidFill>
+          </a:ln>
+        </p:spPr>
+      </p:pic>
     </p:spTree>
     <p:extLst>
       <p:ext uri="{BB962C8B-B14F-4D97-AF65-F5344CB8AC3E}">
-        <p14:creationId xmlns:p14="http://schemas.microsoft.com/office/powerpoint/2010/main" val="1815059753"/>
+        <p14:creationId xmlns:p14="http://schemas.microsoft.com/office/powerpoint/2010/main" val="227164855"/>
       </p:ext>
     </p:extLst>
   </p:cSld>
@@ -8056,7 +15367,15 @@
                   <a:srgbClr val="FFFF00"/>
                 </a:solidFill>
               </a:rPr>
-              <a:t>6.1 Create Local Repository</a:t>
+              <a:t>6.1 Download </a:t>
+            </a:r>
+            <a:r>
+              <a:rPr lang="en-US" altLang="zh-TW" b="1" dirty="0" err="1">
+                <a:solidFill>
+                  <a:srgbClr val="FFFF00"/>
+                </a:solidFill>
+              </a:rPr>
+              <a:t>EGit</a:t>
             </a:r>
             <a:endParaRPr lang="zh-TW" altLang="en-US" b="1" dirty="0">
               <a:solidFill>
@@ -8079,7 +15398,7 @@
         <p:spPr>
           <a:xfrm>
             <a:off x="539552" y="1340768"/>
-            <a:ext cx="8064896" cy="576064"/>
+            <a:ext cx="8064896" cy="398616"/>
           </a:xfrm>
           <a:ln>
             <a:solidFill>
@@ -8107,23 +15426,7 @@
                   <a:schemeClr val="tx1"/>
                 </a:solidFill>
               </a:rPr>
-              <a:t>Get the link of repository “https://github.com/</a:t>
-            </a:r>
-            <a:r>
-              <a:rPr lang="en-US" altLang="zh-TW" sz="1800" dirty="0" err="1">
-                <a:solidFill>
-                  <a:schemeClr val="tx1"/>
-                </a:solidFill>
-              </a:rPr>
-              <a:t>peterhchen</a:t>
-            </a:r>
-            <a:r>
-              <a:rPr lang="en-US" altLang="zh-TW" sz="1800" dirty="0">
-                <a:solidFill>
-                  <a:schemeClr val="tx1"/>
-                </a:solidFill>
-              </a:rPr>
-              <a:t>/300-Eclipse-GitHubTest.git” </a:t>
+              <a:t>Click Next.</a:t>
             </a:r>
           </a:p>
         </p:txBody>
@@ -8228,7 +15531,7 @@
             <a:fld id="{A4F910E6-8D00-4BAF-8C48-9688E0B449D3}" type="datetime1">
               <a:rPr lang="zh-TW" altLang="en-US" smtClean="0"/>
               <a:pPr/>
-              <a:t>2019/5/10</a:t>
+              <a:t>2019/5/12</a:t>
             </a:fld>
             <a:endParaRPr lang="zh-TW" altLang="en-US"/>
           </a:p>
@@ -8265,10 +15568,10 @@
       </p:sp>
       <p:pic>
         <p:nvPicPr>
-          <p:cNvPr id="9" name="Picture 8">
+          <p:cNvPr id="7" name="Picture 6">
             <a:extLst>
               <a:ext uri="{FF2B5EF4-FFF2-40B4-BE49-F238E27FC236}">
-                <a16:creationId xmlns:a16="http://schemas.microsoft.com/office/drawing/2014/main" id="{8B079CA7-E905-4237-97FA-3A621362570A}"/>
+                <a16:creationId xmlns:a16="http://schemas.microsoft.com/office/drawing/2014/main" id="{665EEC11-5E81-4334-AFAE-520322E72EDB}"/>
               </a:ext>
             </a:extLst>
           </p:cNvPr>
@@ -8285,8 +15588,8 @@
         </p:blipFill>
         <p:spPr>
           <a:xfrm>
-            <a:off x="971600" y="2134127"/>
-            <a:ext cx="7308304" cy="4222223"/>
+            <a:off x="1835696" y="1947075"/>
+            <a:ext cx="5123981" cy="4147424"/>
           </a:xfrm>
           <a:prstGeom prst="rect">
             <a:avLst/>
@@ -8298,62 +15601,10 @@
           </a:ln>
         </p:spPr>
       </p:pic>
-      <p:sp>
-        <p:nvSpPr>
-          <p:cNvPr id="11" name="Rectangle 10">
-            <a:extLst>
-              <a:ext uri="{FF2B5EF4-FFF2-40B4-BE49-F238E27FC236}">
-                <a16:creationId xmlns:a16="http://schemas.microsoft.com/office/drawing/2014/main" id="{EA396CEF-E2DF-45EC-8813-AE5AF7941E2C}"/>
-              </a:ext>
-            </a:extLst>
-          </p:cNvPr>
-          <p:cNvSpPr/>
-          <p:nvPr/>
-        </p:nvSpPr>
-        <p:spPr>
-          <a:xfrm>
-            <a:off x="5148064" y="4970585"/>
-            <a:ext cx="2016224" cy="834679"/>
-          </a:xfrm>
-          <a:prstGeom prst="rect">
-            <a:avLst/>
-          </a:prstGeom>
-          <a:noFill/>
-          <a:ln>
-            <a:solidFill>
-              <a:srgbClr val="C00000"/>
-            </a:solidFill>
-          </a:ln>
-        </p:spPr>
-        <p:style>
-          <a:lnRef idx="2">
-            <a:schemeClr val="accent1">
-              <a:shade val="50000"/>
-            </a:schemeClr>
-          </a:lnRef>
-          <a:fillRef idx="1">
-            <a:schemeClr val="accent1"/>
-          </a:fillRef>
-          <a:effectRef idx="0">
-            <a:schemeClr val="accent1"/>
-          </a:effectRef>
-          <a:fontRef idx="minor">
-            <a:schemeClr val="lt1"/>
-          </a:fontRef>
-        </p:style>
-        <p:txBody>
-          <a:bodyPr rtlCol="0" anchor="ctr"/>
-          <a:lstStyle/>
-          <a:p>
-            <a:pPr algn="ctr"/>
-            <a:endParaRPr lang="en-US"/>
-          </a:p>
-        </p:txBody>
-      </p:sp>
     </p:spTree>
     <p:extLst>
       <p:ext uri="{BB962C8B-B14F-4D97-AF65-F5344CB8AC3E}">
-        <p14:creationId xmlns:p14="http://schemas.microsoft.com/office/powerpoint/2010/main" val="993296993"/>
+        <p14:creationId xmlns:p14="http://schemas.microsoft.com/office/powerpoint/2010/main" val="2635679684"/>
       </p:ext>
     </p:extLst>
   </p:cSld>
@@ -8433,7 +15684,15 @@
                   <a:srgbClr val="FFFF00"/>
                 </a:solidFill>
               </a:rPr>
-              <a:t>6.1 Create Local Repository</a:t>
+              <a:t>6.1 Download </a:t>
+            </a:r>
+            <a:r>
+              <a:rPr lang="en-US" altLang="zh-TW" b="1" dirty="0" err="1">
+                <a:solidFill>
+                  <a:srgbClr val="FFFF00"/>
+                </a:solidFill>
+              </a:rPr>
+              <a:t>EGit</a:t>
             </a:r>
             <a:endParaRPr lang="zh-TW" altLang="en-US" b="1" dirty="0">
               <a:solidFill>
@@ -8455,8 +15714,8 @@
         </p:nvSpPr>
         <p:spPr>
           <a:xfrm>
-            <a:off x="539552" y="1340767"/>
-            <a:ext cx="8064896" cy="819315"/>
+            <a:off x="539552" y="1340768"/>
+            <a:ext cx="8064896" cy="398616"/>
           </a:xfrm>
           <a:ln>
             <a:solidFill>
@@ -8484,41 +15743,7 @@
                   <a:schemeClr val="tx1"/>
                 </a:solidFill>
               </a:rPr>
-              <a:t>Click “Create…” to create local repository.</a:t>
-            </a:r>
-          </a:p>
-          <a:p>
-            <a:pPr marL="342900" indent="-342900" algn="l">
-              <a:buClr>
-                <a:srgbClr val="0070C0"/>
-              </a:buClr>
-              <a:buSzPct val="80000"/>
-              <a:buFont typeface="Wingdings" pitchFamily="2" charset="2"/>
-              <a:buChar char="u"/>
-            </a:pPr>
-            <a:r>
-              <a:rPr lang="en-US" altLang="zh-TW" sz="1800" dirty="0">
-                <a:solidFill>
-                  <a:schemeClr val="tx1"/>
-                </a:solidFill>
-              </a:rPr>
-              <a:t>Give the name of local repository “</a:t>
-            </a:r>
-            <a:r>
-              <a:rPr lang="en-US" altLang="zh-TW" sz="1800" dirty="0" err="1">
-                <a:solidFill>
-                  <a:schemeClr val="tx1"/>
-                </a:solidFill>
-              </a:rPr>
-              <a:t>GitHubTest</a:t>
-            </a:r>
-            <a:r>
-              <a:rPr lang="en-US" altLang="zh-TW" sz="1800" dirty="0">
-                <a:solidFill>
-                  <a:schemeClr val="tx1"/>
-                </a:solidFill>
-              </a:rPr>
-              <a:t>”.</a:t>
+              <a:t>Click Finish and restart the Eclipse.</a:t>
             </a:r>
           </a:p>
         </p:txBody>
@@ -8623,7 +15848,7 @@
             <a:fld id="{A4F910E6-8D00-4BAF-8C48-9688E0B449D3}" type="datetime1">
               <a:rPr lang="zh-TW" altLang="en-US" smtClean="0"/>
               <a:pPr/>
-              <a:t>2019/5/10</a:t>
+              <a:t>2019/5/12</a:t>
             </a:fld>
             <a:endParaRPr lang="zh-TW" altLang="en-US"/>
           </a:p>
@@ -8663,7 +15888,7 @@
           <p:cNvPr id="8" name="Picture 7">
             <a:extLst>
               <a:ext uri="{FF2B5EF4-FFF2-40B4-BE49-F238E27FC236}">
-                <a16:creationId xmlns:a16="http://schemas.microsoft.com/office/drawing/2014/main" id="{6E67BC57-270F-4B8B-89B2-4906DDEF03F9}"/>
+                <a16:creationId xmlns:a16="http://schemas.microsoft.com/office/drawing/2014/main" id="{2B609D84-5218-415D-89BE-A1B3E534A467}"/>
               </a:ext>
             </a:extLst>
           </p:cNvPr>
@@ -8680,8 +15905,8 @@
         </p:blipFill>
         <p:spPr>
           <a:xfrm>
-            <a:off x="611560" y="2420888"/>
-            <a:ext cx="4232845" cy="2457227"/>
+            <a:off x="1814170" y="1944418"/>
+            <a:ext cx="4671243" cy="3795719"/>
           </a:xfrm>
           <a:prstGeom prst="rect">
             <a:avLst/>
@@ -8693,45 +15918,10 @@
           </a:ln>
         </p:spPr>
       </p:pic>
-      <p:pic>
-        <p:nvPicPr>
-          <p:cNvPr id="9" name="Picture 8">
-            <a:extLst>
-              <a:ext uri="{FF2B5EF4-FFF2-40B4-BE49-F238E27FC236}">
-                <a16:creationId xmlns:a16="http://schemas.microsoft.com/office/drawing/2014/main" id="{E6E666FF-AEE9-478A-AB4F-0262A15F6883}"/>
-              </a:ext>
-            </a:extLst>
-          </p:cNvPr>
-          <p:cNvPicPr>
-            <a:picLocks noChangeAspect="1"/>
-          </p:cNvPicPr>
-          <p:nvPr/>
-        </p:nvPicPr>
-        <p:blipFill>
-          <a:blip r:embed="rId4"/>
-          <a:stretch>
-            <a:fillRect/>
-          </a:stretch>
-        </p:blipFill>
-        <p:spPr>
-          <a:xfrm>
-            <a:off x="5004048" y="2558697"/>
-            <a:ext cx="3703370" cy="2728416"/>
-          </a:xfrm>
-          <a:prstGeom prst="rect">
-            <a:avLst/>
-          </a:prstGeom>
-          <a:ln>
-            <a:solidFill>
-              <a:srgbClr val="C00000"/>
-            </a:solidFill>
-          </a:ln>
-        </p:spPr>
-      </p:pic>
     </p:spTree>
     <p:extLst>
       <p:ext uri="{BB962C8B-B14F-4D97-AF65-F5344CB8AC3E}">
-        <p14:creationId xmlns:p14="http://schemas.microsoft.com/office/powerpoint/2010/main" val="803673436"/>
+        <p14:creationId xmlns:p14="http://schemas.microsoft.com/office/powerpoint/2010/main" val="3377899130"/>
       </p:ext>
     </p:extLst>
   </p:cSld>
@@ -8770,50 +15960,28 @@
         </p:nvSpPr>
         <p:spPr>
           <a:xfrm>
-            <a:off x="0" y="1"/>
-            <a:ext cx="9144000" cy="764704"/>
-          </a:xfrm>
-          <a:gradFill flip="none" rotWithShape="1">
-            <a:gsLst>
-              <a:gs pos="0">
-                <a:srgbClr val="C00000">
-                  <a:shade val="30000"/>
-                  <a:satMod val="115000"/>
-                </a:srgbClr>
-              </a:gs>
-              <a:gs pos="50000">
-                <a:srgbClr val="C00000">
-                  <a:shade val="67500"/>
-                  <a:satMod val="115000"/>
-                </a:srgbClr>
-              </a:gs>
-              <a:gs pos="100000">
-                <a:srgbClr val="C00000">
-                  <a:shade val="100000"/>
-                  <a:satMod val="115000"/>
-                </a:srgbClr>
-              </a:gs>
-            </a:gsLst>
-            <a:path path="circle">
-              <a:fillToRect t="100000" r="100000"/>
-            </a:path>
-            <a:tileRect l="-100000" b="-100000"/>
-          </a:gradFill>
-        </p:spPr>
-        <p:txBody>
-          <a:bodyPr/>
-          <a:lstStyle/>
-          <a:p>
-            <a:pPr algn="l"/>
-            <a:r>
-              <a:rPr lang="en-US" altLang="zh-TW" b="1" dirty="0">
+            <a:off x="0" y="2130425"/>
+            <a:ext cx="9144000" cy="1470025"/>
+          </a:xfrm>
+          <a:solidFill>
+            <a:srgbClr val="00B0F0"/>
+          </a:solidFill>
+        </p:spPr>
+        <p:txBody>
+          <a:bodyPr>
+            <a:normAutofit/>
+          </a:bodyPr>
+          <a:lstStyle/>
+          <a:p>
+            <a:r>
+              <a:rPr lang="en-US" altLang="zh-TW" sz="4800" b="1" dirty="0">
                 <a:solidFill>
                   <a:srgbClr val="FFFF00"/>
                 </a:solidFill>
               </a:rPr>
-              <a:t>6.1 Create Local Repository</a:t>
-            </a:r>
-            <a:endParaRPr lang="zh-TW" altLang="en-US" b="1" dirty="0">
+              <a:t>6.2 Create Local Repository</a:t>
+            </a:r>
+            <a:endParaRPr lang="zh-TW" altLang="en-US" sz="4800" b="1" dirty="0">
               <a:solidFill>
                 <a:srgbClr val="FFFF00"/>
               </a:solidFill>
@@ -8823,145 +15991,6 @@
       </p:sp>
       <p:sp>
         <p:nvSpPr>
-          <p:cNvPr id="3" name="副標題 2"/>
-          <p:cNvSpPr>
-            <a:spLocks noGrp="1"/>
-          </p:cNvSpPr>
-          <p:nvPr>
-            <p:ph type="subTitle" idx="1"/>
-          </p:nvPr>
-        </p:nvSpPr>
-        <p:spPr>
-          <a:xfrm>
-            <a:off x="539552" y="1340768"/>
-            <a:ext cx="8064896" cy="398616"/>
-          </a:xfrm>
-          <a:ln>
-            <a:solidFill>
-              <a:srgbClr val="C00000"/>
-            </a:solidFill>
-          </a:ln>
-        </p:spPr>
-        <p:txBody>
-          <a:bodyPr>
-            <a:noAutofit/>
-          </a:bodyPr>
-          <a:lstStyle/>
-          <a:p>
-            <a:pPr marL="342900" indent="-342900" algn="l">
-              <a:buClr>
-                <a:srgbClr val="0070C0"/>
-              </a:buClr>
-              <a:buSzPct val="80000"/>
-              <a:buFont typeface="Wingdings" pitchFamily="2" charset="2"/>
-              <a:buChar char="u"/>
-            </a:pPr>
-            <a:r>
-              <a:rPr lang="en-US" altLang="zh-TW" sz="1800" dirty="0">
-                <a:solidFill>
-                  <a:schemeClr val="tx1"/>
-                </a:solidFill>
-              </a:rPr>
-              <a:t>The local Git repository is “C:\Users\14088\git\</a:t>
-            </a:r>
-            <a:r>
-              <a:rPr lang="en-US" altLang="zh-TW" sz="1800" dirty="0" err="1">
-                <a:solidFill>
-                  <a:schemeClr val="tx1"/>
-                </a:solidFill>
-              </a:rPr>
-              <a:t>GitHubTest</a:t>
-            </a:r>
-            <a:r>
-              <a:rPr lang="en-US" altLang="zh-TW" sz="1800" dirty="0">
-                <a:solidFill>
-                  <a:schemeClr val="tx1"/>
-                </a:solidFill>
-              </a:rPr>
-              <a:t>\.git”.</a:t>
-            </a:r>
-          </a:p>
-        </p:txBody>
-      </p:sp>
-      <p:sp>
-        <p:nvSpPr>
-          <p:cNvPr id="4" name="標題 1"/>
-          <p:cNvSpPr txBox="1">
-            <a:spLocks/>
-          </p:cNvSpPr>
-          <p:nvPr/>
-        </p:nvSpPr>
-        <p:spPr>
-          <a:xfrm>
-            <a:off x="0" y="764704"/>
-            <a:ext cx="9144000" cy="398616"/>
-          </a:xfrm>
-          <a:prstGeom prst="rect">
-            <a:avLst/>
-          </a:prstGeom>
-          <a:gradFill flip="none" rotWithShape="1">
-            <a:gsLst>
-              <a:gs pos="0">
-                <a:srgbClr val="00B0F0">
-                  <a:shade val="30000"/>
-                  <a:satMod val="115000"/>
-                </a:srgbClr>
-              </a:gs>
-              <a:gs pos="50000">
-                <a:srgbClr val="00B0F0">
-                  <a:shade val="67500"/>
-                  <a:satMod val="115000"/>
-                </a:srgbClr>
-              </a:gs>
-              <a:gs pos="100000">
-                <a:srgbClr val="00B0F0">
-                  <a:shade val="100000"/>
-                  <a:satMod val="115000"/>
-                </a:srgbClr>
-              </a:gs>
-            </a:gsLst>
-            <a:path path="circle">
-              <a:fillToRect t="100000" r="100000"/>
-            </a:path>
-            <a:tileRect l="-100000" b="-100000"/>
-          </a:gradFill>
-        </p:spPr>
-        <p:txBody>
-          <a:bodyPr vert="horz" lIns="91440" tIns="45720" rIns="91440" bIns="45720" rtlCol="0" anchor="ctr">
-            <a:normAutofit/>
-          </a:bodyPr>
-          <a:lstStyle/>
-          <a:p>
-            <a:pPr lvl="0">
-              <a:spcBef>
-                <a:spcPct val="0"/>
-              </a:spcBef>
-            </a:pPr>
-            <a:r>
-              <a:rPr lang="en-US" sz="1600" dirty="0">
-                <a:hlinkClick r:id="rId2"/>
-              </a:rPr>
-              <a:t>https://www.youtube.com/watch?v=Huwf0TgWrOw&amp;list=PLsyeobzWxl7q2eaUkorLZExfd7qko9sZC&amp;index=7</a:t>
-            </a:r>
-            <a:endParaRPr kumimoji="0" lang="zh-TW" altLang="en-US" sz="1600" b="0" i="0" u="none" strike="noStrike" kern="1200" cap="none" spc="0" normalizeH="0" baseline="0" noProof="0" dirty="0">
-              <a:ln>
-                <a:noFill/>
-              </a:ln>
-              <a:solidFill>
-                <a:schemeClr val="tx1"/>
-              </a:solidFill>
-              <a:effectLst/>
-              <a:uLnTx/>
-              <a:uFillTx/>
-              <a:latin typeface="+mj-lt"/>
-              <a:ea typeface="+mj-ea"/>
-              <a:cs typeface="+mj-cs"/>
-            </a:endParaRPr>
-          </a:p>
-        </p:txBody>
-      </p:sp>
-      <p:sp>
-        <p:nvSpPr>
           <p:cNvPr id="5" name="日期版面配置區 4"/>
           <p:cNvSpPr>
             <a:spLocks noGrp="1"/>
@@ -8970,20 +15999,15 @@
             <p:ph type="dt" sz="half" idx="10"/>
           </p:nvPr>
         </p:nvSpPr>
-        <p:spPr>
-          <a:xfrm>
-            <a:off x="457200" y="6356350"/>
-            <a:ext cx="2133600" cy="404246"/>
-          </a:xfrm>
-        </p:spPr>
+        <p:spPr/>
         <p:txBody>
           <a:bodyPr/>
           <a:lstStyle/>
           <a:p>
-            <a:fld id="{A4F910E6-8D00-4BAF-8C48-9688E0B449D3}" type="datetime1">
+            <a:fld id="{C389EDC9-19E3-47AC-9C57-C6A24DEA81AD}" type="datetime1">
               <a:rPr lang="zh-TW" altLang="en-US" smtClean="0"/>
               <a:pPr/>
-              <a:t>2019/5/10</a:t>
+              <a:t>2019/5/12</a:t>
             </a:fld>
             <a:endParaRPr lang="zh-TW" altLang="en-US"/>
           </a:p>
@@ -8999,12 +16023,7 @@
             <p:ph type="sldNum" sz="quarter" idx="12"/>
           </p:nvPr>
         </p:nvSpPr>
-        <p:spPr>
-          <a:xfrm>
-            <a:off x="6485413" y="6340007"/>
-            <a:ext cx="2133600" cy="404246"/>
-          </a:xfrm>
-        </p:spPr>
+        <p:spPr/>
         <p:txBody>
           <a:bodyPr/>
           <a:lstStyle/>
@@ -9023,7 +16042,7 @@
           <p:cNvPr id="7" name="Picture 6">
             <a:extLst>
               <a:ext uri="{FF2B5EF4-FFF2-40B4-BE49-F238E27FC236}">
-                <a16:creationId xmlns:a16="http://schemas.microsoft.com/office/drawing/2014/main" id="{108A9FEB-2C07-447B-BFFF-3C2184B5AAE0}"/>
+                <a16:creationId xmlns:a16="http://schemas.microsoft.com/office/drawing/2014/main" id="{13E1E6C3-8D61-43FD-9739-EC3CD35FD08C}"/>
               </a:ext>
             </a:extLst>
           </p:cNvPr>
@@ -9033,30 +16052,25 @@
           <p:nvPr/>
         </p:nvPicPr>
         <p:blipFill>
-          <a:blip r:embed="rId3"/>
+          <a:blip r:embed="rId2"/>
           <a:stretch>
             <a:fillRect/>
           </a:stretch>
         </p:blipFill>
         <p:spPr>
           <a:xfrm>
-            <a:off x="1033462" y="2006108"/>
-            <a:ext cx="7077075" cy="4067175"/>
+            <a:off x="4042507" y="3668596"/>
+            <a:ext cx="1058986" cy="957275"/>
           </a:xfrm>
           <a:prstGeom prst="rect">
             <a:avLst/>
           </a:prstGeom>
-          <a:ln>
-            <a:solidFill>
-              <a:srgbClr val="C00000"/>
-            </a:solidFill>
-          </a:ln>
         </p:spPr>
       </p:pic>
     </p:spTree>
     <p:extLst>
       <p:ext uri="{BB962C8B-B14F-4D97-AF65-F5344CB8AC3E}">
-        <p14:creationId xmlns:p14="http://schemas.microsoft.com/office/powerpoint/2010/main" val="450738596"/>
+        <p14:creationId xmlns:p14="http://schemas.microsoft.com/office/powerpoint/2010/main" val="3440232222"/>
       </p:ext>
     </p:extLst>
   </p:cSld>
